--- a/aws_sra_examples/solutions/common/common_prerequisites/documentation/common-prerequisites.pptx
+++ b/aws_sra_examples/solutions/common/common_prerequisites/documentation/common-prerequisites.pptx
@@ -197,7 +197,7 @@
           <a:p>
             <a:fld id="{FD8D84E3-00BA-4A46-8256-7E527D8B4480}" type="datetimeFigureOut">
               <a:rPr lang="en-US" smtClean="0"/>
-              <a:t>12/7/21</a:t>
+              <a:t>3/7/22</a:t>
             </a:fld>
             <a:endParaRPr lang="en-US"/>
           </a:p>
@@ -695,7 +695,7 @@
           <a:p>
             <a:fld id="{9FE185F7-9B28-9F45-9F43-9CB5A0B99390}" type="datetimeFigureOut">
               <a:rPr lang="en-US" smtClean="0"/>
-              <a:t>12/7/21</a:t>
+              <a:t>3/7/22</a:t>
             </a:fld>
             <a:endParaRPr lang="en-US"/>
           </a:p>
@@ -893,7 +893,7 @@
           <a:p>
             <a:fld id="{9FE185F7-9B28-9F45-9F43-9CB5A0B99390}" type="datetimeFigureOut">
               <a:rPr lang="en-US" smtClean="0"/>
-              <a:t>12/7/21</a:t>
+              <a:t>3/7/22</a:t>
             </a:fld>
             <a:endParaRPr lang="en-US"/>
           </a:p>
@@ -1101,7 +1101,7 @@
           <a:p>
             <a:fld id="{9FE185F7-9B28-9F45-9F43-9CB5A0B99390}" type="datetimeFigureOut">
               <a:rPr lang="en-US" smtClean="0"/>
-              <a:t>12/7/21</a:t>
+              <a:t>3/7/22</a:t>
             </a:fld>
             <a:endParaRPr lang="en-US"/>
           </a:p>
@@ -1299,7 +1299,7 @@
           <a:p>
             <a:fld id="{9FE185F7-9B28-9F45-9F43-9CB5A0B99390}" type="datetimeFigureOut">
               <a:rPr lang="en-US" smtClean="0"/>
-              <a:t>12/7/21</a:t>
+              <a:t>3/7/22</a:t>
             </a:fld>
             <a:endParaRPr lang="en-US"/>
           </a:p>
@@ -1574,7 +1574,7 @@
           <a:p>
             <a:fld id="{9FE185F7-9B28-9F45-9F43-9CB5A0B99390}" type="datetimeFigureOut">
               <a:rPr lang="en-US" smtClean="0"/>
-              <a:t>12/7/21</a:t>
+              <a:t>3/7/22</a:t>
             </a:fld>
             <a:endParaRPr lang="en-US"/>
           </a:p>
@@ -1839,7 +1839,7 @@
           <a:p>
             <a:fld id="{9FE185F7-9B28-9F45-9F43-9CB5A0B99390}" type="datetimeFigureOut">
               <a:rPr lang="en-US" smtClean="0"/>
-              <a:t>12/7/21</a:t>
+              <a:t>3/7/22</a:t>
             </a:fld>
             <a:endParaRPr lang="en-US"/>
           </a:p>
@@ -2251,7 +2251,7 @@
           <a:p>
             <a:fld id="{9FE185F7-9B28-9F45-9F43-9CB5A0B99390}" type="datetimeFigureOut">
               <a:rPr lang="en-US" smtClean="0"/>
-              <a:t>12/7/21</a:t>
+              <a:t>3/7/22</a:t>
             </a:fld>
             <a:endParaRPr lang="en-US"/>
           </a:p>
@@ -2392,7 +2392,7 @@
           <a:p>
             <a:fld id="{9FE185F7-9B28-9F45-9F43-9CB5A0B99390}" type="datetimeFigureOut">
               <a:rPr lang="en-US" smtClean="0"/>
-              <a:t>12/7/21</a:t>
+              <a:t>3/7/22</a:t>
             </a:fld>
             <a:endParaRPr lang="en-US"/>
           </a:p>
@@ -2505,7 +2505,7 @@
           <a:p>
             <a:fld id="{9FE185F7-9B28-9F45-9F43-9CB5A0B99390}" type="datetimeFigureOut">
               <a:rPr lang="en-US" smtClean="0"/>
-              <a:t>12/7/21</a:t>
+              <a:t>3/7/22</a:t>
             </a:fld>
             <a:endParaRPr lang="en-US"/>
           </a:p>
@@ -2816,7 +2816,7 @@
           <a:p>
             <a:fld id="{9FE185F7-9B28-9F45-9F43-9CB5A0B99390}" type="datetimeFigureOut">
               <a:rPr lang="en-US" smtClean="0"/>
-              <a:t>12/7/21</a:t>
+              <a:t>3/7/22</a:t>
             </a:fld>
             <a:endParaRPr lang="en-US"/>
           </a:p>
@@ -3104,7 +3104,7 @@
           <a:p>
             <a:fld id="{9FE185F7-9B28-9F45-9F43-9CB5A0B99390}" type="datetimeFigureOut">
               <a:rPr lang="en-US" smtClean="0"/>
-              <a:t>12/7/21</a:t>
+              <a:t>3/7/22</a:t>
             </a:fld>
             <a:endParaRPr lang="en-US"/>
           </a:p>
@@ -3345,7 +3345,7 @@
           <a:p>
             <a:fld id="{9FE185F7-9B28-9F45-9F43-9CB5A0B99390}" type="datetimeFigureOut">
               <a:rPr lang="en-US" smtClean="0"/>
-              <a:t>12/7/21</a:t>
+              <a:t>3/7/22</a:t>
             </a:fld>
             <a:endParaRPr lang="en-US"/>
           </a:p>
@@ -3776,8 +3776,8 @@
         </p:nvSpPr>
         <p:spPr>
           <a:xfrm>
-            <a:off x="270349" y="854927"/>
-            <a:ext cx="11651302" cy="4942693"/>
+            <a:off x="504721" y="264902"/>
+            <a:ext cx="10985231" cy="6328196"/>
           </a:xfrm>
           <a:prstGeom prst="rect">
             <a:avLst/>
@@ -3949,7 +3949,7 @@
         </p:blipFill>
         <p:spPr>
           <a:xfrm>
-            <a:off x="270381" y="858080"/>
+            <a:off x="504721" y="264902"/>
             <a:ext cx="330200" cy="330200"/>
           </a:xfrm>
           <a:prstGeom prst="rect">
@@ -3971,8 +3971,8 @@
         </p:nvSpPr>
         <p:spPr>
           <a:xfrm>
-            <a:off x="400461" y="1270353"/>
-            <a:ext cx="7731787" cy="4342286"/>
+            <a:off x="626093" y="648591"/>
+            <a:ext cx="7240926" cy="4041883"/>
           </a:xfrm>
           <a:prstGeom prst="rect">
             <a:avLst/>
@@ -4038,7 +4038,7 @@
         </p:nvSpPr>
         <p:spPr>
           <a:xfrm>
-            <a:off x="360002" y="3588794"/>
+            <a:off x="726114" y="3489646"/>
             <a:ext cx="1307240" cy="430887"/>
           </a:xfrm>
           <a:prstGeom prst="rect">
@@ -4091,8 +4091,8 @@
         </p:blipFill>
         <p:spPr>
           <a:xfrm>
-            <a:off x="736044" y="3000400"/>
-            <a:ext cx="555156" cy="555156"/>
+            <a:off x="1153310" y="3034751"/>
+            <a:ext cx="457200" cy="457200"/>
           </a:xfrm>
           <a:prstGeom prst="rect">
             <a:avLst/>
@@ -4101,10 +4101,10 @@
       </p:pic>
       <p:sp>
         <p:nvSpPr>
-          <p:cNvPr id="153" name="Rectangle 152">
-            <a:extLst>
-              <a:ext uri="{FF2B5EF4-FFF2-40B4-BE49-F238E27FC236}">
-                <a16:creationId xmlns:a16="http://schemas.microsoft.com/office/drawing/2014/main" id="{CB91CC3D-9B41-4F4E-A36E-8EBAE5690590}"/>
+          <p:cNvPr id="226" name="Oval 225">
+            <a:extLst>
+              <a:ext uri="{FF2B5EF4-FFF2-40B4-BE49-F238E27FC236}">
+                <a16:creationId xmlns:a16="http://schemas.microsoft.com/office/drawing/2014/main" id="{B075B0CF-8F6A-3947-BD02-50EB6DA85CEE}"/>
               </a:ext>
             </a:extLst>
           </p:cNvPr>
@@ -4113,18 +4113,19 @@
         </p:nvSpPr>
         <p:spPr>
           <a:xfrm>
-            <a:off x="1733429" y="1654594"/>
-            <a:ext cx="6224534" cy="3818708"/>
-          </a:xfrm>
-          <a:prstGeom prst="rect">
+            <a:off x="648054" y="676022"/>
+            <a:ext cx="253435" cy="212902"/>
+          </a:xfrm>
+          <a:prstGeom prst="ellipse">
             <a:avLst/>
           </a:prstGeom>
-          <a:noFill/>
-          <a:ln w="12700">
+          <a:solidFill>
+            <a:schemeClr val="tx1"/>
+          </a:solidFill>
+          <a:ln>
             <a:solidFill>
               <a:schemeClr val="tx1"/>
             </a:solidFill>
-            <a:prstDash val="dash"/>
           </a:ln>
         </p:spPr>
         <p:style>
@@ -4144,29 +4145,26 @@
           </a:fontRef>
         </p:style>
         <p:txBody>
-          <a:bodyPr rot="0" spcFirstLastPara="0" vertOverflow="overflow" horzOverflow="overflow" vert="horz" wrap="square" lIns="91440" tIns="91440" rIns="91440" bIns="45720" numCol="1" spcCol="0" rtlCol="0" fromWordArt="0" anchor="t" anchorCtr="0" forceAA="0" compatLnSpc="1">
-            <a:prstTxWarp prst="textNoShape">
-              <a:avLst/>
-            </a:prstTxWarp>
-            <a:noAutofit/>
-          </a:bodyPr>
+          <a:bodyPr lIns="0" tIns="0" rIns="0" bIns="0" rtlCol="0" anchor="ctr"/>
           <a:lstStyle/>
           <a:p>
             <a:pPr algn="ctr"/>
-            <a:endParaRPr lang="en-US" sz="1400" dirty="0">
-              <a:solidFill>
-                <a:srgbClr val="5A6B86"/>
-              </a:solidFill>
-            </a:endParaRPr>
-          </a:p>
-        </p:txBody>
-      </p:sp>
-      <p:sp>
-        <p:nvSpPr>
-          <p:cNvPr id="226" name="Oval 225">
-            <a:extLst>
-              <a:ext uri="{FF2B5EF4-FFF2-40B4-BE49-F238E27FC236}">
-                <a16:creationId xmlns:a16="http://schemas.microsoft.com/office/drawing/2014/main" id="{B075B0CF-8F6A-3947-BD02-50EB6DA85CEE}"/>
+            <a:r>
+              <a:rPr lang="en-US" sz="800" dirty="0">
+                <a:latin typeface="Arial" panose="020B0604020202020204" pitchFamily="34" charset="0"/>
+                <a:cs typeface="Arial" panose="020B0604020202020204" pitchFamily="34" charset="0"/>
+              </a:rPr>
+              <a:t>1.0</a:t>
+            </a:r>
+          </a:p>
+        </p:txBody>
+      </p:sp>
+      <p:sp>
+        <p:nvSpPr>
+          <p:cNvPr id="227" name="Oval 226">
+            <a:extLst>
+              <a:ext uri="{FF2B5EF4-FFF2-40B4-BE49-F238E27FC236}">
+                <a16:creationId xmlns:a16="http://schemas.microsoft.com/office/drawing/2014/main" id="{F0D1735B-0005-B145-8C48-3E3934A1D64E}"/>
               </a:ext>
             </a:extLst>
           </p:cNvPr>
@@ -4175,7 +4173,7 @@
         </p:nvSpPr>
         <p:spPr>
           <a:xfrm>
-            <a:off x="422423" y="1297784"/>
+            <a:off x="1161340" y="3041456"/>
             <a:ext cx="253435" cy="212902"/>
           </a:xfrm>
           <a:prstGeom prst="ellipse">
@@ -4216,17 +4214,923 @@
                 <a:latin typeface="Arial" panose="020B0604020202020204" pitchFamily="34" charset="0"/>
                 <a:cs typeface="Arial" panose="020B0604020202020204" pitchFamily="34" charset="0"/>
               </a:rPr>
-              <a:t>1.0</a:t>
-            </a:r>
-          </a:p>
-        </p:txBody>
-      </p:sp>
-      <p:sp>
-        <p:nvSpPr>
-          <p:cNvPr id="227" name="Oval 226">
-            <a:extLst>
-              <a:ext uri="{FF2B5EF4-FFF2-40B4-BE49-F238E27FC236}">
-                <a16:creationId xmlns:a16="http://schemas.microsoft.com/office/drawing/2014/main" id="{F0D1735B-0005-B145-8C48-3E3934A1D64E}"/>
+              <a:t>1.1</a:t>
+            </a:r>
+          </a:p>
+        </p:txBody>
+      </p:sp>
+      <p:sp>
+        <p:nvSpPr>
+          <p:cNvPr id="62" name="TextBox 17">
+            <a:extLst>
+              <a:ext uri="{FF2B5EF4-FFF2-40B4-BE49-F238E27FC236}">
+                <a16:creationId xmlns:a16="http://schemas.microsoft.com/office/drawing/2014/main" id="{C27B09C0-4CF5-2042-835C-09CB7BEF2842}"/>
+              </a:ext>
+            </a:extLst>
+          </p:cNvPr>
+          <p:cNvSpPr txBox="1">
+            <a:spLocks noChangeArrowheads="1"/>
+          </p:cNvSpPr>
+          <p:nvPr/>
+        </p:nvSpPr>
+        <p:spPr bwMode="auto">
+          <a:xfrm>
+            <a:off x="4489099" y="2951864"/>
+            <a:ext cx="1275929" cy="430887"/>
+          </a:xfrm>
+          <a:prstGeom prst="rect">
+            <a:avLst/>
+          </a:prstGeom>
+          <a:noFill/>
+          <a:ln>
+            <a:noFill/>
+          </a:ln>
+          <a:extLst>
+            <a:ext uri="{909E8E84-426E-40DD-AFC4-6F175D3DCCD1}">
+              <a14:hiddenFill xmlns:a14="http://schemas.microsoft.com/office/drawing/2010/main">
+                <a:solidFill>
+                  <a:srgbClr val="FFFFFF"/>
+                </a:solidFill>
+              </a14:hiddenFill>
+            </a:ext>
+            <a:ext uri="{91240B29-F687-4F45-9708-019B960494DF}">
+              <a14:hiddenLine xmlns:a14="http://schemas.microsoft.com/office/drawing/2010/main" w="9525">
+                <a:solidFill>
+                  <a:srgbClr val="000000"/>
+                </a:solidFill>
+                <a:miter lim="800000"/>
+                <a:headEnd/>
+                <a:tailEnd/>
+              </a14:hiddenLine>
+            </a:ext>
+          </a:extLst>
+        </p:spPr>
+        <p:txBody>
+          <a:bodyPr wrap="square">
+            <a:spAutoFit/>
+          </a:bodyPr>
+          <a:lstStyle>
+            <a:lvl1pPr>
+              <a:defRPr>
+                <a:solidFill>
+                  <a:schemeClr val="tx1"/>
+                </a:solidFill>
+                <a:latin typeface="Calibri" panose="020F0502020204030204" pitchFamily="34" charset="0"/>
+              </a:defRPr>
+            </a:lvl1pPr>
+            <a:lvl2pPr marL="742950" indent="-285750">
+              <a:defRPr>
+                <a:solidFill>
+                  <a:schemeClr val="tx1"/>
+                </a:solidFill>
+                <a:latin typeface="Calibri" panose="020F0502020204030204" pitchFamily="34" charset="0"/>
+              </a:defRPr>
+            </a:lvl2pPr>
+            <a:lvl3pPr marL="1143000" indent="-228600">
+              <a:defRPr>
+                <a:solidFill>
+                  <a:schemeClr val="tx1"/>
+                </a:solidFill>
+                <a:latin typeface="Calibri" panose="020F0502020204030204" pitchFamily="34" charset="0"/>
+              </a:defRPr>
+            </a:lvl3pPr>
+            <a:lvl4pPr marL="1600200" indent="-228600">
+              <a:defRPr>
+                <a:solidFill>
+                  <a:schemeClr val="tx1"/>
+                </a:solidFill>
+                <a:latin typeface="Calibri" panose="020F0502020204030204" pitchFamily="34" charset="0"/>
+              </a:defRPr>
+            </a:lvl4pPr>
+            <a:lvl5pPr marL="2057400" indent="-228600">
+              <a:defRPr>
+                <a:solidFill>
+                  <a:schemeClr val="tx1"/>
+                </a:solidFill>
+                <a:latin typeface="Calibri" panose="020F0502020204030204" pitchFamily="34" charset="0"/>
+              </a:defRPr>
+            </a:lvl5pPr>
+            <a:lvl6pPr marL="2514600" indent="-228600" eaLnBrk="0" fontAlgn="base" hangingPunct="0">
+              <a:spcBef>
+                <a:spcPct val="0"/>
+              </a:spcBef>
+              <a:spcAft>
+                <a:spcPct val="0"/>
+              </a:spcAft>
+              <a:defRPr>
+                <a:solidFill>
+                  <a:schemeClr val="tx1"/>
+                </a:solidFill>
+                <a:latin typeface="Calibri" panose="020F0502020204030204" pitchFamily="34" charset="0"/>
+              </a:defRPr>
+            </a:lvl6pPr>
+            <a:lvl7pPr marL="2971800" indent="-228600" eaLnBrk="0" fontAlgn="base" hangingPunct="0">
+              <a:spcBef>
+                <a:spcPct val="0"/>
+              </a:spcBef>
+              <a:spcAft>
+                <a:spcPct val="0"/>
+              </a:spcAft>
+              <a:defRPr>
+                <a:solidFill>
+                  <a:schemeClr val="tx1"/>
+                </a:solidFill>
+                <a:latin typeface="Calibri" panose="020F0502020204030204" pitchFamily="34" charset="0"/>
+              </a:defRPr>
+            </a:lvl7pPr>
+            <a:lvl8pPr marL="3429000" indent="-228600" eaLnBrk="0" fontAlgn="base" hangingPunct="0">
+              <a:spcBef>
+                <a:spcPct val="0"/>
+              </a:spcBef>
+              <a:spcAft>
+                <a:spcPct val="0"/>
+              </a:spcAft>
+              <a:defRPr>
+                <a:solidFill>
+                  <a:schemeClr val="tx1"/>
+                </a:solidFill>
+                <a:latin typeface="Calibri" panose="020F0502020204030204" pitchFamily="34" charset="0"/>
+              </a:defRPr>
+            </a:lvl8pPr>
+            <a:lvl9pPr marL="3886200" indent="-228600" eaLnBrk="0" fontAlgn="base" hangingPunct="0">
+              <a:spcBef>
+                <a:spcPct val="0"/>
+              </a:spcBef>
+              <a:spcAft>
+                <a:spcPct val="0"/>
+              </a:spcAft>
+              <a:defRPr>
+                <a:solidFill>
+                  <a:schemeClr val="tx1"/>
+                </a:solidFill>
+                <a:latin typeface="Calibri" panose="020F0502020204030204" pitchFamily="34" charset="0"/>
+              </a:defRPr>
+            </a:lvl9pPr>
+          </a:lstStyle>
+          <a:p>
+            <a:pPr algn="ctr" eaLnBrk="1" hangingPunct="1"/>
+            <a:r>
+              <a:rPr lang="en-US" altLang="en-US" sz="1100" dirty="0">
+                <a:latin typeface="Arial" panose="020B0604020202020204" pitchFamily="34" charset="0"/>
+                <a:ea typeface="Amazon Ember" panose="020B0603020204020204" pitchFamily="34" charset="0"/>
+                <a:cs typeface="Arial" panose="020B0604020202020204" pitchFamily="34" charset="0"/>
+              </a:rPr>
+              <a:t>Parameter </a:t>
+            </a:r>
+          </a:p>
+          <a:p>
+            <a:pPr algn="ctr" eaLnBrk="1" hangingPunct="1"/>
+            <a:r>
+              <a:rPr lang="en-US" altLang="en-US" sz="1100" dirty="0">
+                <a:latin typeface="Arial" panose="020B0604020202020204" pitchFamily="34" charset="0"/>
+                <a:ea typeface="Amazon Ember" panose="020B0603020204020204" pitchFamily="34" charset="0"/>
+                <a:cs typeface="Arial" panose="020B0604020202020204" pitchFamily="34" charset="0"/>
+              </a:rPr>
+              <a:t>Lambda Function</a:t>
+            </a:r>
+          </a:p>
+        </p:txBody>
+      </p:sp>
+      <p:pic>
+        <p:nvPicPr>
+          <p:cNvPr id="63" name="Graphic 13">
+            <a:extLst>
+              <a:ext uri="{FF2B5EF4-FFF2-40B4-BE49-F238E27FC236}">
+                <a16:creationId xmlns:a16="http://schemas.microsoft.com/office/drawing/2014/main" id="{F956D650-C517-B043-A7F7-96C1963A21A0}"/>
+              </a:ext>
+            </a:extLst>
+          </p:cNvPr>
+          <p:cNvPicPr>
+            <a:picLocks noChangeAspect="1" noChangeArrowheads="1"/>
+          </p:cNvPicPr>
+          <p:nvPr/>
+        </p:nvPicPr>
+        <p:blipFill>
+          <a:blip r:embed="rId7">
+            <a:extLst>
+              <a:ext uri="{28A0092B-C50C-407E-A947-70E740481C1C}">
+                <a14:useLocalDpi xmlns:a14="http://schemas.microsoft.com/office/drawing/2010/main" val="0"/>
+              </a:ext>
+            </a:extLst>
+          </a:blip>
+          <a:srcRect/>
+          <a:stretch>
+            <a:fillRect/>
+          </a:stretch>
+        </p:blipFill>
+        <p:spPr bwMode="auto">
+          <a:xfrm>
+            <a:off x="4886131" y="2498721"/>
+            <a:ext cx="457200" cy="457200"/>
+          </a:xfrm>
+          <a:prstGeom prst="rect">
+            <a:avLst/>
+          </a:prstGeom>
+          <a:noFill/>
+          <a:ln>
+            <a:noFill/>
+          </a:ln>
+          <a:extLst>
+            <a:ext uri="{909E8E84-426E-40DD-AFC4-6F175D3DCCD1}">
+              <a14:hiddenFill xmlns:a14="http://schemas.microsoft.com/office/drawing/2010/main">
+                <a:solidFill>
+                  <a:srgbClr val="FFFFFF"/>
+                </a:solidFill>
+              </a14:hiddenFill>
+            </a:ext>
+            <a:ext uri="{91240B29-F687-4F45-9708-019B960494DF}">
+              <a14:hiddenLine xmlns:a14="http://schemas.microsoft.com/office/drawing/2010/main" w="9525">
+                <a:solidFill>
+                  <a:srgbClr val="000000"/>
+                </a:solidFill>
+                <a:miter lim="800000"/>
+                <a:headEnd/>
+                <a:tailEnd/>
+              </a14:hiddenLine>
+            </a:ext>
+          </a:extLst>
+        </p:spPr>
+      </p:pic>
+      <p:pic>
+        <p:nvPicPr>
+          <p:cNvPr id="64" name="Graphic 7">
+            <a:extLst>
+              <a:ext uri="{FF2B5EF4-FFF2-40B4-BE49-F238E27FC236}">
+                <a16:creationId xmlns:a16="http://schemas.microsoft.com/office/drawing/2014/main" id="{323145FD-C8DF-254B-A24D-00876CC45B93}"/>
+              </a:ext>
+            </a:extLst>
+          </p:cNvPr>
+          <p:cNvPicPr>
+            <a:picLocks noChangeAspect="1" noChangeArrowheads="1"/>
+          </p:cNvPicPr>
+          <p:nvPr/>
+        </p:nvPicPr>
+        <p:blipFill>
+          <a:blip r:embed="rId8">
+            <a:extLst>
+              <a:ext uri="{28A0092B-C50C-407E-A947-70E740481C1C}">
+                <a14:useLocalDpi xmlns:a14="http://schemas.microsoft.com/office/drawing/2010/main" val="0"/>
+              </a:ext>
+            </a:extLst>
+          </a:blip>
+          <a:srcRect/>
+          <a:stretch>
+            <a:fillRect/>
+          </a:stretch>
+        </p:blipFill>
+        <p:spPr bwMode="auto">
+          <a:xfrm>
+            <a:off x="4894840" y="3588422"/>
+            <a:ext cx="457200" cy="457200"/>
+          </a:xfrm>
+          <a:prstGeom prst="rect">
+            <a:avLst/>
+          </a:prstGeom>
+          <a:noFill/>
+          <a:ln>
+            <a:noFill/>
+          </a:ln>
+          <a:extLst>
+            <a:ext uri="{909E8E84-426E-40DD-AFC4-6F175D3DCCD1}">
+              <a14:hiddenFill xmlns:a14="http://schemas.microsoft.com/office/drawing/2010/main">
+                <a:solidFill>
+                  <a:srgbClr val="FFFFFF"/>
+                </a:solidFill>
+              </a14:hiddenFill>
+            </a:ext>
+            <a:ext uri="{91240B29-F687-4F45-9708-019B960494DF}">
+              <a14:hiddenLine xmlns:a14="http://schemas.microsoft.com/office/drawing/2010/main" w="9525">
+                <a:solidFill>
+                  <a:srgbClr val="000000"/>
+                </a:solidFill>
+                <a:miter lim="800000"/>
+                <a:headEnd/>
+                <a:tailEnd/>
+              </a14:hiddenLine>
+            </a:ext>
+          </a:extLst>
+        </p:spPr>
+      </p:pic>
+      <p:sp>
+        <p:nvSpPr>
+          <p:cNvPr id="65" name="TextBox 31">
+            <a:extLst>
+              <a:ext uri="{FF2B5EF4-FFF2-40B4-BE49-F238E27FC236}">
+                <a16:creationId xmlns:a16="http://schemas.microsoft.com/office/drawing/2014/main" id="{E56420B5-7428-9044-8F07-51CF19F1FC4F}"/>
+              </a:ext>
+            </a:extLst>
+          </p:cNvPr>
+          <p:cNvSpPr txBox="1">
+            <a:spLocks noChangeArrowheads="1"/>
+          </p:cNvSpPr>
+          <p:nvPr/>
+        </p:nvSpPr>
+        <p:spPr bwMode="auto">
+          <a:xfrm>
+            <a:off x="4532912" y="4020085"/>
+            <a:ext cx="1163639" cy="430887"/>
+          </a:xfrm>
+          <a:prstGeom prst="rect">
+            <a:avLst/>
+          </a:prstGeom>
+          <a:noFill/>
+          <a:ln>
+            <a:noFill/>
+          </a:ln>
+          <a:extLst>
+            <a:ext uri="{909E8E84-426E-40DD-AFC4-6F175D3DCCD1}">
+              <a14:hiddenFill xmlns:a14="http://schemas.microsoft.com/office/drawing/2010/main">
+                <a:solidFill>
+                  <a:srgbClr val="FFFFFF"/>
+                </a:solidFill>
+              </a14:hiddenFill>
+            </a:ext>
+            <a:ext uri="{91240B29-F687-4F45-9708-019B960494DF}">
+              <a14:hiddenLine xmlns:a14="http://schemas.microsoft.com/office/drawing/2010/main" w="9525">
+                <a:solidFill>
+                  <a:srgbClr val="000000"/>
+                </a:solidFill>
+                <a:miter lim="800000"/>
+                <a:headEnd/>
+                <a:tailEnd/>
+              </a14:hiddenLine>
+            </a:ext>
+          </a:extLst>
+        </p:spPr>
+        <p:txBody>
+          <a:bodyPr wrap="square">
+            <a:spAutoFit/>
+          </a:bodyPr>
+          <a:lstStyle>
+            <a:lvl1pPr>
+              <a:defRPr>
+                <a:solidFill>
+                  <a:schemeClr val="tx1"/>
+                </a:solidFill>
+                <a:latin typeface="Calibri" panose="020F0502020204030204" pitchFamily="34" charset="0"/>
+              </a:defRPr>
+            </a:lvl1pPr>
+            <a:lvl2pPr marL="742950" indent="-285750">
+              <a:defRPr>
+                <a:solidFill>
+                  <a:schemeClr val="tx1"/>
+                </a:solidFill>
+                <a:latin typeface="Calibri" panose="020F0502020204030204" pitchFamily="34" charset="0"/>
+              </a:defRPr>
+            </a:lvl2pPr>
+            <a:lvl3pPr marL="1143000" indent="-228600">
+              <a:defRPr>
+                <a:solidFill>
+                  <a:schemeClr val="tx1"/>
+                </a:solidFill>
+                <a:latin typeface="Calibri" panose="020F0502020204030204" pitchFamily="34" charset="0"/>
+              </a:defRPr>
+            </a:lvl3pPr>
+            <a:lvl4pPr marL="1600200" indent="-228600">
+              <a:defRPr>
+                <a:solidFill>
+                  <a:schemeClr val="tx1"/>
+                </a:solidFill>
+                <a:latin typeface="Calibri" panose="020F0502020204030204" pitchFamily="34" charset="0"/>
+              </a:defRPr>
+            </a:lvl4pPr>
+            <a:lvl5pPr marL="2057400" indent="-228600">
+              <a:defRPr>
+                <a:solidFill>
+                  <a:schemeClr val="tx1"/>
+                </a:solidFill>
+                <a:latin typeface="Calibri" panose="020F0502020204030204" pitchFamily="34" charset="0"/>
+              </a:defRPr>
+            </a:lvl5pPr>
+            <a:lvl6pPr marL="2514600" indent="-228600" eaLnBrk="0" fontAlgn="base" hangingPunct="0">
+              <a:spcBef>
+                <a:spcPct val="0"/>
+              </a:spcBef>
+              <a:spcAft>
+                <a:spcPct val="0"/>
+              </a:spcAft>
+              <a:defRPr>
+                <a:solidFill>
+                  <a:schemeClr val="tx1"/>
+                </a:solidFill>
+                <a:latin typeface="Calibri" panose="020F0502020204030204" pitchFamily="34" charset="0"/>
+              </a:defRPr>
+            </a:lvl6pPr>
+            <a:lvl7pPr marL="2971800" indent="-228600" eaLnBrk="0" fontAlgn="base" hangingPunct="0">
+              <a:spcBef>
+                <a:spcPct val="0"/>
+              </a:spcBef>
+              <a:spcAft>
+                <a:spcPct val="0"/>
+              </a:spcAft>
+              <a:defRPr>
+                <a:solidFill>
+                  <a:schemeClr val="tx1"/>
+                </a:solidFill>
+                <a:latin typeface="Calibri" panose="020F0502020204030204" pitchFamily="34" charset="0"/>
+              </a:defRPr>
+            </a:lvl7pPr>
+            <a:lvl8pPr marL="3429000" indent="-228600" eaLnBrk="0" fontAlgn="base" hangingPunct="0">
+              <a:spcBef>
+                <a:spcPct val="0"/>
+              </a:spcBef>
+              <a:spcAft>
+                <a:spcPct val="0"/>
+              </a:spcAft>
+              <a:defRPr>
+                <a:solidFill>
+                  <a:schemeClr val="tx1"/>
+                </a:solidFill>
+                <a:latin typeface="Calibri" panose="020F0502020204030204" pitchFamily="34" charset="0"/>
+              </a:defRPr>
+            </a:lvl8pPr>
+            <a:lvl9pPr marL="3886200" indent="-228600" eaLnBrk="0" fontAlgn="base" hangingPunct="0">
+              <a:spcBef>
+                <a:spcPct val="0"/>
+              </a:spcBef>
+              <a:spcAft>
+                <a:spcPct val="0"/>
+              </a:spcAft>
+              <a:defRPr>
+                <a:solidFill>
+                  <a:schemeClr val="tx1"/>
+                </a:solidFill>
+                <a:latin typeface="Calibri" panose="020F0502020204030204" pitchFamily="34" charset="0"/>
+              </a:defRPr>
+            </a:lvl9pPr>
+          </a:lstStyle>
+          <a:p>
+            <a:pPr algn="ctr" eaLnBrk="1" hangingPunct="1"/>
+            <a:r>
+              <a:rPr lang="en-US" altLang="en-US" sz="1100" dirty="0">
+                <a:latin typeface="Arial" panose="020B0604020202020204" pitchFamily="34" charset="0"/>
+                <a:ea typeface="Amazon Ember" panose="020B0603020204020204" pitchFamily="34" charset="0"/>
+                <a:cs typeface="Arial" panose="020B0604020202020204" pitchFamily="34" charset="0"/>
+              </a:rPr>
+              <a:t>CloudWatch Log Group</a:t>
+            </a:r>
+          </a:p>
+        </p:txBody>
+      </p:sp>
+      <p:sp>
+        <p:nvSpPr>
+          <p:cNvPr id="66" name="TextBox 29">
+            <a:extLst>
+              <a:ext uri="{FF2B5EF4-FFF2-40B4-BE49-F238E27FC236}">
+                <a16:creationId xmlns:a16="http://schemas.microsoft.com/office/drawing/2014/main" id="{9E0E69DC-60E3-2C4F-8D4D-5FADBFDF3FC2}"/>
+              </a:ext>
+            </a:extLst>
+          </p:cNvPr>
+          <p:cNvSpPr txBox="1">
+            <a:spLocks noChangeArrowheads="1"/>
+          </p:cNvSpPr>
+          <p:nvPr/>
+        </p:nvSpPr>
+        <p:spPr bwMode="auto">
+          <a:xfrm>
+            <a:off x="4541443" y="1560410"/>
+            <a:ext cx="1119613" cy="430887"/>
+          </a:xfrm>
+          <a:prstGeom prst="rect">
+            <a:avLst/>
+          </a:prstGeom>
+          <a:noFill/>
+          <a:ln>
+            <a:noFill/>
+          </a:ln>
+          <a:extLst>
+            <a:ext uri="{909E8E84-426E-40DD-AFC4-6F175D3DCCD1}">
+              <a14:hiddenFill xmlns:a14="http://schemas.microsoft.com/office/drawing/2010/main">
+                <a:solidFill>
+                  <a:srgbClr val="FFFFFF"/>
+                </a:solidFill>
+              </a14:hiddenFill>
+            </a:ext>
+            <a:ext uri="{91240B29-F687-4F45-9708-019B960494DF}">
+              <a14:hiddenLine xmlns:a14="http://schemas.microsoft.com/office/drawing/2010/main" w="9525">
+                <a:solidFill>
+                  <a:srgbClr val="000000"/>
+                </a:solidFill>
+                <a:miter lim="800000"/>
+                <a:headEnd/>
+                <a:tailEnd/>
+              </a14:hiddenLine>
+            </a:ext>
+          </a:extLst>
+        </p:spPr>
+        <p:txBody>
+          <a:bodyPr wrap="square">
+            <a:spAutoFit/>
+          </a:bodyPr>
+          <a:lstStyle>
+            <a:lvl1pPr>
+              <a:defRPr>
+                <a:solidFill>
+                  <a:schemeClr val="tx1"/>
+                </a:solidFill>
+                <a:latin typeface="Calibri" panose="020F0502020204030204" pitchFamily="34" charset="0"/>
+              </a:defRPr>
+            </a:lvl1pPr>
+            <a:lvl2pPr marL="742950" indent="-285750">
+              <a:defRPr>
+                <a:solidFill>
+                  <a:schemeClr val="tx1"/>
+                </a:solidFill>
+                <a:latin typeface="Calibri" panose="020F0502020204030204" pitchFamily="34" charset="0"/>
+              </a:defRPr>
+            </a:lvl2pPr>
+            <a:lvl3pPr marL="1143000" indent="-228600">
+              <a:defRPr>
+                <a:solidFill>
+                  <a:schemeClr val="tx1"/>
+                </a:solidFill>
+                <a:latin typeface="Calibri" panose="020F0502020204030204" pitchFamily="34" charset="0"/>
+              </a:defRPr>
+            </a:lvl3pPr>
+            <a:lvl4pPr marL="1600200" indent="-228600">
+              <a:defRPr>
+                <a:solidFill>
+                  <a:schemeClr val="tx1"/>
+                </a:solidFill>
+                <a:latin typeface="Calibri" panose="020F0502020204030204" pitchFamily="34" charset="0"/>
+              </a:defRPr>
+            </a:lvl4pPr>
+            <a:lvl5pPr marL="2057400" indent="-228600">
+              <a:defRPr>
+                <a:solidFill>
+                  <a:schemeClr val="tx1"/>
+                </a:solidFill>
+                <a:latin typeface="Calibri" panose="020F0502020204030204" pitchFamily="34" charset="0"/>
+              </a:defRPr>
+            </a:lvl5pPr>
+            <a:lvl6pPr marL="2514600" indent="-228600" eaLnBrk="0" fontAlgn="base" hangingPunct="0">
+              <a:spcBef>
+                <a:spcPct val="0"/>
+              </a:spcBef>
+              <a:spcAft>
+                <a:spcPct val="0"/>
+              </a:spcAft>
+              <a:defRPr>
+                <a:solidFill>
+                  <a:schemeClr val="tx1"/>
+                </a:solidFill>
+                <a:latin typeface="Calibri" panose="020F0502020204030204" pitchFamily="34" charset="0"/>
+              </a:defRPr>
+            </a:lvl6pPr>
+            <a:lvl7pPr marL="2971800" indent="-228600" eaLnBrk="0" fontAlgn="base" hangingPunct="0">
+              <a:spcBef>
+                <a:spcPct val="0"/>
+              </a:spcBef>
+              <a:spcAft>
+                <a:spcPct val="0"/>
+              </a:spcAft>
+              <a:defRPr>
+                <a:solidFill>
+                  <a:schemeClr val="tx1"/>
+                </a:solidFill>
+                <a:latin typeface="Calibri" panose="020F0502020204030204" pitchFamily="34" charset="0"/>
+              </a:defRPr>
+            </a:lvl7pPr>
+            <a:lvl8pPr marL="3429000" indent="-228600" eaLnBrk="0" fontAlgn="base" hangingPunct="0">
+              <a:spcBef>
+                <a:spcPct val="0"/>
+              </a:spcBef>
+              <a:spcAft>
+                <a:spcPct val="0"/>
+              </a:spcAft>
+              <a:defRPr>
+                <a:solidFill>
+                  <a:schemeClr val="tx1"/>
+                </a:solidFill>
+                <a:latin typeface="Calibri" panose="020F0502020204030204" pitchFamily="34" charset="0"/>
+              </a:defRPr>
+            </a:lvl8pPr>
+            <a:lvl9pPr marL="3886200" indent="-228600" eaLnBrk="0" fontAlgn="base" hangingPunct="0">
+              <a:spcBef>
+                <a:spcPct val="0"/>
+              </a:spcBef>
+              <a:spcAft>
+                <a:spcPct val="0"/>
+              </a:spcAft>
+              <a:defRPr>
+                <a:solidFill>
+                  <a:schemeClr val="tx1"/>
+                </a:solidFill>
+                <a:latin typeface="Calibri" panose="020F0502020204030204" pitchFamily="34" charset="0"/>
+              </a:defRPr>
+            </a:lvl9pPr>
+          </a:lstStyle>
+          <a:p>
+            <a:pPr algn="ctr" eaLnBrk="1" hangingPunct="1"/>
+            <a:r>
+              <a:rPr lang="en-US" altLang="en-US" sz="1100" dirty="0">
+                <a:latin typeface="Arial" panose="020B0604020202020204" pitchFamily="34" charset="0"/>
+                <a:ea typeface="Amazon Ember" panose="020B0603020204020204" pitchFamily="34" charset="0"/>
+                <a:cs typeface="Arial" panose="020B0604020202020204" pitchFamily="34" charset="0"/>
+              </a:rPr>
+              <a:t>Parameter</a:t>
+            </a:r>
+          </a:p>
+          <a:p>
+            <a:pPr algn="ctr" eaLnBrk="1" hangingPunct="1"/>
+            <a:r>
+              <a:rPr lang="en-US" altLang="en-US" sz="1100" dirty="0">
+                <a:latin typeface="Arial" panose="020B0604020202020204" pitchFamily="34" charset="0"/>
+                <a:ea typeface="Amazon Ember" panose="020B0603020204020204" pitchFamily="34" charset="0"/>
+                <a:cs typeface="Arial" panose="020B0604020202020204" pitchFamily="34" charset="0"/>
+              </a:rPr>
+              <a:t>Lambda Role</a:t>
+            </a:r>
+          </a:p>
+        </p:txBody>
+      </p:sp>
+      <p:pic>
+        <p:nvPicPr>
+          <p:cNvPr id="67" name="Graphic 49">
+            <a:extLst>
+              <a:ext uri="{FF2B5EF4-FFF2-40B4-BE49-F238E27FC236}">
+                <a16:creationId xmlns:a16="http://schemas.microsoft.com/office/drawing/2014/main" id="{C6A8E1EE-C7EC-154E-A17B-9AAAC0C20DBD}"/>
+              </a:ext>
+            </a:extLst>
+          </p:cNvPr>
+          <p:cNvPicPr>
+            <a:picLocks noChangeAspect="1" noChangeArrowheads="1"/>
+          </p:cNvPicPr>
+          <p:nvPr/>
+        </p:nvPicPr>
+        <p:blipFill>
+          <a:blip r:embed="rId9">
+            <a:extLst>
+              <a:ext uri="{28A0092B-C50C-407E-A947-70E740481C1C}">
+                <a14:useLocalDpi xmlns:a14="http://schemas.microsoft.com/office/drawing/2010/main" val="0"/>
+              </a:ext>
+            </a:extLst>
+          </a:blip>
+          <a:srcRect/>
+          <a:stretch>
+            <a:fillRect/>
+          </a:stretch>
+        </p:blipFill>
+        <p:spPr bwMode="auto">
+          <a:xfrm>
+            <a:off x="4872649" y="1217785"/>
+            <a:ext cx="457200" cy="457200"/>
+          </a:xfrm>
+          <a:prstGeom prst="rect">
+            <a:avLst/>
+          </a:prstGeom>
+          <a:noFill/>
+          <a:ln>
+            <a:noFill/>
+          </a:ln>
+          <a:extLst>
+            <a:ext uri="{909E8E84-426E-40DD-AFC4-6F175D3DCCD1}">
+              <a14:hiddenFill xmlns:a14="http://schemas.microsoft.com/office/drawing/2010/main">
+                <a:solidFill>
+                  <a:srgbClr val="FFFFFF"/>
+                </a:solidFill>
+              </a14:hiddenFill>
+            </a:ext>
+            <a:ext uri="{91240B29-F687-4F45-9708-019B960494DF}">
+              <a14:hiddenLine xmlns:a14="http://schemas.microsoft.com/office/drawing/2010/main" w="9525">
+                <a:solidFill>
+                  <a:srgbClr val="000000"/>
+                </a:solidFill>
+                <a:miter lim="800000"/>
+                <a:headEnd/>
+                <a:tailEnd/>
+              </a14:hiddenLine>
+            </a:ext>
+          </a:extLst>
+        </p:spPr>
+      </p:pic>
+      <p:sp>
+        <p:nvSpPr>
+          <p:cNvPr id="75" name="TextBox 23">
+            <a:extLst>
+              <a:ext uri="{FF2B5EF4-FFF2-40B4-BE49-F238E27FC236}">
+                <a16:creationId xmlns:a16="http://schemas.microsoft.com/office/drawing/2014/main" id="{7F958851-8145-014D-BFA0-3124A10BD4F4}"/>
+              </a:ext>
+            </a:extLst>
+          </p:cNvPr>
+          <p:cNvSpPr txBox="1">
+            <a:spLocks noChangeArrowheads="1"/>
+          </p:cNvSpPr>
+          <p:nvPr/>
+        </p:nvSpPr>
+        <p:spPr bwMode="auto">
+          <a:xfrm>
+            <a:off x="6285846" y="2935618"/>
+            <a:ext cx="1455047" cy="430887"/>
+          </a:xfrm>
+          <a:prstGeom prst="rect">
+            <a:avLst/>
+          </a:prstGeom>
+          <a:noFill/>
+          <a:ln>
+            <a:noFill/>
+          </a:ln>
+          <a:extLst>
+            <a:ext uri="{909E8E84-426E-40DD-AFC4-6F175D3DCCD1}">
+              <a14:hiddenFill xmlns:a14="http://schemas.microsoft.com/office/drawing/2010/main">
+                <a:solidFill>
+                  <a:srgbClr val="FFFFFF"/>
+                </a:solidFill>
+              </a14:hiddenFill>
+            </a:ext>
+            <a:ext uri="{91240B29-F687-4F45-9708-019B960494DF}">
+              <a14:hiddenLine xmlns:a14="http://schemas.microsoft.com/office/drawing/2010/main" w="9525">
+                <a:solidFill>
+                  <a:srgbClr val="000000"/>
+                </a:solidFill>
+                <a:miter lim="800000"/>
+                <a:headEnd/>
+                <a:tailEnd/>
+              </a14:hiddenLine>
+            </a:ext>
+          </a:extLst>
+        </p:spPr>
+        <p:txBody>
+          <a:bodyPr wrap="square">
+            <a:spAutoFit/>
+          </a:bodyPr>
+          <a:lstStyle>
+            <a:lvl1pPr>
+              <a:defRPr>
+                <a:solidFill>
+                  <a:schemeClr val="tx1"/>
+                </a:solidFill>
+                <a:latin typeface="Calibri" panose="020F0502020204030204" pitchFamily="34" charset="0"/>
+              </a:defRPr>
+            </a:lvl1pPr>
+            <a:lvl2pPr marL="742950" indent="-285750">
+              <a:defRPr>
+                <a:solidFill>
+                  <a:schemeClr val="tx1"/>
+                </a:solidFill>
+                <a:latin typeface="Calibri" panose="020F0502020204030204" pitchFamily="34" charset="0"/>
+              </a:defRPr>
+            </a:lvl2pPr>
+            <a:lvl3pPr marL="1143000" indent="-228600">
+              <a:defRPr>
+                <a:solidFill>
+                  <a:schemeClr val="tx1"/>
+                </a:solidFill>
+                <a:latin typeface="Calibri" panose="020F0502020204030204" pitchFamily="34" charset="0"/>
+              </a:defRPr>
+            </a:lvl3pPr>
+            <a:lvl4pPr marL="1600200" indent="-228600">
+              <a:defRPr>
+                <a:solidFill>
+                  <a:schemeClr val="tx1"/>
+                </a:solidFill>
+                <a:latin typeface="Calibri" panose="020F0502020204030204" pitchFamily="34" charset="0"/>
+              </a:defRPr>
+            </a:lvl4pPr>
+            <a:lvl5pPr marL="2057400" indent="-228600">
+              <a:defRPr>
+                <a:solidFill>
+                  <a:schemeClr val="tx1"/>
+                </a:solidFill>
+                <a:latin typeface="Calibri" panose="020F0502020204030204" pitchFamily="34" charset="0"/>
+              </a:defRPr>
+            </a:lvl5pPr>
+            <a:lvl6pPr marL="2514600" indent="-228600" eaLnBrk="0" fontAlgn="base" hangingPunct="0">
+              <a:spcBef>
+                <a:spcPct val="0"/>
+              </a:spcBef>
+              <a:spcAft>
+                <a:spcPct val="0"/>
+              </a:spcAft>
+              <a:defRPr>
+                <a:solidFill>
+                  <a:schemeClr val="tx1"/>
+                </a:solidFill>
+                <a:latin typeface="Calibri" panose="020F0502020204030204" pitchFamily="34" charset="0"/>
+              </a:defRPr>
+            </a:lvl6pPr>
+            <a:lvl7pPr marL="2971800" indent="-228600" eaLnBrk="0" fontAlgn="base" hangingPunct="0">
+              <a:spcBef>
+                <a:spcPct val="0"/>
+              </a:spcBef>
+              <a:spcAft>
+                <a:spcPct val="0"/>
+              </a:spcAft>
+              <a:defRPr>
+                <a:solidFill>
+                  <a:schemeClr val="tx1"/>
+                </a:solidFill>
+                <a:latin typeface="Calibri" panose="020F0502020204030204" pitchFamily="34" charset="0"/>
+              </a:defRPr>
+            </a:lvl7pPr>
+            <a:lvl8pPr marL="3429000" indent="-228600" eaLnBrk="0" fontAlgn="base" hangingPunct="0">
+              <a:spcBef>
+                <a:spcPct val="0"/>
+              </a:spcBef>
+              <a:spcAft>
+                <a:spcPct val="0"/>
+              </a:spcAft>
+              <a:defRPr>
+                <a:solidFill>
+                  <a:schemeClr val="tx1"/>
+                </a:solidFill>
+                <a:latin typeface="Calibri" panose="020F0502020204030204" pitchFamily="34" charset="0"/>
+              </a:defRPr>
+            </a:lvl8pPr>
+            <a:lvl9pPr marL="3886200" indent="-228600" eaLnBrk="0" fontAlgn="base" hangingPunct="0">
+              <a:spcBef>
+                <a:spcPct val="0"/>
+              </a:spcBef>
+              <a:spcAft>
+                <a:spcPct val="0"/>
+              </a:spcAft>
+              <a:defRPr>
+                <a:solidFill>
+                  <a:schemeClr val="tx1"/>
+                </a:solidFill>
+                <a:latin typeface="Calibri" panose="020F0502020204030204" pitchFamily="34" charset="0"/>
+              </a:defRPr>
+            </a:lvl9pPr>
+          </a:lstStyle>
+          <a:p>
+            <a:pPr algn="ctr" eaLnBrk="1" hangingPunct="1"/>
+            <a:r>
+              <a:rPr lang="en-US" altLang="en-US" sz="1100" dirty="0">
+                <a:latin typeface="Arial" panose="020B0604020202020204" pitchFamily="34" charset="0"/>
+                <a:ea typeface="Amazon Ember" panose="020B0603020204020204" pitchFamily="34" charset="0"/>
+                <a:cs typeface="Arial" panose="020B0604020202020204" pitchFamily="34" charset="0"/>
+              </a:rPr>
+              <a:t>SSM Parameter Store</a:t>
+            </a:r>
+          </a:p>
+        </p:txBody>
+      </p:sp>
+      <p:pic>
+        <p:nvPicPr>
+          <p:cNvPr id="76" name="Graphic 26">
+            <a:extLst>
+              <a:ext uri="{FF2B5EF4-FFF2-40B4-BE49-F238E27FC236}">
+                <a16:creationId xmlns:a16="http://schemas.microsoft.com/office/drawing/2014/main" id="{1B5A0656-8C2A-A940-9929-6FD88DF62445}"/>
+              </a:ext>
+            </a:extLst>
+          </p:cNvPr>
+          <p:cNvPicPr>
+            <a:picLocks noChangeAspect="1" noChangeArrowheads="1"/>
+          </p:cNvPicPr>
+          <p:nvPr/>
+        </p:nvPicPr>
+        <p:blipFill>
+          <a:blip r:embed="rId10">
+            <a:extLst>
+              <a:ext uri="{28A0092B-C50C-407E-A947-70E740481C1C}">
+                <a14:useLocalDpi xmlns:a14="http://schemas.microsoft.com/office/drawing/2010/main" val="0"/>
+              </a:ext>
+            </a:extLst>
+          </a:blip>
+          <a:srcRect/>
+          <a:stretch>
+            <a:fillRect/>
+          </a:stretch>
+        </p:blipFill>
+        <p:spPr bwMode="auto">
+          <a:xfrm>
+            <a:off x="6839162" y="2495472"/>
+            <a:ext cx="457200" cy="457200"/>
+          </a:xfrm>
+          <a:prstGeom prst="rect">
+            <a:avLst/>
+          </a:prstGeom>
+          <a:noFill/>
+          <a:ln>
+            <a:noFill/>
+          </a:ln>
+          <a:extLst>
+            <a:ext uri="{909E8E84-426E-40DD-AFC4-6F175D3DCCD1}">
+              <a14:hiddenFill xmlns:a14="http://schemas.microsoft.com/office/drawing/2010/main">
+                <a:solidFill>
+                  <a:srgbClr val="FFFFFF"/>
+                </a:solidFill>
+              </a14:hiddenFill>
+            </a:ext>
+            <a:ext uri="{91240B29-F687-4F45-9708-019B960494DF}">
+              <a14:hiddenLine xmlns:a14="http://schemas.microsoft.com/office/drawing/2010/main" w="9525">
+                <a:solidFill>
+                  <a:srgbClr val="000000"/>
+                </a:solidFill>
+                <a:miter lim="800000"/>
+                <a:headEnd/>
+                <a:tailEnd/>
+              </a14:hiddenLine>
+            </a:ext>
+          </a:extLst>
+        </p:spPr>
+      </p:pic>
+      <p:sp>
+        <p:nvSpPr>
+          <p:cNvPr id="124" name="Oval 123">
+            <a:extLst>
+              <a:ext uri="{FF2B5EF4-FFF2-40B4-BE49-F238E27FC236}">
+                <a16:creationId xmlns:a16="http://schemas.microsoft.com/office/drawing/2014/main" id="{D40D4053-4594-9844-A27B-00A3CD0AAC49}"/>
               </a:ext>
             </a:extLst>
           </p:cNvPr>
@@ -4235,7 +5139,7 @@
         </p:nvSpPr>
         <p:spPr>
           <a:xfrm>
-            <a:off x="744074" y="3007105"/>
+            <a:off x="4988013" y="2262629"/>
             <a:ext cx="253435" cy="212902"/>
           </a:xfrm>
           <a:prstGeom prst="ellipse">
@@ -4276,973 +5180,26 @@
                 <a:latin typeface="Arial" panose="020B0604020202020204" pitchFamily="34" charset="0"/>
                 <a:cs typeface="Arial" panose="020B0604020202020204" pitchFamily="34" charset="0"/>
               </a:rPr>
-              <a:t>1.1</a:t>
-            </a:r>
-          </a:p>
-        </p:txBody>
-      </p:sp>
-      <p:sp>
-        <p:nvSpPr>
-          <p:cNvPr id="62" name="TextBox 17">
-            <a:extLst>
-              <a:ext uri="{FF2B5EF4-FFF2-40B4-BE49-F238E27FC236}">
-                <a16:creationId xmlns:a16="http://schemas.microsoft.com/office/drawing/2014/main" id="{C27B09C0-4CF5-2042-835C-09CB7BEF2842}"/>
-              </a:ext>
-            </a:extLst>
-          </p:cNvPr>
-          <p:cNvSpPr txBox="1">
-            <a:spLocks noChangeArrowheads="1"/>
-          </p:cNvSpPr>
+              <a:t>1.8</a:t>
+            </a:r>
+          </a:p>
+        </p:txBody>
+      </p:sp>
+      <p:sp>
+        <p:nvSpPr>
+          <p:cNvPr id="131" name="Oval 130">
+            <a:extLst>
+              <a:ext uri="{FF2B5EF4-FFF2-40B4-BE49-F238E27FC236}">
+                <a16:creationId xmlns:a16="http://schemas.microsoft.com/office/drawing/2014/main" id="{E66ECBF1-FAAE-6942-900E-AFF12412B233}"/>
+              </a:ext>
+            </a:extLst>
+          </p:cNvPr>
+          <p:cNvSpPr/>
           <p:nvPr/>
         </p:nvSpPr>
-        <p:spPr bwMode="auto">
-          <a:xfrm>
-            <a:off x="4550851" y="3573626"/>
-            <a:ext cx="1275929" cy="430887"/>
-          </a:xfrm>
-          <a:prstGeom prst="rect">
-            <a:avLst/>
-          </a:prstGeom>
-          <a:noFill/>
-          <a:ln>
-            <a:noFill/>
-          </a:ln>
-          <a:extLst>
-            <a:ext uri="{909E8E84-426E-40DD-AFC4-6F175D3DCCD1}">
-              <a14:hiddenFill xmlns:a14="http://schemas.microsoft.com/office/drawing/2010/main">
-                <a:solidFill>
-                  <a:srgbClr val="FFFFFF"/>
-                </a:solidFill>
-              </a14:hiddenFill>
-            </a:ext>
-            <a:ext uri="{91240B29-F687-4F45-9708-019B960494DF}">
-              <a14:hiddenLine xmlns:a14="http://schemas.microsoft.com/office/drawing/2010/main" w="9525">
-                <a:solidFill>
-                  <a:srgbClr val="000000"/>
-                </a:solidFill>
-                <a:miter lim="800000"/>
-                <a:headEnd/>
-                <a:tailEnd/>
-              </a14:hiddenLine>
-            </a:ext>
-          </a:extLst>
-        </p:spPr>
-        <p:txBody>
-          <a:bodyPr wrap="square">
-            <a:spAutoFit/>
-          </a:bodyPr>
-          <a:lstStyle>
-            <a:lvl1pPr>
-              <a:defRPr>
-                <a:solidFill>
-                  <a:schemeClr val="tx1"/>
-                </a:solidFill>
-                <a:latin typeface="Calibri" panose="020F0502020204030204" pitchFamily="34" charset="0"/>
-              </a:defRPr>
-            </a:lvl1pPr>
-            <a:lvl2pPr marL="742950" indent="-285750">
-              <a:defRPr>
-                <a:solidFill>
-                  <a:schemeClr val="tx1"/>
-                </a:solidFill>
-                <a:latin typeface="Calibri" panose="020F0502020204030204" pitchFamily="34" charset="0"/>
-              </a:defRPr>
-            </a:lvl2pPr>
-            <a:lvl3pPr marL="1143000" indent="-228600">
-              <a:defRPr>
-                <a:solidFill>
-                  <a:schemeClr val="tx1"/>
-                </a:solidFill>
-                <a:latin typeface="Calibri" panose="020F0502020204030204" pitchFamily="34" charset="0"/>
-              </a:defRPr>
-            </a:lvl3pPr>
-            <a:lvl4pPr marL="1600200" indent="-228600">
-              <a:defRPr>
-                <a:solidFill>
-                  <a:schemeClr val="tx1"/>
-                </a:solidFill>
-                <a:latin typeface="Calibri" panose="020F0502020204030204" pitchFamily="34" charset="0"/>
-              </a:defRPr>
-            </a:lvl4pPr>
-            <a:lvl5pPr marL="2057400" indent="-228600">
-              <a:defRPr>
-                <a:solidFill>
-                  <a:schemeClr val="tx1"/>
-                </a:solidFill>
-                <a:latin typeface="Calibri" panose="020F0502020204030204" pitchFamily="34" charset="0"/>
-              </a:defRPr>
-            </a:lvl5pPr>
-            <a:lvl6pPr marL="2514600" indent="-228600" eaLnBrk="0" fontAlgn="base" hangingPunct="0">
-              <a:spcBef>
-                <a:spcPct val="0"/>
-              </a:spcBef>
-              <a:spcAft>
-                <a:spcPct val="0"/>
-              </a:spcAft>
-              <a:defRPr>
-                <a:solidFill>
-                  <a:schemeClr val="tx1"/>
-                </a:solidFill>
-                <a:latin typeface="Calibri" panose="020F0502020204030204" pitchFamily="34" charset="0"/>
-              </a:defRPr>
-            </a:lvl6pPr>
-            <a:lvl7pPr marL="2971800" indent="-228600" eaLnBrk="0" fontAlgn="base" hangingPunct="0">
-              <a:spcBef>
-                <a:spcPct val="0"/>
-              </a:spcBef>
-              <a:spcAft>
-                <a:spcPct val="0"/>
-              </a:spcAft>
-              <a:defRPr>
-                <a:solidFill>
-                  <a:schemeClr val="tx1"/>
-                </a:solidFill>
-                <a:latin typeface="Calibri" panose="020F0502020204030204" pitchFamily="34" charset="0"/>
-              </a:defRPr>
-            </a:lvl7pPr>
-            <a:lvl8pPr marL="3429000" indent="-228600" eaLnBrk="0" fontAlgn="base" hangingPunct="0">
-              <a:spcBef>
-                <a:spcPct val="0"/>
-              </a:spcBef>
-              <a:spcAft>
-                <a:spcPct val="0"/>
-              </a:spcAft>
-              <a:defRPr>
-                <a:solidFill>
-                  <a:schemeClr val="tx1"/>
-                </a:solidFill>
-                <a:latin typeface="Calibri" panose="020F0502020204030204" pitchFamily="34" charset="0"/>
-              </a:defRPr>
-            </a:lvl8pPr>
-            <a:lvl9pPr marL="3886200" indent="-228600" eaLnBrk="0" fontAlgn="base" hangingPunct="0">
-              <a:spcBef>
-                <a:spcPct val="0"/>
-              </a:spcBef>
-              <a:spcAft>
-                <a:spcPct val="0"/>
-              </a:spcAft>
-              <a:defRPr>
-                <a:solidFill>
-                  <a:schemeClr val="tx1"/>
-                </a:solidFill>
-                <a:latin typeface="Calibri" panose="020F0502020204030204" pitchFamily="34" charset="0"/>
-              </a:defRPr>
-            </a:lvl9pPr>
-          </a:lstStyle>
-          <a:p>
-            <a:pPr algn="ctr" eaLnBrk="1" hangingPunct="1"/>
-            <a:r>
-              <a:rPr lang="en-US" altLang="en-US" sz="1100" dirty="0">
-                <a:latin typeface="Arial" panose="020B0604020202020204" pitchFamily="34" charset="0"/>
-                <a:ea typeface="Amazon Ember" panose="020B0603020204020204" pitchFamily="34" charset="0"/>
-                <a:cs typeface="Arial" panose="020B0604020202020204" pitchFamily="34" charset="0"/>
-              </a:rPr>
-              <a:t>Parameter </a:t>
-            </a:r>
-          </a:p>
-          <a:p>
-            <a:pPr algn="ctr" eaLnBrk="1" hangingPunct="1"/>
-            <a:r>
-              <a:rPr lang="en-US" altLang="en-US" sz="1100" dirty="0">
-                <a:latin typeface="Arial" panose="020B0604020202020204" pitchFamily="34" charset="0"/>
-                <a:ea typeface="Amazon Ember" panose="020B0603020204020204" pitchFamily="34" charset="0"/>
-                <a:cs typeface="Arial" panose="020B0604020202020204" pitchFamily="34" charset="0"/>
-              </a:rPr>
-              <a:t>Lambda Function</a:t>
-            </a:r>
-          </a:p>
-        </p:txBody>
-      </p:sp>
-      <p:pic>
-        <p:nvPicPr>
-          <p:cNvPr id="63" name="Graphic 13">
-            <a:extLst>
-              <a:ext uri="{FF2B5EF4-FFF2-40B4-BE49-F238E27FC236}">
-                <a16:creationId xmlns:a16="http://schemas.microsoft.com/office/drawing/2014/main" id="{F956D650-C517-B043-A7F7-96C1963A21A0}"/>
-              </a:ext>
-            </a:extLst>
-          </p:cNvPr>
-          <p:cNvPicPr>
-            <a:picLocks noChangeAspect="1" noChangeArrowheads="1"/>
-          </p:cNvPicPr>
-          <p:nvPr/>
-        </p:nvPicPr>
-        <p:blipFill>
-          <a:blip r:embed="rId7">
-            <a:extLst>
-              <a:ext uri="{28A0092B-C50C-407E-A947-70E740481C1C}">
-                <a14:useLocalDpi xmlns:a14="http://schemas.microsoft.com/office/drawing/2010/main" val="0"/>
-              </a:ext>
-            </a:extLst>
-          </a:blip>
-          <a:srcRect/>
-          <a:stretch>
-            <a:fillRect/>
-          </a:stretch>
-        </p:blipFill>
-        <p:spPr bwMode="auto">
-          <a:xfrm>
-            <a:off x="4947883" y="3120483"/>
-            <a:ext cx="457200" cy="457200"/>
-          </a:xfrm>
-          <a:prstGeom prst="rect">
-            <a:avLst/>
-          </a:prstGeom>
-          <a:noFill/>
-          <a:ln>
-            <a:noFill/>
-          </a:ln>
-          <a:extLst>
-            <a:ext uri="{909E8E84-426E-40DD-AFC4-6F175D3DCCD1}">
-              <a14:hiddenFill xmlns:a14="http://schemas.microsoft.com/office/drawing/2010/main">
-                <a:solidFill>
-                  <a:srgbClr val="FFFFFF"/>
-                </a:solidFill>
-              </a14:hiddenFill>
-            </a:ext>
-            <a:ext uri="{91240B29-F687-4F45-9708-019B960494DF}">
-              <a14:hiddenLine xmlns:a14="http://schemas.microsoft.com/office/drawing/2010/main" w="9525">
-                <a:solidFill>
-                  <a:srgbClr val="000000"/>
-                </a:solidFill>
-                <a:miter lim="800000"/>
-                <a:headEnd/>
-                <a:tailEnd/>
-              </a14:hiddenLine>
-            </a:ext>
-          </a:extLst>
-        </p:spPr>
-      </p:pic>
-      <p:pic>
-        <p:nvPicPr>
-          <p:cNvPr id="64" name="Graphic 7">
-            <a:extLst>
-              <a:ext uri="{FF2B5EF4-FFF2-40B4-BE49-F238E27FC236}">
-                <a16:creationId xmlns:a16="http://schemas.microsoft.com/office/drawing/2014/main" id="{323145FD-C8DF-254B-A24D-00876CC45B93}"/>
-              </a:ext>
-            </a:extLst>
-          </p:cNvPr>
-          <p:cNvPicPr>
-            <a:picLocks noChangeAspect="1" noChangeArrowheads="1"/>
-          </p:cNvPicPr>
-          <p:nvPr/>
-        </p:nvPicPr>
-        <p:blipFill>
-          <a:blip r:embed="rId8">
-            <a:extLst>
-              <a:ext uri="{28A0092B-C50C-407E-A947-70E740481C1C}">
-                <a14:useLocalDpi xmlns:a14="http://schemas.microsoft.com/office/drawing/2010/main" val="0"/>
-              </a:ext>
-            </a:extLst>
-          </a:blip>
-          <a:srcRect/>
-          <a:stretch>
-            <a:fillRect/>
-          </a:stretch>
-        </p:blipFill>
-        <p:spPr bwMode="auto">
-          <a:xfrm>
-            <a:off x="4956592" y="4210184"/>
-            <a:ext cx="457200" cy="457200"/>
-          </a:xfrm>
-          <a:prstGeom prst="rect">
-            <a:avLst/>
-          </a:prstGeom>
-          <a:noFill/>
-          <a:ln>
-            <a:noFill/>
-          </a:ln>
-          <a:extLst>
-            <a:ext uri="{909E8E84-426E-40DD-AFC4-6F175D3DCCD1}">
-              <a14:hiddenFill xmlns:a14="http://schemas.microsoft.com/office/drawing/2010/main">
-                <a:solidFill>
-                  <a:srgbClr val="FFFFFF"/>
-                </a:solidFill>
-              </a14:hiddenFill>
-            </a:ext>
-            <a:ext uri="{91240B29-F687-4F45-9708-019B960494DF}">
-              <a14:hiddenLine xmlns:a14="http://schemas.microsoft.com/office/drawing/2010/main" w="9525">
-                <a:solidFill>
-                  <a:srgbClr val="000000"/>
-                </a:solidFill>
-                <a:miter lim="800000"/>
-                <a:headEnd/>
-                <a:tailEnd/>
-              </a14:hiddenLine>
-            </a:ext>
-          </a:extLst>
-        </p:spPr>
-      </p:pic>
-      <p:sp>
-        <p:nvSpPr>
-          <p:cNvPr id="65" name="TextBox 31">
-            <a:extLst>
-              <a:ext uri="{FF2B5EF4-FFF2-40B4-BE49-F238E27FC236}">
-                <a16:creationId xmlns:a16="http://schemas.microsoft.com/office/drawing/2014/main" id="{E56420B5-7428-9044-8F07-51CF19F1FC4F}"/>
-              </a:ext>
-            </a:extLst>
-          </p:cNvPr>
-          <p:cNvSpPr txBox="1">
-            <a:spLocks noChangeArrowheads="1"/>
-          </p:cNvSpPr>
-          <p:nvPr/>
-        </p:nvSpPr>
-        <p:spPr bwMode="auto">
-          <a:xfrm>
-            <a:off x="4594664" y="4641847"/>
-            <a:ext cx="1163639" cy="430887"/>
-          </a:xfrm>
-          <a:prstGeom prst="rect">
-            <a:avLst/>
-          </a:prstGeom>
-          <a:noFill/>
-          <a:ln>
-            <a:noFill/>
-          </a:ln>
-          <a:extLst>
-            <a:ext uri="{909E8E84-426E-40DD-AFC4-6F175D3DCCD1}">
-              <a14:hiddenFill xmlns:a14="http://schemas.microsoft.com/office/drawing/2010/main">
-                <a:solidFill>
-                  <a:srgbClr val="FFFFFF"/>
-                </a:solidFill>
-              </a14:hiddenFill>
-            </a:ext>
-            <a:ext uri="{91240B29-F687-4F45-9708-019B960494DF}">
-              <a14:hiddenLine xmlns:a14="http://schemas.microsoft.com/office/drawing/2010/main" w="9525">
-                <a:solidFill>
-                  <a:srgbClr val="000000"/>
-                </a:solidFill>
-                <a:miter lim="800000"/>
-                <a:headEnd/>
-                <a:tailEnd/>
-              </a14:hiddenLine>
-            </a:ext>
-          </a:extLst>
-        </p:spPr>
-        <p:txBody>
-          <a:bodyPr wrap="square">
-            <a:spAutoFit/>
-          </a:bodyPr>
-          <a:lstStyle>
-            <a:lvl1pPr>
-              <a:defRPr>
-                <a:solidFill>
-                  <a:schemeClr val="tx1"/>
-                </a:solidFill>
-                <a:latin typeface="Calibri" panose="020F0502020204030204" pitchFamily="34" charset="0"/>
-              </a:defRPr>
-            </a:lvl1pPr>
-            <a:lvl2pPr marL="742950" indent="-285750">
-              <a:defRPr>
-                <a:solidFill>
-                  <a:schemeClr val="tx1"/>
-                </a:solidFill>
-                <a:latin typeface="Calibri" panose="020F0502020204030204" pitchFamily="34" charset="0"/>
-              </a:defRPr>
-            </a:lvl2pPr>
-            <a:lvl3pPr marL="1143000" indent="-228600">
-              <a:defRPr>
-                <a:solidFill>
-                  <a:schemeClr val="tx1"/>
-                </a:solidFill>
-                <a:latin typeface="Calibri" panose="020F0502020204030204" pitchFamily="34" charset="0"/>
-              </a:defRPr>
-            </a:lvl3pPr>
-            <a:lvl4pPr marL="1600200" indent="-228600">
-              <a:defRPr>
-                <a:solidFill>
-                  <a:schemeClr val="tx1"/>
-                </a:solidFill>
-                <a:latin typeface="Calibri" panose="020F0502020204030204" pitchFamily="34" charset="0"/>
-              </a:defRPr>
-            </a:lvl4pPr>
-            <a:lvl5pPr marL="2057400" indent="-228600">
-              <a:defRPr>
-                <a:solidFill>
-                  <a:schemeClr val="tx1"/>
-                </a:solidFill>
-                <a:latin typeface="Calibri" panose="020F0502020204030204" pitchFamily="34" charset="0"/>
-              </a:defRPr>
-            </a:lvl5pPr>
-            <a:lvl6pPr marL="2514600" indent="-228600" eaLnBrk="0" fontAlgn="base" hangingPunct="0">
-              <a:spcBef>
-                <a:spcPct val="0"/>
-              </a:spcBef>
-              <a:spcAft>
-                <a:spcPct val="0"/>
-              </a:spcAft>
-              <a:defRPr>
-                <a:solidFill>
-                  <a:schemeClr val="tx1"/>
-                </a:solidFill>
-                <a:latin typeface="Calibri" panose="020F0502020204030204" pitchFamily="34" charset="0"/>
-              </a:defRPr>
-            </a:lvl6pPr>
-            <a:lvl7pPr marL="2971800" indent="-228600" eaLnBrk="0" fontAlgn="base" hangingPunct="0">
-              <a:spcBef>
-                <a:spcPct val="0"/>
-              </a:spcBef>
-              <a:spcAft>
-                <a:spcPct val="0"/>
-              </a:spcAft>
-              <a:defRPr>
-                <a:solidFill>
-                  <a:schemeClr val="tx1"/>
-                </a:solidFill>
-                <a:latin typeface="Calibri" panose="020F0502020204030204" pitchFamily="34" charset="0"/>
-              </a:defRPr>
-            </a:lvl7pPr>
-            <a:lvl8pPr marL="3429000" indent="-228600" eaLnBrk="0" fontAlgn="base" hangingPunct="0">
-              <a:spcBef>
-                <a:spcPct val="0"/>
-              </a:spcBef>
-              <a:spcAft>
-                <a:spcPct val="0"/>
-              </a:spcAft>
-              <a:defRPr>
-                <a:solidFill>
-                  <a:schemeClr val="tx1"/>
-                </a:solidFill>
-                <a:latin typeface="Calibri" panose="020F0502020204030204" pitchFamily="34" charset="0"/>
-              </a:defRPr>
-            </a:lvl8pPr>
-            <a:lvl9pPr marL="3886200" indent="-228600" eaLnBrk="0" fontAlgn="base" hangingPunct="0">
-              <a:spcBef>
-                <a:spcPct val="0"/>
-              </a:spcBef>
-              <a:spcAft>
-                <a:spcPct val="0"/>
-              </a:spcAft>
-              <a:defRPr>
-                <a:solidFill>
-                  <a:schemeClr val="tx1"/>
-                </a:solidFill>
-                <a:latin typeface="Calibri" panose="020F0502020204030204" pitchFamily="34" charset="0"/>
-              </a:defRPr>
-            </a:lvl9pPr>
-          </a:lstStyle>
-          <a:p>
-            <a:pPr algn="ctr" eaLnBrk="1" hangingPunct="1"/>
-            <a:r>
-              <a:rPr lang="en-US" altLang="en-US" sz="1100" dirty="0">
-                <a:latin typeface="Arial" panose="020B0604020202020204" pitchFamily="34" charset="0"/>
-                <a:ea typeface="Amazon Ember" panose="020B0603020204020204" pitchFamily="34" charset="0"/>
-                <a:cs typeface="Arial" panose="020B0604020202020204" pitchFamily="34" charset="0"/>
-              </a:rPr>
-              <a:t>CloudWatch Log Group</a:t>
-            </a:r>
-          </a:p>
-        </p:txBody>
-      </p:sp>
-      <p:sp>
-        <p:nvSpPr>
-          <p:cNvPr id="66" name="TextBox 29">
-            <a:extLst>
-              <a:ext uri="{FF2B5EF4-FFF2-40B4-BE49-F238E27FC236}">
-                <a16:creationId xmlns:a16="http://schemas.microsoft.com/office/drawing/2014/main" id="{9E0E69DC-60E3-2C4F-8D4D-5FADBFDF3FC2}"/>
-              </a:ext>
-            </a:extLst>
-          </p:cNvPr>
-          <p:cNvSpPr txBox="1">
-            <a:spLocks noChangeArrowheads="1"/>
-          </p:cNvSpPr>
-          <p:nvPr/>
-        </p:nvSpPr>
-        <p:spPr bwMode="auto">
-          <a:xfrm>
-            <a:off x="4603195" y="2182172"/>
-            <a:ext cx="1119613" cy="430887"/>
-          </a:xfrm>
-          <a:prstGeom prst="rect">
-            <a:avLst/>
-          </a:prstGeom>
-          <a:noFill/>
-          <a:ln>
-            <a:noFill/>
-          </a:ln>
-          <a:extLst>
-            <a:ext uri="{909E8E84-426E-40DD-AFC4-6F175D3DCCD1}">
-              <a14:hiddenFill xmlns:a14="http://schemas.microsoft.com/office/drawing/2010/main">
-                <a:solidFill>
-                  <a:srgbClr val="FFFFFF"/>
-                </a:solidFill>
-              </a14:hiddenFill>
-            </a:ext>
-            <a:ext uri="{91240B29-F687-4F45-9708-019B960494DF}">
-              <a14:hiddenLine xmlns:a14="http://schemas.microsoft.com/office/drawing/2010/main" w="9525">
-                <a:solidFill>
-                  <a:srgbClr val="000000"/>
-                </a:solidFill>
-                <a:miter lim="800000"/>
-                <a:headEnd/>
-                <a:tailEnd/>
-              </a14:hiddenLine>
-            </a:ext>
-          </a:extLst>
-        </p:spPr>
-        <p:txBody>
-          <a:bodyPr wrap="square">
-            <a:spAutoFit/>
-          </a:bodyPr>
-          <a:lstStyle>
-            <a:lvl1pPr>
-              <a:defRPr>
-                <a:solidFill>
-                  <a:schemeClr val="tx1"/>
-                </a:solidFill>
-                <a:latin typeface="Calibri" panose="020F0502020204030204" pitchFamily="34" charset="0"/>
-              </a:defRPr>
-            </a:lvl1pPr>
-            <a:lvl2pPr marL="742950" indent="-285750">
-              <a:defRPr>
-                <a:solidFill>
-                  <a:schemeClr val="tx1"/>
-                </a:solidFill>
-                <a:latin typeface="Calibri" panose="020F0502020204030204" pitchFamily="34" charset="0"/>
-              </a:defRPr>
-            </a:lvl2pPr>
-            <a:lvl3pPr marL="1143000" indent="-228600">
-              <a:defRPr>
-                <a:solidFill>
-                  <a:schemeClr val="tx1"/>
-                </a:solidFill>
-                <a:latin typeface="Calibri" panose="020F0502020204030204" pitchFamily="34" charset="0"/>
-              </a:defRPr>
-            </a:lvl3pPr>
-            <a:lvl4pPr marL="1600200" indent="-228600">
-              <a:defRPr>
-                <a:solidFill>
-                  <a:schemeClr val="tx1"/>
-                </a:solidFill>
-                <a:latin typeface="Calibri" panose="020F0502020204030204" pitchFamily="34" charset="0"/>
-              </a:defRPr>
-            </a:lvl4pPr>
-            <a:lvl5pPr marL="2057400" indent="-228600">
-              <a:defRPr>
-                <a:solidFill>
-                  <a:schemeClr val="tx1"/>
-                </a:solidFill>
-                <a:latin typeface="Calibri" panose="020F0502020204030204" pitchFamily="34" charset="0"/>
-              </a:defRPr>
-            </a:lvl5pPr>
-            <a:lvl6pPr marL="2514600" indent="-228600" eaLnBrk="0" fontAlgn="base" hangingPunct="0">
-              <a:spcBef>
-                <a:spcPct val="0"/>
-              </a:spcBef>
-              <a:spcAft>
-                <a:spcPct val="0"/>
-              </a:spcAft>
-              <a:defRPr>
-                <a:solidFill>
-                  <a:schemeClr val="tx1"/>
-                </a:solidFill>
-                <a:latin typeface="Calibri" panose="020F0502020204030204" pitchFamily="34" charset="0"/>
-              </a:defRPr>
-            </a:lvl6pPr>
-            <a:lvl7pPr marL="2971800" indent="-228600" eaLnBrk="0" fontAlgn="base" hangingPunct="0">
-              <a:spcBef>
-                <a:spcPct val="0"/>
-              </a:spcBef>
-              <a:spcAft>
-                <a:spcPct val="0"/>
-              </a:spcAft>
-              <a:defRPr>
-                <a:solidFill>
-                  <a:schemeClr val="tx1"/>
-                </a:solidFill>
-                <a:latin typeface="Calibri" panose="020F0502020204030204" pitchFamily="34" charset="0"/>
-              </a:defRPr>
-            </a:lvl7pPr>
-            <a:lvl8pPr marL="3429000" indent="-228600" eaLnBrk="0" fontAlgn="base" hangingPunct="0">
-              <a:spcBef>
-                <a:spcPct val="0"/>
-              </a:spcBef>
-              <a:spcAft>
-                <a:spcPct val="0"/>
-              </a:spcAft>
-              <a:defRPr>
-                <a:solidFill>
-                  <a:schemeClr val="tx1"/>
-                </a:solidFill>
-                <a:latin typeface="Calibri" panose="020F0502020204030204" pitchFamily="34" charset="0"/>
-              </a:defRPr>
-            </a:lvl8pPr>
-            <a:lvl9pPr marL="3886200" indent="-228600" eaLnBrk="0" fontAlgn="base" hangingPunct="0">
-              <a:spcBef>
-                <a:spcPct val="0"/>
-              </a:spcBef>
-              <a:spcAft>
-                <a:spcPct val="0"/>
-              </a:spcAft>
-              <a:defRPr>
-                <a:solidFill>
-                  <a:schemeClr val="tx1"/>
-                </a:solidFill>
-                <a:latin typeface="Calibri" panose="020F0502020204030204" pitchFamily="34" charset="0"/>
-              </a:defRPr>
-            </a:lvl9pPr>
-          </a:lstStyle>
-          <a:p>
-            <a:pPr algn="ctr" eaLnBrk="1" hangingPunct="1"/>
-            <a:r>
-              <a:rPr lang="en-US" altLang="en-US" sz="1100" dirty="0">
-                <a:latin typeface="Arial" panose="020B0604020202020204" pitchFamily="34" charset="0"/>
-                <a:ea typeface="Amazon Ember" panose="020B0603020204020204" pitchFamily="34" charset="0"/>
-                <a:cs typeface="Arial" panose="020B0604020202020204" pitchFamily="34" charset="0"/>
-              </a:rPr>
-              <a:t>Parameter</a:t>
-            </a:r>
-          </a:p>
-          <a:p>
-            <a:pPr algn="ctr" eaLnBrk="1" hangingPunct="1"/>
-            <a:r>
-              <a:rPr lang="en-US" altLang="en-US" sz="1100" dirty="0">
-                <a:latin typeface="Arial" panose="020B0604020202020204" pitchFamily="34" charset="0"/>
-                <a:ea typeface="Amazon Ember" panose="020B0603020204020204" pitchFamily="34" charset="0"/>
-                <a:cs typeface="Arial" panose="020B0604020202020204" pitchFamily="34" charset="0"/>
-              </a:rPr>
-              <a:t>Lambda Role</a:t>
-            </a:r>
-          </a:p>
-        </p:txBody>
-      </p:sp>
-      <p:pic>
-        <p:nvPicPr>
-          <p:cNvPr id="67" name="Graphic 49">
-            <a:extLst>
-              <a:ext uri="{FF2B5EF4-FFF2-40B4-BE49-F238E27FC236}">
-                <a16:creationId xmlns:a16="http://schemas.microsoft.com/office/drawing/2014/main" id="{C6A8E1EE-C7EC-154E-A17B-9AAAC0C20DBD}"/>
-              </a:ext>
-            </a:extLst>
-          </p:cNvPr>
-          <p:cNvPicPr>
-            <a:picLocks noChangeAspect="1" noChangeArrowheads="1"/>
-          </p:cNvPicPr>
-          <p:nvPr/>
-        </p:nvPicPr>
-        <p:blipFill>
-          <a:blip r:embed="rId9">
-            <a:extLst>
-              <a:ext uri="{28A0092B-C50C-407E-A947-70E740481C1C}">
-                <a14:useLocalDpi xmlns:a14="http://schemas.microsoft.com/office/drawing/2010/main" val="0"/>
-              </a:ext>
-            </a:extLst>
-          </a:blip>
-          <a:srcRect/>
-          <a:stretch>
-            <a:fillRect/>
-          </a:stretch>
-        </p:blipFill>
-        <p:spPr bwMode="auto">
-          <a:xfrm>
-            <a:off x="4934401" y="1839547"/>
-            <a:ext cx="457200" cy="457200"/>
-          </a:xfrm>
-          <a:prstGeom prst="rect">
-            <a:avLst/>
-          </a:prstGeom>
-          <a:noFill/>
-          <a:ln>
-            <a:noFill/>
-          </a:ln>
-          <a:extLst>
-            <a:ext uri="{909E8E84-426E-40DD-AFC4-6F175D3DCCD1}">
-              <a14:hiddenFill xmlns:a14="http://schemas.microsoft.com/office/drawing/2010/main">
-                <a:solidFill>
-                  <a:srgbClr val="FFFFFF"/>
-                </a:solidFill>
-              </a14:hiddenFill>
-            </a:ext>
-            <a:ext uri="{91240B29-F687-4F45-9708-019B960494DF}">
-              <a14:hiddenLine xmlns:a14="http://schemas.microsoft.com/office/drawing/2010/main" w="9525">
-                <a:solidFill>
-                  <a:srgbClr val="000000"/>
-                </a:solidFill>
-                <a:miter lim="800000"/>
-                <a:headEnd/>
-                <a:tailEnd/>
-              </a14:hiddenLine>
-            </a:ext>
-          </a:extLst>
-        </p:spPr>
-      </p:pic>
-      <p:sp>
-        <p:nvSpPr>
-          <p:cNvPr id="75" name="TextBox 23">
-            <a:extLst>
-              <a:ext uri="{FF2B5EF4-FFF2-40B4-BE49-F238E27FC236}">
-                <a16:creationId xmlns:a16="http://schemas.microsoft.com/office/drawing/2014/main" id="{7F958851-8145-014D-BFA0-3124A10BD4F4}"/>
-              </a:ext>
-            </a:extLst>
-          </p:cNvPr>
-          <p:cNvSpPr txBox="1">
-            <a:spLocks noChangeArrowheads="1"/>
-          </p:cNvSpPr>
-          <p:nvPr/>
-        </p:nvSpPr>
-        <p:spPr bwMode="auto">
-          <a:xfrm>
-            <a:off x="6347598" y="3557380"/>
-            <a:ext cx="1455047" cy="430887"/>
-          </a:xfrm>
-          <a:prstGeom prst="rect">
-            <a:avLst/>
-          </a:prstGeom>
-          <a:noFill/>
-          <a:ln>
-            <a:noFill/>
-          </a:ln>
-          <a:extLst>
-            <a:ext uri="{909E8E84-426E-40DD-AFC4-6F175D3DCCD1}">
-              <a14:hiddenFill xmlns:a14="http://schemas.microsoft.com/office/drawing/2010/main">
-                <a:solidFill>
-                  <a:srgbClr val="FFFFFF"/>
-                </a:solidFill>
-              </a14:hiddenFill>
-            </a:ext>
-            <a:ext uri="{91240B29-F687-4F45-9708-019B960494DF}">
-              <a14:hiddenLine xmlns:a14="http://schemas.microsoft.com/office/drawing/2010/main" w="9525">
-                <a:solidFill>
-                  <a:srgbClr val="000000"/>
-                </a:solidFill>
-                <a:miter lim="800000"/>
-                <a:headEnd/>
-                <a:tailEnd/>
-              </a14:hiddenLine>
-            </a:ext>
-          </a:extLst>
-        </p:spPr>
-        <p:txBody>
-          <a:bodyPr wrap="square">
-            <a:spAutoFit/>
-          </a:bodyPr>
-          <a:lstStyle>
-            <a:lvl1pPr>
-              <a:defRPr>
-                <a:solidFill>
-                  <a:schemeClr val="tx1"/>
-                </a:solidFill>
-                <a:latin typeface="Calibri" panose="020F0502020204030204" pitchFamily="34" charset="0"/>
-              </a:defRPr>
-            </a:lvl1pPr>
-            <a:lvl2pPr marL="742950" indent="-285750">
-              <a:defRPr>
-                <a:solidFill>
-                  <a:schemeClr val="tx1"/>
-                </a:solidFill>
-                <a:latin typeface="Calibri" panose="020F0502020204030204" pitchFamily="34" charset="0"/>
-              </a:defRPr>
-            </a:lvl2pPr>
-            <a:lvl3pPr marL="1143000" indent="-228600">
-              <a:defRPr>
-                <a:solidFill>
-                  <a:schemeClr val="tx1"/>
-                </a:solidFill>
-                <a:latin typeface="Calibri" panose="020F0502020204030204" pitchFamily="34" charset="0"/>
-              </a:defRPr>
-            </a:lvl3pPr>
-            <a:lvl4pPr marL="1600200" indent="-228600">
-              <a:defRPr>
-                <a:solidFill>
-                  <a:schemeClr val="tx1"/>
-                </a:solidFill>
-                <a:latin typeface="Calibri" panose="020F0502020204030204" pitchFamily="34" charset="0"/>
-              </a:defRPr>
-            </a:lvl4pPr>
-            <a:lvl5pPr marL="2057400" indent="-228600">
-              <a:defRPr>
-                <a:solidFill>
-                  <a:schemeClr val="tx1"/>
-                </a:solidFill>
-                <a:latin typeface="Calibri" panose="020F0502020204030204" pitchFamily="34" charset="0"/>
-              </a:defRPr>
-            </a:lvl5pPr>
-            <a:lvl6pPr marL="2514600" indent="-228600" eaLnBrk="0" fontAlgn="base" hangingPunct="0">
-              <a:spcBef>
-                <a:spcPct val="0"/>
-              </a:spcBef>
-              <a:spcAft>
-                <a:spcPct val="0"/>
-              </a:spcAft>
-              <a:defRPr>
-                <a:solidFill>
-                  <a:schemeClr val="tx1"/>
-                </a:solidFill>
-                <a:latin typeface="Calibri" panose="020F0502020204030204" pitchFamily="34" charset="0"/>
-              </a:defRPr>
-            </a:lvl6pPr>
-            <a:lvl7pPr marL="2971800" indent="-228600" eaLnBrk="0" fontAlgn="base" hangingPunct="0">
-              <a:spcBef>
-                <a:spcPct val="0"/>
-              </a:spcBef>
-              <a:spcAft>
-                <a:spcPct val="0"/>
-              </a:spcAft>
-              <a:defRPr>
-                <a:solidFill>
-                  <a:schemeClr val="tx1"/>
-                </a:solidFill>
-                <a:latin typeface="Calibri" panose="020F0502020204030204" pitchFamily="34" charset="0"/>
-              </a:defRPr>
-            </a:lvl7pPr>
-            <a:lvl8pPr marL="3429000" indent="-228600" eaLnBrk="0" fontAlgn="base" hangingPunct="0">
-              <a:spcBef>
-                <a:spcPct val="0"/>
-              </a:spcBef>
-              <a:spcAft>
-                <a:spcPct val="0"/>
-              </a:spcAft>
-              <a:defRPr>
-                <a:solidFill>
-                  <a:schemeClr val="tx1"/>
-                </a:solidFill>
-                <a:latin typeface="Calibri" panose="020F0502020204030204" pitchFamily="34" charset="0"/>
-              </a:defRPr>
-            </a:lvl8pPr>
-            <a:lvl9pPr marL="3886200" indent="-228600" eaLnBrk="0" fontAlgn="base" hangingPunct="0">
-              <a:spcBef>
-                <a:spcPct val="0"/>
-              </a:spcBef>
-              <a:spcAft>
-                <a:spcPct val="0"/>
-              </a:spcAft>
-              <a:defRPr>
-                <a:solidFill>
-                  <a:schemeClr val="tx1"/>
-                </a:solidFill>
-                <a:latin typeface="Calibri" panose="020F0502020204030204" pitchFamily="34" charset="0"/>
-              </a:defRPr>
-            </a:lvl9pPr>
-          </a:lstStyle>
-          <a:p>
-            <a:pPr algn="ctr" eaLnBrk="1" hangingPunct="1"/>
-            <a:r>
-              <a:rPr lang="en-US" altLang="en-US" sz="1100" dirty="0">
-                <a:latin typeface="Arial" panose="020B0604020202020204" pitchFamily="34" charset="0"/>
-                <a:ea typeface="Amazon Ember" panose="020B0603020204020204" pitchFamily="34" charset="0"/>
-                <a:cs typeface="Arial" panose="020B0604020202020204" pitchFamily="34" charset="0"/>
-              </a:rPr>
-              <a:t>SSM Parameter Store</a:t>
-            </a:r>
-          </a:p>
-        </p:txBody>
-      </p:sp>
-      <p:pic>
-        <p:nvPicPr>
-          <p:cNvPr id="76" name="Graphic 26">
-            <a:extLst>
-              <a:ext uri="{FF2B5EF4-FFF2-40B4-BE49-F238E27FC236}">
-                <a16:creationId xmlns:a16="http://schemas.microsoft.com/office/drawing/2014/main" id="{1B5A0656-8C2A-A940-9929-6FD88DF62445}"/>
-              </a:ext>
-            </a:extLst>
-          </p:cNvPr>
-          <p:cNvPicPr>
-            <a:picLocks noChangeAspect="1" noChangeArrowheads="1"/>
-          </p:cNvPicPr>
-          <p:nvPr/>
-        </p:nvPicPr>
-        <p:blipFill>
-          <a:blip r:embed="rId10">
-            <a:extLst>
-              <a:ext uri="{28A0092B-C50C-407E-A947-70E740481C1C}">
-                <a14:useLocalDpi xmlns:a14="http://schemas.microsoft.com/office/drawing/2010/main" val="0"/>
-              </a:ext>
-            </a:extLst>
-          </a:blip>
-          <a:srcRect/>
-          <a:stretch>
-            <a:fillRect/>
-          </a:stretch>
-        </p:blipFill>
-        <p:spPr bwMode="auto">
-          <a:xfrm>
-            <a:off x="6900914" y="3117234"/>
-            <a:ext cx="457200" cy="457200"/>
-          </a:xfrm>
-          <a:prstGeom prst="rect">
-            <a:avLst/>
-          </a:prstGeom>
-          <a:noFill/>
-          <a:ln>
-            <a:noFill/>
-          </a:ln>
-          <a:extLst>
-            <a:ext uri="{909E8E84-426E-40DD-AFC4-6F175D3DCCD1}">
-              <a14:hiddenFill xmlns:a14="http://schemas.microsoft.com/office/drawing/2010/main">
-                <a:solidFill>
-                  <a:srgbClr val="FFFFFF"/>
-                </a:solidFill>
-              </a14:hiddenFill>
-            </a:ext>
-            <a:ext uri="{91240B29-F687-4F45-9708-019B960494DF}">
-              <a14:hiddenLine xmlns:a14="http://schemas.microsoft.com/office/drawing/2010/main" w="9525">
-                <a:solidFill>
-                  <a:srgbClr val="000000"/>
-                </a:solidFill>
-                <a:miter lim="800000"/>
-                <a:headEnd/>
-                <a:tailEnd/>
-              </a14:hiddenLine>
-            </a:ext>
-          </a:extLst>
-        </p:spPr>
-      </p:pic>
-      <p:cxnSp>
-        <p:nvCxnSpPr>
-          <p:cNvPr id="121" name="Straight Arrow Connector 120">
-            <a:extLst>
-              <a:ext uri="{FF2B5EF4-FFF2-40B4-BE49-F238E27FC236}">
-                <a16:creationId xmlns:a16="http://schemas.microsoft.com/office/drawing/2014/main" id="{07DFCE0F-B96F-3C42-AD61-09E20495F8DF}"/>
-              </a:ext>
-            </a:extLst>
-          </p:cNvPr>
-          <p:cNvCxnSpPr>
-            <a:cxnSpLocks/>
-          </p:cNvCxnSpPr>
-          <p:nvPr/>
-        </p:nvCxnSpPr>
         <p:spPr>
           <a:xfrm>
-            <a:off x="1372240" y="3306302"/>
-            <a:ext cx="295002" cy="0"/>
-          </a:xfrm>
-          <a:prstGeom prst="straightConnector1">
-            <a:avLst/>
-          </a:prstGeom>
-          <a:ln>
-            <a:tailEnd type="triangle"/>
-          </a:ln>
-        </p:spPr>
-        <p:style>
-          <a:lnRef idx="1">
-            <a:schemeClr val="dk1"/>
-          </a:lnRef>
-          <a:fillRef idx="0">
-            <a:schemeClr val="dk1"/>
-          </a:fillRef>
-          <a:effectRef idx="0">
-            <a:schemeClr val="dk1"/>
-          </a:effectRef>
-          <a:fontRef idx="minor">
-            <a:schemeClr val="tx1"/>
-          </a:fontRef>
-        </p:style>
-      </p:cxnSp>
-      <p:sp>
-        <p:nvSpPr>
-          <p:cNvPr id="124" name="Oval 123">
-            <a:extLst>
-              <a:ext uri="{FF2B5EF4-FFF2-40B4-BE49-F238E27FC236}">
-                <a16:creationId xmlns:a16="http://schemas.microsoft.com/office/drawing/2014/main" id="{D40D4053-4594-9844-A27B-00A3CD0AAC49}"/>
-              </a:ext>
-            </a:extLst>
-          </p:cNvPr>
-          <p:cNvSpPr/>
-          <p:nvPr/>
-        </p:nvSpPr>
-        <p:spPr>
-          <a:xfrm>
-            <a:off x="5049765" y="2884391"/>
+            <a:off x="4609764" y="3591352"/>
             <a:ext cx="253435" cy="212902"/>
           </a:xfrm>
           <a:prstGeom prst="ellipse">
@@ -5283,17 +5240,17 @@
                 <a:latin typeface="Arial" panose="020B0604020202020204" pitchFamily="34" charset="0"/>
                 <a:cs typeface="Arial" panose="020B0604020202020204" pitchFamily="34" charset="0"/>
               </a:rPr>
-              <a:t>1.8</a:t>
-            </a:r>
-          </a:p>
-        </p:txBody>
-      </p:sp>
-      <p:sp>
-        <p:nvSpPr>
-          <p:cNvPr id="131" name="Oval 130">
-            <a:extLst>
-              <a:ext uri="{FF2B5EF4-FFF2-40B4-BE49-F238E27FC236}">
-                <a16:creationId xmlns:a16="http://schemas.microsoft.com/office/drawing/2014/main" id="{E66ECBF1-FAAE-6942-900E-AFF12412B233}"/>
+              <a:t>1.9</a:t>
+            </a:r>
+          </a:p>
+        </p:txBody>
+      </p:sp>
+      <p:sp>
+        <p:nvSpPr>
+          <p:cNvPr id="132" name="Oval 131">
+            <a:extLst>
+              <a:ext uri="{FF2B5EF4-FFF2-40B4-BE49-F238E27FC236}">
+                <a16:creationId xmlns:a16="http://schemas.microsoft.com/office/drawing/2014/main" id="{E90E9980-B378-8B48-A029-3577A1108948}"/>
               </a:ext>
             </a:extLst>
           </p:cNvPr>
@@ -5302,7 +5259,7 @@
         </p:nvSpPr>
         <p:spPr>
           <a:xfrm>
-            <a:off x="4671516" y="4213114"/>
+            <a:off x="5002554" y="1083907"/>
             <a:ext cx="253435" cy="212902"/>
           </a:xfrm>
           <a:prstGeom prst="ellipse">
@@ -5343,17 +5300,17 @@
                 <a:latin typeface="Arial" panose="020B0604020202020204" pitchFamily="34" charset="0"/>
                 <a:cs typeface="Arial" panose="020B0604020202020204" pitchFamily="34" charset="0"/>
               </a:rPr>
-              <a:t>1.9</a:t>
-            </a:r>
-          </a:p>
-        </p:txBody>
-      </p:sp>
-      <p:sp>
-        <p:nvSpPr>
-          <p:cNvPr id="132" name="Oval 131">
-            <a:extLst>
-              <a:ext uri="{FF2B5EF4-FFF2-40B4-BE49-F238E27FC236}">
-                <a16:creationId xmlns:a16="http://schemas.microsoft.com/office/drawing/2014/main" id="{E90E9980-B378-8B48-A029-3577A1108948}"/>
+              <a:t>1.7</a:t>
+            </a:r>
+          </a:p>
+        </p:txBody>
+      </p:sp>
+      <p:sp>
+        <p:nvSpPr>
+          <p:cNvPr id="77" name="Rectangle 76">
+            <a:extLst>
+              <a:ext uri="{FF2B5EF4-FFF2-40B4-BE49-F238E27FC236}">
+                <a16:creationId xmlns:a16="http://schemas.microsoft.com/office/drawing/2014/main" id="{03AED725-6341-C04F-9CED-CBAE8EBE8D05}"/>
               </a:ext>
             </a:extLst>
           </p:cNvPr>
@@ -5362,19 +5319,18 @@
         </p:nvSpPr>
         <p:spPr>
           <a:xfrm>
-            <a:off x="5064306" y="1705669"/>
-            <a:ext cx="253435" cy="212902"/>
-          </a:xfrm>
-          <a:prstGeom prst="ellipse">
+            <a:off x="6035025" y="1986421"/>
+            <a:ext cx="1705868" cy="2556000"/>
+          </a:xfrm>
+          <a:prstGeom prst="rect">
             <a:avLst/>
           </a:prstGeom>
-          <a:solidFill>
-            <a:schemeClr val="tx1"/>
-          </a:solidFill>
-          <a:ln>
+          <a:noFill/>
+          <a:ln w="12700">
             <a:solidFill>
               <a:schemeClr val="tx1"/>
             </a:solidFill>
+            <a:prstDash val="dash"/>
           </a:ln>
         </p:spPr>
         <p:style>
@@ -5394,26 +5350,30 @@
           </a:fontRef>
         </p:style>
         <p:txBody>
-          <a:bodyPr lIns="0" tIns="0" rIns="0" bIns="0" rtlCol="0" anchor="ctr"/>
+          <a:bodyPr rot="0" spcFirstLastPara="0" vertOverflow="overflow" horzOverflow="overflow" vert="horz" wrap="square" lIns="45720" tIns="0" rIns="0" bIns="0" numCol="1" spcCol="0" rtlCol="0" fromWordArt="0" anchor="t" anchorCtr="0" forceAA="0" compatLnSpc="1">
+            <a:noAutofit/>
+          </a:bodyPr>
           <a:lstStyle/>
           <a:p>
-            <a:pPr algn="ctr"/>
-            <a:r>
-              <a:rPr lang="en-US" sz="800" dirty="0">
+            <a:r>
+              <a:rPr lang="en-US" sz="1100" b="1" dirty="0">
+                <a:solidFill>
+                  <a:schemeClr val="tx1"/>
+                </a:solidFill>
                 <a:latin typeface="Arial" panose="020B0604020202020204" pitchFamily="34" charset="0"/>
                 <a:cs typeface="Arial" panose="020B0604020202020204" pitchFamily="34" charset="0"/>
               </a:rPr>
-              <a:t>1.7</a:t>
-            </a:r>
-          </a:p>
-        </p:txBody>
-      </p:sp>
-      <p:sp>
-        <p:nvSpPr>
-          <p:cNvPr id="77" name="Rectangle 76">
-            <a:extLst>
-              <a:ext uri="{FF2B5EF4-FFF2-40B4-BE49-F238E27FC236}">
-                <a16:creationId xmlns:a16="http://schemas.microsoft.com/office/drawing/2014/main" id="{03AED725-6341-C04F-9CED-CBAE8EBE8D05}"/>
+              <a:t>region-1</a:t>
+            </a:r>
+          </a:p>
+        </p:txBody>
+      </p:sp>
+      <p:sp>
+        <p:nvSpPr>
+          <p:cNvPr id="79" name="Rectangle 78">
+            <a:extLst>
+              <a:ext uri="{FF2B5EF4-FFF2-40B4-BE49-F238E27FC236}">
+                <a16:creationId xmlns:a16="http://schemas.microsoft.com/office/drawing/2014/main" id="{4C83918F-345A-D04B-9632-7A1BB4B88B3B}"/>
               </a:ext>
             </a:extLst>
           </p:cNvPr>
@@ -5422,8 +5382,8 @@
         </p:nvSpPr>
         <p:spPr>
           <a:xfrm>
-            <a:off x="6096777" y="2608183"/>
-            <a:ext cx="1705868" cy="2792660"/>
+            <a:off x="6140005" y="2169301"/>
+            <a:ext cx="1600888" cy="2373121"/>
           </a:xfrm>
           <a:prstGeom prst="rect">
             <a:avLst/>
@@ -5466,17 +5426,17 @@
                 <a:latin typeface="Arial" panose="020B0604020202020204" pitchFamily="34" charset="0"/>
                 <a:cs typeface="Arial" panose="020B0604020202020204" pitchFamily="34" charset="0"/>
               </a:rPr>
-              <a:t>region-1</a:t>
-            </a:r>
-          </a:p>
-        </p:txBody>
-      </p:sp>
-      <p:sp>
-        <p:nvSpPr>
-          <p:cNvPr id="79" name="Rectangle 78">
-            <a:extLst>
-              <a:ext uri="{FF2B5EF4-FFF2-40B4-BE49-F238E27FC236}">
-                <a16:creationId xmlns:a16="http://schemas.microsoft.com/office/drawing/2014/main" id="{4C83918F-345A-D04B-9632-7A1BB4B88B3B}"/>
+              <a:t>region-2</a:t>
+            </a:r>
+          </a:p>
+        </p:txBody>
+      </p:sp>
+      <p:sp>
+        <p:nvSpPr>
+          <p:cNvPr id="80" name="Rectangle 79">
+            <a:extLst>
+              <a:ext uri="{FF2B5EF4-FFF2-40B4-BE49-F238E27FC236}">
+                <a16:creationId xmlns:a16="http://schemas.microsoft.com/office/drawing/2014/main" id="{A394C27D-1D38-6947-A9B3-603FEF0E565D}"/>
               </a:ext>
             </a:extLst>
           </p:cNvPr>
@@ -5485,8 +5445,8 @@
         </p:nvSpPr>
         <p:spPr>
           <a:xfrm>
-            <a:off x="6201757" y="2791063"/>
-            <a:ext cx="1600888" cy="2609778"/>
+            <a:off x="6241010" y="2375481"/>
+            <a:ext cx="1499884" cy="2166941"/>
           </a:xfrm>
           <a:prstGeom prst="rect">
             <a:avLst/>
@@ -5529,17 +5489,249 @@
                 <a:latin typeface="Arial" panose="020B0604020202020204" pitchFamily="34" charset="0"/>
                 <a:cs typeface="Arial" panose="020B0604020202020204" pitchFamily="34" charset="0"/>
               </a:rPr>
-              <a:t>region-2</a:t>
-            </a:r>
-          </a:p>
-        </p:txBody>
-      </p:sp>
-      <p:sp>
-        <p:nvSpPr>
-          <p:cNvPr id="80" name="Rectangle 79">
-            <a:extLst>
-              <a:ext uri="{FF2B5EF4-FFF2-40B4-BE49-F238E27FC236}">
-                <a16:creationId xmlns:a16="http://schemas.microsoft.com/office/drawing/2014/main" id="{A394C27D-1D38-6947-A9B3-603FEF0E565D}"/>
+              <a:t>region-n</a:t>
+            </a:r>
+          </a:p>
+        </p:txBody>
+      </p:sp>
+      <p:sp>
+        <p:nvSpPr>
+          <p:cNvPr id="56" name="TextBox 21">
+            <a:extLst>
+              <a:ext uri="{FF2B5EF4-FFF2-40B4-BE49-F238E27FC236}">
+                <a16:creationId xmlns:a16="http://schemas.microsoft.com/office/drawing/2014/main" id="{105A15A0-F5B1-2B49-849D-A07711D91A19}"/>
+              </a:ext>
+            </a:extLst>
+          </p:cNvPr>
+          <p:cNvSpPr txBox="1">
+            <a:spLocks noChangeArrowheads="1"/>
+          </p:cNvSpPr>
+          <p:nvPr/>
+        </p:nvSpPr>
+        <p:spPr bwMode="auto">
+          <a:xfrm>
+            <a:off x="6583471" y="4020085"/>
+            <a:ext cx="914400" cy="430887"/>
+          </a:xfrm>
+          <a:prstGeom prst="rect">
+            <a:avLst/>
+          </a:prstGeom>
+          <a:noFill/>
+          <a:ln>
+            <a:noFill/>
+          </a:ln>
+          <a:extLst>
+            <a:ext uri="{909E8E84-426E-40DD-AFC4-6F175D3DCCD1}">
+              <a14:hiddenFill xmlns:a14="http://schemas.microsoft.com/office/drawing/2010/main">
+                <a:solidFill>
+                  <a:srgbClr val="FFFFFF"/>
+                </a:solidFill>
+              </a14:hiddenFill>
+            </a:ext>
+            <a:ext uri="{91240B29-F687-4F45-9708-019B960494DF}">
+              <a14:hiddenLine xmlns:a14="http://schemas.microsoft.com/office/drawing/2010/main" w="9525">
+                <a:solidFill>
+                  <a:srgbClr val="000000"/>
+                </a:solidFill>
+                <a:miter lim="800000"/>
+                <a:headEnd/>
+                <a:tailEnd/>
+              </a14:hiddenLine>
+            </a:ext>
+          </a:extLst>
+        </p:spPr>
+        <p:txBody>
+          <a:bodyPr wrap="square">
+            <a:spAutoFit/>
+          </a:bodyPr>
+          <a:lstStyle>
+            <a:lvl1pPr>
+              <a:defRPr>
+                <a:solidFill>
+                  <a:schemeClr val="tx1"/>
+                </a:solidFill>
+                <a:latin typeface="Calibri" panose="020F0502020204030204" pitchFamily="34" charset="0"/>
+              </a:defRPr>
+            </a:lvl1pPr>
+            <a:lvl2pPr marL="742950" indent="-285750">
+              <a:defRPr>
+                <a:solidFill>
+                  <a:schemeClr val="tx1"/>
+                </a:solidFill>
+                <a:latin typeface="Calibri" panose="020F0502020204030204" pitchFamily="34" charset="0"/>
+              </a:defRPr>
+            </a:lvl2pPr>
+            <a:lvl3pPr marL="1143000" indent="-228600">
+              <a:defRPr>
+                <a:solidFill>
+                  <a:schemeClr val="tx1"/>
+                </a:solidFill>
+                <a:latin typeface="Calibri" panose="020F0502020204030204" pitchFamily="34" charset="0"/>
+              </a:defRPr>
+            </a:lvl3pPr>
+            <a:lvl4pPr marL="1600200" indent="-228600">
+              <a:defRPr>
+                <a:solidFill>
+                  <a:schemeClr val="tx1"/>
+                </a:solidFill>
+                <a:latin typeface="Calibri" panose="020F0502020204030204" pitchFamily="34" charset="0"/>
+              </a:defRPr>
+            </a:lvl4pPr>
+            <a:lvl5pPr marL="2057400" indent="-228600">
+              <a:defRPr>
+                <a:solidFill>
+                  <a:schemeClr val="tx1"/>
+                </a:solidFill>
+                <a:latin typeface="Calibri" panose="020F0502020204030204" pitchFamily="34" charset="0"/>
+              </a:defRPr>
+            </a:lvl5pPr>
+            <a:lvl6pPr marL="2514600" indent="-228600" eaLnBrk="0" fontAlgn="base" hangingPunct="0">
+              <a:spcBef>
+                <a:spcPct val="0"/>
+              </a:spcBef>
+              <a:spcAft>
+                <a:spcPct val="0"/>
+              </a:spcAft>
+              <a:defRPr>
+                <a:solidFill>
+                  <a:schemeClr val="tx1"/>
+                </a:solidFill>
+                <a:latin typeface="Calibri" panose="020F0502020204030204" pitchFamily="34" charset="0"/>
+              </a:defRPr>
+            </a:lvl6pPr>
+            <a:lvl7pPr marL="2971800" indent="-228600" eaLnBrk="0" fontAlgn="base" hangingPunct="0">
+              <a:spcBef>
+                <a:spcPct val="0"/>
+              </a:spcBef>
+              <a:spcAft>
+                <a:spcPct val="0"/>
+              </a:spcAft>
+              <a:defRPr>
+                <a:solidFill>
+                  <a:schemeClr val="tx1"/>
+                </a:solidFill>
+                <a:latin typeface="Calibri" panose="020F0502020204030204" pitchFamily="34" charset="0"/>
+              </a:defRPr>
+            </a:lvl7pPr>
+            <a:lvl8pPr marL="3429000" indent="-228600" eaLnBrk="0" fontAlgn="base" hangingPunct="0">
+              <a:spcBef>
+                <a:spcPct val="0"/>
+              </a:spcBef>
+              <a:spcAft>
+                <a:spcPct val="0"/>
+              </a:spcAft>
+              <a:defRPr>
+                <a:solidFill>
+                  <a:schemeClr val="tx1"/>
+                </a:solidFill>
+                <a:latin typeface="Calibri" panose="020F0502020204030204" pitchFamily="34" charset="0"/>
+              </a:defRPr>
+            </a:lvl8pPr>
+            <a:lvl9pPr marL="3886200" indent="-228600" eaLnBrk="0" fontAlgn="base" hangingPunct="0">
+              <a:spcBef>
+                <a:spcPct val="0"/>
+              </a:spcBef>
+              <a:spcAft>
+                <a:spcPct val="0"/>
+              </a:spcAft>
+              <a:defRPr>
+                <a:solidFill>
+                  <a:schemeClr val="tx1"/>
+                </a:solidFill>
+                <a:latin typeface="Calibri" panose="020F0502020204030204" pitchFamily="34" charset="0"/>
+              </a:defRPr>
+            </a:lvl9pPr>
+          </a:lstStyle>
+          <a:p>
+            <a:pPr algn="ctr" eaLnBrk="1" hangingPunct="1"/>
+            <a:r>
+              <a:rPr lang="en-US" altLang="en-US" sz="1100" dirty="0">
+                <a:latin typeface="Arial" panose="020B0604020202020204" pitchFamily="34" charset="0"/>
+                <a:ea typeface="Amazon Ember" panose="020B0603020204020204" pitchFamily="34" charset="0"/>
+                <a:cs typeface="Arial" panose="020B0604020202020204" pitchFamily="34" charset="0"/>
+              </a:rPr>
+              <a:t>Staging</a:t>
+            </a:r>
+          </a:p>
+          <a:p>
+            <a:pPr algn="ctr" eaLnBrk="1" hangingPunct="1"/>
+            <a:r>
+              <a:rPr lang="en-US" altLang="en-US" sz="1100" dirty="0">
+                <a:latin typeface="Arial" panose="020B0604020202020204" pitchFamily="34" charset="0"/>
+                <a:ea typeface="Amazon Ember" panose="020B0603020204020204" pitchFamily="34" charset="0"/>
+                <a:cs typeface="Arial" panose="020B0604020202020204" pitchFamily="34" charset="0"/>
+              </a:rPr>
+              <a:t>Bucket</a:t>
+            </a:r>
+          </a:p>
+        </p:txBody>
+      </p:sp>
+      <p:pic>
+        <p:nvPicPr>
+          <p:cNvPr id="57" name="Graphic 14">
+            <a:extLst>
+              <a:ext uri="{FF2B5EF4-FFF2-40B4-BE49-F238E27FC236}">
+                <a16:creationId xmlns:a16="http://schemas.microsoft.com/office/drawing/2014/main" id="{43CCC85A-89D6-5B48-8CC6-DDD22AFC197E}"/>
+              </a:ext>
+            </a:extLst>
+          </p:cNvPr>
+          <p:cNvPicPr>
+            <a:picLocks noChangeAspect="1" noChangeArrowheads="1"/>
+          </p:cNvPicPr>
+          <p:nvPr/>
+        </p:nvPicPr>
+        <p:blipFill>
+          <a:blip r:embed="rId11">
+            <a:extLst>
+              <a:ext uri="{28A0092B-C50C-407E-A947-70E740481C1C}">
+                <a14:useLocalDpi xmlns:a14="http://schemas.microsoft.com/office/drawing/2010/main" val="0"/>
+              </a:ext>
+            </a:extLst>
+          </a:blip>
+          <a:srcRect/>
+          <a:stretch>
+            <a:fillRect/>
+          </a:stretch>
+        </p:blipFill>
+        <p:spPr bwMode="auto">
+          <a:xfrm>
+            <a:off x="6812071" y="3588422"/>
+            <a:ext cx="457200" cy="457200"/>
+          </a:xfrm>
+          <a:prstGeom prst="rect">
+            <a:avLst/>
+          </a:prstGeom>
+          <a:noFill/>
+          <a:ln>
+            <a:noFill/>
+          </a:ln>
+          <a:extLst>
+            <a:ext uri="{909E8E84-426E-40DD-AFC4-6F175D3DCCD1}">
+              <a14:hiddenFill xmlns:a14="http://schemas.microsoft.com/office/drawing/2010/main">
+                <a:solidFill>
+                  <a:srgbClr val="FFFFFF"/>
+                </a:solidFill>
+              </a14:hiddenFill>
+            </a:ext>
+            <a:ext uri="{91240B29-F687-4F45-9708-019B960494DF}">
+              <a14:hiddenLine xmlns:a14="http://schemas.microsoft.com/office/drawing/2010/main" w="9525">
+                <a:solidFill>
+                  <a:srgbClr val="000000"/>
+                </a:solidFill>
+                <a:miter lim="800000"/>
+                <a:headEnd/>
+                <a:tailEnd/>
+              </a14:hiddenLine>
+            </a:ext>
+          </a:extLst>
+        </p:spPr>
+      </p:pic>
+      <p:sp>
+        <p:nvSpPr>
+          <p:cNvPr id="68" name="Rectangle 67">
+            <a:extLst>
+              <a:ext uri="{FF2B5EF4-FFF2-40B4-BE49-F238E27FC236}">
+                <a16:creationId xmlns:a16="http://schemas.microsoft.com/office/drawing/2014/main" id="{F56113B6-D718-8249-9540-C31B7D054BDD}"/>
               </a:ext>
             </a:extLst>
           </p:cNvPr>
@@ -5548,8 +5740,8 @@
         </p:nvSpPr>
         <p:spPr>
           <a:xfrm>
-            <a:off x="6302762" y="2997243"/>
-            <a:ext cx="1499884" cy="2403599"/>
+            <a:off x="766142" y="1986422"/>
+            <a:ext cx="5017668" cy="2556000"/>
           </a:xfrm>
           <a:prstGeom prst="rect">
             <a:avLst/>
@@ -5592,17 +5784,516 @@
                 <a:latin typeface="Arial" panose="020B0604020202020204" pitchFamily="34" charset="0"/>
                 <a:cs typeface="Arial" panose="020B0604020202020204" pitchFamily="34" charset="0"/>
               </a:rPr>
-              <a:t>region-n</a:t>
-            </a:r>
-          </a:p>
-        </p:txBody>
-      </p:sp>
-      <p:sp>
-        <p:nvSpPr>
-          <p:cNvPr id="81" name="Oval 80">
-            <a:extLst>
-              <a:ext uri="{FF2B5EF4-FFF2-40B4-BE49-F238E27FC236}">
-                <a16:creationId xmlns:a16="http://schemas.microsoft.com/office/drawing/2014/main" id="{5EB15DFF-E367-DE4E-8222-A26FDBF8690C}"/>
+              <a:t>Home-region</a:t>
+            </a:r>
+          </a:p>
+        </p:txBody>
+      </p:sp>
+      <p:sp>
+        <p:nvSpPr>
+          <p:cNvPr id="83" name="TextBox 23">
+            <a:extLst>
+              <a:ext uri="{FF2B5EF4-FFF2-40B4-BE49-F238E27FC236}">
+                <a16:creationId xmlns:a16="http://schemas.microsoft.com/office/drawing/2014/main" id="{3E10141A-CF4E-7B45-9CF4-CB798E3A6080}"/>
+              </a:ext>
+            </a:extLst>
+          </p:cNvPr>
+          <p:cNvSpPr txBox="1">
+            <a:spLocks noChangeArrowheads="1"/>
+          </p:cNvSpPr>
+          <p:nvPr/>
+        </p:nvSpPr>
+        <p:spPr bwMode="auto">
+          <a:xfrm>
+            <a:off x="3192220" y="2940290"/>
+            <a:ext cx="1455047" cy="430887"/>
+          </a:xfrm>
+          <a:prstGeom prst="rect">
+            <a:avLst/>
+          </a:prstGeom>
+          <a:noFill/>
+          <a:ln>
+            <a:noFill/>
+          </a:ln>
+          <a:extLst>
+            <a:ext uri="{909E8E84-426E-40DD-AFC4-6F175D3DCCD1}">
+              <a14:hiddenFill xmlns:a14="http://schemas.microsoft.com/office/drawing/2010/main">
+                <a:solidFill>
+                  <a:srgbClr val="FFFFFF"/>
+                </a:solidFill>
+              </a14:hiddenFill>
+            </a:ext>
+            <a:ext uri="{91240B29-F687-4F45-9708-019B960494DF}">
+              <a14:hiddenLine xmlns:a14="http://schemas.microsoft.com/office/drawing/2010/main" w="9525">
+                <a:solidFill>
+                  <a:srgbClr val="000000"/>
+                </a:solidFill>
+                <a:miter lim="800000"/>
+                <a:headEnd/>
+                <a:tailEnd/>
+              </a14:hiddenLine>
+            </a:ext>
+          </a:extLst>
+        </p:spPr>
+        <p:txBody>
+          <a:bodyPr wrap="square">
+            <a:spAutoFit/>
+          </a:bodyPr>
+          <a:lstStyle>
+            <a:lvl1pPr>
+              <a:defRPr>
+                <a:solidFill>
+                  <a:schemeClr val="tx1"/>
+                </a:solidFill>
+                <a:latin typeface="Calibri" panose="020F0502020204030204" pitchFamily="34" charset="0"/>
+              </a:defRPr>
+            </a:lvl1pPr>
+            <a:lvl2pPr marL="742950" indent="-285750">
+              <a:defRPr>
+                <a:solidFill>
+                  <a:schemeClr val="tx1"/>
+                </a:solidFill>
+                <a:latin typeface="Calibri" panose="020F0502020204030204" pitchFamily="34" charset="0"/>
+              </a:defRPr>
+            </a:lvl2pPr>
+            <a:lvl3pPr marL="1143000" indent="-228600">
+              <a:defRPr>
+                <a:solidFill>
+                  <a:schemeClr val="tx1"/>
+                </a:solidFill>
+                <a:latin typeface="Calibri" panose="020F0502020204030204" pitchFamily="34" charset="0"/>
+              </a:defRPr>
+            </a:lvl3pPr>
+            <a:lvl4pPr marL="1600200" indent="-228600">
+              <a:defRPr>
+                <a:solidFill>
+                  <a:schemeClr val="tx1"/>
+                </a:solidFill>
+                <a:latin typeface="Calibri" panose="020F0502020204030204" pitchFamily="34" charset="0"/>
+              </a:defRPr>
+            </a:lvl4pPr>
+            <a:lvl5pPr marL="2057400" indent="-228600">
+              <a:defRPr>
+                <a:solidFill>
+                  <a:schemeClr val="tx1"/>
+                </a:solidFill>
+                <a:latin typeface="Calibri" panose="020F0502020204030204" pitchFamily="34" charset="0"/>
+              </a:defRPr>
+            </a:lvl5pPr>
+            <a:lvl6pPr marL="2514600" indent="-228600" eaLnBrk="0" fontAlgn="base" hangingPunct="0">
+              <a:spcBef>
+                <a:spcPct val="0"/>
+              </a:spcBef>
+              <a:spcAft>
+                <a:spcPct val="0"/>
+              </a:spcAft>
+              <a:defRPr>
+                <a:solidFill>
+                  <a:schemeClr val="tx1"/>
+                </a:solidFill>
+                <a:latin typeface="Calibri" panose="020F0502020204030204" pitchFamily="34" charset="0"/>
+              </a:defRPr>
+            </a:lvl6pPr>
+            <a:lvl7pPr marL="2971800" indent="-228600" eaLnBrk="0" fontAlgn="base" hangingPunct="0">
+              <a:spcBef>
+                <a:spcPct val="0"/>
+              </a:spcBef>
+              <a:spcAft>
+                <a:spcPct val="0"/>
+              </a:spcAft>
+              <a:defRPr>
+                <a:solidFill>
+                  <a:schemeClr val="tx1"/>
+                </a:solidFill>
+                <a:latin typeface="Calibri" panose="020F0502020204030204" pitchFamily="34" charset="0"/>
+              </a:defRPr>
+            </a:lvl7pPr>
+            <a:lvl8pPr marL="3429000" indent="-228600" eaLnBrk="0" fontAlgn="base" hangingPunct="0">
+              <a:spcBef>
+                <a:spcPct val="0"/>
+              </a:spcBef>
+              <a:spcAft>
+                <a:spcPct val="0"/>
+              </a:spcAft>
+              <a:defRPr>
+                <a:solidFill>
+                  <a:schemeClr val="tx1"/>
+                </a:solidFill>
+                <a:latin typeface="Calibri" panose="020F0502020204030204" pitchFamily="34" charset="0"/>
+              </a:defRPr>
+            </a:lvl8pPr>
+            <a:lvl9pPr marL="3886200" indent="-228600" eaLnBrk="0" fontAlgn="base" hangingPunct="0">
+              <a:spcBef>
+                <a:spcPct val="0"/>
+              </a:spcBef>
+              <a:spcAft>
+                <a:spcPct val="0"/>
+              </a:spcAft>
+              <a:defRPr>
+                <a:solidFill>
+                  <a:schemeClr val="tx1"/>
+                </a:solidFill>
+                <a:latin typeface="Calibri" panose="020F0502020204030204" pitchFamily="34" charset="0"/>
+              </a:defRPr>
+            </a:lvl9pPr>
+          </a:lstStyle>
+          <a:p>
+            <a:pPr algn="ctr" eaLnBrk="1" hangingPunct="1"/>
+            <a:r>
+              <a:rPr lang="en-US" altLang="en-US" sz="1100" dirty="0">
+                <a:latin typeface="Arial" panose="020B0604020202020204" pitchFamily="34" charset="0"/>
+                <a:ea typeface="Amazon Ember" panose="020B0603020204020204" pitchFamily="34" charset="0"/>
+                <a:cs typeface="Arial" panose="020B0604020202020204" pitchFamily="34" charset="0"/>
+              </a:rPr>
+              <a:t>SSM Parameter Store</a:t>
+            </a:r>
+          </a:p>
+        </p:txBody>
+      </p:sp>
+      <p:pic>
+        <p:nvPicPr>
+          <p:cNvPr id="84" name="Graphic 26">
+            <a:extLst>
+              <a:ext uri="{FF2B5EF4-FFF2-40B4-BE49-F238E27FC236}">
+                <a16:creationId xmlns:a16="http://schemas.microsoft.com/office/drawing/2014/main" id="{6D213190-CF88-4B4E-A8B4-49F1CF5C0BD8}"/>
+              </a:ext>
+            </a:extLst>
+          </p:cNvPr>
+          <p:cNvPicPr>
+            <a:picLocks noChangeAspect="1" noChangeArrowheads="1"/>
+          </p:cNvPicPr>
+          <p:nvPr/>
+        </p:nvPicPr>
+        <p:blipFill>
+          <a:blip r:embed="rId10">
+            <a:extLst>
+              <a:ext uri="{28A0092B-C50C-407E-A947-70E740481C1C}">
+                <a14:useLocalDpi xmlns:a14="http://schemas.microsoft.com/office/drawing/2010/main" val="0"/>
+              </a:ext>
+            </a:extLst>
+          </a:blip>
+          <a:srcRect/>
+          <a:stretch>
+            <a:fillRect/>
+          </a:stretch>
+        </p:blipFill>
+        <p:spPr bwMode="auto">
+          <a:xfrm>
+            <a:off x="3745536" y="2500144"/>
+            <a:ext cx="457200" cy="457200"/>
+          </a:xfrm>
+          <a:prstGeom prst="rect">
+            <a:avLst/>
+          </a:prstGeom>
+          <a:noFill/>
+          <a:ln>
+            <a:noFill/>
+          </a:ln>
+          <a:extLst>
+            <a:ext uri="{909E8E84-426E-40DD-AFC4-6F175D3DCCD1}">
+              <a14:hiddenFill xmlns:a14="http://schemas.microsoft.com/office/drawing/2010/main">
+                <a:solidFill>
+                  <a:srgbClr val="FFFFFF"/>
+                </a:solidFill>
+              </a14:hiddenFill>
+            </a:ext>
+            <a:ext uri="{91240B29-F687-4F45-9708-019B960494DF}">
+              <a14:hiddenLine xmlns:a14="http://schemas.microsoft.com/office/drawing/2010/main" w="9525">
+                <a:solidFill>
+                  <a:srgbClr val="000000"/>
+                </a:solidFill>
+                <a:miter lim="800000"/>
+                <a:headEnd/>
+                <a:tailEnd/>
+              </a14:hiddenLine>
+            </a:ext>
+          </a:extLst>
+        </p:spPr>
+      </p:pic>
+      <p:sp>
+        <p:nvSpPr>
+          <p:cNvPr id="86" name="TextBox 21">
+            <a:extLst>
+              <a:ext uri="{FF2B5EF4-FFF2-40B4-BE49-F238E27FC236}">
+                <a16:creationId xmlns:a16="http://schemas.microsoft.com/office/drawing/2014/main" id="{01695DD7-E131-9548-BD25-475D13AF5D29}"/>
+              </a:ext>
+            </a:extLst>
+          </p:cNvPr>
+          <p:cNvSpPr txBox="1">
+            <a:spLocks noChangeArrowheads="1"/>
+          </p:cNvSpPr>
+          <p:nvPr/>
+        </p:nvSpPr>
+        <p:spPr bwMode="auto">
+          <a:xfrm>
+            <a:off x="3489845" y="4020085"/>
+            <a:ext cx="914400" cy="430887"/>
+          </a:xfrm>
+          <a:prstGeom prst="rect">
+            <a:avLst/>
+          </a:prstGeom>
+          <a:noFill/>
+          <a:ln>
+            <a:noFill/>
+          </a:ln>
+          <a:extLst>
+            <a:ext uri="{909E8E84-426E-40DD-AFC4-6F175D3DCCD1}">
+              <a14:hiddenFill xmlns:a14="http://schemas.microsoft.com/office/drawing/2010/main">
+                <a:solidFill>
+                  <a:srgbClr val="FFFFFF"/>
+                </a:solidFill>
+              </a14:hiddenFill>
+            </a:ext>
+            <a:ext uri="{91240B29-F687-4F45-9708-019B960494DF}">
+              <a14:hiddenLine xmlns:a14="http://schemas.microsoft.com/office/drawing/2010/main" w="9525">
+                <a:solidFill>
+                  <a:srgbClr val="000000"/>
+                </a:solidFill>
+                <a:miter lim="800000"/>
+                <a:headEnd/>
+                <a:tailEnd/>
+              </a14:hiddenLine>
+            </a:ext>
+          </a:extLst>
+        </p:spPr>
+        <p:txBody>
+          <a:bodyPr wrap="square">
+            <a:spAutoFit/>
+          </a:bodyPr>
+          <a:lstStyle>
+            <a:lvl1pPr>
+              <a:defRPr>
+                <a:solidFill>
+                  <a:schemeClr val="tx1"/>
+                </a:solidFill>
+                <a:latin typeface="Calibri" panose="020F0502020204030204" pitchFamily="34" charset="0"/>
+              </a:defRPr>
+            </a:lvl1pPr>
+            <a:lvl2pPr marL="742950" indent="-285750">
+              <a:defRPr>
+                <a:solidFill>
+                  <a:schemeClr val="tx1"/>
+                </a:solidFill>
+                <a:latin typeface="Calibri" panose="020F0502020204030204" pitchFamily="34" charset="0"/>
+              </a:defRPr>
+            </a:lvl2pPr>
+            <a:lvl3pPr marL="1143000" indent="-228600">
+              <a:defRPr>
+                <a:solidFill>
+                  <a:schemeClr val="tx1"/>
+                </a:solidFill>
+                <a:latin typeface="Calibri" panose="020F0502020204030204" pitchFamily="34" charset="0"/>
+              </a:defRPr>
+            </a:lvl3pPr>
+            <a:lvl4pPr marL="1600200" indent="-228600">
+              <a:defRPr>
+                <a:solidFill>
+                  <a:schemeClr val="tx1"/>
+                </a:solidFill>
+                <a:latin typeface="Calibri" panose="020F0502020204030204" pitchFamily="34" charset="0"/>
+              </a:defRPr>
+            </a:lvl4pPr>
+            <a:lvl5pPr marL="2057400" indent="-228600">
+              <a:defRPr>
+                <a:solidFill>
+                  <a:schemeClr val="tx1"/>
+                </a:solidFill>
+                <a:latin typeface="Calibri" panose="020F0502020204030204" pitchFamily="34" charset="0"/>
+              </a:defRPr>
+            </a:lvl5pPr>
+            <a:lvl6pPr marL="2514600" indent="-228600" eaLnBrk="0" fontAlgn="base" hangingPunct="0">
+              <a:spcBef>
+                <a:spcPct val="0"/>
+              </a:spcBef>
+              <a:spcAft>
+                <a:spcPct val="0"/>
+              </a:spcAft>
+              <a:defRPr>
+                <a:solidFill>
+                  <a:schemeClr val="tx1"/>
+                </a:solidFill>
+                <a:latin typeface="Calibri" panose="020F0502020204030204" pitchFamily="34" charset="0"/>
+              </a:defRPr>
+            </a:lvl6pPr>
+            <a:lvl7pPr marL="2971800" indent="-228600" eaLnBrk="0" fontAlgn="base" hangingPunct="0">
+              <a:spcBef>
+                <a:spcPct val="0"/>
+              </a:spcBef>
+              <a:spcAft>
+                <a:spcPct val="0"/>
+              </a:spcAft>
+              <a:defRPr>
+                <a:solidFill>
+                  <a:schemeClr val="tx1"/>
+                </a:solidFill>
+                <a:latin typeface="Calibri" panose="020F0502020204030204" pitchFamily="34" charset="0"/>
+              </a:defRPr>
+            </a:lvl7pPr>
+            <a:lvl8pPr marL="3429000" indent="-228600" eaLnBrk="0" fontAlgn="base" hangingPunct="0">
+              <a:spcBef>
+                <a:spcPct val="0"/>
+              </a:spcBef>
+              <a:spcAft>
+                <a:spcPct val="0"/>
+              </a:spcAft>
+              <a:defRPr>
+                <a:solidFill>
+                  <a:schemeClr val="tx1"/>
+                </a:solidFill>
+                <a:latin typeface="Calibri" panose="020F0502020204030204" pitchFamily="34" charset="0"/>
+              </a:defRPr>
+            </a:lvl8pPr>
+            <a:lvl9pPr marL="3886200" indent="-228600" eaLnBrk="0" fontAlgn="base" hangingPunct="0">
+              <a:spcBef>
+                <a:spcPct val="0"/>
+              </a:spcBef>
+              <a:spcAft>
+                <a:spcPct val="0"/>
+              </a:spcAft>
+              <a:defRPr>
+                <a:solidFill>
+                  <a:schemeClr val="tx1"/>
+                </a:solidFill>
+                <a:latin typeface="Calibri" panose="020F0502020204030204" pitchFamily="34" charset="0"/>
+              </a:defRPr>
+            </a:lvl9pPr>
+          </a:lstStyle>
+          <a:p>
+            <a:pPr algn="ctr" eaLnBrk="1" hangingPunct="1"/>
+            <a:r>
+              <a:rPr lang="en-US" altLang="en-US" sz="1100" dirty="0">
+                <a:latin typeface="Arial" panose="020B0604020202020204" pitchFamily="34" charset="0"/>
+                <a:ea typeface="Amazon Ember" panose="020B0603020204020204" pitchFamily="34" charset="0"/>
+                <a:cs typeface="Arial" panose="020B0604020202020204" pitchFamily="34" charset="0"/>
+              </a:rPr>
+              <a:t>Staging</a:t>
+            </a:r>
+          </a:p>
+          <a:p>
+            <a:pPr algn="ctr" eaLnBrk="1" hangingPunct="1"/>
+            <a:r>
+              <a:rPr lang="en-US" altLang="en-US" sz="1100" dirty="0">
+                <a:latin typeface="Arial" panose="020B0604020202020204" pitchFamily="34" charset="0"/>
+                <a:ea typeface="Amazon Ember" panose="020B0603020204020204" pitchFamily="34" charset="0"/>
+                <a:cs typeface="Arial" panose="020B0604020202020204" pitchFamily="34" charset="0"/>
+              </a:rPr>
+              <a:t>Bucket</a:t>
+            </a:r>
+          </a:p>
+        </p:txBody>
+      </p:sp>
+      <p:pic>
+        <p:nvPicPr>
+          <p:cNvPr id="87" name="Graphic 14">
+            <a:extLst>
+              <a:ext uri="{FF2B5EF4-FFF2-40B4-BE49-F238E27FC236}">
+                <a16:creationId xmlns:a16="http://schemas.microsoft.com/office/drawing/2014/main" id="{15791832-7453-C649-B28E-8A450F46BA96}"/>
+              </a:ext>
+            </a:extLst>
+          </p:cNvPr>
+          <p:cNvPicPr>
+            <a:picLocks noChangeAspect="1" noChangeArrowheads="1"/>
+          </p:cNvPicPr>
+          <p:nvPr/>
+        </p:nvPicPr>
+        <p:blipFill>
+          <a:blip r:embed="rId11">
+            <a:extLst>
+              <a:ext uri="{28A0092B-C50C-407E-A947-70E740481C1C}">
+                <a14:useLocalDpi xmlns:a14="http://schemas.microsoft.com/office/drawing/2010/main" val="0"/>
+              </a:ext>
+            </a:extLst>
+          </a:blip>
+          <a:srcRect/>
+          <a:stretch>
+            <a:fillRect/>
+          </a:stretch>
+        </p:blipFill>
+        <p:spPr bwMode="auto">
+          <a:xfrm>
+            <a:off x="3718445" y="3588422"/>
+            <a:ext cx="457200" cy="457200"/>
+          </a:xfrm>
+          <a:prstGeom prst="rect">
+            <a:avLst/>
+          </a:prstGeom>
+          <a:noFill/>
+          <a:ln>
+            <a:noFill/>
+          </a:ln>
+          <a:extLst>
+            <a:ext uri="{909E8E84-426E-40DD-AFC4-6F175D3DCCD1}">
+              <a14:hiddenFill xmlns:a14="http://schemas.microsoft.com/office/drawing/2010/main">
+                <a:solidFill>
+                  <a:srgbClr val="FFFFFF"/>
+                </a:solidFill>
+              </a14:hiddenFill>
+            </a:ext>
+            <a:ext uri="{91240B29-F687-4F45-9708-019B960494DF}">
+              <a14:hiddenLine xmlns:a14="http://schemas.microsoft.com/office/drawing/2010/main" w="9525">
+                <a:solidFill>
+                  <a:srgbClr val="000000"/>
+                </a:solidFill>
+                <a:miter lim="800000"/>
+                <a:headEnd/>
+                <a:tailEnd/>
+              </a14:hiddenLine>
+            </a:ext>
+          </a:extLst>
+        </p:spPr>
+      </p:pic>
+      <p:cxnSp>
+        <p:nvCxnSpPr>
+          <p:cNvPr id="88" name="Elbow Connector 87">
+            <a:extLst>
+              <a:ext uri="{FF2B5EF4-FFF2-40B4-BE49-F238E27FC236}">
+                <a16:creationId xmlns:a16="http://schemas.microsoft.com/office/drawing/2014/main" id="{6DE81F86-FF38-DB4C-BD20-6004CBABCA06}"/>
+              </a:ext>
+            </a:extLst>
+          </p:cNvPr>
+          <p:cNvCxnSpPr>
+            <a:cxnSpLocks/>
+            <a:stCxn id="63" idx="1"/>
+            <a:endCxn id="84" idx="3"/>
+          </p:cNvCxnSpPr>
+          <p:nvPr/>
+        </p:nvCxnSpPr>
+        <p:spPr>
+          <a:xfrm rot="10800000" flipV="1">
+            <a:off x="4202737" y="2727320"/>
+            <a:ext cx="683395" cy="1423"/>
+          </a:xfrm>
+          <a:prstGeom prst="bentConnector3">
+            <a:avLst>
+              <a:gd name="adj1" fmla="val 50000"/>
+            </a:avLst>
+          </a:prstGeom>
+          <a:ln>
+            <a:headEnd type="triangle"/>
+            <a:tailEnd type="triangle"/>
+          </a:ln>
+        </p:spPr>
+        <p:style>
+          <a:lnRef idx="1">
+            <a:schemeClr val="dk1"/>
+          </a:lnRef>
+          <a:fillRef idx="0">
+            <a:schemeClr val="dk1"/>
+          </a:fillRef>
+          <a:effectRef idx="0">
+            <a:schemeClr val="dk1"/>
+          </a:effectRef>
+          <a:fontRef idx="minor">
+            <a:schemeClr val="tx1"/>
+          </a:fontRef>
+        </p:style>
+      </p:cxnSp>
+      <p:sp>
+        <p:nvSpPr>
+          <p:cNvPr id="89" name="Oval 88">
+            <a:extLst>
+              <a:ext uri="{FF2B5EF4-FFF2-40B4-BE49-F238E27FC236}">
+                <a16:creationId xmlns:a16="http://schemas.microsoft.com/office/drawing/2014/main" id="{C24704FF-9C2F-CC4F-9FC2-D1C33536B62A}"/>
               </a:ext>
             </a:extLst>
           </p:cNvPr>
@@ -5611,8 +6302,8 @@
         </p:nvSpPr>
         <p:spPr>
           <a:xfrm>
-            <a:off x="7231396" y="4037303"/>
-            <a:ext cx="283464" cy="237744"/>
+            <a:off x="3776486" y="2262629"/>
+            <a:ext cx="253435" cy="212902"/>
           </a:xfrm>
           <a:prstGeom prst="ellipse">
             <a:avLst/>
@@ -5652,269 +6343,38 @@
                 <a:latin typeface="Arial" panose="020B0604020202020204" pitchFamily="34" charset="0"/>
                 <a:cs typeface="Arial" panose="020B0604020202020204" pitchFamily="34" charset="0"/>
               </a:rPr>
-              <a:t>1.12</a:t>
-            </a:r>
-          </a:p>
-        </p:txBody>
-      </p:sp>
-      <p:sp>
-        <p:nvSpPr>
-          <p:cNvPr id="56" name="TextBox 21">
-            <a:extLst>
-              <a:ext uri="{FF2B5EF4-FFF2-40B4-BE49-F238E27FC236}">
-                <a16:creationId xmlns:a16="http://schemas.microsoft.com/office/drawing/2014/main" id="{105A15A0-F5B1-2B49-849D-A07711D91A19}"/>
-              </a:ext>
-            </a:extLst>
-          </p:cNvPr>
-          <p:cNvSpPr txBox="1">
-            <a:spLocks noChangeArrowheads="1"/>
-          </p:cNvSpPr>
+              <a:t>1.5</a:t>
+            </a:r>
+          </a:p>
+        </p:txBody>
+      </p:sp>
+      <p:sp>
+        <p:nvSpPr>
+          <p:cNvPr id="90" name="Oval 89">
+            <a:extLst>
+              <a:ext uri="{FF2B5EF4-FFF2-40B4-BE49-F238E27FC236}">
+                <a16:creationId xmlns:a16="http://schemas.microsoft.com/office/drawing/2014/main" id="{E594DFE4-F1B6-7149-8747-A950780B4D35}"/>
+              </a:ext>
+            </a:extLst>
+          </p:cNvPr>
+          <p:cNvSpPr/>
           <p:nvPr/>
         </p:nvSpPr>
-        <p:spPr bwMode="auto">
+        <p:spPr>
           <a:xfrm>
-            <a:off x="6645223" y="4641847"/>
-            <a:ext cx="914400" cy="430887"/>
-          </a:xfrm>
-          <a:prstGeom prst="rect">
+            <a:off x="7169723" y="2442646"/>
+            <a:ext cx="283464" cy="237744"/>
+          </a:xfrm>
+          <a:prstGeom prst="ellipse">
             <a:avLst/>
           </a:prstGeom>
-          <a:noFill/>
+          <a:solidFill>
+            <a:schemeClr val="tx1"/>
+          </a:solidFill>
           <a:ln>
-            <a:noFill/>
-          </a:ln>
-          <a:extLst>
-            <a:ext uri="{909E8E84-426E-40DD-AFC4-6F175D3DCCD1}">
-              <a14:hiddenFill xmlns:a14="http://schemas.microsoft.com/office/drawing/2010/main">
-                <a:solidFill>
-                  <a:srgbClr val="FFFFFF"/>
-                </a:solidFill>
-              </a14:hiddenFill>
-            </a:ext>
-            <a:ext uri="{91240B29-F687-4F45-9708-019B960494DF}">
-              <a14:hiddenLine xmlns:a14="http://schemas.microsoft.com/office/drawing/2010/main" w="9525">
-                <a:solidFill>
-                  <a:srgbClr val="000000"/>
-                </a:solidFill>
-                <a:miter lim="800000"/>
-                <a:headEnd/>
-                <a:tailEnd/>
-              </a14:hiddenLine>
-            </a:ext>
-          </a:extLst>
-        </p:spPr>
-        <p:txBody>
-          <a:bodyPr wrap="square">
-            <a:spAutoFit/>
-          </a:bodyPr>
-          <a:lstStyle>
-            <a:lvl1pPr>
-              <a:defRPr>
-                <a:solidFill>
-                  <a:schemeClr val="tx1"/>
-                </a:solidFill>
-                <a:latin typeface="Calibri" panose="020F0502020204030204" pitchFamily="34" charset="0"/>
-              </a:defRPr>
-            </a:lvl1pPr>
-            <a:lvl2pPr marL="742950" indent="-285750">
-              <a:defRPr>
-                <a:solidFill>
-                  <a:schemeClr val="tx1"/>
-                </a:solidFill>
-                <a:latin typeface="Calibri" panose="020F0502020204030204" pitchFamily="34" charset="0"/>
-              </a:defRPr>
-            </a:lvl2pPr>
-            <a:lvl3pPr marL="1143000" indent="-228600">
-              <a:defRPr>
-                <a:solidFill>
-                  <a:schemeClr val="tx1"/>
-                </a:solidFill>
-                <a:latin typeface="Calibri" panose="020F0502020204030204" pitchFamily="34" charset="0"/>
-              </a:defRPr>
-            </a:lvl3pPr>
-            <a:lvl4pPr marL="1600200" indent="-228600">
-              <a:defRPr>
-                <a:solidFill>
-                  <a:schemeClr val="tx1"/>
-                </a:solidFill>
-                <a:latin typeface="Calibri" panose="020F0502020204030204" pitchFamily="34" charset="0"/>
-              </a:defRPr>
-            </a:lvl4pPr>
-            <a:lvl5pPr marL="2057400" indent="-228600">
-              <a:defRPr>
-                <a:solidFill>
-                  <a:schemeClr val="tx1"/>
-                </a:solidFill>
-                <a:latin typeface="Calibri" panose="020F0502020204030204" pitchFamily="34" charset="0"/>
-              </a:defRPr>
-            </a:lvl5pPr>
-            <a:lvl6pPr marL="2514600" indent="-228600" eaLnBrk="0" fontAlgn="base" hangingPunct="0">
-              <a:spcBef>
-                <a:spcPct val="0"/>
-              </a:spcBef>
-              <a:spcAft>
-                <a:spcPct val="0"/>
-              </a:spcAft>
-              <a:defRPr>
-                <a:solidFill>
-                  <a:schemeClr val="tx1"/>
-                </a:solidFill>
-                <a:latin typeface="Calibri" panose="020F0502020204030204" pitchFamily="34" charset="0"/>
-              </a:defRPr>
-            </a:lvl6pPr>
-            <a:lvl7pPr marL="2971800" indent="-228600" eaLnBrk="0" fontAlgn="base" hangingPunct="0">
-              <a:spcBef>
-                <a:spcPct val="0"/>
-              </a:spcBef>
-              <a:spcAft>
-                <a:spcPct val="0"/>
-              </a:spcAft>
-              <a:defRPr>
-                <a:solidFill>
-                  <a:schemeClr val="tx1"/>
-                </a:solidFill>
-                <a:latin typeface="Calibri" panose="020F0502020204030204" pitchFamily="34" charset="0"/>
-              </a:defRPr>
-            </a:lvl7pPr>
-            <a:lvl8pPr marL="3429000" indent="-228600" eaLnBrk="0" fontAlgn="base" hangingPunct="0">
-              <a:spcBef>
-                <a:spcPct val="0"/>
-              </a:spcBef>
-              <a:spcAft>
-                <a:spcPct val="0"/>
-              </a:spcAft>
-              <a:defRPr>
-                <a:solidFill>
-                  <a:schemeClr val="tx1"/>
-                </a:solidFill>
-                <a:latin typeface="Calibri" panose="020F0502020204030204" pitchFamily="34" charset="0"/>
-              </a:defRPr>
-            </a:lvl8pPr>
-            <a:lvl9pPr marL="3886200" indent="-228600" eaLnBrk="0" fontAlgn="base" hangingPunct="0">
-              <a:spcBef>
-                <a:spcPct val="0"/>
-              </a:spcBef>
-              <a:spcAft>
-                <a:spcPct val="0"/>
-              </a:spcAft>
-              <a:defRPr>
-                <a:solidFill>
-                  <a:schemeClr val="tx1"/>
-                </a:solidFill>
-                <a:latin typeface="Calibri" panose="020F0502020204030204" pitchFamily="34" charset="0"/>
-              </a:defRPr>
-            </a:lvl9pPr>
-          </a:lstStyle>
-          <a:p>
-            <a:pPr algn="ctr" eaLnBrk="1" hangingPunct="1"/>
-            <a:r>
-              <a:rPr lang="en-US" altLang="en-US" sz="1100" dirty="0">
-                <a:latin typeface="Arial" panose="020B0604020202020204" pitchFamily="34" charset="0"/>
-                <a:ea typeface="Amazon Ember" panose="020B0603020204020204" pitchFamily="34" charset="0"/>
-                <a:cs typeface="Arial" panose="020B0604020202020204" pitchFamily="34" charset="0"/>
-              </a:rPr>
-              <a:t>Staging</a:t>
-            </a:r>
-          </a:p>
-          <a:p>
-            <a:pPr algn="ctr" eaLnBrk="1" hangingPunct="1"/>
-            <a:r>
-              <a:rPr lang="en-US" altLang="en-US" sz="1100" dirty="0">
-                <a:latin typeface="Arial" panose="020B0604020202020204" pitchFamily="34" charset="0"/>
-                <a:ea typeface="Amazon Ember" panose="020B0603020204020204" pitchFamily="34" charset="0"/>
-                <a:cs typeface="Arial" panose="020B0604020202020204" pitchFamily="34" charset="0"/>
-              </a:rPr>
-              <a:t>Bucket</a:t>
-            </a:r>
-          </a:p>
-        </p:txBody>
-      </p:sp>
-      <p:pic>
-        <p:nvPicPr>
-          <p:cNvPr id="57" name="Graphic 14">
-            <a:extLst>
-              <a:ext uri="{FF2B5EF4-FFF2-40B4-BE49-F238E27FC236}">
-                <a16:creationId xmlns:a16="http://schemas.microsoft.com/office/drawing/2014/main" id="{43CCC85A-89D6-5B48-8CC6-DDD22AFC197E}"/>
-              </a:ext>
-            </a:extLst>
-          </p:cNvPr>
-          <p:cNvPicPr>
-            <a:picLocks noChangeAspect="1" noChangeArrowheads="1"/>
-          </p:cNvPicPr>
-          <p:nvPr/>
-        </p:nvPicPr>
-        <p:blipFill>
-          <a:blip r:embed="rId11">
-            <a:extLst>
-              <a:ext uri="{28A0092B-C50C-407E-A947-70E740481C1C}">
-                <a14:useLocalDpi xmlns:a14="http://schemas.microsoft.com/office/drawing/2010/main" val="0"/>
-              </a:ext>
-            </a:extLst>
-          </a:blip>
-          <a:srcRect/>
-          <a:stretch>
-            <a:fillRect/>
-          </a:stretch>
-        </p:blipFill>
-        <p:spPr bwMode="auto">
-          <a:xfrm>
-            <a:off x="6873823" y="4210184"/>
-            <a:ext cx="457200" cy="457200"/>
-          </a:xfrm>
-          <a:prstGeom prst="rect">
-            <a:avLst/>
-          </a:prstGeom>
-          <a:noFill/>
-          <a:ln>
-            <a:noFill/>
-          </a:ln>
-          <a:extLst>
-            <a:ext uri="{909E8E84-426E-40DD-AFC4-6F175D3DCCD1}">
-              <a14:hiddenFill xmlns:a14="http://schemas.microsoft.com/office/drawing/2010/main">
-                <a:solidFill>
-                  <a:srgbClr val="FFFFFF"/>
-                </a:solidFill>
-              </a14:hiddenFill>
-            </a:ext>
-            <a:ext uri="{91240B29-F687-4F45-9708-019B960494DF}">
-              <a14:hiddenLine xmlns:a14="http://schemas.microsoft.com/office/drawing/2010/main" w="9525">
-                <a:solidFill>
-                  <a:srgbClr val="000000"/>
-                </a:solidFill>
-                <a:miter lim="800000"/>
-                <a:headEnd/>
-                <a:tailEnd/>
-              </a14:hiddenLine>
-            </a:ext>
-          </a:extLst>
-        </p:spPr>
-      </p:pic>
-      <p:sp>
-        <p:nvSpPr>
-          <p:cNvPr id="68" name="Rectangle 67">
-            <a:extLst>
-              <a:ext uri="{FF2B5EF4-FFF2-40B4-BE49-F238E27FC236}">
-                <a16:creationId xmlns:a16="http://schemas.microsoft.com/office/drawing/2014/main" id="{F56113B6-D718-8249-9540-C31B7D054BDD}"/>
-              </a:ext>
-            </a:extLst>
-          </p:cNvPr>
-          <p:cNvSpPr/>
-          <p:nvPr/>
-        </p:nvSpPr>
-        <p:spPr>
-          <a:xfrm>
-            <a:off x="1882843" y="2608183"/>
-            <a:ext cx="4044084" cy="2806229"/>
-          </a:xfrm>
-          <a:prstGeom prst="rect">
-            <a:avLst/>
-          </a:prstGeom>
-          <a:noFill/>
-          <a:ln w="12700">
             <a:solidFill>
               <a:schemeClr val="tx1"/>
             </a:solidFill>
-            <a:prstDash val="dash"/>
           </a:ln>
         </p:spPr>
         <p:style>
@@ -5934,689 +6394,6 @@
           </a:fontRef>
         </p:style>
         <p:txBody>
-          <a:bodyPr rot="0" spcFirstLastPara="0" vertOverflow="overflow" horzOverflow="overflow" vert="horz" wrap="square" lIns="45720" tIns="0" rIns="0" bIns="0" numCol="1" spcCol="0" rtlCol="0" fromWordArt="0" anchor="t" anchorCtr="0" forceAA="0" compatLnSpc="1">
-            <a:noAutofit/>
-          </a:bodyPr>
-          <a:lstStyle/>
-          <a:p>
-            <a:r>
-              <a:rPr lang="en-US" sz="1100" b="1" dirty="0">
-                <a:solidFill>
-                  <a:schemeClr val="tx1"/>
-                </a:solidFill>
-                <a:latin typeface="Arial" panose="020B0604020202020204" pitchFamily="34" charset="0"/>
-                <a:cs typeface="Arial" panose="020B0604020202020204" pitchFamily="34" charset="0"/>
-              </a:rPr>
-              <a:t>Home-region</a:t>
-            </a:r>
-          </a:p>
-        </p:txBody>
-      </p:sp>
-      <p:sp>
-        <p:nvSpPr>
-          <p:cNvPr id="83" name="TextBox 23">
-            <a:extLst>
-              <a:ext uri="{FF2B5EF4-FFF2-40B4-BE49-F238E27FC236}">
-                <a16:creationId xmlns:a16="http://schemas.microsoft.com/office/drawing/2014/main" id="{3E10141A-CF4E-7B45-9CF4-CB798E3A6080}"/>
-              </a:ext>
-            </a:extLst>
-          </p:cNvPr>
-          <p:cNvSpPr txBox="1">
-            <a:spLocks noChangeArrowheads="1"/>
-          </p:cNvSpPr>
-          <p:nvPr/>
-        </p:nvSpPr>
-        <p:spPr bwMode="auto">
-          <a:xfrm>
-            <a:off x="3253972" y="3562052"/>
-            <a:ext cx="1455047" cy="430887"/>
-          </a:xfrm>
-          <a:prstGeom prst="rect">
-            <a:avLst/>
-          </a:prstGeom>
-          <a:noFill/>
-          <a:ln>
-            <a:noFill/>
-          </a:ln>
-          <a:extLst>
-            <a:ext uri="{909E8E84-426E-40DD-AFC4-6F175D3DCCD1}">
-              <a14:hiddenFill xmlns:a14="http://schemas.microsoft.com/office/drawing/2010/main">
-                <a:solidFill>
-                  <a:srgbClr val="FFFFFF"/>
-                </a:solidFill>
-              </a14:hiddenFill>
-            </a:ext>
-            <a:ext uri="{91240B29-F687-4F45-9708-019B960494DF}">
-              <a14:hiddenLine xmlns:a14="http://schemas.microsoft.com/office/drawing/2010/main" w="9525">
-                <a:solidFill>
-                  <a:srgbClr val="000000"/>
-                </a:solidFill>
-                <a:miter lim="800000"/>
-                <a:headEnd/>
-                <a:tailEnd/>
-              </a14:hiddenLine>
-            </a:ext>
-          </a:extLst>
-        </p:spPr>
-        <p:txBody>
-          <a:bodyPr wrap="square">
-            <a:spAutoFit/>
-          </a:bodyPr>
-          <a:lstStyle>
-            <a:lvl1pPr>
-              <a:defRPr>
-                <a:solidFill>
-                  <a:schemeClr val="tx1"/>
-                </a:solidFill>
-                <a:latin typeface="Calibri" panose="020F0502020204030204" pitchFamily="34" charset="0"/>
-              </a:defRPr>
-            </a:lvl1pPr>
-            <a:lvl2pPr marL="742950" indent="-285750">
-              <a:defRPr>
-                <a:solidFill>
-                  <a:schemeClr val="tx1"/>
-                </a:solidFill>
-                <a:latin typeface="Calibri" panose="020F0502020204030204" pitchFamily="34" charset="0"/>
-              </a:defRPr>
-            </a:lvl2pPr>
-            <a:lvl3pPr marL="1143000" indent="-228600">
-              <a:defRPr>
-                <a:solidFill>
-                  <a:schemeClr val="tx1"/>
-                </a:solidFill>
-                <a:latin typeface="Calibri" panose="020F0502020204030204" pitchFamily="34" charset="0"/>
-              </a:defRPr>
-            </a:lvl3pPr>
-            <a:lvl4pPr marL="1600200" indent="-228600">
-              <a:defRPr>
-                <a:solidFill>
-                  <a:schemeClr val="tx1"/>
-                </a:solidFill>
-                <a:latin typeface="Calibri" panose="020F0502020204030204" pitchFamily="34" charset="0"/>
-              </a:defRPr>
-            </a:lvl4pPr>
-            <a:lvl5pPr marL="2057400" indent="-228600">
-              <a:defRPr>
-                <a:solidFill>
-                  <a:schemeClr val="tx1"/>
-                </a:solidFill>
-                <a:latin typeface="Calibri" panose="020F0502020204030204" pitchFamily="34" charset="0"/>
-              </a:defRPr>
-            </a:lvl5pPr>
-            <a:lvl6pPr marL="2514600" indent="-228600" eaLnBrk="0" fontAlgn="base" hangingPunct="0">
-              <a:spcBef>
-                <a:spcPct val="0"/>
-              </a:spcBef>
-              <a:spcAft>
-                <a:spcPct val="0"/>
-              </a:spcAft>
-              <a:defRPr>
-                <a:solidFill>
-                  <a:schemeClr val="tx1"/>
-                </a:solidFill>
-                <a:latin typeface="Calibri" panose="020F0502020204030204" pitchFamily="34" charset="0"/>
-              </a:defRPr>
-            </a:lvl6pPr>
-            <a:lvl7pPr marL="2971800" indent="-228600" eaLnBrk="0" fontAlgn="base" hangingPunct="0">
-              <a:spcBef>
-                <a:spcPct val="0"/>
-              </a:spcBef>
-              <a:spcAft>
-                <a:spcPct val="0"/>
-              </a:spcAft>
-              <a:defRPr>
-                <a:solidFill>
-                  <a:schemeClr val="tx1"/>
-                </a:solidFill>
-                <a:latin typeface="Calibri" panose="020F0502020204030204" pitchFamily="34" charset="0"/>
-              </a:defRPr>
-            </a:lvl7pPr>
-            <a:lvl8pPr marL="3429000" indent="-228600" eaLnBrk="0" fontAlgn="base" hangingPunct="0">
-              <a:spcBef>
-                <a:spcPct val="0"/>
-              </a:spcBef>
-              <a:spcAft>
-                <a:spcPct val="0"/>
-              </a:spcAft>
-              <a:defRPr>
-                <a:solidFill>
-                  <a:schemeClr val="tx1"/>
-                </a:solidFill>
-                <a:latin typeface="Calibri" panose="020F0502020204030204" pitchFamily="34" charset="0"/>
-              </a:defRPr>
-            </a:lvl8pPr>
-            <a:lvl9pPr marL="3886200" indent="-228600" eaLnBrk="0" fontAlgn="base" hangingPunct="0">
-              <a:spcBef>
-                <a:spcPct val="0"/>
-              </a:spcBef>
-              <a:spcAft>
-                <a:spcPct val="0"/>
-              </a:spcAft>
-              <a:defRPr>
-                <a:solidFill>
-                  <a:schemeClr val="tx1"/>
-                </a:solidFill>
-                <a:latin typeface="Calibri" panose="020F0502020204030204" pitchFamily="34" charset="0"/>
-              </a:defRPr>
-            </a:lvl9pPr>
-          </a:lstStyle>
-          <a:p>
-            <a:pPr algn="ctr" eaLnBrk="1" hangingPunct="1"/>
-            <a:r>
-              <a:rPr lang="en-US" altLang="en-US" sz="1100" dirty="0">
-                <a:latin typeface="Arial" panose="020B0604020202020204" pitchFamily="34" charset="0"/>
-                <a:ea typeface="Amazon Ember" panose="020B0603020204020204" pitchFamily="34" charset="0"/>
-                <a:cs typeface="Arial" panose="020B0604020202020204" pitchFamily="34" charset="0"/>
-              </a:rPr>
-              <a:t>SSM Parameter Store</a:t>
-            </a:r>
-          </a:p>
-        </p:txBody>
-      </p:sp>
-      <p:pic>
-        <p:nvPicPr>
-          <p:cNvPr id="84" name="Graphic 26">
-            <a:extLst>
-              <a:ext uri="{FF2B5EF4-FFF2-40B4-BE49-F238E27FC236}">
-                <a16:creationId xmlns:a16="http://schemas.microsoft.com/office/drawing/2014/main" id="{6D213190-CF88-4B4E-A8B4-49F1CF5C0BD8}"/>
-              </a:ext>
-            </a:extLst>
-          </p:cNvPr>
-          <p:cNvPicPr>
-            <a:picLocks noChangeAspect="1" noChangeArrowheads="1"/>
-          </p:cNvPicPr>
-          <p:nvPr/>
-        </p:nvPicPr>
-        <p:blipFill>
-          <a:blip r:embed="rId10">
-            <a:extLst>
-              <a:ext uri="{28A0092B-C50C-407E-A947-70E740481C1C}">
-                <a14:useLocalDpi xmlns:a14="http://schemas.microsoft.com/office/drawing/2010/main" val="0"/>
-              </a:ext>
-            </a:extLst>
-          </a:blip>
-          <a:srcRect/>
-          <a:stretch>
-            <a:fillRect/>
-          </a:stretch>
-        </p:blipFill>
-        <p:spPr bwMode="auto">
-          <a:xfrm>
-            <a:off x="3807288" y="3121906"/>
-            <a:ext cx="457200" cy="457200"/>
-          </a:xfrm>
-          <a:prstGeom prst="rect">
-            <a:avLst/>
-          </a:prstGeom>
-          <a:noFill/>
-          <a:ln>
-            <a:noFill/>
-          </a:ln>
-          <a:extLst>
-            <a:ext uri="{909E8E84-426E-40DD-AFC4-6F175D3DCCD1}">
-              <a14:hiddenFill xmlns:a14="http://schemas.microsoft.com/office/drawing/2010/main">
-                <a:solidFill>
-                  <a:srgbClr val="FFFFFF"/>
-                </a:solidFill>
-              </a14:hiddenFill>
-            </a:ext>
-            <a:ext uri="{91240B29-F687-4F45-9708-019B960494DF}">
-              <a14:hiddenLine xmlns:a14="http://schemas.microsoft.com/office/drawing/2010/main" w="9525">
-                <a:solidFill>
-                  <a:srgbClr val="000000"/>
-                </a:solidFill>
-                <a:miter lim="800000"/>
-                <a:headEnd/>
-                <a:tailEnd/>
-              </a14:hiddenLine>
-            </a:ext>
-          </a:extLst>
-        </p:spPr>
-      </p:pic>
-      <p:sp>
-        <p:nvSpPr>
-          <p:cNvPr id="85" name="Oval 84">
-            <a:extLst>
-              <a:ext uri="{FF2B5EF4-FFF2-40B4-BE49-F238E27FC236}">
-                <a16:creationId xmlns:a16="http://schemas.microsoft.com/office/drawing/2014/main" id="{5F966B37-BA9A-2044-BCB0-B925BCD94408}"/>
-              </a:ext>
-            </a:extLst>
-          </p:cNvPr>
-          <p:cNvSpPr/>
-          <p:nvPr/>
-        </p:nvSpPr>
-        <p:spPr>
-          <a:xfrm>
-            <a:off x="3526762" y="4200589"/>
-            <a:ext cx="253435" cy="212902"/>
-          </a:xfrm>
-          <a:prstGeom prst="ellipse">
-            <a:avLst/>
-          </a:prstGeom>
-          <a:solidFill>
-            <a:schemeClr val="tx1"/>
-          </a:solidFill>
-          <a:ln>
-            <a:solidFill>
-              <a:schemeClr val="tx1"/>
-            </a:solidFill>
-          </a:ln>
-        </p:spPr>
-        <p:style>
-          <a:lnRef idx="2">
-            <a:schemeClr val="accent1">
-              <a:shade val="50000"/>
-            </a:schemeClr>
-          </a:lnRef>
-          <a:fillRef idx="1">
-            <a:schemeClr val="accent1"/>
-          </a:fillRef>
-          <a:effectRef idx="0">
-            <a:schemeClr val="accent1"/>
-          </a:effectRef>
-          <a:fontRef idx="minor">
-            <a:schemeClr val="lt1"/>
-          </a:fontRef>
-        </p:style>
-        <p:txBody>
-          <a:bodyPr lIns="0" tIns="0" rIns="0" bIns="0" rtlCol="0" anchor="ctr"/>
-          <a:lstStyle/>
-          <a:p>
-            <a:pPr algn="ctr"/>
-            <a:r>
-              <a:rPr lang="en-US" sz="800" dirty="0">
-                <a:latin typeface="Arial" panose="020B0604020202020204" pitchFamily="34" charset="0"/>
-                <a:cs typeface="Arial" panose="020B0604020202020204" pitchFamily="34" charset="0"/>
-              </a:rPr>
-              <a:t>1.6</a:t>
-            </a:r>
-          </a:p>
-        </p:txBody>
-      </p:sp>
-      <p:sp>
-        <p:nvSpPr>
-          <p:cNvPr id="86" name="TextBox 21">
-            <a:extLst>
-              <a:ext uri="{FF2B5EF4-FFF2-40B4-BE49-F238E27FC236}">
-                <a16:creationId xmlns:a16="http://schemas.microsoft.com/office/drawing/2014/main" id="{01695DD7-E131-9548-BD25-475D13AF5D29}"/>
-              </a:ext>
-            </a:extLst>
-          </p:cNvPr>
-          <p:cNvSpPr txBox="1">
-            <a:spLocks noChangeArrowheads="1"/>
-          </p:cNvSpPr>
-          <p:nvPr/>
-        </p:nvSpPr>
-        <p:spPr bwMode="auto">
-          <a:xfrm>
-            <a:off x="3551597" y="4641847"/>
-            <a:ext cx="914400" cy="430887"/>
-          </a:xfrm>
-          <a:prstGeom prst="rect">
-            <a:avLst/>
-          </a:prstGeom>
-          <a:noFill/>
-          <a:ln>
-            <a:noFill/>
-          </a:ln>
-          <a:extLst>
-            <a:ext uri="{909E8E84-426E-40DD-AFC4-6F175D3DCCD1}">
-              <a14:hiddenFill xmlns:a14="http://schemas.microsoft.com/office/drawing/2010/main">
-                <a:solidFill>
-                  <a:srgbClr val="FFFFFF"/>
-                </a:solidFill>
-              </a14:hiddenFill>
-            </a:ext>
-            <a:ext uri="{91240B29-F687-4F45-9708-019B960494DF}">
-              <a14:hiddenLine xmlns:a14="http://schemas.microsoft.com/office/drawing/2010/main" w="9525">
-                <a:solidFill>
-                  <a:srgbClr val="000000"/>
-                </a:solidFill>
-                <a:miter lim="800000"/>
-                <a:headEnd/>
-                <a:tailEnd/>
-              </a14:hiddenLine>
-            </a:ext>
-          </a:extLst>
-        </p:spPr>
-        <p:txBody>
-          <a:bodyPr wrap="square">
-            <a:spAutoFit/>
-          </a:bodyPr>
-          <a:lstStyle>
-            <a:lvl1pPr>
-              <a:defRPr>
-                <a:solidFill>
-                  <a:schemeClr val="tx1"/>
-                </a:solidFill>
-                <a:latin typeface="Calibri" panose="020F0502020204030204" pitchFamily="34" charset="0"/>
-              </a:defRPr>
-            </a:lvl1pPr>
-            <a:lvl2pPr marL="742950" indent="-285750">
-              <a:defRPr>
-                <a:solidFill>
-                  <a:schemeClr val="tx1"/>
-                </a:solidFill>
-                <a:latin typeface="Calibri" panose="020F0502020204030204" pitchFamily="34" charset="0"/>
-              </a:defRPr>
-            </a:lvl2pPr>
-            <a:lvl3pPr marL="1143000" indent="-228600">
-              <a:defRPr>
-                <a:solidFill>
-                  <a:schemeClr val="tx1"/>
-                </a:solidFill>
-                <a:latin typeface="Calibri" panose="020F0502020204030204" pitchFamily="34" charset="0"/>
-              </a:defRPr>
-            </a:lvl3pPr>
-            <a:lvl4pPr marL="1600200" indent="-228600">
-              <a:defRPr>
-                <a:solidFill>
-                  <a:schemeClr val="tx1"/>
-                </a:solidFill>
-                <a:latin typeface="Calibri" panose="020F0502020204030204" pitchFamily="34" charset="0"/>
-              </a:defRPr>
-            </a:lvl4pPr>
-            <a:lvl5pPr marL="2057400" indent="-228600">
-              <a:defRPr>
-                <a:solidFill>
-                  <a:schemeClr val="tx1"/>
-                </a:solidFill>
-                <a:latin typeface="Calibri" panose="020F0502020204030204" pitchFamily="34" charset="0"/>
-              </a:defRPr>
-            </a:lvl5pPr>
-            <a:lvl6pPr marL="2514600" indent="-228600" eaLnBrk="0" fontAlgn="base" hangingPunct="0">
-              <a:spcBef>
-                <a:spcPct val="0"/>
-              </a:spcBef>
-              <a:spcAft>
-                <a:spcPct val="0"/>
-              </a:spcAft>
-              <a:defRPr>
-                <a:solidFill>
-                  <a:schemeClr val="tx1"/>
-                </a:solidFill>
-                <a:latin typeface="Calibri" panose="020F0502020204030204" pitchFamily="34" charset="0"/>
-              </a:defRPr>
-            </a:lvl6pPr>
-            <a:lvl7pPr marL="2971800" indent="-228600" eaLnBrk="0" fontAlgn="base" hangingPunct="0">
-              <a:spcBef>
-                <a:spcPct val="0"/>
-              </a:spcBef>
-              <a:spcAft>
-                <a:spcPct val="0"/>
-              </a:spcAft>
-              <a:defRPr>
-                <a:solidFill>
-                  <a:schemeClr val="tx1"/>
-                </a:solidFill>
-                <a:latin typeface="Calibri" panose="020F0502020204030204" pitchFamily="34" charset="0"/>
-              </a:defRPr>
-            </a:lvl7pPr>
-            <a:lvl8pPr marL="3429000" indent="-228600" eaLnBrk="0" fontAlgn="base" hangingPunct="0">
-              <a:spcBef>
-                <a:spcPct val="0"/>
-              </a:spcBef>
-              <a:spcAft>
-                <a:spcPct val="0"/>
-              </a:spcAft>
-              <a:defRPr>
-                <a:solidFill>
-                  <a:schemeClr val="tx1"/>
-                </a:solidFill>
-                <a:latin typeface="Calibri" panose="020F0502020204030204" pitchFamily="34" charset="0"/>
-              </a:defRPr>
-            </a:lvl8pPr>
-            <a:lvl9pPr marL="3886200" indent="-228600" eaLnBrk="0" fontAlgn="base" hangingPunct="0">
-              <a:spcBef>
-                <a:spcPct val="0"/>
-              </a:spcBef>
-              <a:spcAft>
-                <a:spcPct val="0"/>
-              </a:spcAft>
-              <a:defRPr>
-                <a:solidFill>
-                  <a:schemeClr val="tx1"/>
-                </a:solidFill>
-                <a:latin typeface="Calibri" panose="020F0502020204030204" pitchFamily="34" charset="0"/>
-              </a:defRPr>
-            </a:lvl9pPr>
-          </a:lstStyle>
-          <a:p>
-            <a:pPr algn="ctr" eaLnBrk="1" hangingPunct="1"/>
-            <a:r>
-              <a:rPr lang="en-US" altLang="en-US" sz="1100" dirty="0">
-                <a:latin typeface="Arial" panose="020B0604020202020204" pitchFamily="34" charset="0"/>
-                <a:ea typeface="Amazon Ember" panose="020B0603020204020204" pitchFamily="34" charset="0"/>
-                <a:cs typeface="Arial" panose="020B0604020202020204" pitchFamily="34" charset="0"/>
-              </a:rPr>
-              <a:t>Staging</a:t>
-            </a:r>
-          </a:p>
-          <a:p>
-            <a:pPr algn="ctr" eaLnBrk="1" hangingPunct="1"/>
-            <a:r>
-              <a:rPr lang="en-US" altLang="en-US" sz="1100" dirty="0">
-                <a:latin typeface="Arial" panose="020B0604020202020204" pitchFamily="34" charset="0"/>
-                <a:ea typeface="Amazon Ember" panose="020B0603020204020204" pitchFamily="34" charset="0"/>
-                <a:cs typeface="Arial" panose="020B0604020202020204" pitchFamily="34" charset="0"/>
-              </a:rPr>
-              <a:t>Bucket</a:t>
-            </a:r>
-          </a:p>
-        </p:txBody>
-      </p:sp>
-      <p:pic>
-        <p:nvPicPr>
-          <p:cNvPr id="87" name="Graphic 14">
-            <a:extLst>
-              <a:ext uri="{FF2B5EF4-FFF2-40B4-BE49-F238E27FC236}">
-                <a16:creationId xmlns:a16="http://schemas.microsoft.com/office/drawing/2014/main" id="{15791832-7453-C649-B28E-8A450F46BA96}"/>
-              </a:ext>
-            </a:extLst>
-          </p:cNvPr>
-          <p:cNvPicPr>
-            <a:picLocks noChangeAspect="1" noChangeArrowheads="1"/>
-          </p:cNvPicPr>
-          <p:nvPr/>
-        </p:nvPicPr>
-        <p:blipFill>
-          <a:blip r:embed="rId11">
-            <a:extLst>
-              <a:ext uri="{28A0092B-C50C-407E-A947-70E740481C1C}">
-                <a14:useLocalDpi xmlns:a14="http://schemas.microsoft.com/office/drawing/2010/main" val="0"/>
-              </a:ext>
-            </a:extLst>
-          </a:blip>
-          <a:srcRect/>
-          <a:stretch>
-            <a:fillRect/>
-          </a:stretch>
-        </p:blipFill>
-        <p:spPr bwMode="auto">
-          <a:xfrm>
-            <a:off x="3780197" y="4210184"/>
-            <a:ext cx="457200" cy="457200"/>
-          </a:xfrm>
-          <a:prstGeom prst="rect">
-            <a:avLst/>
-          </a:prstGeom>
-          <a:noFill/>
-          <a:ln>
-            <a:noFill/>
-          </a:ln>
-          <a:extLst>
-            <a:ext uri="{909E8E84-426E-40DD-AFC4-6F175D3DCCD1}">
-              <a14:hiddenFill xmlns:a14="http://schemas.microsoft.com/office/drawing/2010/main">
-                <a:solidFill>
-                  <a:srgbClr val="FFFFFF"/>
-                </a:solidFill>
-              </a14:hiddenFill>
-            </a:ext>
-            <a:ext uri="{91240B29-F687-4F45-9708-019B960494DF}">
-              <a14:hiddenLine xmlns:a14="http://schemas.microsoft.com/office/drawing/2010/main" w="9525">
-                <a:solidFill>
-                  <a:srgbClr val="000000"/>
-                </a:solidFill>
-                <a:miter lim="800000"/>
-                <a:headEnd/>
-                <a:tailEnd/>
-              </a14:hiddenLine>
-            </a:ext>
-          </a:extLst>
-        </p:spPr>
-      </p:pic>
-      <p:cxnSp>
-        <p:nvCxnSpPr>
-          <p:cNvPr id="88" name="Elbow Connector 87">
-            <a:extLst>
-              <a:ext uri="{FF2B5EF4-FFF2-40B4-BE49-F238E27FC236}">
-                <a16:creationId xmlns:a16="http://schemas.microsoft.com/office/drawing/2014/main" id="{6DE81F86-FF38-DB4C-BD20-6004CBABCA06}"/>
-              </a:ext>
-            </a:extLst>
-          </p:cNvPr>
-          <p:cNvCxnSpPr>
-            <a:cxnSpLocks/>
-            <a:stCxn id="63" idx="1"/>
-            <a:endCxn id="84" idx="3"/>
-          </p:cNvCxnSpPr>
-          <p:nvPr/>
-        </p:nvCxnSpPr>
-        <p:spPr>
-          <a:xfrm rot="10800000" flipV="1">
-            <a:off x="4264489" y="3349082"/>
-            <a:ext cx="683395" cy="1423"/>
-          </a:xfrm>
-          <a:prstGeom prst="bentConnector3">
-            <a:avLst>
-              <a:gd name="adj1" fmla="val 50000"/>
-            </a:avLst>
-          </a:prstGeom>
-          <a:ln>
-            <a:headEnd type="triangle"/>
-            <a:tailEnd type="triangle"/>
-          </a:ln>
-        </p:spPr>
-        <p:style>
-          <a:lnRef idx="1">
-            <a:schemeClr val="dk1"/>
-          </a:lnRef>
-          <a:fillRef idx="0">
-            <a:schemeClr val="dk1"/>
-          </a:fillRef>
-          <a:effectRef idx="0">
-            <a:schemeClr val="dk1"/>
-          </a:effectRef>
-          <a:fontRef idx="minor">
-            <a:schemeClr val="tx1"/>
-          </a:fontRef>
-        </p:style>
-      </p:cxnSp>
-      <p:sp>
-        <p:nvSpPr>
-          <p:cNvPr id="89" name="Oval 88">
-            <a:extLst>
-              <a:ext uri="{FF2B5EF4-FFF2-40B4-BE49-F238E27FC236}">
-                <a16:creationId xmlns:a16="http://schemas.microsoft.com/office/drawing/2014/main" id="{C24704FF-9C2F-CC4F-9FC2-D1C33536B62A}"/>
-              </a:ext>
-            </a:extLst>
-          </p:cNvPr>
-          <p:cNvSpPr/>
-          <p:nvPr/>
-        </p:nvSpPr>
-        <p:spPr>
-          <a:xfrm>
-            <a:off x="3838238" y="2884391"/>
-            <a:ext cx="253435" cy="212902"/>
-          </a:xfrm>
-          <a:prstGeom prst="ellipse">
-            <a:avLst/>
-          </a:prstGeom>
-          <a:solidFill>
-            <a:schemeClr val="tx1"/>
-          </a:solidFill>
-          <a:ln>
-            <a:solidFill>
-              <a:schemeClr val="tx1"/>
-            </a:solidFill>
-          </a:ln>
-        </p:spPr>
-        <p:style>
-          <a:lnRef idx="2">
-            <a:schemeClr val="accent1">
-              <a:shade val="50000"/>
-            </a:schemeClr>
-          </a:lnRef>
-          <a:fillRef idx="1">
-            <a:schemeClr val="accent1"/>
-          </a:fillRef>
-          <a:effectRef idx="0">
-            <a:schemeClr val="accent1"/>
-          </a:effectRef>
-          <a:fontRef idx="minor">
-            <a:schemeClr val="lt1"/>
-          </a:fontRef>
-        </p:style>
-        <p:txBody>
-          <a:bodyPr lIns="0" tIns="0" rIns="0" bIns="0" rtlCol="0" anchor="ctr"/>
-          <a:lstStyle/>
-          <a:p>
-            <a:pPr algn="ctr"/>
-            <a:r>
-              <a:rPr lang="en-US" sz="800" dirty="0">
-                <a:latin typeface="Arial" panose="020B0604020202020204" pitchFamily="34" charset="0"/>
-                <a:cs typeface="Arial" panose="020B0604020202020204" pitchFamily="34" charset="0"/>
-              </a:rPr>
-              <a:t>1.5</a:t>
-            </a:r>
-          </a:p>
-        </p:txBody>
-      </p:sp>
-      <p:sp>
-        <p:nvSpPr>
-          <p:cNvPr id="90" name="Oval 89">
-            <a:extLst>
-              <a:ext uri="{FF2B5EF4-FFF2-40B4-BE49-F238E27FC236}">
-                <a16:creationId xmlns:a16="http://schemas.microsoft.com/office/drawing/2014/main" id="{E594DFE4-F1B6-7149-8747-A950780B4D35}"/>
-              </a:ext>
-            </a:extLst>
-          </p:cNvPr>
-          <p:cNvSpPr/>
-          <p:nvPr/>
-        </p:nvSpPr>
-        <p:spPr>
-          <a:xfrm>
-            <a:off x="7231475" y="3064408"/>
-            <a:ext cx="283464" cy="237744"/>
-          </a:xfrm>
-          <a:prstGeom prst="ellipse">
-            <a:avLst/>
-          </a:prstGeom>
-          <a:solidFill>
-            <a:schemeClr val="tx1"/>
-          </a:solidFill>
-          <a:ln>
-            <a:solidFill>
-              <a:schemeClr val="tx1"/>
-            </a:solidFill>
-          </a:ln>
-        </p:spPr>
-        <p:style>
-          <a:lnRef idx="2">
-            <a:schemeClr val="accent1">
-              <a:shade val="50000"/>
-            </a:schemeClr>
-          </a:lnRef>
-          <a:fillRef idx="1">
-            <a:schemeClr val="accent1"/>
-          </a:fillRef>
-          <a:effectRef idx="0">
-            <a:schemeClr val="accent1"/>
-          </a:effectRef>
-          <a:fontRef idx="minor">
-            <a:schemeClr val="lt1"/>
-          </a:fontRef>
-        </p:style>
-        <p:txBody>
           <a:bodyPr lIns="0" tIns="0" rIns="0" bIns="0" rtlCol="0" anchor="ctr"/>
           <a:lstStyle/>
           <a:p>
@@ -6648,7 +6425,7 @@
         </p:nvCxnSpPr>
         <p:spPr>
           <a:xfrm flipH="1">
-            <a:off x="5185192" y="4004513"/>
+            <a:off x="5123440" y="3382751"/>
             <a:ext cx="3624" cy="205671"/>
           </a:xfrm>
           <a:prstGeom prst="straightConnector1">
@@ -6690,7 +6467,7 @@
         </p:nvCxnSpPr>
         <p:spPr>
           <a:xfrm flipV="1">
-            <a:off x="5405083" y="3345834"/>
+            <a:off x="5343331" y="2724072"/>
             <a:ext cx="1495831" cy="3249"/>
           </a:xfrm>
           <a:prstGeom prst="straightConnector1">
@@ -6732,7 +6509,7 @@
         </p:nvSpPr>
         <p:spPr bwMode="auto">
           <a:xfrm>
-            <a:off x="2091305" y="3565681"/>
+            <a:off x="2029553" y="2943919"/>
             <a:ext cx="1275929" cy="430887"/>
           </a:xfrm>
           <a:prstGeom prst="rect">
@@ -6917,7 +6694,7 @@
         </p:blipFill>
         <p:spPr bwMode="auto">
           <a:xfrm>
-            <a:off x="2488337" y="3112538"/>
+            <a:off x="2426585" y="2490776"/>
             <a:ext cx="457200" cy="457200"/>
           </a:xfrm>
           <a:prstGeom prst="rect">
@@ -6977,7 +6754,7 @@
         </p:blipFill>
         <p:spPr bwMode="auto">
           <a:xfrm>
-            <a:off x="2497046" y="4202239"/>
+            <a:off x="2435294" y="3580477"/>
             <a:ext cx="457200" cy="457200"/>
           </a:xfrm>
           <a:prstGeom prst="rect">
@@ -7024,7 +6801,7 @@
         </p:nvSpPr>
         <p:spPr bwMode="auto">
           <a:xfrm>
-            <a:off x="2135118" y="4633902"/>
+            <a:off x="2073366" y="4012140"/>
             <a:ext cx="1163639" cy="430887"/>
           </a:xfrm>
           <a:prstGeom prst="rect">
@@ -7185,7 +6962,7 @@
         </p:nvSpPr>
         <p:spPr bwMode="auto">
           <a:xfrm>
-            <a:off x="2143649" y="2174227"/>
+            <a:off x="2081897" y="1552465"/>
             <a:ext cx="1119613" cy="430887"/>
           </a:xfrm>
           <a:prstGeom prst="rect">
@@ -7370,7 +7147,7 @@
         </p:blipFill>
         <p:spPr bwMode="auto">
           <a:xfrm>
-            <a:off x="2474855" y="1831602"/>
+            <a:off x="2413103" y="1209840"/>
             <a:ext cx="457200" cy="457200"/>
           </a:xfrm>
           <a:prstGeom prst="rect">
@@ -7415,7 +7192,7 @@
         </p:nvSpPr>
         <p:spPr>
           <a:xfrm>
-            <a:off x="2590219" y="2876446"/>
+            <a:off x="2528467" y="2254684"/>
             <a:ext cx="253435" cy="212902"/>
           </a:xfrm>
           <a:prstGeom prst="ellipse">
@@ -7475,7 +7252,7 @@
         </p:nvSpPr>
         <p:spPr>
           <a:xfrm>
-            <a:off x="2211970" y="4205169"/>
+            <a:off x="2150218" y="3583407"/>
             <a:ext cx="253435" cy="212902"/>
           </a:xfrm>
           <a:prstGeom prst="ellipse">
@@ -7535,7 +7312,7 @@
         </p:nvSpPr>
         <p:spPr>
           <a:xfrm>
-            <a:off x="2604760" y="1697724"/>
+            <a:off x="2543008" y="1075962"/>
             <a:ext cx="253435" cy="212902"/>
           </a:xfrm>
           <a:prstGeom prst="ellipse">
@@ -7595,8 +7372,8 @@
         </p:nvSpPr>
         <p:spPr>
           <a:xfrm>
-            <a:off x="8250233" y="1270352"/>
-            <a:ext cx="3504667" cy="4342285"/>
+            <a:off x="7973440" y="648591"/>
+            <a:ext cx="3394945" cy="4041883"/>
           </a:xfrm>
           <a:prstGeom prst="rect">
             <a:avLst/>
@@ -7675,7 +7452,7 @@
         </p:nvSpPr>
         <p:spPr>
           <a:xfrm>
-            <a:off x="8277063" y="1297526"/>
+            <a:off x="8000270" y="675764"/>
             <a:ext cx="253435" cy="212902"/>
           </a:xfrm>
           <a:prstGeom prst="ellipse">
@@ -7732,8 +7509,8 @@
         </p:nvSpPr>
         <p:spPr>
           <a:xfrm>
-            <a:off x="8184639" y="3586405"/>
-            <a:ext cx="1307240" cy="430887"/>
+            <a:off x="8107442" y="3394737"/>
+            <a:ext cx="1178319" cy="430887"/>
           </a:xfrm>
           <a:prstGeom prst="rect">
             <a:avLst/>
@@ -7785,8 +7562,8 @@
         </p:blipFill>
         <p:spPr>
           <a:xfrm>
-            <a:off x="8560681" y="2998011"/>
-            <a:ext cx="555156" cy="555156"/>
+            <a:off x="8471296" y="2930255"/>
+            <a:ext cx="457200" cy="457200"/>
           </a:xfrm>
           <a:prstGeom prst="rect">
             <a:avLst/>
@@ -7807,7 +7584,7 @@
         </p:nvSpPr>
         <p:spPr>
           <a:xfrm>
-            <a:off x="8568711" y="3004716"/>
+            <a:off x="8479326" y="2936960"/>
             <a:ext cx="253435" cy="212902"/>
           </a:xfrm>
           <a:prstGeom prst="ellipse">
@@ -7853,47 +7630,6 @@
           </a:p>
         </p:txBody>
       </p:sp>
-      <p:cxnSp>
-        <p:nvCxnSpPr>
-          <p:cNvPr id="105" name="Straight Arrow Connector 104">
-            <a:extLst>
-              <a:ext uri="{FF2B5EF4-FFF2-40B4-BE49-F238E27FC236}">
-                <a16:creationId xmlns:a16="http://schemas.microsoft.com/office/drawing/2014/main" id="{799C092E-EDD4-BF4E-813F-9081D450B136}"/>
-              </a:ext>
-            </a:extLst>
-          </p:cNvPr>
-          <p:cNvCxnSpPr>
-            <a:cxnSpLocks/>
-          </p:cNvCxnSpPr>
-          <p:nvPr/>
-        </p:nvCxnSpPr>
-        <p:spPr>
-          <a:xfrm>
-            <a:off x="9182129" y="3303913"/>
-            <a:ext cx="295002" cy="0"/>
-          </a:xfrm>
-          <a:prstGeom prst="straightConnector1">
-            <a:avLst/>
-          </a:prstGeom>
-          <a:ln>
-            <a:tailEnd type="triangle"/>
-          </a:ln>
-        </p:spPr>
-        <p:style>
-          <a:lnRef idx="1">
-            <a:schemeClr val="dk1"/>
-          </a:lnRef>
-          <a:fillRef idx="0">
-            <a:schemeClr val="dk1"/>
-          </a:fillRef>
-          <a:effectRef idx="0">
-            <a:schemeClr val="dk1"/>
-          </a:effectRef>
-          <a:fontRef idx="minor">
-            <a:schemeClr val="tx1"/>
-          </a:fontRef>
-        </p:style>
-      </p:cxnSp>
       <p:sp>
         <p:nvSpPr>
           <p:cNvPr id="106" name="TextBox 23">
@@ -7910,7 +7646,7 @@
         </p:nvSpPr>
         <p:spPr bwMode="auto">
           <a:xfrm>
-            <a:off x="9974402" y="3557378"/>
+            <a:off x="9691915" y="2831120"/>
             <a:ext cx="1455047" cy="430887"/>
           </a:xfrm>
           <a:prstGeom prst="rect">
@@ -8084,7 +7820,7 @@
         </p:blipFill>
         <p:spPr bwMode="auto">
           <a:xfrm>
-            <a:off x="10527718" y="3117232"/>
+            <a:off x="10245231" y="2390974"/>
             <a:ext cx="457200" cy="457200"/>
           </a:xfrm>
           <a:prstGeom prst="rect">
@@ -8129,8 +7865,8 @@
         </p:nvSpPr>
         <p:spPr>
           <a:xfrm>
-            <a:off x="9723581" y="2608181"/>
-            <a:ext cx="1705868" cy="2792660"/>
+            <a:off x="9441094" y="1881923"/>
+            <a:ext cx="1705868" cy="2556002"/>
           </a:xfrm>
           <a:prstGeom prst="rect">
             <a:avLst/>
@@ -8192,8 +7928,8 @@
         </p:nvSpPr>
         <p:spPr>
           <a:xfrm>
-            <a:off x="9828561" y="2791061"/>
-            <a:ext cx="1600888" cy="2609778"/>
+            <a:off x="9546074" y="2064803"/>
+            <a:ext cx="1600888" cy="2373122"/>
           </a:xfrm>
           <a:prstGeom prst="rect">
             <a:avLst/>
@@ -8255,8 +7991,8 @@
         </p:nvSpPr>
         <p:spPr>
           <a:xfrm>
-            <a:off x="9929566" y="2997241"/>
-            <a:ext cx="1499884" cy="2403599"/>
+            <a:off x="9647079" y="2270984"/>
+            <a:ext cx="1499884" cy="2166942"/>
           </a:xfrm>
           <a:prstGeom prst="rect">
             <a:avLst/>
@@ -8306,10 +8042,242 @@
       </p:sp>
       <p:sp>
         <p:nvSpPr>
-          <p:cNvPr id="115" name="Oval 114">
-            <a:extLst>
-              <a:ext uri="{FF2B5EF4-FFF2-40B4-BE49-F238E27FC236}">
-                <a16:creationId xmlns:a16="http://schemas.microsoft.com/office/drawing/2014/main" id="{359C92E2-64AA-224B-87CD-09AB94FEF796}"/>
+          <p:cNvPr id="116" name="TextBox 21">
+            <a:extLst>
+              <a:ext uri="{FF2B5EF4-FFF2-40B4-BE49-F238E27FC236}">
+                <a16:creationId xmlns:a16="http://schemas.microsoft.com/office/drawing/2014/main" id="{F5A3BFA2-64D3-6643-99FB-FFAA38EA7B03}"/>
+              </a:ext>
+            </a:extLst>
+          </p:cNvPr>
+          <p:cNvSpPr txBox="1">
+            <a:spLocks noChangeArrowheads="1"/>
+          </p:cNvSpPr>
+          <p:nvPr/>
+        </p:nvSpPr>
+        <p:spPr bwMode="auto">
+          <a:xfrm>
+            <a:off x="9989540" y="3915587"/>
+            <a:ext cx="914400" cy="430887"/>
+          </a:xfrm>
+          <a:prstGeom prst="rect">
+            <a:avLst/>
+          </a:prstGeom>
+          <a:noFill/>
+          <a:ln>
+            <a:noFill/>
+          </a:ln>
+          <a:extLst>
+            <a:ext uri="{909E8E84-426E-40DD-AFC4-6F175D3DCCD1}">
+              <a14:hiddenFill xmlns:a14="http://schemas.microsoft.com/office/drawing/2010/main">
+                <a:solidFill>
+                  <a:srgbClr val="FFFFFF"/>
+                </a:solidFill>
+              </a14:hiddenFill>
+            </a:ext>
+            <a:ext uri="{91240B29-F687-4F45-9708-019B960494DF}">
+              <a14:hiddenLine xmlns:a14="http://schemas.microsoft.com/office/drawing/2010/main" w="9525">
+                <a:solidFill>
+                  <a:srgbClr val="000000"/>
+                </a:solidFill>
+                <a:miter lim="800000"/>
+                <a:headEnd/>
+                <a:tailEnd/>
+              </a14:hiddenLine>
+            </a:ext>
+          </a:extLst>
+        </p:spPr>
+        <p:txBody>
+          <a:bodyPr wrap="square">
+            <a:spAutoFit/>
+          </a:bodyPr>
+          <a:lstStyle>
+            <a:lvl1pPr>
+              <a:defRPr>
+                <a:solidFill>
+                  <a:schemeClr val="tx1"/>
+                </a:solidFill>
+                <a:latin typeface="Calibri" panose="020F0502020204030204" pitchFamily="34" charset="0"/>
+              </a:defRPr>
+            </a:lvl1pPr>
+            <a:lvl2pPr marL="742950" indent="-285750">
+              <a:defRPr>
+                <a:solidFill>
+                  <a:schemeClr val="tx1"/>
+                </a:solidFill>
+                <a:latin typeface="Calibri" panose="020F0502020204030204" pitchFamily="34" charset="0"/>
+              </a:defRPr>
+            </a:lvl2pPr>
+            <a:lvl3pPr marL="1143000" indent="-228600">
+              <a:defRPr>
+                <a:solidFill>
+                  <a:schemeClr val="tx1"/>
+                </a:solidFill>
+                <a:latin typeface="Calibri" panose="020F0502020204030204" pitchFamily="34" charset="0"/>
+              </a:defRPr>
+            </a:lvl3pPr>
+            <a:lvl4pPr marL="1600200" indent="-228600">
+              <a:defRPr>
+                <a:solidFill>
+                  <a:schemeClr val="tx1"/>
+                </a:solidFill>
+                <a:latin typeface="Calibri" panose="020F0502020204030204" pitchFamily="34" charset="0"/>
+              </a:defRPr>
+            </a:lvl4pPr>
+            <a:lvl5pPr marL="2057400" indent="-228600">
+              <a:defRPr>
+                <a:solidFill>
+                  <a:schemeClr val="tx1"/>
+                </a:solidFill>
+                <a:latin typeface="Calibri" panose="020F0502020204030204" pitchFamily="34" charset="0"/>
+              </a:defRPr>
+            </a:lvl5pPr>
+            <a:lvl6pPr marL="2514600" indent="-228600" eaLnBrk="0" fontAlgn="base" hangingPunct="0">
+              <a:spcBef>
+                <a:spcPct val="0"/>
+              </a:spcBef>
+              <a:spcAft>
+                <a:spcPct val="0"/>
+              </a:spcAft>
+              <a:defRPr>
+                <a:solidFill>
+                  <a:schemeClr val="tx1"/>
+                </a:solidFill>
+                <a:latin typeface="Calibri" panose="020F0502020204030204" pitchFamily="34" charset="0"/>
+              </a:defRPr>
+            </a:lvl6pPr>
+            <a:lvl7pPr marL="2971800" indent="-228600" eaLnBrk="0" fontAlgn="base" hangingPunct="0">
+              <a:spcBef>
+                <a:spcPct val="0"/>
+              </a:spcBef>
+              <a:spcAft>
+                <a:spcPct val="0"/>
+              </a:spcAft>
+              <a:defRPr>
+                <a:solidFill>
+                  <a:schemeClr val="tx1"/>
+                </a:solidFill>
+                <a:latin typeface="Calibri" panose="020F0502020204030204" pitchFamily="34" charset="0"/>
+              </a:defRPr>
+            </a:lvl7pPr>
+            <a:lvl8pPr marL="3429000" indent="-228600" eaLnBrk="0" fontAlgn="base" hangingPunct="0">
+              <a:spcBef>
+                <a:spcPct val="0"/>
+              </a:spcBef>
+              <a:spcAft>
+                <a:spcPct val="0"/>
+              </a:spcAft>
+              <a:defRPr>
+                <a:solidFill>
+                  <a:schemeClr val="tx1"/>
+                </a:solidFill>
+                <a:latin typeface="Calibri" panose="020F0502020204030204" pitchFamily="34" charset="0"/>
+              </a:defRPr>
+            </a:lvl8pPr>
+            <a:lvl9pPr marL="3886200" indent="-228600" eaLnBrk="0" fontAlgn="base" hangingPunct="0">
+              <a:spcBef>
+                <a:spcPct val="0"/>
+              </a:spcBef>
+              <a:spcAft>
+                <a:spcPct val="0"/>
+              </a:spcAft>
+              <a:defRPr>
+                <a:solidFill>
+                  <a:schemeClr val="tx1"/>
+                </a:solidFill>
+                <a:latin typeface="Calibri" panose="020F0502020204030204" pitchFamily="34" charset="0"/>
+              </a:defRPr>
+            </a:lvl9pPr>
+          </a:lstStyle>
+          <a:p>
+            <a:pPr algn="ctr" eaLnBrk="1" hangingPunct="1"/>
+            <a:r>
+              <a:rPr lang="en-US" altLang="en-US" sz="1100" dirty="0">
+                <a:latin typeface="Arial" panose="020B0604020202020204" pitchFamily="34" charset="0"/>
+                <a:ea typeface="Amazon Ember" panose="020B0603020204020204" pitchFamily="34" charset="0"/>
+                <a:cs typeface="Arial" panose="020B0604020202020204" pitchFamily="34" charset="0"/>
+              </a:rPr>
+              <a:t>Staging</a:t>
+            </a:r>
+          </a:p>
+          <a:p>
+            <a:pPr algn="ctr" eaLnBrk="1" hangingPunct="1"/>
+            <a:r>
+              <a:rPr lang="en-US" altLang="en-US" sz="1100" dirty="0">
+                <a:latin typeface="Arial" panose="020B0604020202020204" pitchFamily="34" charset="0"/>
+                <a:ea typeface="Amazon Ember" panose="020B0603020204020204" pitchFamily="34" charset="0"/>
+                <a:cs typeface="Arial" panose="020B0604020202020204" pitchFamily="34" charset="0"/>
+              </a:rPr>
+              <a:t>Bucket</a:t>
+            </a:r>
+          </a:p>
+        </p:txBody>
+      </p:sp>
+      <p:pic>
+        <p:nvPicPr>
+          <p:cNvPr id="117" name="Graphic 14">
+            <a:extLst>
+              <a:ext uri="{FF2B5EF4-FFF2-40B4-BE49-F238E27FC236}">
+                <a16:creationId xmlns:a16="http://schemas.microsoft.com/office/drawing/2014/main" id="{3A7A9091-CC69-1A4E-B8FA-5FDBDE86F1FF}"/>
+              </a:ext>
+            </a:extLst>
+          </p:cNvPr>
+          <p:cNvPicPr>
+            <a:picLocks noChangeAspect="1" noChangeArrowheads="1"/>
+          </p:cNvPicPr>
+          <p:nvPr/>
+        </p:nvPicPr>
+        <p:blipFill>
+          <a:blip r:embed="rId11">
+            <a:extLst>
+              <a:ext uri="{28A0092B-C50C-407E-A947-70E740481C1C}">
+                <a14:useLocalDpi xmlns:a14="http://schemas.microsoft.com/office/drawing/2010/main" val="0"/>
+              </a:ext>
+            </a:extLst>
+          </a:blip>
+          <a:srcRect/>
+          <a:stretch>
+            <a:fillRect/>
+          </a:stretch>
+        </p:blipFill>
+        <p:spPr bwMode="auto">
+          <a:xfrm>
+            <a:off x="10218140" y="3483924"/>
+            <a:ext cx="457200" cy="457200"/>
+          </a:xfrm>
+          <a:prstGeom prst="rect">
+            <a:avLst/>
+          </a:prstGeom>
+          <a:noFill/>
+          <a:ln>
+            <a:noFill/>
+          </a:ln>
+          <a:extLst>
+            <a:ext uri="{909E8E84-426E-40DD-AFC4-6F175D3DCCD1}">
+              <a14:hiddenFill xmlns:a14="http://schemas.microsoft.com/office/drawing/2010/main">
+                <a:solidFill>
+                  <a:srgbClr val="FFFFFF"/>
+                </a:solidFill>
+              </a14:hiddenFill>
+            </a:ext>
+            <a:ext uri="{91240B29-F687-4F45-9708-019B960494DF}">
+              <a14:hiddenLine xmlns:a14="http://schemas.microsoft.com/office/drawing/2010/main" w="9525">
+                <a:solidFill>
+                  <a:srgbClr val="000000"/>
+                </a:solidFill>
+                <a:miter lim="800000"/>
+                <a:headEnd/>
+                <a:tailEnd/>
+              </a14:hiddenLine>
+            </a:ext>
+          </a:extLst>
+        </p:spPr>
+      </p:pic>
+      <p:sp>
+        <p:nvSpPr>
+          <p:cNvPr id="118" name="Oval 117">
+            <a:extLst>
+              <a:ext uri="{FF2B5EF4-FFF2-40B4-BE49-F238E27FC236}">
+                <a16:creationId xmlns:a16="http://schemas.microsoft.com/office/drawing/2014/main" id="{9735F1A9-2F87-E042-8C1C-2E1E5F26D3A9}"/>
               </a:ext>
             </a:extLst>
           </p:cNvPr>
@@ -8318,7 +8286,7 @@
         </p:nvSpPr>
         <p:spPr>
           <a:xfrm>
-            <a:off x="10858200" y="4037301"/>
+            <a:off x="10575792" y="2338148"/>
             <a:ext cx="256032" cy="210312"/>
           </a:xfrm>
           <a:prstGeom prst="ellipse">
@@ -8359,270 +8327,37 @@
                 <a:latin typeface="Arial" panose="020B0604020202020204" pitchFamily="34" charset="0"/>
                 <a:cs typeface="Arial" panose="020B0604020202020204" pitchFamily="34" charset="0"/>
               </a:rPr>
-              <a:t>2.3</a:t>
-            </a:r>
-          </a:p>
-        </p:txBody>
-      </p:sp>
-      <p:sp>
-        <p:nvSpPr>
-          <p:cNvPr id="116" name="TextBox 21">
-            <a:extLst>
-              <a:ext uri="{FF2B5EF4-FFF2-40B4-BE49-F238E27FC236}">
-                <a16:creationId xmlns:a16="http://schemas.microsoft.com/office/drawing/2014/main" id="{F5A3BFA2-64D3-6643-99FB-FFAA38EA7B03}"/>
-              </a:ext>
-            </a:extLst>
-          </p:cNvPr>
-          <p:cNvSpPr txBox="1">
-            <a:spLocks noChangeArrowheads="1"/>
-          </p:cNvSpPr>
+              <a:t>2.2</a:t>
+            </a:r>
+          </a:p>
+        </p:txBody>
+      </p:sp>
+      <p:sp>
+        <p:nvSpPr>
+          <p:cNvPr id="119" name="Rectangle 118">
+            <a:extLst>
+              <a:ext uri="{FF2B5EF4-FFF2-40B4-BE49-F238E27FC236}">
+                <a16:creationId xmlns:a16="http://schemas.microsoft.com/office/drawing/2014/main" id="{A5E7579E-5813-6C45-9351-0103314E8B8A}"/>
+              </a:ext>
+            </a:extLst>
+          </p:cNvPr>
+          <p:cNvSpPr/>
           <p:nvPr/>
         </p:nvSpPr>
-        <p:spPr bwMode="auto">
+        <p:spPr>
           <a:xfrm>
-            <a:off x="10272027" y="4641845"/>
-            <a:ext cx="914400" cy="430887"/>
+            <a:off x="8073475" y="1192313"/>
+            <a:ext cx="3174187" cy="3350108"/>
           </a:xfrm>
           <a:prstGeom prst="rect">
             <a:avLst/>
           </a:prstGeom>
           <a:noFill/>
-          <a:ln>
-            <a:noFill/>
-          </a:ln>
-          <a:extLst>
-            <a:ext uri="{909E8E84-426E-40DD-AFC4-6F175D3DCCD1}">
-              <a14:hiddenFill xmlns:a14="http://schemas.microsoft.com/office/drawing/2010/main">
-                <a:solidFill>
-                  <a:srgbClr val="FFFFFF"/>
-                </a:solidFill>
-              </a14:hiddenFill>
-            </a:ext>
-            <a:ext uri="{91240B29-F687-4F45-9708-019B960494DF}">
-              <a14:hiddenLine xmlns:a14="http://schemas.microsoft.com/office/drawing/2010/main" w="9525">
-                <a:solidFill>
-                  <a:srgbClr val="000000"/>
-                </a:solidFill>
-                <a:miter lim="800000"/>
-                <a:headEnd/>
-                <a:tailEnd/>
-              </a14:hiddenLine>
-            </a:ext>
-          </a:extLst>
-        </p:spPr>
-        <p:txBody>
-          <a:bodyPr wrap="square">
-            <a:spAutoFit/>
-          </a:bodyPr>
-          <a:lstStyle>
-            <a:lvl1pPr>
-              <a:defRPr>
-                <a:solidFill>
-                  <a:schemeClr val="tx1"/>
-                </a:solidFill>
-                <a:latin typeface="Calibri" panose="020F0502020204030204" pitchFamily="34" charset="0"/>
-              </a:defRPr>
-            </a:lvl1pPr>
-            <a:lvl2pPr marL="742950" indent="-285750">
-              <a:defRPr>
-                <a:solidFill>
-                  <a:schemeClr val="tx1"/>
-                </a:solidFill>
-                <a:latin typeface="Calibri" panose="020F0502020204030204" pitchFamily="34" charset="0"/>
-              </a:defRPr>
-            </a:lvl2pPr>
-            <a:lvl3pPr marL="1143000" indent="-228600">
-              <a:defRPr>
-                <a:solidFill>
-                  <a:schemeClr val="tx1"/>
-                </a:solidFill>
-                <a:latin typeface="Calibri" panose="020F0502020204030204" pitchFamily="34" charset="0"/>
-              </a:defRPr>
-            </a:lvl3pPr>
-            <a:lvl4pPr marL="1600200" indent="-228600">
-              <a:defRPr>
-                <a:solidFill>
-                  <a:schemeClr val="tx1"/>
-                </a:solidFill>
-                <a:latin typeface="Calibri" panose="020F0502020204030204" pitchFamily="34" charset="0"/>
-              </a:defRPr>
-            </a:lvl4pPr>
-            <a:lvl5pPr marL="2057400" indent="-228600">
-              <a:defRPr>
-                <a:solidFill>
-                  <a:schemeClr val="tx1"/>
-                </a:solidFill>
-                <a:latin typeface="Calibri" panose="020F0502020204030204" pitchFamily="34" charset="0"/>
-              </a:defRPr>
-            </a:lvl5pPr>
-            <a:lvl6pPr marL="2514600" indent="-228600" eaLnBrk="0" fontAlgn="base" hangingPunct="0">
-              <a:spcBef>
-                <a:spcPct val="0"/>
-              </a:spcBef>
-              <a:spcAft>
-                <a:spcPct val="0"/>
-              </a:spcAft>
-              <a:defRPr>
-                <a:solidFill>
-                  <a:schemeClr val="tx1"/>
-                </a:solidFill>
-                <a:latin typeface="Calibri" panose="020F0502020204030204" pitchFamily="34" charset="0"/>
-              </a:defRPr>
-            </a:lvl6pPr>
-            <a:lvl7pPr marL="2971800" indent="-228600" eaLnBrk="0" fontAlgn="base" hangingPunct="0">
-              <a:spcBef>
-                <a:spcPct val="0"/>
-              </a:spcBef>
-              <a:spcAft>
-                <a:spcPct val="0"/>
-              </a:spcAft>
-              <a:defRPr>
-                <a:solidFill>
-                  <a:schemeClr val="tx1"/>
-                </a:solidFill>
-                <a:latin typeface="Calibri" panose="020F0502020204030204" pitchFamily="34" charset="0"/>
-              </a:defRPr>
-            </a:lvl7pPr>
-            <a:lvl8pPr marL="3429000" indent="-228600" eaLnBrk="0" fontAlgn="base" hangingPunct="0">
-              <a:spcBef>
-                <a:spcPct val="0"/>
-              </a:spcBef>
-              <a:spcAft>
-                <a:spcPct val="0"/>
-              </a:spcAft>
-              <a:defRPr>
-                <a:solidFill>
-                  <a:schemeClr val="tx1"/>
-                </a:solidFill>
-                <a:latin typeface="Calibri" panose="020F0502020204030204" pitchFamily="34" charset="0"/>
-              </a:defRPr>
-            </a:lvl8pPr>
-            <a:lvl9pPr marL="3886200" indent="-228600" eaLnBrk="0" fontAlgn="base" hangingPunct="0">
-              <a:spcBef>
-                <a:spcPct val="0"/>
-              </a:spcBef>
-              <a:spcAft>
-                <a:spcPct val="0"/>
-              </a:spcAft>
-              <a:defRPr>
-                <a:solidFill>
-                  <a:schemeClr val="tx1"/>
-                </a:solidFill>
-                <a:latin typeface="Calibri" panose="020F0502020204030204" pitchFamily="34" charset="0"/>
-              </a:defRPr>
-            </a:lvl9pPr>
-          </a:lstStyle>
-          <a:p>
-            <a:pPr algn="ctr" eaLnBrk="1" hangingPunct="1"/>
-            <a:r>
-              <a:rPr lang="en-US" altLang="en-US" sz="1100" dirty="0">
-                <a:latin typeface="Arial" panose="020B0604020202020204" pitchFamily="34" charset="0"/>
-                <a:ea typeface="Amazon Ember" panose="020B0603020204020204" pitchFamily="34" charset="0"/>
-                <a:cs typeface="Arial" panose="020B0604020202020204" pitchFamily="34" charset="0"/>
-              </a:rPr>
-              <a:t>Staging</a:t>
-            </a:r>
-          </a:p>
-          <a:p>
-            <a:pPr algn="ctr" eaLnBrk="1" hangingPunct="1"/>
-            <a:r>
-              <a:rPr lang="en-US" altLang="en-US" sz="1100" dirty="0">
-                <a:latin typeface="Arial" panose="020B0604020202020204" pitchFamily="34" charset="0"/>
-                <a:ea typeface="Amazon Ember" panose="020B0603020204020204" pitchFamily="34" charset="0"/>
-                <a:cs typeface="Arial" panose="020B0604020202020204" pitchFamily="34" charset="0"/>
-              </a:rPr>
-              <a:t>Bucket</a:t>
-            </a:r>
-          </a:p>
-        </p:txBody>
-      </p:sp>
-      <p:pic>
-        <p:nvPicPr>
-          <p:cNvPr id="117" name="Graphic 14">
-            <a:extLst>
-              <a:ext uri="{FF2B5EF4-FFF2-40B4-BE49-F238E27FC236}">
-                <a16:creationId xmlns:a16="http://schemas.microsoft.com/office/drawing/2014/main" id="{3A7A9091-CC69-1A4E-B8FA-5FDBDE86F1FF}"/>
-              </a:ext>
-            </a:extLst>
-          </p:cNvPr>
-          <p:cNvPicPr>
-            <a:picLocks noChangeAspect="1" noChangeArrowheads="1"/>
-          </p:cNvPicPr>
-          <p:nvPr/>
-        </p:nvPicPr>
-        <p:blipFill>
-          <a:blip r:embed="rId11">
-            <a:extLst>
-              <a:ext uri="{28A0092B-C50C-407E-A947-70E740481C1C}">
-                <a14:useLocalDpi xmlns:a14="http://schemas.microsoft.com/office/drawing/2010/main" val="0"/>
-              </a:ext>
-            </a:extLst>
-          </a:blip>
-          <a:srcRect/>
-          <a:stretch>
-            <a:fillRect/>
-          </a:stretch>
-        </p:blipFill>
-        <p:spPr bwMode="auto">
-          <a:xfrm>
-            <a:off x="10500627" y="4210182"/>
-            <a:ext cx="457200" cy="457200"/>
-          </a:xfrm>
-          <a:prstGeom prst="rect">
-            <a:avLst/>
-          </a:prstGeom>
-          <a:noFill/>
-          <a:ln>
-            <a:noFill/>
-          </a:ln>
-          <a:extLst>
-            <a:ext uri="{909E8E84-426E-40DD-AFC4-6F175D3DCCD1}">
-              <a14:hiddenFill xmlns:a14="http://schemas.microsoft.com/office/drawing/2010/main">
-                <a:solidFill>
-                  <a:srgbClr val="FFFFFF"/>
-                </a:solidFill>
-              </a14:hiddenFill>
-            </a:ext>
-            <a:ext uri="{91240B29-F687-4F45-9708-019B960494DF}">
-              <a14:hiddenLine xmlns:a14="http://schemas.microsoft.com/office/drawing/2010/main" w="9525">
-                <a:solidFill>
-                  <a:srgbClr val="000000"/>
-                </a:solidFill>
-                <a:miter lim="800000"/>
-                <a:headEnd/>
-                <a:tailEnd/>
-              </a14:hiddenLine>
-            </a:ext>
-          </a:extLst>
-        </p:spPr>
-      </p:pic>
-      <p:sp>
-        <p:nvSpPr>
-          <p:cNvPr id="118" name="Oval 117">
-            <a:extLst>
-              <a:ext uri="{FF2B5EF4-FFF2-40B4-BE49-F238E27FC236}">
-                <a16:creationId xmlns:a16="http://schemas.microsoft.com/office/drawing/2014/main" id="{9735F1A9-2F87-E042-8C1C-2E1E5F26D3A9}"/>
-              </a:ext>
-            </a:extLst>
-          </p:cNvPr>
-          <p:cNvSpPr/>
-          <p:nvPr/>
-        </p:nvSpPr>
-        <p:spPr>
-          <a:xfrm>
-            <a:off x="10858279" y="3064406"/>
-            <a:ext cx="256032" cy="210312"/>
-          </a:xfrm>
-          <a:prstGeom prst="ellipse">
-            <a:avLst/>
-          </a:prstGeom>
-          <a:solidFill>
-            <a:schemeClr val="tx1"/>
-          </a:solidFill>
-          <a:ln>
+          <a:ln w="12700">
             <a:solidFill>
               <a:schemeClr val="tx1"/>
             </a:solidFill>
+            <a:prstDash val="dash"/>
           </a:ln>
         </p:spPr>
         <p:style>
@@ -8642,46 +8377,273 @@
           </a:fontRef>
         </p:style>
         <p:txBody>
-          <a:bodyPr lIns="0" tIns="0" rIns="0" bIns="0" rtlCol="0" anchor="ctr"/>
+          <a:bodyPr rot="0" spcFirstLastPara="0" vertOverflow="overflow" horzOverflow="overflow" vert="horz" wrap="square" lIns="91440" tIns="0" rIns="91440" bIns="45720" numCol="1" spcCol="0" rtlCol="0" fromWordArt="0" anchor="t" anchorCtr="0" forceAA="0" compatLnSpc="1">
+            <a:prstTxWarp prst="textNoShape">
+              <a:avLst/>
+            </a:prstTxWarp>
+            <a:noAutofit/>
+          </a:bodyPr>
           <a:lstStyle/>
           <a:p>
-            <a:pPr algn="ctr"/>
-            <a:r>
-              <a:rPr lang="en-US" sz="800" dirty="0">
-                <a:latin typeface="Arial" panose="020B0604020202020204" pitchFamily="34" charset="0"/>
-                <a:cs typeface="Arial" panose="020B0604020202020204" pitchFamily="34" charset="0"/>
+            <a:r>
+              <a:rPr lang="en-US" sz="1400" b="1" dirty="0">
+                <a:solidFill>
+                  <a:schemeClr val="tx1"/>
+                </a:solidFill>
               </a:rPr>
-              <a:t>2.2</a:t>
-            </a:r>
-          </a:p>
-        </p:txBody>
-      </p:sp>
-      <p:sp>
-        <p:nvSpPr>
-          <p:cNvPr id="119" name="Rectangle 118">
-            <a:extLst>
-              <a:ext uri="{FF2B5EF4-FFF2-40B4-BE49-F238E27FC236}">
-                <a16:creationId xmlns:a16="http://schemas.microsoft.com/office/drawing/2014/main" id="{A5E7579E-5813-6C45-9351-0103314E8B8A}"/>
-              </a:ext>
-            </a:extLst>
-          </p:cNvPr>
-          <p:cNvSpPr/>
+              <a:t>Home-region</a:t>
+            </a:r>
+          </a:p>
+        </p:txBody>
+      </p:sp>
+      <p:sp>
+        <p:nvSpPr>
+          <p:cNvPr id="69" name="TextBox 29">
+            <a:extLst>
+              <a:ext uri="{FF2B5EF4-FFF2-40B4-BE49-F238E27FC236}">
+                <a16:creationId xmlns:a16="http://schemas.microsoft.com/office/drawing/2014/main" id="{9D269F0D-710C-6646-9123-8FF5F1D9A24A}"/>
+              </a:ext>
+            </a:extLst>
+          </p:cNvPr>
+          <p:cNvSpPr txBox="1">
+            <a:spLocks noChangeArrowheads="1"/>
+          </p:cNvSpPr>
           <p:nvPr/>
         </p:nvSpPr>
-        <p:spPr>
+        <p:spPr bwMode="auto">
           <a:xfrm>
-            <a:off x="9543829" y="1831602"/>
-            <a:ext cx="2064249" cy="3641696"/>
+            <a:off x="6249090" y="1573641"/>
+            <a:ext cx="1519646" cy="430887"/>
           </a:xfrm>
           <a:prstGeom prst="rect">
             <a:avLst/>
           </a:prstGeom>
           <a:noFill/>
-          <a:ln w="12700">
+          <a:ln>
+            <a:noFill/>
+          </a:ln>
+          <a:extLst>
+            <a:ext uri="{909E8E84-426E-40DD-AFC4-6F175D3DCCD1}">
+              <a14:hiddenFill xmlns:a14="http://schemas.microsoft.com/office/drawing/2010/main">
+                <a:solidFill>
+                  <a:srgbClr val="FFFFFF"/>
+                </a:solidFill>
+              </a14:hiddenFill>
+            </a:ext>
+            <a:ext uri="{91240B29-F687-4F45-9708-019B960494DF}">
+              <a14:hiddenLine xmlns:a14="http://schemas.microsoft.com/office/drawing/2010/main" w="9525">
+                <a:solidFill>
+                  <a:srgbClr val="000000"/>
+                </a:solidFill>
+                <a:miter lim="800000"/>
+                <a:headEnd/>
+                <a:tailEnd/>
+              </a14:hiddenLine>
+            </a:ext>
+          </a:extLst>
+        </p:spPr>
+        <p:txBody>
+          <a:bodyPr wrap="square">
+            <a:spAutoFit/>
+          </a:bodyPr>
+          <a:lstStyle>
+            <a:lvl1pPr>
+              <a:defRPr>
+                <a:solidFill>
+                  <a:schemeClr val="tx1"/>
+                </a:solidFill>
+                <a:latin typeface="Calibri" panose="020F0502020204030204" pitchFamily="34" charset="0"/>
+              </a:defRPr>
+            </a:lvl1pPr>
+            <a:lvl2pPr marL="742950" indent="-285750">
+              <a:defRPr>
+                <a:solidFill>
+                  <a:schemeClr val="tx1"/>
+                </a:solidFill>
+                <a:latin typeface="Calibri" panose="020F0502020204030204" pitchFamily="34" charset="0"/>
+              </a:defRPr>
+            </a:lvl2pPr>
+            <a:lvl3pPr marL="1143000" indent="-228600">
+              <a:defRPr>
+                <a:solidFill>
+                  <a:schemeClr val="tx1"/>
+                </a:solidFill>
+                <a:latin typeface="Calibri" panose="020F0502020204030204" pitchFamily="34" charset="0"/>
+              </a:defRPr>
+            </a:lvl3pPr>
+            <a:lvl4pPr marL="1600200" indent="-228600">
+              <a:defRPr>
+                <a:solidFill>
+                  <a:schemeClr val="tx1"/>
+                </a:solidFill>
+                <a:latin typeface="Calibri" panose="020F0502020204030204" pitchFamily="34" charset="0"/>
+              </a:defRPr>
+            </a:lvl4pPr>
+            <a:lvl5pPr marL="2057400" indent="-228600">
+              <a:defRPr>
+                <a:solidFill>
+                  <a:schemeClr val="tx1"/>
+                </a:solidFill>
+                <a:latin typeface="Calibri" panose="020F0502020204030204" pitchFamily="34" charset="0"/>
+              </a:defRPr>
+            </a:lvl5pPr>
+            <a:lvl6pPr marL="2514600" indent="-228600" eaLnBrk="0" fontAlgn="base" hangingPunct="0">
+              <a:spcBef>
+                <a:spcPct val="0"/>
+              </a:spcBef>
+              <a:spcAft>
+                <a:spcPct val="0"/>
+              </a:spcAft>
+              <a:defRPr>
+                <a:solidFill>
+                  <a:schemeClr val="tx1"/>
+                </a:solidFill>
+                <a:latin typeface="Calibri" panose="020F0502020204030204" pitchFamily="34" charset="0"/>
+              </a:defRPr>
+            </a:lvl6pPr>
+            <a:lvl7pPr marL="2971800" indent="-228600" eaLnBrk="0" fontAlgn="base" hangingPunct="0">
+              <a:spcBef>
+                <a:spcPct val="0"/>
+              </a:spcBef>
+              <a:spcAft>
+                <a:spcPct val="0"/>
+              </a:spcAft>
+              <a:defRPr>
+                <a:solidFill>
+                  <a:schemeClr val="tx1"/>
+                </a:solidFill>
+                <a:latin typeface="Calibri" panose="020F0502020204030204" pitchFamily="34" charset="0"/>
+              </a:defRPr>
+            </a:lvl7pPr>
+            <a:lvl8pPr marL="3429000" indent="-228600" eaLnBrk="0" fontAlgn="base" hangingPunct="0">
+              <a:spcBef>
+                <a:spcPct val="0"/>
+              </a:spcBef>
+              <a:spcAft>
+                <a:spcPct val="0"/>
+              </a:spcAft>
+              <a:defRPr>
+                <a:solidFill>
+                  <a:schemeClr val="tx1"/>
+                </a:solidFill>
+                <a:latin typeface="Calibri" panose="020F0502020204030204" pitchFamily="34" charset="0"/>
+              </a:defRPr>
+            </a:lvl8pPr>
+            <a:lvl9pPr marL="3886200" indent="-228600" eaLnBrk="0" fontAlgn="base" hangingPunct="0">
+              <a:spcBef>
+                <a:spcPct val="0"/>
+              </a:spcBef>
+              <a:spcAft>
+                <a:spcPct val="0"/>
+              </a:spcAft>
+              <a:defRPr>
+                <a:solidFill>
+                  <a:schemeClr val="tx1"/>
+                </a:solidFill>
+                <a:latin typeface="Calibri" panose="020F0502020204030204" pitchFamily="34" charset="0"/>
+              </a:defRPr>
+            </a:lvl9pPr>
+          </a:lstStyle>
+          <a:p>
+            <a:pPr algn="ctr" eaLnBrk="1" hangingPunct="1"/>
+            <a:r>
+              <a:rPr lang="en-US" altLang="en-US" sz="1100" dirty="0">
+                <a:latin typeface="Arial" panose="020B0604020202020204" pitchFamily="34" charset="0"/>
+                <a:ea typeface="Amazon Ember" panose="020B0603020204020204" pitchFamily="34" charset="0"/>
+                <a:cs typeface="Arial" panose="020B0604020202020204" pitchFamily="34" charset="0"/>
+              </a:rPr>
+              <a:t>AWS Control Tower Execution Role</a:t>
+            </a:r>
+          </a:p>
+        </p:txBody>
+      </p:sp>
+      <p:pic>
+        <p:nvPicPr>
+          <p:cNvPr id="70" name="Graphic 49">
+            <a:extLst>
+              <a:ext uri="{FF2B5EF4-FFF2-40B4-BE49-F238E27FC236}">
+                <a16:creationId xmlns:a16="http://schemas.microsoft.com/office/drawing/2014/main" id="{6C536F06-6BC7-7E43-A6D4-59B26F6FD399}"/>
+              </a:ext>
+            </a:extLst>
+          </p:cNvPr>
+          <p:cNvPicPr>
+            <a:picLocks noChangeAspect="1" noChangeArrowheads="1"/>
+          </p:cNvPicPr>
+          <p:nvPr/>
+        </p:nvPicPr>
+        <p:blipFill>
+          <a:blip r:embed="rId9">
+            <a:extLst>
+              <a:ext uri="{28A0092B-C50C-407E-A947-70E740481C1C}">
+                <a14:useLocalDpi xmlns:a14="http://schemas.microsoft.com/office/drawing/2010/main" val="0"/>
+              </a:ext>
+            </a:extLst>
+          </a:blip>
+          <a:srcRect/>
+          <a:stretch>
+            <a:fillRect/>
+          </a:stretch>
+        </p:blipFill>
+        <p:spPr bwMode="auto">
+          <a:xfrm>
+            <a:off x="6723501" y="1222090"/>
+            <a:ext cx="457200" cy="457200"/>
+          </a:xfrm>
+          <a:prstGeom prst="rect">
+            <a:avLst/>
+          </a:prstGeom>
+          <a:noFill/>
+          <a:ln>
+            <a:noFill/>
+          </a:ln>
+          <a:extLst>
+            <a:ext uri="{909E8E84-426E-40DD-AFC4-6F175D3DCCD1}">
+              <a14:hiddenFill xmlns:a14="http://schemas.microsoft.com/office/drawing/2010/main">
+                <a:solidFill>
+                  <a:srgbClr val="FFFFFF"/>
+                </a:solidFill>
+              </a14:hiddenFill>
+            </a:ext>
+            <a:ext uri="{91240B29-F687-4F45-9708-019B960494DF}">
+              <a14:hiddenLine xmlns:a14="http://schemas.microsoft.com/office/drawing/2010/main" w="9525">
+                <a:solidFill>
+                  <a:srgbClr val="000000"/>
+                </a:solidFill>
+                <a:miter lim="800000"/>
+                <a:headEnd/>
+                <a:tailEnd/>
+              </a14:hiddenLine>
+            </a:ext>
+          </a:extLst>
+        </p:spPr>
+      </p:pic>
+      <p:sp>
+        <p:nvSpPr>
+          <p:cNvPr id="71" name="Oval 70">
+            <a:extLst>
+              <a:ext uri="{FF2B5EF4-FFF2-40B4-BE49-F238E27FC236}">
+                <a16:creationId xmlns:a16="http://schemas.microsoft.com/office/drawing/2014/main" id="{4678C487-BD13-9646-BE87-2F083BEB7BC8}"/>
+              </a:ext>
+            </a:extLst>
+          </p:cNvPr>
+          <p:cNvSpPr/>
+          <p:nvPr/>
+        </p:nvSpPr>
+        <p:spPr>
+          <a:xfrm>
+            <a:off x="6830514" y="1062182"/>
+            <a:ext cx="283464" cy="237744"/>
+          </a:xfrm>
+          <a:prstGeom prst="ellipse">
+            <a:avLst/>
+          </a:prstGeom>
+          <a:solidFill>
+            <a:schemeClr val="tx1"/>
+          </a:solidFill>
+          <a:ln>
             <a:solidFill>
               <a:schemeClr val="tx1"/>
             </a:solidFill>
-            <a:prstDash val="dash"/>
           </a:ln>
         </p:spPr>
         <p:style>
@@ -8701,271 +8663,46 @@
           </a:fontRef>
         </p:style>
         <p:txBody>
-          <a:bodyPr rot="0" spcFirstLastPara="0" vertOverflow="overflow" horzOverflow="overflow" vert="horz" wrap="square" lIns="91440" tIns="91440" rIns="91440" bIns="45720" numCol="1" spcCol="0" rtlCol="0" fromWordArt="0" anchor="t" anchorCtr="0" forceAA="0" compatLnSpc="1">
-            <a:prstTxWarp prst="textNoShape">
-              <a:avLst/>
-            </a:prstTxWarp>
-            <a:noAutofit/>
-          </a:bodyPr>
+          <a:bodyPr lIns="0" tIns="0" rIns="0" bIns="0" rtlCol="0" anchor="ctr"/>
           <a:lstStyle/>
           <a:p>
             <a:pPr algn="ctr"/>
-            <a:endParaRPr lang="en-US" sz="1400" dirty="0">
-              <a:solidFill>
-                <a:srgbClr val="5A6B86"/>
-              </a:solidFill>
-            </a:endParaRPr>
-          </a:p>
-        </p:txBody>
-      </p:sp>
-      <p:sp>
-        <p:nvSpPr>
-          <p:cNvPr id="69" name="TextBox 29">
-            <a:extLst>
-              <a:ext uri="{FF2B5EF4-FFF2-40B4-BE49-F238E27FC236}">
-                <a16:creationId xmlns:a16="http://schemas.microsoft.com/office/drawing/2014/main" id="{9D269F0D-710C-6646-9123-8FF5F1D9A24A}"/>
-              </a:ext>
-            </a:extLst>
-          </p:cNvPr>
-          <p:cNvSpPr txBox="1">
-            <a:spLocks noChangeArrowheads="1"/>
-          </p:cNvSpPr>
+            <a:r>
+              <a:rPr lang="en-US" sz="800" dirty="0">
+                <a:latin typeface="Arial" panose="020B0604020202020204" pitchFamily="34" charset="0"/>
+                <a:cs typeface="Arial" panose="020B0604020202020204" pitchFamily="34" charset="0"/>
+              </a:rPr>
+              <a:t>1.10</a:t>
+            </a:r>
+          </a:p>
+        </p:txBody>
+      </p:sp>
+      <p:sp>
+        <p:nvSpPr>
+          <p:cNvPr id="72" name="Rectangle 71">
+            <a:extLst>
+              <a:ext uri="{FF2B5EF4-FFF2-40B4-BE49-F238E27FC236}">
+                <a16:creationId xmlns:a16="http://schemas.microsoft.com/office/drawing/2014/main" id="{EF00FCB2-ABA7-4F4E-BA35-B2D8F508B01D}"/>
+              </a:ext>
+            </a:extLst>
+          </p:cNvPr>
+          <p:cNvSpPr/>
           <p:nvPr/>
         </p:nvSpPr>
-        <p:spPr bwMode="auto">
+        <p:spPr>
           <a:xfrm>
-            <a:off x="6310842" y="2195403"/>
-            <a:ext cx="1519646" cy="430887"/>
+            <a:off x="5241448" y="4824352"/>
+            <a:ext cx="2616268" cy="1652466"/>
           </a:xfrm>
           <a:prstGeom prst="rect">
             <a:avLst/>
           </a:prstGeom>
           <a:noFill/>
-          <a:ln>
-            <a:noFill/>
-          </a:ln>
-          <a:extLst>
-            <a:ext uri="{909E8E84-426E-40DD-AFC4-6F175D3DCCD1}">
-              <a14:hiddenFill xmlns:a14="http://schemas.microsoft.com/office/drawing/2010/main">
-                <a:solidFill>
-                  <a:srgbClr val="FFFFFF"/>
-                </a:solidFill>
-              </a14:hiddenFill>
-            </a:ext>
-            <a:ext uri="{91240B29-F687-4F45-9708-019B960494DF}">
-              <a14:hiddenLine xmlns:a14="http://schemas.microsoft.com/office/drawing/2010/main" w="9525">
-                <a:solidFill>
-                  <a:srgbClr val="000000"/>
-                </a:solidFill>
-                <a:miter lim="800000"/>
-                <a:headEnd/>
-                <a:tailEnd/>
-              </a14:hiddenLine>
-            </a:ext>
-          </a:extLst>
-        </p:spPr>
-        <p:txBody>
-          <a:bodyPr wrap="square">
-            <a:spAutoFit/>
-          </a:bodyPr>
-          <a:lstStyle>
-            <a:lvl1pPr>
-              <a:defRPr>
-                <a:solidFill>
-                  <a:schemeClr val="tx1"/>
-                </a:solidFill>
-                <a:latin typeface="Calibri" panose="020F0502020204030204" pitchFamily="34" charset="0"/>
-              </a:defRPr>
-            </a:lvl1pPr>
-            <a:lvl2pPr marL="742950" indent="-285750">
-              <a:defRPr>
-                <a:solidFill>
-                  <a:schemeClr val="tx1"/>
-                </a:solidFill>
-                <a:latin typeface="Calibri" panose="020F0502020204030204" pitchFamily="34" charset="0"/>
-              </a:defRPr>
-            </a:lvl2pPr>
-            <a:lvl3pPr marL="1143000" indent="-228600">
-              <a:defRPr>
-                <a:solidFill>
-                  <a:schemeClr val="tx1"/>
-                </a:solidFill>
-                <a:latin typeface="Calibri" panose="020F0502020204030204" pitchFamily="34" charset="0"/>
-              </a:defRPr>
-            </a:lvl3pPr>
-            <a:lvl4pPr marL="1600200" indent="-228600">
-              <a:defRPr>
-                <a:solidFill>
-                  <a:schemeClr val="tx1"/>
-                </a:solidFill>
-                <a:latin typeface="Calibri" panose="020F0502020204030204" pitchFamily="34" charset="0"/>
-              </a:defRPr>
-            </a:lvl4pPr>
-            <a:lvl5pPr marL="2057400" indent="-228600">
-              <a:defRPr>
-                <a:solidFill>
-                  <a:schemeClr val="tx1"/>
-                </a:solidFill>
-                <a:latin typeface="Calibri" panose="020F0502020204030204" pitchFamily="34" charset="0"/>
-              </a:defRPr>
-            </a:lvl5pPr>
-            <a:lvl6pPr marL="2514600" indent="-228600" eaLnBrk="0" fontAlgn="base" hangingPunct="0">
-              <a:spcBef>
-                <a:spcPct val="0"/>
-              </a:spcBef>
-              <a:spcAft>
-                <a:spcPct val="0"/>
-              </a:spcAft>
-              <a:defRPr>
-                <a:solidFill>
-                  <a:schemeClr val="tx1"/>
-                </a:solidFill>
-                <a:latin typeface="Calibri" panose="020F0502020204030204" pitchFamily="34" charset="0"/>
-              </a:defRPr>
-            </a:lvl6pPr>
-            <a:lvl7pPr marL="2971800" indent="-228600" eaLnBrk="0" fontAlgn="base" hangingPunct="0">
-              <a:spcBef>
-                <a:spcPct val="0"/>
-              </a:spcBef>
-              <a:spcAft>
-                <a:spcPct val="0"/>
-              </a:spcAft>
-              <a:defRPr>
-                <a:solidFill>
-                  <a:schemeClr val="tx1"/>
-                </a:solidFill>
-                <a:latin typeface="Calibri" panose="020F0502020204030204" pitchFamily="34" charset="0"/>
-              </a:defRPr>
-            </a:lvl7pPr>
-            <a:lvl8pPr marL="3429000" indent="-228600" eaLnBrk="0" fontAlgn="base" hangingPunct="0">
-              <a:spcBef>
-                <a:spcPct val="0"/>
-              </a:spcBef>
-              <a:spcAft>
-                <a:spcPct val="0"/>
-              </a:spcAft>
-              <a:defRPr>
-                <a:solidFill>
-                  <a:schemeClr val="tx1"/>
-                </a:solidFill>
-                <a:latin typeface="Calibri" panose="020F0502020204030204" pitchFamily="34" charset="0"/>
-              </a:defRPr>
-            </a:lvl8pPr>
-            <a:lvl9pPr marL="3886200" indent="-228600" eaLnBrk="0" fontAlgn="base" hangingPunct="0">
-              <a:spcBef>
-                <a:spcPct val="0"/>
-              </a:spcBef>
-              <a:spcAft>
-                <a:spcPct val="0"/>
-              </a:spcAft>
-              <a:defRPr>
-                <a:solidFill>
-                  <a:schemeClr val="tx1"/>
-                </a:solidFill>
-                <a:latin typeface="Calibri" panose="020F0502020204030204" pitchFamily="34" charset="0"/>
-              </a:defRPr>
-            </a:lvl9pPr>
-          </a:lstStyle>
-          <a:p>
-            <a:pPr algn="ctr" eaLnBrk="1" hangingPunct="1"/>
-            <a:r>
-              <a:rPr lang="en-US" altLang="en-US" sz="1100" dirty="0">
-                <a:latin typeface="Arial" panose="020B0604020202020204" pitchFamily="34" charset="0"/>
-                <a:ea typeface="Amazon Ember" panose="020B0603020204020204" pitchFamily="34" charset="0"/>
-                <a:cs typeface="Arial" panose="020B0604020202020204" pitchFamily="34" charset="0"/>
-              </a:rPr>
-              <a:t>AWS Control Tower Execution Role</a:t>
-            </a:r>
-          </a:p>
-        </p:txBody>
-      </p:sp>
-      <p:pic>
-        <p:nvPicPr>
-          <p:cNvPr id="70" name="Graphic 49">
-            <a:extLst>
-              <a:ext uri="{FF2B5EF4-FFF2-40B4-BE49-F238E27FC236}">
-                <a16:creationId xmlns:a16="http://schemas.microsoft.com/office/drawing/2014/main" id="{6C536F06-6BC7-7E43-A6D4-59B26F6FD399}"/>
-              </a:ext>
-            </a:extLst>
-          </p:cNvPr>
-          <p:cNvPicPr>
-            <a:picLocks noChangeAspect="1" noChangeArrowheads="1"/>
-          </p:cNvPicPr>
-          <p:nvPr/>
-        </p:nvPicPr>
-        <p:blipFill>
-          <a:blip r:embed="rId9">
-            <a:extLst>
-              <a:ext uri="{28A0092B-C50C-407E-A947-70E740481C1C}">
-                <a14:useLocalDpi xmlns:a14="http://schemas.microsoft.com/office/drawing/2010/main" val="0"/>
-              </a:ext>
-            </a:extLst>
-          </a:blip>
-          <a:srcRect/>
-          <a:stretch>
-            <a:fillRect/>
-          </a:stretch>
-        </p:blipFill>
-        <p:spPr bwMode="auto">
-          <a:xfrm>
-            <a:off x="6785253" y="1843852"/>
-            <a:ext cx="457200" cy="457200"/>
-          </a:xfrm>
-          <a:prstGeom prst="rect">
-            <a:avLst/>
-          </a:prstGeom>
-          <a:noFill/>
-          <a:ln>
-            <a:noFill/>
-          </a:ln>
-          <a:extLst>
-            <a:ext uri="{909E8E84-426E-40DD-AFC4-6F175D3DCCD1}">
-              <a14:hiddenFill xmlns:a14="http://schemas.microsoft.com/office/drawing/2010/main">
-                <a:solidFill>
-                  <a:srgbClr val="FFFFFF"/>
-                </a:solidFill>
-              </a14:hiddenFill>
-            </a:ext>
-            <a:ext uri="{91240B29-F687-4F45-9708-019B960494DF}">
-              <a14:hiddenLine xmlns:a14="http://schemas.microsoft.com/office/drawing/2010/main" w="9525">
-                <a:solidFill>
-                  <a:srgbClr val="000000"/>
-                </a:solidFill>
-                <a:miter lim="800000"/>
-                <a:headEnd/>
-                <a:tailEnd/>
-              </a14:hiddenLine>
-            </a:ext>
-          </a:extLst>
-        </p:spPr>
-      </p:pic>
-      <p:sp>
-        <p:nvSpPr>
-          <p:cNvPr id="71" name="Oval 70">
-            <a:extLst>
-              <a:ext uri="{FF2B5EF4-FFF2-40B4-BE49-F238E27FC236}">
-                <a16:creationId xmlns:a16="http://schemas.microsoft.com/office/drawing/2014/main" id="{4678C487-BD13-9646-BE87-2F083BEB7BC8}"/>
-              </a:ext>
-            </a:extLst>
-          </p:cNvPr>
-          <p:cNvSpPr/>
-          <p:nvPr/>
-        </p:nvSpPr>
-        <p:spPr>
-          <a:xfrm>
-            <a:off x="6892266" y="1683944"/>
-            <a:ext cx="283464" cy="237744"/>
-          </a:xfrm>
-          <a:prstGeom prst="ellipse">
-            <a:avLst/>
-          </a:prstGeom>
-          <a:solidFill>
-            <a:schemeClr val="tx1"/>
-          </a:solidFill>
-          <a:ln>
+          <a:ln w="12700">
             <a:solidFill>
               <a:schemeClr val="tx1"/>
             </a:solidFill>
+            <a:prstDash val="solid"/>
           </a:ln>
         </p:spPr>
         <p:style>
@@ -8985,6 +8722,212 @@
           </a:fontRef>
         </p:style>
         <p:txBody>
+          <a:bodyPr rot="0" spcFirstLastPara="0" vertOverflow="overflow" horzOverflow="overflow" vert="horz" wrap="square" lIns="91440" tIns="91440" rIns="91440" bIns="45720" numCol="1" spcCol="0" rtlCol="0" fromWordArt="0" anchor="t" anchorCtr="0" forceAA="0" compatLnSpc="1">
+            <a:prstTxWarp prst="textNoShape">
+              <a:avLst/>
+            </a:prstTxWarp>
+            <a:noAutofit/>
+          </a:bodyPr>
+          <a:lstStyle/>
+          <a:p>
+            <a:pPr algn="ctr"/>
+            <a:r>
+              <a:rPr lang="en-US" sz="1400" dirty="0">
+                <a:solidFill>
+                  <a:schemeClr val="tx1"/>
+                </a:solidFill>
+                <a:latin typeface="Arial" panose="020B0604020202020204" pitchFamily="34" charset="0"/>
+                <a:cs typeface="Arial" panose="020B0604020202020204" pitchFamily="34" charset="0"/>
+              </a:rPr>
+              <a:t>Audit Account</a:t>
+            </a:r>
+          </a:p>
+        </p:txBody>
+      </p:sp>
+      <p:sp>
+        <p:nvSpPr>
+          <p:cNvPr id="73" name="Rectangle 72">
+            <a:extLst>
+              <a:ext uri="{FF2B5EF4-FFF2-40B4-BE49-F238E27FC236}">
+                <a16:creationId xmlns:a16="http://schemas.microsoft.com/office/drawing/2014/main" id="{3F7CB35C-E5C1-E74A-9698-322A804D9CA0}"/>
+              </a:ext>
+            </a:extLst>
+          </p:cNvPr>
+          <p:cNvSpPr/>
+          <p:nvPr/>
+        </p:nvSpPr>
+        <p:spPr>
+          <a:xfrm>
+            <a:off x="5363077" y="5190401"/>
+            <a:ext cx="2380735" cy="1192392"/>
+          </a:xfrm>
+          <a:prstGeom prst="rect">
+            <a:avLst/>
+          </a:prstGeom>
+          <a:noFill/>
+          <a:ln w="12700">
+            <a:solidFill>
+              <a:schemeClr val="tx1"/>
+            </a:solidFill>
+            <a:prstDash val="dash"/>
+          </a:ln>
+        </p:spPr>
+        <p:style>
+          <a:lnRef idx="2">
+            <a:schemeClr val="accent1">
+              <a:shade val="50000"/>
+            </a:schemeClr>
+          </a:lnRef>
+          <a:fillRef idx="1">
+            <a:schemeClr val="accent1"/>
+          </a:fillRef>
+          <a:effectRef idx="0">
+            <a:schemeClr val="accent1"/>
+          </a:effectRef>
+          <a:fontRef idx="minor">
+            <a:schemeClr val="lt1"/>
+          </a:fontRef>
+        </p:style>
+        <p:txBody>
+          <a:bodyPr rot="0" spcFirstLastPara="0" vertOverflow="overflow" horzOverflow="overflow" vert="horz" wrap="square" lIns="45720" tIns="0" rIns="0" bIns="0" numCol="1" spcCol="0" rtlCol="0" fromWordArt="0" anchor="t" anchorCtr="0" forceAA="0" compatLnSpc="1">
+            <a:noAutofit/>
+          </a:bodyPr>
+          <a:lstStyle/>
+          <a:p>
+            <a:r>
+              <a:rPr lang="en-US" sz="1100" b="1" dirty="0">
+                <a:solidFill>
+                  <a:schemeClr val="tx1"/>
+                </a:solidFill>
+                <a:latin typeface="Arial" panose="020B0604020202020204" pitchFamily="34" charset="0"/>
+                <a:cs typeface="Arial" panose="020B0604020202020204" pitchFamily="34" charset="0"/>
+              </a:rPr>
+              <a:t>Home-region</a:t>
+            </a:r>
+          </a:p>
+        </p:txBody>
+      </p:sp>
+      <p:sp>
+        <p:nvSpPr>
+          <p:cNvPr id="78" name="TextBox 77">
+            <a:extLst>
+              <a:ext uri="{FF2B5EF4-FFF2-40B4-BE49-F238E27FC236}">
+                <a16:creationId xmlns:a16="http://schemas.microsoft.com/office/drawing/2014/main" id="{775B4886-B948-1E4B-A343-0BC6DB01BEBC}"/>
+              </a:ext>
+            </a:extLst>
+          </p:cNvPr>
+          <p:cNvSpPr txBox="1"/>
+          <p:nvPr/>
+        </p:nvSpPr>
+        <p:spPr>
+          <a:xfrm>
+            <a:off x="5349252" y="5904786"/>
+            <a:ext cx="1211154" cy="430887"/>
+          </a:xfrm>
+          <a:prstGeom prst="rect">
+            <a:avLst/>
+          </a:prstGeom>
+          <a:noFill/>
+        </p:spPr>
+        <p:txBody>
+          <a:bodyPr wrap="square" rtlCol="0">
+            <a:spAutoFit/>
+          </a:bodyPr>
+          <a:lstStyle/>
+          <a:p>
+            <a:pPr algn="ctr"/>
+            <a:r>
+              <a:rPr lang="en-US" sz="1100" dirty="0">
+                <a:latin typeface="Arial" panose="020B0604020202020204" pitchFamily="34" charset="0"/>
+                <a:cs typeface="Arial" panose="020B0604020202020204" pitchFamily="34" charset="0"/>
+              </a:rPr>
+              <a:t>AWS CloudFormation</a:t>
+            </a:r>
+          </a:p>
+        </p:txBody>
+      </p:sp>
+      <p:pic>
+        <p:nvPicPr>
+          <p:cNvPr id="82" name="Graphic 81">
+            <a:extLst>
+              <a:ext uri="{FF2B5EF4-FFF2-40B4-BE49-F238E27FC236}">
+                <a16:creationId xmlns:a16="http://schemas.microsoft.com/office/drawing/2014/main" id="{B9337609-3170-2D46-ABF4-CB14D5695D4C}"/>
+              </a:ext>
+            </a:extLst>
+          </p:cNvPr>
+          <p:cNvPicPr>
+            <a:picLocks noChangeAspect="1"/>
+          </p:cNvPicPr>
+          <p:nvPr/>
+        </p:nvPicPr>
+        <p:blipFill>
+          <a:blip r:embed="rId5">
+            <a:extLst>
+              <a:ext uri="{96DAC541-7B7A-43D3-8B79-37D633B846F1}">
+                <asvg:svgBlip xmlns:asvg="http://schemas.microsoft.com/office/drawing/2016/SVG/main" r:embed="rId6"/>
+              </a:ext>
+            </a:extLst>
+          </a:blip>
+          <a:stretch>
+            <a:fillRect/>
+          </a:stretch>
+        </p:blipFill>
+        <p:spPr>
+          <a:xfrm>
+            <a:off x="5725294" y="5453745"/>
+            <a:ext cx="457200" cy="457200"/>
+          </a:xfrm>
+          <a:prstGeom prst="rect">
+            <a:avLst/>
+          </a:prstGeom>
+        </p:spPr>
+      </p:pic>
+      <p:sp>
+        <p:nvSpPr>
+          <p:cNvPr id="107" name="Oval 106">
+            <a:extLst>
+              <a:ext uri="{FF2B5EF4-FFF2-40B4-BE49-F238E27FC236}">
+                <a16:creationId xmlns:a16="http://schemas.microsoft.com/office/drawing/2014/main" id="{1C4DBBA7-1DC2-FB41-B804-9345C3CE823F}"/>
+              </a:ext>
+            </a:extLst>
+          </p:cNvPr>
+          <p:cNvSpPr/>
+          <p:nvPr/>
+        </p:nvSpPr>
+        <p:spPr>
+          <a:xfrm>
+            <a:off x="5733324" y="5460450"/>
+            <a:ext cx="253435" cy="212902"/>
+          </a:xfrm>
+          <a:prstGeom prst="ellipse">
+            <a:avLst/>
+          </a:prstGeom>
+          <a:solidFill>
+            <a:schemeClr val="tx1"/>
+          </a:solidFill>
+          <a:ln>
+            <a:solidFill>
+              <a:schemeClr val="tx1"/>
+            </a:solidFill>
+          </a:ln>
+        </p:spPr>
+        <p:style>
+          <a:lnRef idx="2">
+            <a:schemeClr val="accent1">
+              <a:shade val="50000"/>
+            </a:schemeClr>
+          </a:lnRef>
+          <a:fillRef idx="1">
+            <a:schemeClr val="accent1"/>
+          </a:fillRef>
+          <a:effectRef idx="0">
+            <a:schemeClr val="accent1"/>
+          </a:effectRef>
+          <a:fontRef idx="minor">
+            <a:schemeClr val="lt1"/>
+          </a:fontRef>
+        </p:style>
+        <p:txBody>
           <a:bodyPr lIns="0" tIns="0" rIns="0" bIns="0" rtlCol="0" anchor="ctr"/>
           <a:lstStyle/>
           <a:p>
@@ -8994,7 +8937,403 @@
                 <a:latin typeface="Arial" panose="020B0604020202020204" pitchFamily="34" charset="0"/>
                 <a:cs typeface="Arial" panose="020B0604020202020204" pitchFamily="34" charset="0"/>
               </a:rPr>
-              <a:t>1.10</a:t>
+              <a:t>3.1</a:t>
+            </a:r>
+          </a:p>
+        </p:txBody>
+      </p:sp>
+      <p:sp>
+        <p:nvSpPr>
+          <p:cNvPr id="123" name="Oval 122">
+            <a:extLst>
+              <a:ext uri="{FF2B5EF4-FFF2-40B4-BE49-F238E27FC236}">
+                <a16:creationId xmlns:a16="http://schemas.microsoft.com/office/drawing/2014/main" id="{55E65A7C-E059-234B-8BE4-B1F8514EA601}"/>
+              </a:ext>
+            </a:extLst>
+          </p:cNvPr>
+          <p:cNvSpPr/>
+          <p:nvPr/>
+        </p:nvSpPr>
+        <p:spPr>
+          <a:xfrm>
+            <a:off x="5261121" y="4841953"/>
+            <a:ext cx="253435" cy="212902"/>
+          </a:xfrm>
+          <a:prstGeom prst="ellipse">
+            <a:avLst/>
+          </a:prstGeom>
+          <a:solidFill>
+            <a:schemeClr val="tx1"/>
+          </a:solidFill>
+          <a:ln>
+            <a:solidFill>
+              <a:schemeClr val="tx1"/>
+            </a:solidFill>
+          </a:ln>
+        </p:spPr>
+        <p:style>
+          <a:lnRef idx="2">
+            <a:schemeClr val="accent1">
+              <a:shade val="50000"/>
+            </a:schemeClr>
+          </a:lnRef>
+          <a:fillRef idx="1">
+            <a:schemeClr val="accent1"/>
+          </a:fillRef>
+          <a:effectRef idx="0">
+            <a:schemeClr val="accent1"/>
+          </a:effectRef>
+          <a:fontRef idx="minor">
+            <a:schemeClr val="lt1"/>
+          </a:fontRef>
+        </p:style>
+        <p:txBody>
+          <a:bodyPr lIns="0" tIns="0" rIns="0" bIns="0" rtlCol="0" anchor="ctr"/>
+          <a:lstStyle/>
+          <a:p>
+            <a:pPr algn="ctr"/>
+            <a:r>
+              <a:rPr lang="en-US" sz="800" dirty="0"/>
+              <a:t>3.0</a:t>
+            </a:r>
+          </a:p>
+        </p:txBody>
+      </p:sp>
+      <p:pic>
+        <p:nvPicPr>
+          <p:cNvPr id="127" name="Graphic 7">
+            <a:extLst>
+              <a:ext uri="{FF2B5EF4-FFF2-40B4-BE49-F238E27FC236}">
+                <a16:creationId xmlns:a16="http://schemas.microsoft.com/office/drawing/2014/main" id="{79374A76-43DA-674F-926C-11016F7D70A7}"/>
+              </a:ext>
+            </a:extLst>
+          </p:cNvPr>
+          <p:cNvPicPr>
+            <a:picLocks noChangeAspect="1" noChangeArrowheads="1"/>
+          </p:cNvPicPr>
+          <p:nvPr/>
+        </p:nvPicPr>
+        <p:blipFill>
+          <a:blip r:embed="rId12">
+            <a:extLst>
+              <a:ext uri="{28A0092B-C50C-407E-A947-70E740481C1C}">
+                <a14:useLocalDpi xmlns:a14="http://schemas.microsoft.com/office/drawing/2010/main" val="0"/>
+              </a:ext>
+            </a:extLst>
+          </a:blip>
+          <a:srcRect/>
+          <a:stretch>
+            <a:fillRect/>
+          </a:stretch>
+        </p:blipFill>
+        <p:spPr bwMode="auto">
+          <a:xfrm>
+            <a:off x="6730909" y="5460450"/>
+            <a:ext cx="457200" cy="457200"/>
+          </a:xfrm>
+          <a:prstGeom prst="rect">
+            <a:avLst/>
+          </a:prstGeom>
+          <a:noFill/>
+          <a:ln>
+            <a:noFill/>
+          </a:ln>
+          <a:extLst>
+            <a:ext uri="{909E8E84-426E-40DD-AFC4-6F175D3DCCD1}">
+              <a14:hiddenFill xmlns:a14="http://schemas.microsoft.com/office/drawing/2010/main">
+                <a:solidFill>
+                  <a:srgbClr val="FFFFFF"/>
+                </a:solidFill>
+              </a14:hiddenFill>
+            </a:ext>
+            <a:ext uri="{91240B29-F687-4F45-9708-019B960494DF}">
+              <a14:hiddenLine xmlns:a14="http://schemas.microsoft.com/office/drawing/2010/main" w="9525">
+                <a:solidFill>
+                  <a:srgbClr val="000000"/>
+                </a:solidFill>
+                <a:miter lim="800000"/>
+                <a:headEnd/>
+                <a:tailEnd/>
+              </a14:hiddenLine>
+            </a:ext>
+          </a:extLst>
+        </p:spPr>
+      </p:pic>
+      <p:sp>
+        <p:nvSpPr>
+          <p:cNvPr id="128" name="TextBox 127">
+            <a:extLst>
+              <a:ext uri="{FF2B5EF4-FFF2-40B4-BE49-F238E27FC236}">
+                <a16:creationId xmlns:a16="http://schemas.microsoft.com/office/drawing/2014/main" id="{27A962B3-D245-5C49-8E3C-C201B05778F9}"/>
+              </a:ext>
+            </a:extLst>
+          </p:cNvPr>
+          <p:cNvSpPr txBox="1"/>
+          <p:nvPr/>
+        </p:nvSpPr>
+        <p:spPr>
+          <a:xfrm>
+            <a:off x="6426363" y="5914436"/>
+            <a:ext cx="1115962" cy="430887"/>
+          </a:xfrm>
+          <a:prstGeom prst="rect">
+            <a:avLst/>
+          </a:prstGeom>
+          <a:noFill/>
+        </p:spPr>
+        <p:txBody>
+          <a:bodyPr wrap="square" rtlCol="0">
+            <a:spAutoFit/>
+          </a:bodyPr>
+          <a:lstStyle/>
+          <a:p>
+            <a:pPr algn="ctr"/>
+            <a:r>
+              <a:rPr lang="en-US" sz="1100" dirty="0">
+                <a:latin typeface="Arial" panose="020B0604020202020204" pitchFamily="34" charset="0"/>
+                <a:cs typeface="Arial" panose="020B0604020202020204" pitchFamily="34" charset="0"/>
+              </a:rPr>
+              <a:t>SRA Secrets KMS Key</a:t>
+            </a:r>
+          </a:p>
+        </p:txBody>
+      </p:sp>
+      <p:sp>
+        <p:nvSpPr>
+          <p:cNvPr id="130" name="Oval 129">
+            <a:extLst>
+              <a:ext uri="{FF2B5EF4-FFF2-40B4-BE49-F238E27FC236}">
+                <a16:creationId xmlns:a16="http://schemas.microsoft.com/office/drawing/2014/main" id="{6C8C1508-DD27-BF4B-88E0-C11CDE76CA5E}"/>
+              </a:ext>
+            </a:extLst>
+          </p:cNvPr>
+          <p:cNvSpPr/>
+          <p:nvPr/>
+        </p:nvSpPr>
+        <p:spPr>
+          <a:xfrm>
+            <a:off x="6730909" y="5463844"/>
+            <a:ext cx="253435" cy="212902"/>
+          </a:xfrm>
+          <a:prstGeom prst="ellipse">
+            <a:avLst/>
+          </a:prstGeom>
+          <a:solidFill>
+            <a:schemeClr val="tx1"/>
+          </a:solidFill>
+          <a:ln>
+            <a:solidFill>
+              <a:schemeClr val="tx1"/>
+            </a:solidFill>
+          </a:ln>
+        </p:spPr>
+        <p:style>
+          <a:lnRef idx="2">
+            <a:schemeClr val="accent1">
+              <a:shade val="50000"/>
+            </a:schemeClr>
+          </a:lnRef>
+          <a:fillRef idx="1">
+            <a:schemeClr val="accent1"/>
+          </a:fillRef>
+          <a:effectRef idx="0">
+            <a:schemeClr val="accent1"/>
+          </a:effectRef>
+          <a:fontRef idx="minor">
+            <a:schemeClr val="lt1"/>
+          </a:fontRef>
+        </p:style>
+        <p:txBody>
+          <a:bodyPr lIns="0" tIns="0" rIns="0" bIns="0" rtlCol="0" anchor="ctr"/>
+          <a:lstStyle/>
+          <a:p>
+            <a:pPr algn="ctr"/>
+            <a:r>
+              <a:rPr lang="en-US" sz="800" dirty="0">
+                <a:latin typeface="Arial" panose="020B0604020202020204" pitchFamily="34" charset="0"/>
+                <a:cs typeface="Arial" panose="020B0604020202020204" pitchFamily="34" charset="0"/>
+              </a:rPr>
+              <a:t>3.2</a:t>
+            </a:r>
+          </a:p>
+        </p:txBody>
+      </p:sp>
+      <p:sp>
+        <p:nvSpPr>
+          <p:cNvPr id="81" name="Oval 80">
+            <a:extLst>
+              <a:ext uri="{FF2B5EF4-FFF2-40B4-BE49-F238E27FC236}">
+                <a16:creationId xmlns:a16="http://schemas.microsoft.com/office/drawing/2014/main" id="{5EB15DFF-E367-DE4E-8222-A26FDBF8690C}"/>
+              </a:ext>
+            </a:extLst>
+          </p:cNvPr>
+          <p:cNvSpPr/>
+          <p:nvPr/>
+        </p:nvSpPr>
+        <p:spPr>
+          <a:xfrm>
+            <a:off x="6866068" y="3467853"/>
+            <a:ext cx="283464" cy="237744"/>
+          </a:xfrm>
+          <a:prstGeom prst="ellipse">
+            <a:avLst/>
+          </a:prstGeom>
+          <a:solidFill>
+            <a:schemeClr val="tx1"/>
+          </a:solidFill>
+          <a:ln>
+            <a:solidFill>
+              <a:schemeClr val="tx1"/>
+            </a:solidFill>
+          </a:ln>
+        </p:spPr>
+        <p:style>
+          <a:lnRef idx="2">
+            <a:schemeClr val="accent1">
+              <a:shade val="50000"/>
+            </a:schemeClr>
+          </a:lnRef>
+          <a:fillRef idx="1">
+            <a:schemeClr val="accent1"/>
+          </a:fillRef>
+          <a:effectRef idx="0">
+            <a:schemeClr val="accent1"/>
+          </a:effectRef>
+          <a:fontRef idx="minor">
+            <a:schemeClr val="lt1"/>
+          </a:fontRef>
+        </p:style>
+        <p:txBody>
+          <a:bodyPr lIns="0" tIns="0" rIns="0" bIns="0" rtlCol="0" anchor="ctr"/>
+          <a:lstStyle/>
+          <a:p>
+            <a:pPr algn="ctr"/>
+            <a:r>
+              <a:rPr lang="en-US" sz="800" dirty="0">
+                <a:latin typeface="Arial" panose="020B0604020202020204" pitchFamily="34" charset="0"/>
+                <a:cs typeface="Arial" panose="020B0604020202020204" pitchFamily="34" charset="0"/>
+              </a:rPr>
+              <a:t>1.12</a:t>
+            </a:r>
+          </a:p>
+        </p:txBody>
+      </p:sp>
+      <p:sp>
+        <p:nvSpPr>
+          <p:cNvPr id="85" name="Oval 84">
+            <a:extLst>
+              <a:ext uri="{FF2B5EF4-FFF2-40B4-BE49-F238E27FC236}">
+                <a16:creationId xmlns:a16="http://schemas.microsoft.com/office/drawing/2014/main" id="{5F966B37-BA9A-2044-BCB0-B925BCD94408}"/>
+              </a:ext>
+            </a:extLst>
+          </p:cNvPr>
+          <p:cNvSpPr/>
+          <p:nvPr/>
+        </p:nvSpPr>
+        <p:spPr>
+          <a:xfrm>
+            <a:off x="3805185" y="3499801"/>
+            <a:ext cx="253435" cy="212902"/>
+          </a:xfrm>
+          <a:prstGeom prst="ellipse">
+            <a:avLst/>
+          </a:prstGeom>
+          <a:solidFill>
+            <a:schemeClr val="tx1"/>
+          </a:solidFill>
+          <a:ln>
+            <a:solidFill>
+              <a:schemeClr val="tx1"/>
+            </a:solidFill>
+          </a:ln>
+        </p:spPr>
+        <p:style>
+          <a:lnRef idx="2">
+            <a:schemeClr val="accent1">
+              <a:shade val="50000"/>
+            </a:schemeClr>
+          </a:lnRef>
+          <a:fillRef idx="1">
+            <a:schemeClr val="accent1"/>
+          </a:fillRef>
+          <a:effectRef idx="0">
+            <a:schemeClr val="accent1"/>
+          </a:effectRef>
+          <a:fontRef idx="minor">
+            <a:schemeClr val="lt1"/>
+          </a:fontRef>
+        </p:style>
+        <p:txBody>
+          <a:bodyPr lIns="0" tIns="0" rIns="0" bIns="0" rtlCol="0" anchor="ctr"/>
+          <a:lstStyle/>
+          <a:p>
+            <a:pPr algn="ctr"/>
+            <a:r>
+              <a:rPr lang="en-US" sz="800" dirty="0">
+                <a:latin typeface="Arial" panose="020B0604020202020204" pitchFamily="34" charset="0"/>
+                <a:cs typeface="Arial" panose="020B0604020202020204" pitchFamily="34" charset="0"/>
+              </a:rPr>
+              <a:t>1.6</a:t>
+            </a:r>
+          </a:p>
+        </p:txBody>
+      </p:sp>
+      <p:sp>
+        <p:nvSpPr>
+          <p:cNvPr id="115" name="Oval 114">
+            <a:extLst>
+              <a:ext uri="{FF2B5EF4-FFF2-40B4-BE49-F238E27FC236}">
+                <a16:creationId xmlns:a16="http://schemas.microsoft.com/office/drawing/2014/main" id="{359C92E2-64AA-224B-87CD-09AB94FEF796}"/>
+              </a:ext>
+            </a:extLst>
+          </p:cNvPr>
+          <p:cNvSpPr/>
+          <p:nvPr/>
+        </p:nvSpPr>
+        <p:spPr>
+          <a:xfrm>
+            <a:off x="10314216" y="3374806"/>
+            <a:ext cx="256032" cy="210312"/>
+          </a:xfrm>
+          <a:prstGeom prst="ellipse">
+            <a:avLst/>
+          </a:prstGeom>
+          <a:solidFill>
+            <a:schemeClr val="tx1"/>
+          </a:solidFill>
+          <a:ln>
+            <a:solidFill>
+              <a:schemeClr val="tx1"/>
+            </a:solidFill>
+          </a:ln>
+        </p:spPr>
+        <p:style>
+          <a:lnRef idx="2">
+            <a:schemeClr val="accent1">
+              <a:shade val="50000"/>
+            </a:schemeClr>
+          </a:lnRef>
+          <a:fillRef idx="1">
+            <a:schemeClr val="accent1"/>
+          </a:fillRef>
+          <a:effectRef idx="0">
+            <a:schemeClr val="accent1"/>
+          </a:effectRef>
+          <a:fontRef idx="minor">
+            <a:schemeClr val="lt1"/>
+          </a:fontRef>
+        </p:style>
+        <p:txBody>
+          <a:bodyPr lIns="0" tIns="0" rIns="0" bIns="0" rtlCol="0" anchor="ctr"/>
+          <a:lstStyle/>
+          <a:p>
+            <a:pPr algn="ctr"/>
+            <a:r>
+              <a:rPr lang="en-US" sz="800" dirty="0">
+                <a:latin typeface="Arial" panose="020B0604020202020204" pitchFamily="34" charset="0"/>
+                <a:cs typeface="Arial" panose="020B0604020202020204" pitchFamily="34" charset="0"/>
+              </a:rPr>
+              <a:t>2.3</a:t>
             </a:r>
           </a:p>
         </p:txBody>

--- a/aws_sra_examples/solutions/common/common_prerequisites/documentation/common-prerequisites.pptx
+++ b/aws_sra_examples/solutions/common/common_prerequisites/documentation/common-prerequisites.pptx
@@ -5,10 +5,11 @@
     <p:sldMasterId id="2147483648" r:id="rId1"/>
   </p:sldMasterIdLst>
   <p:notesMasterIdLst>
-    <p:notesMasterId r:id="rId3"/>
+    <p:notesMasterId r:id="rId4"/>
   </p:notesMasterIdLst>
   <p:sldIdLst>
     <p:sldId id="258" r:id="rId2"/>
+    <p:sldId id="259" r:id="rId3"/>
   </p:sldIdLst>
   <p:sldSz cx="12192000" cy="6858000"/>
   <p:notesSz cx="6858000" cy="9144000"/>
@@ -108,6 +109,20 @@
     </a:lvl9pPr>
   </p:defaultTextStyle>
   <p:extLst>
+    <p:ext uri="{521415D9-36F7-43E2-AB2F-B90AF26B5E84}">
+      <p14:sectionLst xmlns:p14="http://schemas.microsoft.com/office/powerpoint/2010/main">
+        <p14:section name="Common Pre-Reqs - Cloud Formation" id="{76F6B467-36FB-4D68-83FF-993E718A317A}">
+          <p14:sldIdLst>
+            <p14:sldId id="258"/>
+          </p14:sldIdLst>
+        </p14:section>
+        <p14:section name="Common Pre-Reqs - Terraform Edition" id="{6BA1B0E3-7010-4800-8A7C-5924F49E3373}">
+          <p14:sldIdLst>
+            <p14:sldId id="259"/>
+          </p14:sldIdLst>
+        </p14:section>
+      </p14:sectionLst>
+    </p:ext>
     <p:ext uri="{EFAFB233-063F-42B5-8137-9DF3F51BA10A}">
       <p15:sldGuideLst xmlns:p15="http://schemas.microsoft.com/office/powerpoint/2012/main"/>
     </p:ext>
@@ -197,7 +212,7 @@
           <a:p>
             <a:fld id="{FD8D84E3-00BA-4A46-8256-7E527D8B4480}" type="datetimeFigureOut">
               <a:rPr lang="en-US" smtClean="0"/>
-              <a:t>7/31/2023</a:t>
+              <a:t>2/2/2024</a:t>
             </a:fld>
             <a:endParaRPr lang="en-US"/>
           </a:p>
@@ -548,6 +563,90 @@
 </p:notes>
 </file>
 
+<file path=ppt/notesSlides/notesSlide2.xml><?xml version="1.0" encoding="utf-8"?>
+<p:notes xmlns:a="http://schemas.openxmlformats.org/drawingml/2006/main" xmlns:r="http://schemas.openxmlformats.org/officeDocument/2006/relationships" xmlns:p="http://schemas.openxmlformats.org/presentationml/2006/main">
+  <p:cSld>
+    <p:spTree>
+      <p:nvGrpSpPr>
+        <p:cNvPr id="1" name=""/>
+        <p:cNvGrpSpPr/>
+        <p:nvPr/>
+      </p:nvGrpSpPr>
+      <p:grpSpPr>
+        <a:xfrm>
+          <a:off x="0" y="0"/>
+          <a:ext cx="0" cy="0"/>
+          <a:chOff x="0" y="0"/>
+          <a:chExt cx="0" cy="0"/>
+        </a:xfrm>
+      </p:grpSpPr>
+      <p:sp>
+        <p:nvSpPr>
+          <p:cNvPr id="2" name="Slide Image Placeholder 1"/>
+          <p:cNvSpPr>
+            <a:spLocks noGrp="1" noRot="1" noChangeAspect="1"/>
+          </p:cNvSpPr>
+          <p:nvPr>
+            <p:ph type="sldImg"/>
+          </p:nvPr>
+        </p:nvSpPr>
+        <p:spPr/>
+      </p:sp>
+      <p:sp>
+        <p:nvSpPr>
+          <p:cNvPr id="3" name="Notes Placeholder 2"/>
+          <p:cNvSpPr>
+            <a:spLocks noGrp="1"/>
+          </p:cNvSpPr>
+          <p:nvPr>
+            <p:ph type="body" idx="1"/>
+          </p:nvPr>
+        </p:nvSpPr>
+        <p:spPr/>
+        <p:txBody>
+          <a:bodyPr/>
+          <a:lstStyle/>
+          <a:p>
+            <a:endParaRPr lang="en-US" dirty="0"/>
+          </a:p>
+        </p:txBody>
+      </p:sp>
+      <p:sp>
+        <p:nvSpPr>
+          <p:cNvPr id="4" name="Slide Number Placeholder 3"/>
+          <p:cNvSpPr>
+            <a:spLocks noGrp="1"/>
+          </p:cNvSpPr>
+          <p:nvPr>
+            <p:ph type="sldNum" sz="quarter" idx="5"/>
+          </p:nvPr>
+        </p:nvSpPr>
+        <p:spPr/>
+        <p:txBody>
+          <a:bodyPr/>
+          <a:lstStyle/>
+          <a:p>
+            <a:fld id="{9E1330C4-BBBB-FC4A-85DD-6AFA452BF0C0}" type="slidenum">
+              <a:rPr lang="en-US" smtClean="0"/>
+              <a:t>2</a:t>
+            </a:fld>
+            <a:endParaRPr lang="en-US"/>
+          </a:p>
+        </p:txBody>
+      </p:sp>
+    </p:spTree>
+    <p:extLst>
+      <p:ext uri="{BB962C8B-B14F-4D97-AF65-F5344CB8AC3E}">
+        <p14:creationId xmlns:p14="http://schemas.microsoft.com/office/powerpoint/2010/main" val="3666862537"/>
+      </p:ext>
+    </p:extLst>
+  </p:cSld>
+  <p:clrMapOvr>
+    <a:masterClrMapping/>
+  </p:clrMapOvr>
+</p:notes>
+</file>
+
 <file path=ppt/slideLayouts/slideLayout1.xml><?xml version="1.0" encoding="utf-8"?>
 <p:sldLayout xmlns:a="http://schemas.openxmlformats.org/drawingml/2006/main" xmlns:r="http://schemas.openxmlformats.org/officeDocument/2006/relationships" xmlns:p="http://schemas.openxmlformats.org/presentationml/2006/main" type="title" preserve="1">
   <p:cSld name="Title Slide">
@@ -695,7 +794,7 @@
           <a:p>
             <a:fld id="{9FE185F7-9B28-9F45-9F43-9CB5A0B99390}" type="datetimeFigureOut">
               <a:rPr lang="en-US" smtClean="0"/>
-              <a:t>7/31/2023</a:t>
+              <a:t>2/2/2024</a:t>
             </a:fld>
             <a:endParaRPr lang="en-US"/>
           </a:p>
@@ -893,7 +992,7 @@
           <a:p>
             <a:fld id="{9FE185F7-9B28-9F45-9F43-9CB5A0B99390}" type="datetimeFigureOut">
               <a:rPr lang="en-US" smtClean="0"/>
-              <a:t>7/31/2023</a:t>
+              <a:t>2/2/2024</a:t>
             </a:fld>
             <a:endParaRPr lang="en-US"/>
           </a:p>
@@ -1101,7 +1200,7 @@
           <a:p>
             <a:fld id="{9FE185F7-9B28-9F45-9F43-9CB5A0B99390}" type="datetimeFigureOut">
               <a:rPr lang="en-US" smtClean="0"/>
-              <a:t>7/31/2023</a:t>
+              <a:t>2/2/2024</a:t>
             </a:fld>
             <a:endParaRPr lang="en-US"/>
           </a:p>
@@ -1299,7 +1398,7 @@
           <a:p>
             <a:fld id="{9FE185F7-9B28-9F45-9F43-9CB5A0B99390}" type="datetimeFigureOut">
               <a:rPr lang="en-US" smtClean="0"/>
-              <a:t>7/31/2023</a:t>
+              <a:t>2/2/2024</a:t>
             </a:fld>
             <a:endParaRPr lang="en-US"/>
           </a:p>
@@ -1574,7 +1673,7 @@
           <a:p>
             <a:fld id="{9FE185F7-9B28-9F45-9F43-9CB5A0B99390}" type="datetimeFigureOut">
               <a:rPr lang="en-US" smtClean="0"/>
-              <a:t>7/31/2023</a:t>
+              <a:t>2/2/2024</a:t>
             </a:fld>
             <a:endParaRPr lang="en-US"/>
           </a:p>
@@ -1839,7 +1938,7 @@
           <a:p>
             <a:fld id="{9FE185F7-9B28-9F45-9F43-9CB5A0B99390}" type="datetimeFigureOut">
               <a:rPr lang="en-US" smtClean="0"/>
-              <a:t>7/31/2023</a:t>
+              <a:t>2/2/2024</a:t>
             </a:fld>
             <a:endParaRPr lang="en-US"/>
           </a:p>
@@ -2251,7 +2350,7 @@
           <a:p>
             <a:fld id="{9FE185F7-9B28-9F45-9F43-9CB5A0B99390}" type="datetimeFigureOut">
               <a:rPr lang="en-US" smtClean="0"/>
-              <a:t>7/31/2023</a:t>
+              <a:t>2/2/2024</a:t>
             </a:fld>
             <a:endParaRPr lang="en-US"/>
           </a:p>
@@ -2392,7 +2491,7 @@
           <a:p>
             <a:fld id="{9FE185F7-9B28-9F45-9F43-9CB5A0B99390}" type="datetimeFigureOut">
               <a:rPr lang="en-US" smtClean="0"/>
-              <a:t>7/31/2023</a:t>
+              <a:t>2/2/2024</a:t>
             </a:fld>
             <a:endParaRPr lang="en-US"/>
           </a:p>
@@ -2505,7 +2604,7 @@
           <a:p>
             <a:fld id="{9FE185F7-9B28-9F45-9F43-9CB5A0B99390}" type="datetimeFigureOut">
               <a:rPr lang="en-US" smtClean="0"/>
-              <a:t>7/31/2023</a:t>
+              <a:t>2/2/2024</a:t>
             </a:fld>
             <a:endParaRPr lang="en-US"/>
           </a:p>
@@ -2816,7 +2915,7 @@
           <a:p>
             <a:fld id="{9FE185F7-9B28-9F45-9F43-9CB5A0B99390}" type="datetimeFigureOut">
               <a:rPr lang="en-US" smtClean="0"/>
-              <a:t>7/31/2023</a:t>
+              <a:t>2/2/2024</a:t>
             </a:fld>
             <a:endParaRPr lang="en-US"/>
           </a:p>
@@ -3104,7 +3203,7 @@
           <a:p>
             <a:fld id="{9FE185F7-9B28-9F45-9F43-9CB5A0B99390}" type="datetimeFigureOut">
               <a:rPr lang="en-US" smtClean="0"/>
-              <a:t>7/31/2023</a:t>
+              <a:t>2/2/2024</a:t>
             </a:fld>
             <a:endParaRPr lang="en-US"/>
           </a:p>
@@ -3345,7 +3444,7 @@
           <a:p>
             <a:fld id="{9FE185F7-9B28-9F45-9F43-9CB5A0B99390}" type="datetimeFigureOut">
               <a:rPr lang="en-US" smtClean="0"/>
-              <a:t>7/31/2023</a:t>
+              <a:t>2/2/2024</a:t>
             </a:fld>
             <a:endParaRPr lang="en-US"/>
           </a:p>
@@ -11078,6 +11177,7026 @@
     <p:extLst>
       <p:ext uri="{BB962C8B-B14F-4D97-AF65-F5344CB8AC3E}">
         <p14:creationId xmlns:p14="http://schemas.microsoft.com/office/powerpoint/2010/main" val="2914283777"/>
+      </p:ext>
+    </p:extLst>
+  </p:cSld>
+  <p:clrMapOvr>
+    <a:masterClrMapping/>
+  </p:clrMapOvr>
+</p:sld>
+</file>
+
+<file path=ppt/slides/slide2.xml><?xml version="1.0" encoding="utf-8"?>
+<p:sld xmlns:a="http://schemas.openxmlformats.org/drawingml/2006/main" xmlns:r="http://schemas.openxmlformats.org/officeDocument/2006/relationships" xmlns:p="http://schemas.openxmlformats.org/presentationml/2006/main">
+  <p:cSld>
+    <p:spTree>
+      <p:nvGrpSpPr>
+        <p:cNvPr id="1" name=""/>
+        <p:cNvGrpSpPr/>
+        <p:nvPr/>
+      </p:nvGrpSpPr>
+      <p:grpSpPr>
+        <a:xfrm>
+          <a:off x="0" y="0"/>
+          <a:ext cx="0" cy="0"/>
+          <a:chOff x="0" y="0"/>
+          <a:chExt cx="0" cy="0"/>
+        </a:xfrm>
+      </p:grpSpPr>
+      <p:sp>
+        <p:nvSpPr>
+          <p:cNvPr id="62" name="TextBox 17">
+            <a:extLst>
+              <a:ext uri="{FF2B5EF4-FFF2-40B4-BE49-F238E27FC236}">
+                <a16:creationId xmlns:a16="http://schemas.microsoft.com/office/drawing/2014/main" id="{C27B09C0-4CF5-2042-835C-09CB7BEF2842}"/>
+              </a:ext>
+            </a:extLst>
+          </p:cNvPr>
+          <p:cNvSpPr txBox="1">
+            <a:spLocks noChangeArrowheads="1"/>
+          </p:cNvSpPr>
+          <p:nvPr/>
+        </p:nvSpPr>
+        <p:spPr bwMode="auto">
+          <a:xfrm>
+            <a:off x="3998953" y="2954289"/>
+            <a:ext cx="1275929" cy="430887"/>
+          </a:xfrm>
+          <a:prstGeom prst="rect">
+            <a:avLst/>
+          </a:prstGeom>
+          <a:noFill/>
+          <a:ln>
+            <a:noFill/>
+          </a:ln>
+          <a:extLst>
+            <a:ext uri="{909E8E84-426E-40DD-AFC4-6F175D3DCCD1}">
+              <a14:hiddenFill xmlns:a14="http://schemas.microsoft.com/office/drawing/2010/main">
+                <a:solidFill>
+                  <a:srgbClr val="FFFFFF"/>
+                </a:solidFill>
+              </a14:hiddenFill>
+            </a:ext>
+            <a:ext uri="{91240B29-F687-4F45-9708-019B960494DF}">
+              <a14:hiddenLine xmlns:a14="http://schemas.microsoft.com/office/drawing/2010/main" w="9525">
+                <a:solidFill>
+                  <a:srgbClr val="000000"/>
+                </a:solidFill>
+                <a:miter lim="800000"/>
+                <a:headEnd/>
+                <a:tailEnd/>
+              </a14:hiddenLine>
+            </a:ext>
+          </a:extLst>
+        </p:spPr>
+        <p:txBody>
+          <a:bodyPr wrap="square">
+            <a:spAutoFit/>
+          </a:bodyPr>
+          <a:lstStyle>
+            <a:lvl1pPr>
+              <a:defRPr>
+                <a:solidFill>
+                  <a:schemeClr val="tx1"/>
+                </a:solidFill>
+                <a:latin typeface="Calibri" panose="020F0502020204030204" pitchFamily="34" charset="0"/>
+              </a:defRPr>
+            </a:lvl1pPr>
+            <a:lvl2pPr marL="742950" indent="-285750">
+              <a:defRPr>
+                <a:solidFill>
+                  <a:schemeClr val="tx1"/>
+                </a:solidFill>
+                <a:latin typeface="Calibri" panose="020F0502020204030204" pitchFamily="34" charset="0"/>
+              </a:defRPr>
+            </a:lvl2pPr>
+            <a:lvl3pPr marL="1143000" indent="-228600">
+              <a:defRPr>
+                <a:solidFill>
+                  <a:schemeClr val="tx1"/>
+                </a:solidFill>
+                <a:latin typeface="Calibri" panose="020F0502020204030204" pitchFamily="34" charset="0"/>
+              </a:defRPr>
+            </a:lvl3pPr>
+            <a:lvl4pPr marL="1600200" indent="-228600">
+              <a:defRPr>
+                <a:solidFill>
+                  <a:schemeClr val="tx1"/>
+                </a:solidFill>
+                <a:latin typeface="Calibri" panose="020F0502020204030204" pitchFamily="34" charset="0"/>
+              </a:defRPr>
+            </a:lvl4pPr>
+            <a:lvl5pPr marL="2057400" indent="-228600">
+              <a:defRPr>
+                <a:solidFill>
+                  <a:schemeClr val="tx1"/>
+                </a:solidFill>
+                <a:latin typeface="Calibri" panose="020F0502020204030204" pitchFamily="34" charset="0"/>
+              </a:defRPr>
+            </a:lvl5pPr>
+            <a:lvl6pPr marL="2514600" indent="-228600" eaLnBrk="0" fontAlgn="base" hangingPunct="0">
+              <a:spcBef>
+                <a:spcPct val="0"/>
+              </a:spcBef>
+              <a:spcAft>
+                <a:spcPct val="0"/>
+              </a:spcAft>
+              <a:defRPr>
+                <a:solidFill>
+                  <a:schemeClr val="tx1"/>
+                </a:solidFill>
+                <a:latin typeface="Calibri" panose="020F0502020204030204" pitchFamily="34" charset="0"/>
+              </a:defRPr>
+            </a:lvl6pPr>
+            <a:lvl7pPr marL="2971800" indent="-228600" eaLnBrk="0" fontAlgn="base" hangingPunct="0">
+              <a:spcBef>
+                <a:spcPct val="0"/>
+              </a:spcBef>
+              <a:spcAft>
+                <a:spcPct val="0"/>
+              </a:spcAft>
+              <a:defRPr>
+                <a:solidFill>
+                  <a:schemeClr val="tx1"/>
+                </a:solidFill>
+                <a:latin typeface="Calibri" panose="020F0502020204030204" pitchFamily="34" charset="0"/>
+              </a:defRPr>
+            </a:lvl7pPr>
+            <a:lvl8pPr marL="3429000" indent="-228600" eaLnBrk="0" fontAlgn="base" hangingPunct="0">
+              <a:spcBef>
+                <a:spcPct val="0"/>
+              </a:spcBef>
+              <a:spcAft>
+                <a:spcPct val="0"/>
+              </a:spcAft>
+              <a:defRPr>
+                <a:solidFill>
+                  <a:schemeClr val="tx1"/>
+                </a:solidFill>
+                <a:latin typeface="Calibri" panose="020F0502020204030204" pitchFamily="34" charset="0"/>
+              </a:defRPr>
+            </a:lvl8pPr>
+            <a:lvl9pPr marL="3886200" indent="-228600" eaLnBrk="0" fontAlgn="base" hangingPunct="0">
+              <a:spcBef>
+                <a:spcPct val="0"/>
+              </a:spcBef>
+              <a:spcAft>
+                <a:spcPct val="0"/>
+              </a:spcAft>
+              <a:defRPr>
+                <a:solidFill>
+                  <a:schemeClr val="tx1"/>
+                </a:solidFill>
+                <a:latin typeface="Calibri" panose="020F0502020204030204" pitchFamily="34" charset="0"/>
+              </a:defRPr>
+            </a:lvl9pPr>
+          </a:lstStyle>
+          <a:p>
+            <a:pPr algn="ctr" eaLnBrk="1" hangingPunct="1"/>
+            <a:r>
+              <a:rPr lang="en-US" altLang="en-US" sz="1100" dirty="0">
+                <a:latin typeface="Arial" panose="020B0604020202020204" pitchFamily="34" charset="0"/>
+                <a:ea typeface="Amazon Ember" panose="020B0603020204020204" pitchFamily="34" charset="0"/>
+                <a:cs typeface="Arial" panose="020B0604020202020204" pitchFamily="34" charset="0"/>
+              </a:rPr>
+              <a:t>Parameter </a:t>
+            </a:r>
+          </a:p>
+          <a:p>
+            <a:pPr algn="ctr" eaLnBrk="1" hangingPunct="1"/>
+            <a:r>
+              <a:rPr lang="en-US" altLang="en-US" sz="1100" dirty="0">
+                <a:latin typeface="Arial" panose="020B0604020202020204" pitchFamily="34" charset="0"/>
+                <a:ea typeface="Amazon Ember" panose="020B0603020204020204" pitchFamily="34" charset="0"/>
+                <a:cs typeface="Arial" panose="020B0604020202020204" pitchFamily="34" charset="0"/>
+              </a:rPr>
+              <a:t>Lambda Function</a:t>
+            </a:r>
+          </a:p>
+        </p:txBody>
+      </p:sp>
+      <p:pic>
+        <p:nvPicPr>
+          <p:cNvPr id="63" name="Graphic 13">
+            <a:extLst>
+              <a:ext uri="{FF2B5EF4-FFF2-40B4-BE49-F238E27FC236}">
+                <a16:creationId xmlns:a16="http://schemas.microsoft.com/office/drawing/2014/main" id="{F956D650-C517-B043-A7F7-96C1963A21A0}"/>
+              </a:ext>
+            </a:extLst>
+          </p:cNvPr>
+          <p:cNvPicPr>
+            <a:picLocks noChangeAspect="1" noChangeArrowheads="1"/>
+          </p:cNvPicPr>
+          <p:nvPr/>
+        </p:nvPicPr>
+        <p:blipFill>
+          <a:blip r:embed="rId3">
+            <a:extLst>
+              <a:ext uri="{28A0092B-C50C-407E-A947-70E740481C1C}">
+                <a14:useLocalDpi xmlns:a14="http://schemas.microsoft.com/office/drawing/2010/main"/>
+              </a:ext>
+            </a:extLst>
+          </a:blip>
+          <a:srcRect/>
+          <a:stretch>
+            <a:fillRect/>
+          </a:stretch>
+        </p:blipFill>
+        <p:spPr bwMode="auto">
+          <a:xfrm>
+            <a:off x="4395985" y="2501146"/>
+            <a:ext cx="457200" cy="457200"/>
+          </a:xfrm>
+          <a:prstGeom prst="rect">
+            <a:avLst/>
+          </a:prstGeom>
+          <a:noFill/>
+          <a:ln>
+            <a:noFill/>
+          </a:ln>
+          <a:extLst>
+            <a:ext uri="{909E8E84-426E-40DD-AFC4-6F175D3DCCD1}">
+              <a14:hiddenFill xmlns:a14="http://schemas.microsoft.com/office/drawing/2010/main">
+                <a:solidFill>
+                  <a:srgbClr val="FFFFFF"/>
+                </a:solidFill>
+              </a14:hiddenFill>
+            </a:ext>
+            <a:ext uri="{91240B29-F687-4F45-9708-019B960494DF}">
+              <a14:hiddenLine xmlns:a14="http://schemas.microsoft.com/office/drawing/2010/main" w="9525">
+                <a:solidFill>
+                  <a:srgbClr val="000000"/>
+                </a:solidFill>
+                <a:miter lim="800000"/>
+                <a:headEnd/>
+                <a:tailEnd/>
+              </a14:hiddenLine>
+            </a:ext>
+          </a:extLst>
+        </p:spPr>
+      </p:pic>
+      <p:pic>
+        <p:nvPicPr>
+          <p:cNvPr id="64" name="Graphic 7">
+            <a:extLst>
+              <a:ext uri="{FF2B5EF4-FFF2-40B4-BE49-F238E27FC236}">
+                <a16:creationId xmlns:a16="http://schemas.microsoft.com/office/drawing/2014/main" id="{323145FD-C8DF-254B-A24D-00876CC45B93}"/>
+              </a:ext>
+            </a:extLst>
+          </p:cNvPr>
+          <p:cNvPicPr>
+            <a:picLocks noChangeAspect="1" noChangeArrowheads="1"/>
+          </p:cNvPicPr>
+          <p:nvPr/>
+        </p:nvPicPr>
+        <p:blipFill>
+          <a:blip r:embed="rId4">
+            <a:extLst>
+              <a:ext uri="{28A0092B-C50C-407E-A947-70E740481C1C}">
+                <a14:useLocalDpi xmlns:a14="http://schemas.microsoft.com/office/drawing/2010/main"/>
+              </a:ext>
+            </a:extLst>
+          </a:blip>
+          <a:srcRect/>
+          <a:stretch>
+            <a:fillRect/>
+          </a:stretch>
+        </p:blipFill>
+        <p:spPr bwMode="auto">
+          <a:xfrm>
+            <a:off x="4404694" y="3590847"/>
+            <a:ext cx="457200" cy="457200"/>
+          </a:xfrm>
+          <a:prstGeom prst="rect">
+            <a:avLst/>
+          </a:prstGeom>
+          <a:noFill/>
+          <a:ln>
+            <a:noFill/>
+          </a:ln>
+          <a:extLst>
+            <a:ext uri="{909E8E84-426E-40DD-AFC4-6F175D3DCCD1}">
+              <a14:hiddenFill xmlns:a14="http://schemas.microsoft.com/office/drawing/2010/main">
+                <a:solidFill>
+                  <a:srgbClr val="FFFFFF"/>
+                </a:solidFill>
+              </a14:hiddenFill>
+            </a:ext>
+            <a:ext uri="{91240B29-F687-4F45-9708-019B960494DF}">
+              <a14:hiddenLine xmlns:a14="http://schemas.microsoft.com/office/drawing/2010/main" w="9525">
+                <a:solidFill>
+                  <a:srgbClr val="000000"/>
+                </a:solidFill>
+                <a:miter lim="800000"/>
+                <a:headEnd/>
+                <a:tailEnd/>
+              </a14:hiddenLine>
+            </a:ext>
+          </a:extLst>
+        </p:spPr>
+      </p:pic>
+      <p:sp>
+        <p:nvSpPr>
+          <p:cNvPr id="65" name="TextBox 31">
+            <a:extLst>
+              <a:ext uri="{FF2B5EF4-FFF2-40B4-BE49-F238E27FC236}">
+                <a16:creationId xmlns:a16="http://schemas.microsoft.com/office/drawing/2014/main" id="{E56420B5-7428-9044-8F07-51CF19F1FC4F}"/>
+              </a:ext>
+            </a:extLst>
+          </p:cNvPr>
+          <p:cNvSpPr txBox="1">
+            <a:spLocks noChangeArrowheads="1"/>
+          </p:cNvSpPr>
+          <p:nvPr/>
+        </p:nvSpPr>
+        <p:spPr bwMode="auto">
+          <a:xfrm>
+            <a:off x="4042766" y="4022510"/>
+            <a:ext cx="1163639" cy="430887"/>
+          </a:xfrm>
+          <a:prstGeom prst="rect">
+            <a:avLst/>
+          </a:prstGeom>
+          <a:noFill/>
+          <a:ln>
+            <a:noFill/>
+          </a:ln>
+          <a:extLst>
+            <a:ext uri="{909E8E84-426E-40DD-AFC4-6F175D3DCCD1}">
+              <a14:hiddenFill xmlns:a14="http://schemas.microsoft.com/office/drawing/2010/main">
+                <a:solidFill>
+                  <a:srgbClr val="FFFFFF"/>
+                </a:solidFill>
+              </a14:hiddenFill>
+            </a:ext>
+            <a:ext uri="{91240B29-F687-4F45-9708-019B960494DF}">
+              <a14:hiddenLine xmlns:a14="http://schemas.microsoft.com/office/drawing/2010/main" w="9525">
+                <a:solidFill>
+                  <a:srgbClr val="000000"/>
+                </a:solidFill>
+                <a:miter lim="800000"/>
+                <a:headEnd/>
+                <a:tailEnd/>
+              </a14:hiddenLine>
+            </a:ext>
+          </a:extLst>
+        </p:spPr>
+        <p:txBody>
+          <a:bodyPr wrap="square">
+            <a:spAutoFit/>
+          </a:bodyPr>
+          <a:lstStyle>
+            <a:lvl1pPr>
+              <a:defRPr>
+                <a:solidFill>
+                  <a:schemeClr val="tx1"/>
+                </a:solidFill>
+                <a:latin typeface="Calibri" panose="020F0502020204030204" pitchFamily="34" charset="0"/>
+              </a:defRPr>
+            </a:lvl1pPr>
+            <a:lvl2pPr marL="742950" indent="-285750">
+              <a:defRPr>
+                <a:solidFill>
+                  <a:schemeClr val="tx1"/>
+                </a:solidFill>
+                <a:latin typeface="Calibri" panose="020F0502020204030204" pitchFamily="34" charset="0"/>
+              </a:defRPr>
+            </a:lvl2pPr>
+            <a:lvl3pPr marL="1143000" indent="-228600">
+              <a:defRPr>
+                <a:solidFill>
+                  <a:schemeClr val="tx1"/>
+                </a:solidFill>
+                <a:latin typeface="Calibri" panose="020F0502020204030204" pitchFamily="34" charset="0"/>
+              </a:defRPr>
+            </a:lvl3pPr>
+            <a:lvl4pPr marL="1600200" indent="-228600">
+              <a:defRPr>
+                <a:solidFill>
+                  <a:schemeClr val="tx1"/>
+                </a:solidFill>
+                <a:latin typeface="Calibri" panose="020F0502020204030204" pitchFamily="34" charset="0"/>
+              </a:defRPr>
+            </a:lvl4pPr>
+            <a:lvl5pPr marL="2057400" indent="-228600">
+              <a:defRPr>
+                <a:solidFill>
+                  <a:schemeClr val="tx1"/>
+                </a:solidFill>
+                <a:latin typeface="Calibri" panose="020F0502020204030204" pitchFamily="34" charset="0"/>
+              </a:defRPr>
+            </a:lvl5pPr>
+            <a:lvl6pPr marL="2514600" indent="-228600" eaLnBrk="0" fontAlgn="base" hangingPunct="0">
+              <a:spcBef>
+                <a:spcPct val="0"/>
+              </a:spcBef>
+              <a:spcAft>
+                <a:spcPct val="0"/>
+              </a:spcAft>
+              <a:defRPr>
+                <a:solidFill>
+                  <a:schemeClr val="tx1"/>
+                </a:solidFill>
+                <a:latin typeface="Calibri" panose="020F0502020204030204" pitchFamily="34" charset="0"/>
+              </a:defRPr>
+            </a:lvl6pPr>
+            <a:lvl7pPr marL="2971800" indent="-228600" eaLnBrk="0" fontAlgn="base" hangingPunct="0">
+              <a:spcBef>
+                <a:spcPct val="0"/>
+              </a:spcBef>
+              <a:spcAft>
+                <a:spcPct val="0"/>
+              </a:spcAft>
+              <a:defRPr>
+                <a:solidFill>
+                  <a:schemeClr val="tx1"/>
+                </a:solidFill>
+                <a:latin typeface="Calibri" panose="020F0502020204030204" pitchFamily="34" charset="0"/>
+              </a:defRPr>
+            </a:lvl7pPr>
+            <a:lvl8pPr marL="3429000" indent="-228600" eaLnBrk="0" fontAlgn="base" hangingPunct="0">
+              <a:spcBef>
+                <a:spcPct val="0"/>
+              </a:spcBef>
+              <a:spcAft>
+                <a:spcPct val="0"/>
+              </a:spcAft>
+              <a:defRPr>
+                <a:solidFill>
+                  <a:schemeClr val="tx1"/>
+                </a:solidFill>
+                <a:latin typeface="Calibri" panose="020F0502020204030204" pitchFamily="34" charset="0"/>
+              </a:defRPr>
+            </a:lvl8pPr>
+            <a:lvl9pPr marL="3886200" indent="-228600" eaLnBrk="0" fontAlgn="base" hangingPunct="0">
+              <a:spcBef>
+                <a:spcPct val="0"/>
+              </a:spcBef>
+              <a:spcAft>
+                <a:spcPct val="0"/>
+              </a:spcAft>
+              <a:defRPr>
+                <a:solidFill>
+                  <a:schemeClr val="tx1"/>
+                </a:solidFill>
+                <a:latin typeface="Calibri" panose="020F0502020204030204" pitchFamily="34" charset="0"/>
+              </a:defRPr>
+            </a:lvl9pPr>
+          </a:lstStyle>
+          <a:p>
+            <a:pPr algn="ctr" eaLnBrk="1" hangingPunct="1"/>
+            <a:r>
+              <a:rPr lang="en-US" altLang="en-US" sz="1100" dirty="0">
+                <a:latin typeface="Arial" panose="020B0604020202020204" pitchFamily="34" charset="0"/>
+                <a:ea typeface="Amazon Ember" panose="020B0603020204020204" pitchFamily="34" charset="0"/>
+                <a:cs typeface="Arial" panose="020B0604020202020204" pitchFamily="34" charset="0"/>
+              </a:rPr>
+              <a:t>CloudWatch Log Group</a:t>
+            </a:r>
+          </a:p>
+        </p:txBody>
+      </p:sp>
+      <p:sp>
+        <p:nvSpPr>
+          <p:cNvPr id="66" name="TextBox 29">
+            <a:extLst>
+              <a:ext uri="{FF2B5EF4-FFF2-40B4-BE49-F238E27FC236}">
+                <a16:creationId xmlns:a16="http://schemas.microsoft.com/office/drawing/2014/main" id="{9E0E69DC-60E3-2C4F-8D4D-5FADBFDF3FC2}"/>
+              </a:ext>
+            </a:extLst>
+          </p:cNvPr>
+          <p:cNvSpPr txBox="1">
+            <a:spLocks noChangeArrowheads="1"/>
+          </p:cNvSpPr>
+          <p:nvPr/>
+        </p:nvSpPr>
+        <p:spPr bwMode="auto">
+          <a:xfrm>
+            <a:off x="5032441" y="1434124"/>
+            <a:ext cx="1119613" cy="430887"/>
+          </a:xfrm>
+          <a:prstGeom prst="rect">
+            <a:avLst/>
+          </a:prstGeom>
+          <a:noFill/>
+          <a:ln>
+            <a:noFill/>
+          </a:ln>
+          <a:extLst>
+            <a:ext uri="{909E8E84-426E-40DD-AFC4-6F175D3DCCD1}">
+              <a14:hiddenFill xmlns:a14="http://schemas.microsoft.com/office/drawing/2010/main">
+                <a:solidFill>
+                  <a:srgbClr val="FFFFFF"/>
+                </a:solidFill>
+              </a14:hiddenFill>
+            </a:ext>
+            <a:ext uri="{91240B29-F687-4F45-9708-019B960494DF}">
+              <a14:hiddenLine xmlns:a14="http://schemas.microsoft.com/office/drawing/2010/main" w="9525">
+                <a:solidFill>
+                  <a:srgbClr val="000000"/>
+                </a:solidFill>
+                <a:miter lim="800000"/>
+                <a:headEnd/>
+                <a:tailEnd/>
+              </a14:hiddenLine>
+            </a:ext>
+          </a:extLst>
+        </p:spPr>
+        <p:txBody>
+          <a:bodyPr wrap="square">
+            <a:spAutoFit/>
+          </a:bodyPr>
+          <a:lstStyle>
+            <a:lvl1pPr>
+              <a:defRPr>
+                <a:solidFill>
+                  <a:schemeClr val="tx1"/>
+                </a:solidFill>
+                <a:latin typeface="Calibri" panose="020F0502020204030204" pitchFamily="34" charset="0"/>
+              </a:defRPr>
+            </a:lvl1pPr>
+            <a:lvl2pPr marL="742950" indent="-285750">
+              <a:defRPr>
+                <a:solidFill>
+                  <a:schemeClr val="tx1"/>
+                </a:solidFill>
+                <a:latin typeface="Calibri" panose="020F0502020204030204" pitchFamily="34" charset="0"/>
+              </a:defRPr>
+            </a:lvl2pPr>
+            <a:lvl3pPr marL="1143000" indent="-228600">
+              <a:defRPr>
+                <a:solidFill>
+                  <a:schemeClr val="tx1"/>
+                </a:solidFill>
+                <a:latin typeface="Calibri" panose="020F0502020204030204" pitchFamily="34" charset="0"/>
+              </a:defRPr>
+            </a:lvl3pPr>
+            <a:lvl4pPr marL="1600200" indent="-228600">
+              <a:defRPr>
+                <a:solidFill>
+                  <a:schemeClr val="tx1"/>
+                </a:solidFill>
+                <a:latin typeface="Calibri" panose="020F0502020204030204" pitchFamily="34" charset="0"/>
+              </a:defRPr>
+            </a:lvl4pPr>
+            <a:lvl5pPr marL="2057400" indent="-228600">
+              <a:defRPr>
+                <a:solidFill>
+                  <a:schemeClr val="tx1"/>
+                </a:solidFill>
+                <a:latin typeface="Calibri" panose="020F0502020204030204" pitchFamily="34" charset="0"/>
+              </a:defRPr>
+            </a:lvl5pPr>
+            <a:lvl6pPr marL="2514600" indent="-228600" eaLnBrk="0" fontAlgn="base" hangingPunct="0">
+              <a:spcBef>
+                <a:spcPct val="0"/>
+              </a:spcBef>
+              <a:spcAft>
+                <a:spcPct val="0"/>
+              </a:spcAft>
+              <a:defRPr>
+                <a:solidFill>
+                  <a:schemeClr val="tx1"/>
+                </a:solidFill>
+                <a:latin typeface="Calibri" panose="020F0502020204030204" pitchFamily="34" charset="0"/>
+              </a:defRPr>
+            </a:lvl6pPr>
+            <a:lvl7pPr marL="2971800" indent="-228600" eaLnBrk="0" fontAlgn="base" hangingPunct="0">
+              <a:spcBef>
+                <a:spcPct val="0"/>
+              </a:spcBef>
+              <a:spcAft>
+                <a:spcPct val="0"/>
+              </a:spcAft>
+              <a:defRPr>
+                <a:solidFill>
+                  <a:schemeClr val="tx1"/>
+                </a:solidFill>
+                <a:latin typeface="Calibri" panose="020F0502020204030204" pitchFamily="34" charset="0"/>
+              </a:defRPr>
+            </a:lvl7pPr>
+            <a:lvl8pPr marL="3429000" indent="-228600" eaLnBrk="0" fontAlgn="base" hangingPunct="0">
+              <a:spcBef>
+                <a:spcPct val="0"/>
+              </a:spcBef>
+              <a:spcAft>
+                <a:spcPct val="0"/>
+              </a:spcAft>
+              <a:defRPr>
+                <a:solidFill>
+                  <a:schemeClr val="tx1"/>
+                </a:solidFill>
+                <a:latin typeface="Calibri" panose="020F0502020204030204" pitchFamily="34" charset="0"/>
+              </a:defRPr>
+            </a:lvl8pPr>
+            <a:lvl9pPr marL="3886200" indent="-228600" eaLnBrk="0" fontAlgn="base" hangingPunct="0">
+              <a:spcBef>
+                <a:spcPct val="0"/>
+              </a:spcBef>
+              <a:spcAft>
+                <a:spcPct val="0"/>
+              </a:spcAft>
+              <a:defRPr>
+                <a:solidFill>
+                  <a:schemeClr val="tx1"/>
+                </a:solidFill>
+                <a:latin typeface="Calibri" panose="020F0502020204030204" pitchFamily="34" charset="0"/>
+              </a:defRPr>
+            </a:lvl9pPr>
+          </a:lstStyle>
+          <a:p>
+            <a:pPr algn="ctr" eaLnBrk="1" hangingPunct="1"/>
+            <a:r>
+              <a:rPr lang="en-US" altLang="en-US" sz="1100" dirty="0">
+                <a:latin typeface="Arial" panose="020B0604020202020204" pitchFamily="34" charset="0"/>
+                <a:ea typeface="Amazon Ember" panose="020B0603020204020204" pitchFamily="34" charset="0"/>
+                <a:cs typeface="Arial" panose="020B0604020202020204" pitchFamily="34" charset="0"/>
+              </a:rPr>
+              <a:t>Parameter</a:t>
+            </a:r>
+          </a:p>
+          <a:p>
+            <a:pPr algn="ctr" eaLnBrk="1" hangingPunct="1"/>
+            <a:r>
+              <a:rPr lang="en-US" altLang="en-US" sz="1100" dirty="0">
+                <a:latin typeface="Arial" panose="020B0604020202020204" pitchFamily="34" charset="0"/>
+                <a:ea typeface="Amazon Ember" panose="020B0603020204020204" pitchFamily="34" charset="0"/>
+                <a:cs typeface="Arial" panose="020B0604020202020204" pitchFamily="34" charset="0"/>
+              </a:rPr>
+              <a:t>Lambda Role</a:t>
+            </a:r>
+          </a:p>
+        </p:txBody>
+      </p:sp>
+      <p:pic>
+        <p:nvPicPr>
+          <p:cNvPr id="67" name="Graphic 49">
+            <a:extLst>
+              <a:ext uri="{FF2B5EF4-FFF2-40B4-BE49-F238E27FC236}">
+                <a16:creationId xmlns:a16="http://schemas.microsoft.com/office/drawing/2014/main" id="{C6A8E1EE-C7EC-154E-A17B-9AAAC0C20DBD}"/>
+              </a:ext>
+            </a:extLst>
+          </p:cNvPr>
+          <p:cNvPicPr>
+            <a:picLocks noChangeAspect="1" noChangeArrowheads="1"/>
+          </p:cNvPicPr>
+          <p:nvPr/>
+        </p:nvPicPr>
+        <p:blipFill>
+          <a:blip r:embed="rId5">
+            <a:extLst>
+              <a:ext uri="{28A0092B-C50C-407E-A947-70E740481C1C}">
+                <a14:useLocalDpi xmlns:a14="http://schemas.microsoft.com/office/drawing/2010/main"/>
+              </a:ext>
+            </a:extLst>
+          </a:blip>
+          <a:srcRect/>
+          <a:stretch>
+            <a:fillRect/>
+          </a:stretch>
+        </p:blipFill>
+        <p:spPr bwMode="auto">
+          <a:xfrm>
+            <a:off x="5363647" y="1079760"/>
+            <a:ext cx="457200" cy="457200"/>
+          </a:xfrm>
+          <a:prstGeom prst="rect">
+            <a:avLst/>
+          </a:prstGeom>
+          <a:noFill/>
+          <a:ln>
+            <a:noFill/>
+          </a:ln>
+          <a:extLst>
+            <a:ext uri="{909E8E84-426E-40DD-AFC4-6F175D3DCCD1}">
+              <a14:hiddenFill xmlns:a14="http://schemas.microsoft.com/office/drawing/2010/main">
+                <a:solidFill>
+                  <a:srgbClr val="FFFFFF"/>
+                </a:solidFill>
+              </a14:hiddenFill>
+            </a:ext>
+            <a:ext uri="{91240B29-F687-4F45-9708-019B960494DF}">
+              <a14:hiddenLine xmlns:a14="http://schemas.microsoft.com/office/drawing/2010/main" w="9525">
+                <a:solidFill>
+                  <a:srgbClr val="000000"/>
+                </a:solidFill>
+                <a:miter lim="800000"/>
+                <a:headEnd/>
+                <a:tailEnd/>
+              </a14:hiddenLine>
+            </a:ext>
+          </a:extLst>
+        </p:spPr>
+      </p:pic>
+      <p:sp>
+        <p:nvSpPr>
+          <p:cNvPr id="124" name="Oval 123">
+            <a:extLst>
+              <a:ext uri="{FF2B5EF4-FFF2-40B4-BE49-F238E27FC236}">
+                <a16:creationId xmlns:a16="http://schemas.microsoft.com/office/drawing/2014/main" id="{D40D4053-4594-9844-A27B-00A3CD0AAC49}"/>
+              </a:ext>
+            </a:extLst>
+          </p:cNvPr>
+          <p:cNvSpPr/>
+          <p:nvPr/>
+        </p:nvSpPr>
+        <p:spPr>
+          <a:xfrm>
+            <a:off x="4318409" y="2436876"/>
+            <a:ext cx="253435" cy="212902"/>
+          </a:xfrm>
+          <a:prstGeom prst="ellipse">
+            <a:avLst/>
+          </a:prstGeom>
+          <a:solidFill>
+            <a:schemeClr val="tx1"/>
+          </a:solidFill>
+          <a:ln>
+            <a:solidFill>
+              <a:schemeClr val="tx1"/>
+            </a:solidFill>
+          </a:ln>
+        </p:spPr>
+        <p:style>
+          <a:lnRef idx="2">
+            <a:schemeClr val="accent1">
+              <a:shade val="50000"/>
+            </a:schemeClr>
+          </a:lnRef>
+          <a:fillRef idx="1">
+            <a:schemeClr val="accent1"/>
+          </a:fillRef>
+          <a:effectRef idx="0">
+            <a:schemeClr val="accent1"/>
+          </a:effectRef>
+          <a:fontRef idx="minor">
+            <a:schemeClr val="lt1"/>
+          </a:fontRef>
+        </p:style>
+        <p:txBody>
+          <a:bodyPr lIns="0" tIns="0" rIns="0" bIns="0" rtlCol="0" anchor="ctr"/>
+          <a:lstStyle/>
+          <a:p>
+            <a:pPr algn="ctr"/>
+            <a:r>
+              <a:rPr lang="en-US" sz="800" dirty="0">
+                <a:latin typeface="Arial" panose="020B0604020202020204" pitchFamily="34" charset="0"/>
+                <a:cs typeface="Arial" panose="020B0604020202020204" pitchFamily="34" charset="0"/>
+              </a:rPr>
+              <a:t>1.8</a:t>
+            </a:r>
+          </a:p>
+        </p:txBody>
+      </p:sp>
+      <p:sp>
+        <p:nvSpPr>
+          <p:cNvPr id="131" name="Oval 130">
+            <a:extLst>
+              <a:ext uri="{FF2B5EF4-FFF2-40B4-BE49-F238E27FC236}">
+                <a16:creationId xmlns:a16="http://schemas.microsoft.com/office/drawing/2014/main" id="{E66ECBF1-FAAE-6942-900E-AFF12412B233}"/>
+              </a:ext>
+            </a:extLst>
+          </p:cNvPr>
+          <p:cNvSpPr/>
+          <p:nvPr/>
+        </p:nvSpPr>
+        <p:spPr>
+          <a:xfrm>
+            <a:off x="4252715" y="3561102"/>
+            <a:ext cx="253435" cy="212902"/>
+          </a:xfrm>
+          <a:prstGeom prst="ellipse">
+            <a:avLst/>
+          </a:prstGeom>
+          <a:solidFill>
+            <a:schemeClr val="tx1"/>
+          </a:solidFill>
+          <a:ln>
+            <a:solidFill>
+              <a:schemeClr val="tx1"/>
+            </a:solidFill>
+          </a:ln>
+        </p:spPr>
+        <p:style>
+          <a:lnRef idx="2">
+            <a:schemeClr val="accent1">
+              <a:shade val="50000"/>
+            </a:schemeClr>
+          </a:lnRef>
+          <a:fillRef idx="1">
+            <a:schemeClr val="accent1"/>
+          </a:fillRef>
+          <a:effectRef idx="0">
+            <a:schemeClr val="accent1"/>
+          </a:effectRef>
+          <a:fontRef idx="minor">
+            <a:schemeClr val="lt1"/>
+          </a:fontRef>
+        </p:style>
+        <p:txBody>
+          <a:bodyPr lIns="0" tIns="0" rIns="0" bIns="0" rtlCol="0" anchor="ctr"/>
+          <a:lstStyle/>
+          <a:p>
+            <a:pPr algn="ctr"/>
+            <a:r>
+              <a:rPr lang="en-US" sz="800" dirty="0">
+                <a:latin typeface="Arial" panose="020B0604020202020204" pitchFamily="34" charset="0"/>
+                <a:cs typeface="Arial" panose="020B0604020202020204" pitchFamily="34" charset="0"/>
+              </a:rPr>
+              <a:t>1.9</a:t>
+            </a:r>
+          </a:p>
+        </p:txBody>
+      </p:sp>
+      <p:sp>
+        <p:nvSpPr>
+          <p:cNvPr id="132" name="Oval 131">
+            <a:extLst>
+              <a:ext uri="{FF2B5EF4-FFF2-40B4-BE49-F238E27FC236}">
+                <a16:creationId xmlns:a16="http://schemas.microsoft.com/office/drawing/2014/main" id="{E90E9980-B378-8B48-A029-3577A1108948}"/>
+              </a:ext>
+            </a:extLst>
+          </p:cNvPr>
+          <p:cNvSpPr/>
+          <p:nvPr/>
+        </p:nvSpPr>
+        <p:spPr>
+          <a:xfrm>
+            <a:off x="5338812" y="1055326"/>
+            <a:ext cx="253435" cy="212902"/>
+          </a:xfrm>
+          <a:prstGeom prst="ellipse">
+            <a:avLst/>
+          </a:prstGeom>
+          <a:solidFill>
+            <a:schemeClr val="tx1"/>
+          </a:solidFill>
+          <a:ln>
+            <a:solidFill>
+              <a:schemeClr val="tx1"/>
+            </a:solidFill>
+          </a:ln>
+        </p:spPr>
+        <p:style>
+          <a:lnRef idx="2">
+            <a:schemeClr val="accent1">
+              <a:shade val="50000"/>
+            </a:schemeClr>
+          </a:lnRef>
+          <a:fillRef idx="1">
+            <a:schemeClr val="accent1"/>
+          </a:fillRef>
+          <a:effectRef idx="0">
+            <a:schemeClr val="accent1"/>
+          </a:effectRef>
+          <a:fontRef idx="minor">
+            <a:schemeClr val="lt1"/>
+          </a:fontRef>
+        </p:style>
+        <p:txBody>
+          <a:bodyPr lIns="0" tIns="0" rIns="0" bIns="0" rtlCol="0" anchor="ctr"/>
+          <a:lstStyle/>
+          <a:p>
+            <a:pPr algn="ctr"/>
+            <a:r>
+              <a:rPr lang="en-US" sz="800" dirty="0">
+                <a:latin typeface="Arial" panose="020B0604020202020204" pitchFamily="34" charset="0"/>
+                <a:cs typeface="Arial" panose="020B0604020202020204" pitchFamily="34" charset="0"/>
+              </a:rPr>
+              <a:t>1.7</a:t>
+            </a:r>
+          </a:p>
+        </p:txBody>
+      </p:sp>
+      <p:sp>
+        <p:nvSpPr>
+          <p:cNvPr id="83" name="TextBox 23">
+            <a:extLst>
+              <a:ext uri="{FF2B5EF4-FFF2-40B4-BE49-F238E27FC236}">
+                <a16:creationId xmlns:a16="http://schemas.microsoft.com/office/drawing/2014/main" id="{3E10141A-CF4E-7B45-9CF4-CB798E3A6080}"/>
+              </a:ext>
+            </a:extLst>
+          </p:cNvPr>
+          <p:cNvSpPr txBox="1">
+            <a:spLocks noChangeArrowheads="1"/>
+          </p:cNvSpPr>
+          <p:nvPr/>
+        </p:nvSpPr>
+        <p:spPr bwMode="auto">
+          <a:xfrm>
+            <a:off x="2702074" y="2942715"/>
+            <a:ext cx="1455047" cy="430887"/>
+          </a:xfrm>
+          <a:prstGeom prst="rect">
+            <a:avLst/>
+          </a:prstGeom>
+          <a:noFill/>
+          <a:ln>
+            <a:noFill/>
+          </a:ln>
+          <a:extLst>
+            <a:ext uri="{909E8E84-426E-40DD-AFC4-6F175D3DCCD1}">
+              <a14:hiddenFill xmlns:a14="http://schemas.microsoft.com/office/drawing/2010/main">
+                <a:solidFill>
+                  <a:srgbClr val="FFFFFF"/>
+                </a:solidFill>
+              </a14:hiddenFill>
+            </a:ext>
+            <a:ext uri="{91240B29-F687-4F45-9708-019B960494DF}">
+              <a14:hiddenLine xmlns:a14="http://schemas.microsoft.com/office/drawing/2010/main" w="9525">
+                <a:solidFill>
+                  <a:srgbClr val="000000"/>
+                </a:solidFill>
+                <a:miter lim="800000"/>
+                <a:headEnd/>
+                <a:tailEnd/>
+              </a14:hiddenLine>
+            </a:ext>
+          </a:extLst>
+        </p:spPr>
+        <p:txBody>
+          <a:bodyPr wrap="square">
+            <a:spAutoFit/>
+          </a:bodyPr>
+          <a:lstStyle>
+            <a:lvl1pPr>
+              <a:defRPr>
+                <a:solidFill>
+                  <a:schemeClr val="tx1"/>
+                </a:solidFill>
+                <a:latin typeface="Calibri" panose="020F0502020204030204" pitchFamily="34" charset="0"/>
+              </a:defRPr>
+            </a:lvl1pPr>
+            <a:lvl2pPr marL="742950" indent="-285750">
+              <a:defRPr>
+                <a:solidFill>
+                  <a:schemeClr val="tx1"/>
+                </a:solidFill>
+                <a:latin typeface="Calibri" panose="020F0502020204030204" pitchFamily="34" charset="0"/>
+              </a:defRPr>
+            </a:lvl2pPr>
+            <a:lvl3pPr marL="1143000" indent="-228600">
+              <a:defRPr>
+                <a:solidFill>
+                  <a:schemeClr val="tx1"/>
+                </a:solidFill>
+                <a:latin typeface="Calibri" panose="020F0502020204030204" pitchFamily="34" charset="0"/>
+              </a:defRPr>
+            </a:lvl3pPr>
+            <a:lvl4pPr marL="1600200" indent="-228600">
+              <a:defRPr>
+                <a:solidFill>
+                  <a:schemeClr val="tx1"/>
+                </a:solidFill>
+                <a:latin typeface="Calibri" panose="020F0502020204030204" pitchFamily="34" charset="0"/>
+              </a:defRPr>
+            </a:lvl4pPr>
+            <a:lvl5pPr marL="2057400" indent="-228600">
+              <a:defRPr>
+                <a:solidFill>
+                  <a:schemeClr val="tx1"/>
+                </a:solidFill>
+                <a:latin typeface="Calibri" panose="020F0502020204030204" pitchFamily="34" charset="0"/>
+              </a:defRPr>
+            </a:lvl5pPr>
+            <a:lvl6pPr marL="2514600" indent="-228600" eaLnBrk="0" fontAlgn="base" hangingPunct="0">
+              <a:spcBef>
+                <a:spcPct val="0"/>
+              </a:spcBef>
+              <a:spcAft>
+                <a:spcPct val="0"/>
+              </a:spcAft>
+              <a:defRPr>
+                <a:solidFill>
+                  <a:schemeClr val="tx1"/>
+                </a:solidFill>
+                <a:latin typeface="Calibri" panose="020F0502020204030204" pitchFamily="34" charset="0"/>
+              </a:defRPr>
+            </a:lvl6pPr>
+            <a:lvl7pPr marL="2971800" indent="-228600" eaLnBrk="0" fontAlgn="base" hangingPunct="0">
+              <a:spcBef>
+                <a:spcPct val="0"/>
+              </a:spcBef>
+              <a:spcAft>
+                <a:spcPct val="0"/>
+              </a:spcAft>
+              <a:defRPr>
+                <a:solidFill>
+                  <a:schemeClr val="tx1"/>
+                </a:solidFill>
+                <a:latin typeface="Calibri" panose="020F0502020204030204" pitchFamily="34" charset="0"/>
+              </a:defRPr>
+            </a:lvl7pPr>
+            <a:lvl8pPr marL="3429000" indent="-228600" eaLnBrk="0" fontAlgn="base" hangingPunct="0">
+              <a:spcBef>
+                <a:spcPct val="0"/>
+              </a:spcBef>
+              <a:spcAft>
+                <a:spcPct val="0"/>
+              </a:spcAft>
+              <a:defRPr>
+                <a:solidFill>
+                  <a:schemeClr val="tx1"/>
+                </a:solidFill>
+                <a:latin typeface="Calibri" panose="020F0502020204030204" pitchFamily="34" charset="0"/>
+              </a:defRPr>
+            </a:lvl8pPr>
+            <a:lvl9pPr marL="3886200" indent="-228600" eaLnBrk="0" fontAlgn="base" hangingPunct="0">
+              <a:spcBef>
+                <a:spcPct val="0"/>
+              </a:spcBef>
+              <a:spcAft>
+                <a:spcPct val="0"/>
+              </a:spcAft>
+              <a:defRPr>
+                <a:solidFill>
+                  <a:schemeClr val="tx1"/>
+                </a:solidFill>
+                <a:latin typeface="Calibri" panose="020F0502020204030204" pitchFamily="34" charset="0"/>
+              </a:defRPr>
+            </a:lvl9pPr>
+          </a:lstStyle>
+          <a:p>
+            <a:pPr algn="ctr" eaLnBrk="1" hangingPunct="1"/>
+            <a:r>
+              <a:rPr lang="en-US" altLang="en-US" sz="1100" dirty="0">
+                <a:latin typeface="Arial" panose="020B0604020202020204" pitchFamily="34" charset="0"/>
+                <a:ea typeface="Amazon Ember" panose="020B0603020204020204" pitchFamily="34" charset="0"/>
+                <a:cs typeface="Arial" panose="020B0604020202020204" pitchFamily="34" charset="0"/>
+              </a:rPr>
+              <a:t>SSM Parameter Store</a:t>
+            </a:r>
+          </a:p>
+        </p:txBody>
+      </p:sp>
+      <p:pic>
+        <p:nvPicPr>
+          <p:cNvPr id="84" name="Graphic 26">
+            <a:extLst>
+              <a:ext uri="{FF2B5EF4-FFF2-40B4-BE49-F238E27FC236}">
+                <a16:creationId xmlns:a16="http://schemas.microsoft.com/office/drawing/2014/main" id="{6D213190-CF88-4B4E-A8B4-49F1CF5C0BD8}"/>
+              </a:ext>
+            </a:extLst>
+          </p:cNvPr>
+          <p:cNvPicPr>
+            <a:picLocks noChangeAspect="1" noChangeArrowheads="1"/>
+          </p:cNvPicPr>
+          <p:nvPr/>
+        </p:nvPicPr>
+        <p:blipFill>
+          <a:blip r:embed="rId6">
+            <a:extLst>
+              <a:ext uri="{28A0092B-C50C-407E-A947-70E740481C1C}">
+                <a14:useLocalDpi xmlns:a14="http://schemas.microsoft.com/office/drawing/2010/main"/>
+              </a:ext>
+            </a:extLst>
+          </a:blip>
+          <a:srcRect/>
+          <a:stretch>
+            <a:fillRect/>
+          </a:stretch>
+        </p:blipFill>
+        <p:spPr bwMode="auto">
+          <a:xfrm>
+            <a:off x="3255390" y="2502569"/>
+            <a:ext cx="457200" cy="457200"/>
+          </a:xfrm>
+          <a:prstGeom prst="rect">
+            <a:avLst/>
+          </a:prstGeom>
+          <a:noFill/>
+          <a:ln>
+            <a:noFill/>
+          </a:ln>
+          <a:extLst>
+            <a:ext uri="{909E8E84-426E-40DD-AFC4-6F175D3DCCD1}">
+              <a14:hiddenFill xmlns:a14="http://schemas.microsoft.com/office/drawing/2010/main">
+                <a:solidFill>
+                  <a:srgbClr val="FFFFFF"/>
+                </a:solidFill>
+              </a14:hiddenFill>
+            </a:ext>
+            <a:ext uri="{91240B29-F687-4F45-9708-019B960494DF}">
+              <a14:hiddenLine xmlns:a14="http://schemas.microsoft.com/office/drawing/2010/main" w="9525">
+                <a:solidFill>
+                  <a:srgbClr val="000000"/>
+                </a:solidFill>
+                <a:miter lim="800000"/>
+                <a:headEnd/>
+                <a:tailEnd/>
+              </a14:hiddenLine>
+            </a:ext>
+          </a:extLst>
+        </p:spPr>
+      </p:pic>
+      <p:sp>
+        <p:nvSpPr>
+          <p:cNvPr id="86" name="TextBox 21">
+            <a:extLst>
+              <a:ext uri="{FF2B5EF4-FFF2-40B4-BE49-F238E27FC236}">
+                <a16:creationId xmlns:a16="http://schemas.microsoft.com/office/drawing/2014/main" id="{01695DD7-E131-9548-BD25-475D13AF5D29}"/>
+              </a:ext>
+            </a:extLst>
+          </p:cNvPr>
+          <p:cNvSpPr txBox="1">
+            <a:spLocks noChangeArrowheads="1"/>
+          </p:cNvSpPr>
+          <p:nvPr/>
+        </p:nvSpPr>
+        <p:spPr bwMode="auto">
+          <a:xfrm>
+            <a:off x="2999699" y="4022510"/>
+            <a:ext cx="914400" cy="430887"/>
+          </a:xfrm>
+          <a:prstGeom prst="rect">
+            <a:avLst/>
+          </a:prstGeom>
+          <a:noFill/>
+          <a:ln>
+            <a:noFill/>
+          </a:ln>
+          <a:extLst>
+            <a:ext uri="{909E8E84-426E-40DD-AFC4-6F175D3DCCD1}">
+              <a14:hiddenFill xmlns:a14="http://schemas.microsoft.com/office/drawing/2010/main">
+                <a:solidFill>
+                  <a:srgbClr val="FFFFFF"/>
+                </a:solidFill>
+              </a14:hiddenFill>
+            </a:ext>
+            <a:ext uri="{91240B29-F687-4F45-9708-019B960494DF}">
+              <a14:hiddenLine xmlns:a14="http://schemas.microsoft.com/office/drawing/2010/main" w="9525">
+                <a:solidFill>
+                  <a:srgbClr val="000000"/>
+                </a:solidFill>
+                <a:miter lim="800000"/>
+                <a:headEnd/>
+                <a:tailEnd/>
+              </a14:hiddenLine>
+            </a:ext>
+          </a:extLst>
+        </p:spPr>
+        <p:txBody>
+          <a:bodyPr wrap="square">
+            <a:spAutoFit/>
+          </a:bodyPr>
+          <a:lstStyle>
+            <a:lvl1pPr>
+              <a:defRPr>
+                <a:solidFill>
+                  <a:schemeClr val="tx1"/>
+                </a:solidFill>
+                <a:latin typeface="Calibri" panose="020F0502020204030204" pitchFamily="34" charset="0"/>
+              </a:defRPr>
+            </a:lvl1pPr>
+            <a:lvl2pPr marL="742950" indent="-285750">
+              <a:defRPr>
+                <a:solidFill>
+                  <a:schemeClr val="tx1"/>
+                </a:solidFill>
+                <a:latin typeface="Calibri" panose="020F0502020204030204" pitchFamily="34" charset="0"/>
+              </a:defRPr>
+            </a:lvl2pPr>
+            <a:lvl3pPr marL="1143000" indent="-228600">
+              <a:defRPr>
+                <a:solidFill>
+                  <a:schemeClr val="tx1"/>
+                </a:solidFill>
+                <a:latin typeface="Calibri" panose="020F0502020204030204" pitchFamily="34" charset="0"/>
+              </a:defRPr>
+            </a:lvl3pPr>
+            <a:lvl4pPr marL="1600200" indent="-228600">
+              <a:defRPr>
+                <a:solidFill>
+                  <a:schemeClr val="tx1"/>
+                </a:solidFill>
+                <a:latin typeface="Calibri" panose="020F0502020204030204" pitchFamily="34" charset="0"/>
+              </a:defRPr>
+            </a:lvl4pPr>
+            <a:lvl5pPr marL="2057400" indent="-228600">
+              <a:defRPr>
+                <a:solidFill>
+                  <a:schemeClr val="tx1"/>
+                </a:solidFill>
+                <a:latin typeface="Calibri" panose="020F0502020204030204" pitchFamily="34" charset="0"/>
+              </a:defRPr>
+            </a:lvl5pPr>
+            <a:lvl6pPr marL="2514600" indent="-228600" eaLnBrk="0" fontAlgn="base" hangingPunct="0">
+              <a:spcBef>
+                <a:spcPct val="0"/>
+              </a:spcBef>
+              <a:spcAft>
+                <a:spcPct val="0"/>
+              </a:spcAft>
+              <a:defRPr>
+                <a:solidFill>
+                  <a:schemeClr val="tx1"/>
+                </a:solidFill>
+                <a:latin typeface="Calibri" panose="020F0502020204030204" pitchFamily="34" charset="0"/>
+              </a:defRPr>
+            </a:lvl6pPr>
+            <a:lvl7pPr marL="2971800" indent="-228600" eaLnBrk="0" fontAlgn="base" hangingPunct="0">
+              <a:spcBef>
+                <a:spcPct val="0"/>
+              </a:spcBef>
+              <a:spcAft>
+                <a:spcPct val="0"/>
+              </a:spcAft>
+              <a:defRPr>
+                <a:solidFill>
+                  <a:schemeClr val="tx1"/>
+                </a:solidFill>
+                <a:latin typeface="Calibri" panose="020F0502020204030204" pitchFamily="34" charset="0"/>
+              </a:defRPr>
+            </a:lvl7pPr>
+            <a:lvl8pPr marL="3429000" indent="-228600" eaLnBrk="0" fontAlgn="base" hangingPunct="0">
+              <a:spcBef>
+                <a:spcPct val="0"/>
+              </a:spcBef>
+              <a:spcAft>
+                <a:spcPct val="0"/>
+              </a:spcAft>
+              <a:defRPr>
+                <a:solidFill>
+                  <a:schemeClr val="tx1"/>
+                </a:solidFill>
+                <a:latin typeface="Calibri" panose="020F0502020204030204" pitchFamily="34" charset="0"/>
+              </a:defRPr>
+            </a:lvl8pPr>
+            <a:lvl9pPr marL="3886200" indent="-228600" eaLnBrk="0" fontAlgn="base" hangingPunct="0">
+              <a:spcBef>
+                <a:spcPct val="0"/>
+              </a:spcBef>
+              <a:spcAft>
+                <a:spcPct val="0"/>
+              </a:spcAft>
+              <a:defRPr>
+                <a:solidFill>
+                  <a:schemeClr val="tx1"/>
+                </a:solidFill>
+                <a:latin typeface="Calibri" panose="020F0502020204030204" pitchFamily="34" charset="0"/>
+              </a:defRPr>
+            </a:lvl9pPr>
+          </a:lstStyle>
+          <a:p>
+            <a:pPr algn="ctr" eaLnBrk="1" hangingPunct="1"/>
+            <a:r>
+              <a:rPr lang="en-US" altLang="en-US" sz="1100" dirty="0">
+                <a:latin typeface="Arial" panose="020B0604020202020204" pitchFamily="34" charset="0"/>
+                <a:ea typeface="Amazon Ember" panose="020B0603020204020204" pitchFamily="34" charset="0"/>
+                <a:cs typeface="Arial" panose="020B0604020202020204" pitchFamily="34" charset="0"/>
+              </a:rPr>
+              <a:t>State</a:t>
+            </a:r>
+          </a:p>
+          <a:p>
+            <a:pPr algn="ctr" eaLnBrk="1" hangingPunct="1"/>
+            <a:r>
+              <a:rPr lang="en-US" altLang="en-US" sz="1100" dirty="0">
+                <a:latin typeface="Arial" panose="020B0604020202020204" pitchFamily="34" charset="0"/>
+                <a:ea typeface="Amazon Ember" panose="020B0603020204020204" pitchFamily="34" charset="0"/>
+                <a:cs typeface="Arial" panose="020B0604020202020204" pitchFamily="34" charset="0"/>
+              </a:rPr>
+              <a:t>Bucket</a:t>
+            </a:r>
+          </a:p>
+        </p:txBody>
+      </p:sp>
+      <p:pic>
+        <p:nvPicPr>
+          <p:cNvPr id="87" name="Graphic 14">
+            <a:extLst>
+              <a:ext uri="{FF2B5EF4-FFF2-40B4-BE49-F238E27FC236}">
+                <a16:creationId xmlns:a16="http://schemas.microsoft.com/office/drawing/2014/main" id="{15791832-7453-C649-B28E-8A450F46BA96}"/>
+              </a:ext>
+            </a:extLst>
+          </p:cNvPr>
+          <p:cNvPicPr>
+            <a:picLocks noChangeAspect="1" noChangeArrowheads="1"/>
+          </p:cNvPicPr>
+          <p:nvPr/>
+        </p:nvPicPr>
+        <p:blipFill>
+          <a:blip r:embed="rId7">
+            <a:extLst>
+              <a:ext uri="{28A0092B-C50C-407E-A947-70E740481C1C}">
+                <a14:useLocalDpi xmlns:a14="http://schemas.microsoft.com/office/drawing/2010/main"/>
+              </a:ext>
+            </a:extLst>
+          </a:blip>
+          <a:srcRect/>
+          <a:stretch>
+            <a:fillRect/>
+          </a:stretch>
+        </p:blipFill>
+        <p:spPr bwMode="auto">
+          <a:xfrm>
+            <a:off x="3228299" y="3590847"/>
+            <a:ext cx="457200" cy="457200"/>
+          </a:xfrm>
+          <a:prstGeom prst="rect">
+            <a:avLst/>
+          </a:prstGeom>
+          <a:noFill/>
+          <a:ln>
+            <a:noFill/>
+          </a:ln>
+          <a:extLst>
+            <a:ext uri="{909E8E84-426E-40DD-AFC4-6F175D3DCCD1}">
+              <a14:hiddenFill xmlns:a14="http://schemas.microsoft.com/office/drawing/2010/main">
+                <a:solidFill>
+                  <a:srgbClr val="FFFFFF"/>
+                </a:solidFill>
+              </a14:hiddenFill>
+            </a:ext>
+            <a:ext uri="{91240B29-F687-4F45-9708-019B960494DF}">
+              <a14:hiddenLine xmlns:a14="http://schemas.microsoft.com/office/drawing/2010/main" w="9525">
+                <a:solidFill>
+                  <a:srgbClr val="000000"/>
+                </a:solidFill>
+                <a:miter lim="800000"/>
+                <a:headEnd/>
+                <a:tailEnd/>
+              </a14:hiddenLine>
+            </a:ext>
+          </a:extLst>
+        </p:spPr>
+      </p:pic>
+      <p:cxnSp>
+        <p:nvCxnSpPr>
+          <p:cNvPr id="88" name="Elbow Connector 87">
+            <a:extLst>
+              <a:ext uri="{FF2B5EF4-FFF2-40B4-BE49-F238E27FC236}">
+                <a16:creationId xmlns:a16="http://schemas.microsoft.com/office/drawing/2014/main" id="{6DE81F86-FF38-DB4C-BD20-6004CBABCA06}"/>
+              </a:ext>
+            </a:extLst>
+          </p:cNvPr>
+          <p:cNvCxnSpPr>
+            <a:cxnSpLocks/>
+            <a:stCxn id="63" idx="1"/>
+            <a:endCxn id="84" idx="3"/>
+          </p:cNvCxnSpPr>
+          <p:nvPr/>
+        </p:nvCxnSpPr>
+        <p:spPr>
+          <a:xfrm rot="10800000" flipV="1">
+            <a:off x="3712591" y="2729745"/>
+            <a:ext cx="683395" cy="1423"/>
+          </a:xfrm>
+          <a:prstGeom prst="bentConnector3">
+            <a:avLst>
+              <a:gd name="adj1" fmla="val 50000"/>
+            </a:avLst>
+          </a:prstGeom>
+          <a:ln>
+            <a:headEnd type="triangle"/>
+            <a:tailEnd type="triangle"/>
+          </a:ln>
+        </p:spPr>
+        <p:style>
+          <a:lnRef idx="1">
+            <a:schemeClr val="dk1"/>
+          </a:lnRef>
+          <a:fillRef idx="0">
+            <a:schemeClr val="dk1"/>
+          </a:fillRef>
+          <a:effectRef idx="0">
+            <a:schemeClr val="dk1"/>
+          </a:effectRef>
+          <a:fontRef idx="minor">
+            <a:schemeClr val="tx1"/>
+          </a:fontRef>
+        </p:style>
+      </p:cxnSp>
+      <p:sp>
+        <p:nvSpPr>
+          <p:cNvPr id="89" name="Oval 88">
+            <a:extLst>
+              <a:ext uri="{FF2B5EF4-FFF2-40B4-BE49-F238E27FC236}">
+                <a16:creationId xmlns:a16="http://schemas.microsoft.com/office/drawing/2014/main" id="{C24704FF-9C2F-CC4F-9FC2-D1C33536B62A}"/>
+              </a:ext>
+            </a:extLst>
+          </p:cNvPr>
+          <p:cNvSpPr/>
+          <p:nvPr/>
+        </p:nvSpPr>
+        <p:spPr>
+          <a:xfrm>
+            <a:off x="3147561" y="2408902"/>
+            <a:ext cx="253435" cy="212902"/>
+          </a:xfrm>
+          <a:prstGeom prst="ellipse">
+            <a:avLst/>
+          </a:prstGeom>
+          <a:solidFill>
+            <a:schemeClr val="tx1"/>
+          </a:solidFill>
+          <a:ln>
+            <a:solidFill>
+              <a:schemeClr val="tx1"/>
+            </a:solidFill>
+          </a:ln>
+        </p:spPr>
+        <p:style>
+          <a:lnRef idx="2">
+            <a:schemeClr val="accent1">
+              <a:shade val="50000"/>
+            </a:schemeClr>
+          </a:lnRef>
+          <a:fillRef idx="1">
+            <a:schemeClr val="accent1"/>
+          </a:fillRef>
+          <a:effectRef idx="0">
+            <a:schemeClr val="accent1"/>
+          </a:effectRef>
+          <a:fontRef idx="minor">
+            <a:schemeClr val="lt1"/>
+          </a:fontRef>
+        </p:style>
+        <p:txBody>
+          <a:bodyPr lIns="0" tIns="0" rIns="0" bIns="0" rtlCol="0" anchor="ctr"/>
+          <a:lstStyle/>
+          <a:p>
+            <a:pPr algn="ctr"/>
+            <a:r>
+              <a:rPr lang="en-US" sz="800" dirty="0">
+                <a:latin typeface="Arial" panose="020B0604020202020204" pitchFamily="34" charset="0"/>
+                <a:cs typeface="Arial" panose="020B0604020202020204" pitchFamily="34" charset="0"/>
+              </a:rPr>
+              <a:t>1.5</a:t>
+            </a:r>
+          </a:p>
+        </p:txBody>
+      </p:sp>
+      <p:cxnSp>
+        <p:nvCxnSpPr>
+          <p:cNvPr id="13" name="Straight Arrow Connector 12">
+            <a:extLst>
+              <a:ext uri="{FF2B5EF4-FFF2-40B4-BE49-F238E27FC236}">
+                <a16:creationId xmlns:a16="http://schemas.microsoft.com/office/drawing/2014/main" id="{0F551F0D-882A-8244-993C-595D9A0BD072}"/>
+              </a:ext>
+            </a:extLst>
+          </p:cNvPr>
+          <p:cNvCxnSpPr>
+            <a:cxnSpLocks/>
+            <a:stCxn id="62" idx="2"/>
+            <a:endCxn id="64" idx="0"/>
+          </p:cNvCxnSpPr>
+          <p:nvPr/>
+        </p:nvCxnSpPr>
+        <p:spPr>
+          <a:xfrm flipH="1">
+            <a:off x="4633294" y="3385176"/>
+            <a:ext cx="3624" cy="205671"/>
+          </a:xfrm>
+          <a:prstGeom prst="straightConnector1">
+            <a:avLst/>
+          </a:prstGeom>
+          <a:ln>
+            <a:tailEnd type="triangle"/>
+          </a:ln>
+        </p:spPr>
+        <p:style>
+          <a:lnRef idx="1">
+            <a:schemeClr val="dk1"/>
+          </a:lnRef>
+          <a:fillRef idx="0">
+            <a:schemeClr val="dk1"/>
+          </a:fillRef>
+          <a:effectRef idx="0">
+            <a:schemeClr val="dk1"/>
+          </a:effectRef>
+          <a:fontRef idx="minor">
+            <a:schemeClr val="tx1"/>
+          </a:fontRef>
+        </p:style>
+      </p:cxnSp>
+      <p:sp>
+        <p:nvSpPr>
+          <p:cNvPr id="91" name="TextBox 17">
+            <a:extLst>
+              <a:ext uri="{FF2B5EF4-FFF2-40B4-BE49-F238E27FC236}">
+                <a16:creationId xmlns:a16="http://schemas.microsoft.com/office/drawing/2014/main" id="{79E1FDE1-121D-F741-ABF7-62FE9222E838}"/>
+              </a:ext>
+            </a:extLst>
+          </p:cNvPr>
+          <p:cNvSpPr txBox="1">
+            <a:spLocks noChangeArrowheads="1"/>
+          </p:cNvSpPr>
+          <p:nvPr/>
+        </p:nvSpPr>
+        <p:spPr bwMode="auto">
+          <a:xfrm>
+            <a:off x="1539407" y="2946344"/>
+            <a:ext cx="1275929" cy="430887"/>
+          </a:xfrm>
+          <a:prstGeom prst="rect">
+            <a:avLst/>
+          </a:prstGeom>
+          <a:noFill/>
+          <a:ln>
+            <a:noFill/>
+          </a:ln>
+          <a:extLst>
+            <a:ext uri="{909E8E84-426E-40DD-AFC4-6F175D3DCCD1}">
+              <a14:hiddenFill xmlns:a14="http://schemas.microsoft.com/office/drawing/2010/main">
+                <a:solidFill>
+                  <a:srgbClr val="FFFFFF"/>
+                </a:solidFill>
+              </a14:hiddenFill>
+            </a:ext>
+            <a:ext uri="{91240B29-F687-4F45-9708-019B960494DF}">
+              <a14:hiddenLine xmlns:a14="http://schemas.microsoft.com/office/drawing/2010/main" w="9525">
+                <a:solidFill>
+                  <a:srgbClr val="000000"/>
+                </a:solidFill>
+                <a:miter lim="800000"/>
+                <a:headEnd/>
+                <a:tailEnd/>
+              </a14:hiddenLine>
+            </a:ext>
+          </a:extLst>
+        </p:spPr>
+        <p:txBody>
+          <a:bodyPr wrap="square">
+            <a:spAutoFit/>
+          </a:bodyPr>
+          <a:lstStyle>
+            <a:lvl1pPr>
+              <a:defRPr>
+                <a:solidFill>
+                  <a:schemeClr val="tx1"/>
+                </a:solidFill>
+                <a:latin typeface="Calibri" panose="020F0502020204030204" pitchFamily="34" charset="0"/>
+              </a:defRPr>
+            </a:lvl1pPr>
+            <a:lvl2pPr marL="742950" indent="-285750">
+              <a:defRPr>
+                <a:solidFill>
+                  <a:schemeClr val="tx1"/>
+                </a:solidFill>
+                <a:latin typeface="Calibri" panose="020F0502020204030204" pitchFamily="34" charset="0"/>
+              </a:defRPr>
+            </a:lvl2pPr>
+            <a:lvl3pPr marL="1143000" indent="-228600">
+              <a:defRPr>
+                <a:solidFill>
+                  <a:schemeClr val="tx1"/>
+                </a:solidFill>
+                <a:latin typeface="Calibri" panose="020F0502020204030204" pitchFamily="34" charset="0"/>
+              </a:defRPr>
+            </a:lvl3pPr>
+            <a:lvl4pPr marL="1600200" indent="-228600">
+              <a:defRPr>
+                <a:solidFill>
+                  <a:schemeClr val="tx1"/>
+                </a:solidFill>
+                <a:latin typeface="Calibri" panose="020F0502020204030204" pitchFamily="34" charset="0"/>
+              </a:defRPr>
+            </a:lvl4pPr>
+            <a:lvl5pPr marL="2057400" indent="-228600">
+              <a:defRPr>
+                <a:solidFill>
+                  <a:schemeClr val="tx1"/>
+                </a:solidFill>
+                <a:latin typeface="Calibri" panose="020F0502020204030204" pitchFamily="34" charset="0"/>
+              </a:defRPr>
+            </a:lvl5pPr>
+            <a:lvl6pPr marL="2514600" indent="-228600" eaLnBrk="0" fontAlgn="base" hangingPunct="0">
+              <a:spcBef>
+                <a:spcPct val="0"/>
+              </a:spcBef>
+              <a:spcAft>
+                <a:spcPct val="0"/>
+              </a:spcAft>
+              <a:defRPr>
+                <a:solidFill>
+                  <a:schemeClr val="tx1"/>
+                </a:solidFill>
+                <a:latin typeface="Calibri" panose="020F0502020204030204" pitchFamily="34" charset="0"/>
+              </a:defRPr>
+            </a:lvl6pPr>
+            <a:lvl7pPr marL="2971800" indent="-228600" eaLnBrk="0" fontAlgn="base" hangingPunct="0">
+              <a:spcBef>
+                <a:spcPct val="0"/>
+              </a:spcBef>
+              <a:spcAft>
+                <a:spcPct val="0"/>
+              </a:spcAft>
+              <a:defRPr>
+                <a:solidFill>
+                  <a:schemeClr val="tx1"/>
+                </a:solidFill>
+                <a:latin typeface="Calibri" panose="020F0502020204030204" pitchFamily="34" charset="0"/>
+              </a:defRPr>
+            </a:lvl7pPr>
+            <a:lvl8pPr marL="3429000" indent="-228600" eaLnBrk="0" fontAlgn="base" hangingPunct="0">
+              <a:spcBef>
+                <a:spcPct val="0"/>
+              </a:spcBef>
+              <a:spcAft>
+                <a:spcPct val="0"/>
+              </a:spcAft>
+              <a:defRPr>
+                <a:solidFill>
+                  <a:schemeClr val="tx1"/>
+                </a:solidFill>
+                <a:latin typeface="Calibri" panose="020F0502020204030204" pitchFamily="34" charset="0"/>
+              </a:defRPr>
+            </a:lvl8pPr>
+            <a:lvl9pPr marL="3886200" indent="-228600" eaLnBrk="0" fontAlgn="base" hangingPunct="0">
+              <a:spcBef>
+                <a:spcPct val="0"/>
+              </a:spcBef>
+              <a:spcAft>
+                <a:spcPct val="0"/>
+              </a:spcAft>
+              <a:defRPr>
+                <a:solidFill>
+                  <a:schemeClr val="tx1"/>
+                </a:solidFill>
+                <a:latin typeface="Calibri" panose="020F0502020204030204" pitchFamily="34" charset="0"/>
+              </a:defRPr>
+            </a:lvl9pPr>
+          </a:lstStyle>
+          <a:p>
+            <a:pPr algn="ctr"/>
+            <a:r>
+              <a:rPr lang="en-US" altLang="en-US" sz="1100" dirty="0">
+                <a:latin typeface="Arial" panose="020B0604020202020204" pitchFamily="34" charset="0"/>
+                <a:ea typeface="Amazon Ember" panose="020B0603020204020204" pitchFamily="34" charset="0"/>
+                <a:cs typeface="Arial" panose="020B0604020202020204" pitchFamily="34" charset="0"/>
+              </a:rPr>
+              <a:t>Org ID </a:t>
+            </a:r>
+          </a:p>
+          <a:p>
+            <a:pPr algn="ctr" eaLnBrk="1" hangingPunct="1"/>
+            <a:r>
+              <a:rPr lang="en-US" altLang="en-US" sz="1100" dirty="0">
+                <a:latin typeface="Arial" panose="020B0604020202020204" pitchFamily="34" charset="0"/>
+                <a:ea typeface="Amazon Ember" panose="020B0603020204020204" pitchFamily="34" charset="0"/>
+                <a:cs typeface="Arial" panose="020B0604020202020204" pitchFamily="34" charset="0"/>
+              </a:rPr>
+              <a:t>Lambda Function</a:t>
+            </a:r>
+          </a:p>
+        </p:txBody>
+      </p:sp>
+      <p:pic>
+        <p:nvPicPr>
+          <p:cNvPr id="92" name="Graphic 13">
+            <a:extLst>
+              <a:ext uri="{FF2B5EF4-FFF2-40B4-BE49-F238E27FC236}">
+                <a16:creationId xmlns:a16="http://schemas.microsoft.com/office/drawing/2014/main" id="{6474CCFC-61E0-754B-9E97-376BC225DBA8}"/>
+              </a:ext>
+            </a:extLst>
+          </p:cNvPr>
+          <p:cNvPicPr>
+            <a:picLocks noChangeAspect="1" noChangeArrowheads="1"/>
+          </p:cNvPicPr>
+          <p:nvPr/>
+        </p:nvPicPr>
+        <p:blipFill>
+          <a:blip r:embed="rId3">
+            <a:extLst>
+              <a:ext uri="{28A0092B-C50C-407E-A947-70E740481C1C}">
+                <a14:useLocalDpi xmlns:a14="http://schemas.microsoft.com/office/drawing/2010/main"/>
+              </a:ext>
+            </a:extLst>
+          </a:blip>
+          <a:srcRect/>
+          <a:stretch>
+            <a:fillRect/>
+          </a:stretch>
+        </p:blipFill>
+        <p:spPr bwMode="auto">
+          <a:xfrm>
+            <a:off x="1936439" y="2493201"/>
+            <a:ext cx="457200" cy="457200"/>
+          </a:xfrm>
+          <a:prstGeom prst="rect">
+            <a:avLst/>
+          </a:prstGeom>
+          <a:noFill/>
+          <a:ln>
+            <a:noFill/>
+          </a:ln>
+          <a:extLst>
+            <a:ext uri="{909E8E84-426E-40DD-AFC4-6F175D3DCCD1}">
+              <a14:hiddenFill xmlns:a14="http://schemas.microsoft.com/office/drawing/2010/main">
+                <a:solidFill>
+                  <a:srgbClr val="FFFFFF"/>
+                </a:solidFill>
+              </a14:hiddenFill>
+            </a:ext>
+            <a:ext uri="{91240B29-F687-4F45-9708-019B960494DF}">
+              <a14:hiddenLine xmlns:a14="http://schemas.microsoft.com/office/drawing/2010/main" w="9525">
+                <a:solidFill>
+                  <a:srgbClr val="000000"/>
+                </a:solidFill>
+                <a:miter lim="800000"/>
+                <a:headEnd/>
+                <a:tailEnd/>
+              </a14:hiddenLine>
+            </a:ext>
+          </a:extLst>
+        </p:spPr>
+      </p:pic>
+      <p:pic>
+        <p:nvPicPr>
+          <p:cNvPr id="93" name="Graphic 7">
+            <a:extLst>
+              <a:ext uri="{FF2B5EF4-FFF2-40B4-BE49-F238E27FC236}">
+                <a16:creationId xmlns:a16="http://schemas.microsoft.com/office/drawing/2014/main" id="{A37212BF-2730-504B-8A52-B60D64451BCD}"/>
+              </a:ext>
+            </a:extLst>
+          </p:cNvPr>
+          <p:cNvPicPr>
+            <a:picLocks noChangeAspect="1" noChangeArrowheads="1"/>
+          </p:cNvPicPr>
+          <p:nvPr/>
+        </p:nvPicPr>
+        <p:blipFill>
+          <a:blip r:embed="rId4">
+            <a:extLst>
+              <a:ext uri="{28A0092B-C50C-407E-A947-70E740481C1C}">
+                <a14:useLocalDpi xmlns:a14="http://schemas.microsoft.com/office/drawing/2010/main"/>
+              </a:ext>
+            </a:extLst>
+          </a:blip>
+          <a:srcRect/>
+          <a:stretch>
+            <a:fillRect/>
+          </a:stretch>
+        </p:blipFill>
+        <p:spPr bwMode="auto">
+          <a:xfrm>
+            <a:off x="1945148" y="3582902"/>
+            <a:ext cx="457200" cy="457200"/>
+          </a:xfrm>
+          <a:prstGeom prst="rect">
+            <a:avLst/>
+          </a:prstGeom>
+          <a:noFill/>
+          <a:ln>
+            <a:noFill/>
+          </a:ln>
+          <a:extLst>
+            <a:ext uri="{909E8E84-426E-40DD-AFC4-6F175D3DCCD1}">
+              <a14:hiddenFill xmlns:a14="http://schemas.microsoft.com/office/drawing/2010/main">
+                <a:solidFill>
+                  <a:srgbClr val="FFFFFF"/>
+                </a:solidFill>
+              </a14:hiddenFill>
+            </a:ext>
+            <a:ext uri="{91240B29-F687-4F45-9708-019B960494DF}">
+              <a14:hiddenLine xmlns:a14="http://schemas.microsoft.com/office/drawing/2010/main" w="9525">
+                <a:solidFill>
+                  <a:srgbClr val="000000"/>
+                </a:solidFill>
+                <a:miter lim="800000"/>
+                <a:headEnd/>
+                <a:tailEnd/>
+              </a14:hiddenLine>
+            </a:ext>
+          </a:extLst>
+        </p:spPr>
+      </p:pic>
+      <p:sp>
+        <p:nvSpPr>
+          <p:cNvPr id="94" name="TextBox 31">
+            <a:extLst>
+              <a:ext uri="{FF2B5EF4-FFF2-40B4-BE49-F238E27FC236}">
+                <a16:creationId xmlns:a16="http://schemas.microsoft.com/office/drawing/2014/main" id="{8D4B1F6A-6504-C444-B90C-886560CDEC18}"/>
+              </a:ext>
+            </a:extLst>
+          </p:cNvPr>
+          <p:cNvSpPr txBox="1">
+            <a:spLocks noChangeArrowheads="1"/>
+          </p:cNvSpPr>
+          <p:nvPr/>
+        </p:nvSpPr>
+        <p:spPr bwMode="auto">
+          <a:xfrm>
+            <a:off x="1583220" y="4014565"/>
+            <a:ext cx="1163639" cy="430887"/>
+          </a:xfrm>
+          <a:prstGeom prst="rect">
+            <a:avLst/>
+          </a:prstGeom>
+          <a:noFill/>
+          <a:ln>
+            <a:noFill/>
+          </a:ln>
+          <a:extLst>
+            <a:ext uri="{909E8E84-426E-40DD-AFC4-6F175D3DCCD1}">
+              <a14:hiddenFill xmlns:a14="http://schemas.microsoft.com/office/drawing/2010/main">
+                <a:solidFill>
+                  <a:srgbClr val="FFFFFF"/>
+                </a:solidFill>
+              </a14:hiddenFill>
+            </a:ext>
+            <a:ext uri="{91240B29-F687-4F45-9708-019B960494DF}">
+              <a14:hiddenLine xmlns:a14="http://schemas.microsoft.com/office/drawing/2010/main" w="9525">
+                <a:solidFill>
+                  <a:srgbClr val="000000"/>
+                </a:solidFill>
+                <a:miter lim="800000"/>
+                <a:headEnd/>
+                <a:tailEnd/>
+              </a14:hiddenLine>
+            </a:ext>
+          </a:extLst>
+        </p:spPr>
+        <p:txBody>
+          <a:bodyPr wrap="square">
+            <a:spAutoFit/>
+          </a:bodyPr>
+          <a:lstStyle>
+            <a:lvl1pPr>
+              <a:defRPr>
+                <a:solidFill>
+                  <a:schemeClr val="tx1"/>
+                </a:solidFill>
+                <a:latin typeface="Calibri" panose="020F0502020204030204" pitchFamily="34" charset="0"/>
+              </a:defRPr>
+            </a:lvl1pPr>
+            <a:lvl2pPr marL="742950" indent="-285750">
+              <a:defRPr>
+                <a:solidFill>
+                  <a:schemeClr val="tx1"/>
+                </a:solidFill>
+                <a:latin typeface="Calibri" panose="020F0502020204030204" pitchFamily="34" charset="0"/>
+              </a:defRPr>
+            </a:lvl2pPr>
+            <a:lvl3pPr marL="1143000" indent="-228600">
+              <a:defRPr>
+                <a:solidFill>
+                  <a:schemeClr val="tx1"/>
+                </a:solidFill>
+                <a:latin typeface="Calibri" panose="020F0502020204030204" pitchFamily="34" charset="0"/>
+              </a:defRPr>
+            </a:lvl3pPr>
+            <a:lvl4pPr marL="1600200" indent="-228600">
+              <a:defRPr>
+                <a:solidFill>
+                  <a:schemeClr val="tx1"/>
+                </a:solidFill>
+                <a:latin typeface="Calibri" panose="020F0502020204030204" pitchFamily="34" charset="0"/>
+              </a:defRPr>
+            </a:lvl4pPr>
+            <a:lvl5pPr marL="2057400" indent="-228600">
+              <a:defRPr>
+                <a:solidFill>
+                  <a:schemeClr val="tx1"/>
+                </a:solidFill>
+                <a:latin typeface="Calibri" panose="020F0502020204030204" pitchFamily="34" charset="0"/>
+              </a:defRPr>
+            </a:lvl5pPr>
+            <a:lvl6pPr marL="2514600" indent="-228600" eaLnBrk="0" fontAlgn="base" hangingPunct="0">
+              <a:spcBef>
+                <a:spcPct val="0"/>
+              </a:spcBef>
+              <a:spcAft>
+                <a:spcPct val="0"/>
+              </a:spcAft>
+              <a:defRPr>
+                <a:solidFill>
+                  <a:schemeClr val="tx1"/>
+                </a:solidFill>
+                <a:latin typeface="Calibri" panose="020F0502020204030204" pitchFamily="34" charset="0"/>
+              </a:defRPr>
+            </a:lvl6pPr>
+            <a:lvl7pPr marL="2971800" indent="-228600" eaLnBrk="0" fontAlgn="base" hangingPunct="0">
+              <a:spcBef>
+                <a:spcPct val="0"/>
+              </a:spcBef>
+              <a:spcAft>
+                <a:spcPct val="0"/>
+              </a:spcAft>
+              <a:defRPr>
+                <a:solidFill>
+                  <a:schemeClr val="tx1"/>
+                </a:solidFill>
+                <a:latin typeface="Calibri" panose="020F0502020204030204" pitchFamily="34" charset="0"/>
+              </a:defRPr>
+            </a:lvl7pPr>
+            <a:lvl8pPr marL="3429000" indent="-228600" eaLnBrk="0" fontAlgn="base" hangingPunct="0">
+              <a:spcBef>
+                <a:spcPct val="0"/>
+              </a:spcBef>
+              <a:spcAft>
+                <a:spcPct val="0"/>
+              </a:spcAft>
+              <a:defRPr>
+                <a:solidFill>
+                  <a:schemeClr val="tx1"/>
+                </a:solidFill>
+                <a:latin typeface="Calibri" panose="020F0502020204030204" pitchFamily="34" charset="0"/>
+              </a:defRPr>
+            </a:lvl8pPr>
+            <a:lvl9pPr marL="3886200" indent="-228600" eaLnBrk="0" fontAlgn="base" hangingPunct="0">
+              <a:spcBef>
+                <a:spcPct val="0"/>
+              </a:spcBef>
+              <a:spcAft>
+                <a:spcPct val="0"/>
+              </a:spcAft>
+              <a:defRPr>
+                <a:solidFill>
+                  <a:schemeClr val="tx1"/>
+                </a:solidFill>
+                <a:latin typeface="Calibri" panose="020F0502020204030204" pitchFamily="34" charset="0"/>
+              </a:defRPr>
+            </a:lvl9pPr>
+          </a:lstStyle>
+          <a:p>
+            <a:pPr algn="ctr" eaLnBrk="1" hangingPunct="1"/>
+            <a:r>
+              <a:rPr lang="en-US" altLang="en-US" sz="1100" dirty="0">
+                <a:latin typeface="Arial" panose="020B0604020202020204" pitchFamily="34" charset="0"/>
+                <a:ea typeface="Amazon Ember" panose="020B0603020204020204" pitchFamily="34" charset="0"/>
+                <a:cs typeface="Arial" panose="020B0604020202020204" pitchFamily="34" charset="0"/>
+              </a:rPr>
+              <a:t>CloudWatch Log Group</a:t>
+            </a:r>
+          </a:p>
+        </p:txBody>
+      </p:sp>
+      <p:sp>
+        <p:nvSpPr>
+          <p:cNvPr id="95" name="TextBox 29">
+            <a:extLst>
+              <a:ext uri="{FF2B5EF4-FFF2-40B4-BE49-F238E27FC236}">
+                <a16:creationId xmlns:a16="http://schemas.microsoft.com/office/drawing/2014/main" id="{169C5537-1CA5-5846-909B-CBE2E1D1B8A0}"/>
+              </a:ext>
+            </a:extLst>
+          </p:cNvPr>
+          <p:cNvSpPr txBox="1">
+            <a:spLocks noChangeArrowheads="1"/>
+          </p:cNvSpPr>
+          <p:nvPr/>
+        </p:nvSpPr>
+        <p:spPr bwMode="auto">
+          <a:xfrm>
+            <a:off x="3749342" y="1434081"/>
+            <a:ext cx="1119613" cy="430887"/>
+          </a:xfrm>
+          <a:prstGeom prst="rect">
+            <a:avLst/>
+          </a:prstGeom>
+          <a:noFill/>
+          <a:ln>
+            <a:noFill/>
+          </a:ln>
+          <a:extLst>
+            <a:ext uri="{909E8E84-426E-40DD-AFC4-6F175D3DCCD1}">
+              <a14:hiddenFill xmlns:a14="http://schemas.microsoft.com/office/drawing/2010/main">
+                <a:solidFill>
+                  <a:srgbClr val="FFFFFF"/>
+                </a:solidFill>
+              </a14:hiddenFill>
+            </a:ext>
+            <a:ext uri="{91240B29-F687-4F45-9708-019B960494DF}">
+              <a14:hiddenLine xmlns:a14="http://schemas.microsoft.com/office/drawing/2010/main" w="9525">
+                <a:solidFill>
+                  <a:srgbClr val="000000"/>
+                </a:solidFill>
+                <a:miter lim="800000"/>
+                <a:headEnd/>
+                <a:tailEnd/>
+              </a14:hiddenLine>
+            </a:ext>
+          </a:extLst>
+        </p:spPr>
+        <p:txBody>
+          <a:bodyPr wrap="square">
+            <a:spAutoFit/>
+          </a:bodyPr>
+          <a:lstStyle>
+            <a:lvl1pPr>
+              <a:defRPr>
+                <a:solidFill>
+                  <a:schemeClr val="tx1"/>
+                </a:solidFill>
+                <a:latin typeface="Calibri" panose="020F0502020204030204" pitchFamily="34" charset="0"/>
+              </a:defRPr>
+            </a:lvl1pPr>
+            <a:lvl2pPr marL="742950" indent="-285750">
+              <a:defRPr>
+                <a:solidFill>
+                  <a:schemeClr val="tx1"/>
+                </a:solidFill>
+                <a:latin typeface="Calibri" panose="020F0502020204030204" pitchFamily="34" charset="0"/>
+              </a:defRPr>
+            </a:lvl2pPr>
+            <a:lvl3pPr marL="1143000" indent="-228600">
+              <a:defRPr>
+                <a:solidFill>
+                  <a:schemeClr val="tx1"/>
+                </a:solidFill>
+                <a:latin typeface="Calibri" panose="020F0502020204030204" pitchFamily="34" charset="0"/>
+              </a:defRPr>
+            </a:lvl3pPr>
+            <a:lvl4pPr marL="1600200" indent="-228600">
+              <a:defRPr>
+                <a:solidFill>
+                  <a:schemeClr val="tx1"/>
+                </a:solidFill>
+                <a:latin typeface="Calibri" panose="020F0502020204030204" pitchFamily="34" charset="0"/>
+              </a:defRPr>
+            </a:lvl4pPr>
+            <a:lvl5pPr marL="2057400" indent="-228600">
+              <a:defRPr>
+                <a:solidFill>
+                  <a:schemeClr val="tx1"/>
+                </a:solidFill>
+                <a:latin typeface="Calibri" panose="020F0502020204030204" pitchFamily="34" charset="0"/>
+              </a:defRPr>
+            </a:lvl5pPr>
+            <a:lvl6pPr marL="2514600" indent="-228600" eaLnBrk="0" fontAlgn="base" hangingPunct="0">
+              <a:spcBef>
+                <a:spcPct val="0"/>
+              </a:spcBef>
+              <a:spcAft>
+                <a:spcPct val="0"/>
+              </a:spcAft>
+              <a:defRPr>
+                <a:solidFill>
+                  <a:schemeClr val="tx1"/>
+                </a:solidFill>
+                <a:latin typeface="Calibri" panose="020F0502020204030204" pitchFamily="34" charset="0"/>
+              </a:defRPr>
+            </a:lvl6pPr>
+            <a:lvl7pPr marL="2971800" indent="-228600" eaLnBrk="0" fontAlgn="base" hangingPunct="0">
+              <a:spcBef>
+                <a:spcPct val="0"/>
+              </a:spcBef>
+              <a:spcAft>
+                <a:spcPct val="0"/>
+              </a:spcAft>
+              <a:defRPr>
+                <a:solidFill>
+                  <a:schemeClr val="tx1"/>
+                </a:solidFill>
+                <a:latin typeface="Calibri" panose="020F0502020204030204" pitchFamily="34" charset="0"/>
+              </a:defRPr>
+            </a:lvl7pPr>
+            <a:lvl8pPr marL="3429000" indent="-228600" eaLnBrk="0" fontAlgn="base" hangingPunct="0">
+              <a:spcBef>
+                <a:spcPct val="0"/>
+              </a:spcBef>
+              <a:spcAft>
+                <a:spcPct val="0"/>
+              </a:spcAft>
+              <a:defRPr>
+                <a:solidFill>
+                  <a:schemeClr val="tx1"/>
+                </a:solidFill>
+                <a:latin typeface="Calibri" panose="020F0502020204030204" pitchFamily="34" charset="0"/>
+              </a:defRPr>
+            </a:lvl8pPr>
+            <a:lvl9pPr marL="3886200" indent="-228600" eaLnBrk="0" fontAlgn="base" hangingPunct="0">
+              <a:spcBef>
+                <a:spcPct val="0"/>
+              </a:spcBef>
+              <a:spcAft>
+                <a:spcPct val="0"/>
+              </a:spcAft>
+              <a:defRPr>
+                <a:solidFill>
+                  <a:schemeClr val="tx1"/>
+                </a:solidFill>
+                <a:latin typeface="Calibri" panose="020F0502020204030204" pitchFamily="34" charset="0"/>
+              </a:defRPr>
+            </a:lvl9pPr>
+          </a:lstStyle>
+          <a:p>
+            <a:pPr algn="ctr" eaLnBrk="1" hangingPunct="1"/>
+            <a:r>
+              <a:rPr lang="en-US" altLang="en-US" sz="1100" dirty="0">
+                <a:latin typeface="Arial" panose="020B0604020202020204" pitchFamily="34" charset="0"/>
+                <a:ea typeface="Amazon Ember" panose="020B0603020204020204" pitchFamily="34" charset="0"/>
+                <a:cs typeface="Arial" panose="020B0604020202020204" pitchFamily="34" charset="0"/>
+              </a:rPr>
+              <a:t>Org ID</a:t>
+            </a:r>
+          </a:p>
+          <a:p>
+            <a:pPr algn="ctr" eaLnBrk="1" hangingPunct="1"/>
+            <a:r>
+              <a:rPr lang="en-US" altLang="en-US" sz="1100" dirty="0">
+                <a:latin typeface="Arial" panose="020B0604020202020204" pitchFamily="34" charset="0"/>
+                <a:ea typeface="Amazon Ember" panose="020B0603020204020204" pitchFamily="34" charset="0"/>
+                <a:cs typeface="Arial" panose="020B0604020202020204" pitchFamily="34" charset="0"/>
+              </a:rPr>
+              <a:t>Lambda Role</a:t>
+            </a:r>
+          </a:p>
+        </p:txBody>
+      </p:sp>
+      <p:pic>
+        <p:nvPicPr>
+          <p:cNvPr id="96" name="Graphic 49">
+            <a:extLst>
+              <a:ext uri="{FF2B5EF4-FFF2-40B4-BE49-F238E27FC236}">
+                <a16:creationId xmlns:a16="http://schemas.microsoft.com/office/drawing/2014/main" id="{01F21790-0A72-8C4E-AB9A-FC458777507D}"/>
+              </a:ext>
+            </a:extLst>
+          </p:cNvPr>
+          <p:cNvPicPr>
+            <a:picLocks noChangeAspect="1" noChangeArrowheads="1"/>
+          </p:cNvPicPr>
+          <p:nvPr/>
+        </p:nvPicPr>
+        <p:blipFill>
+          <a:blip r:embed="rId5">
+            <a:extLst>
+              <a:ext uri="{28A0092B-C50C-407E-A947-70E740481C1C}">
+                <a14:useLocalDpi xmlns:a14="http://schemas.microsoft.com/office/drawing/2010/main"/>
+              </a:ext>
+            </a:extLst>
+          </a:blip>
+          <a:srcRect/>
+          <a:stretch>
+            <a:fillRect/>
+          </a:stretch>
+        </p:blipFill>
+        <p:spPr bwMode="auto">
+          <a:xfrm>
+            <a:off x="4084847" y="1075918"/>
+            <a:ext cx="457200" cy="457200"/>
+          </a:xfrm>
+          <a:prstGeom prst="rect">
+            <a:avLst/>
+          </a:prstGeom>
+          <a:noFill/>
+          <a:ln>
+            <a:noFill/>
+          </a:ln>
+          <a:extLst>
+            <a:ext uri="{909E8E84-426E-40DD-AFC4-6F175D3DCCD1}">
+              <a14:hiddenFill xmlns:a14="http://schemas.microsoft.com/office/drawing/2010/main">
+                <a:solidFill>
+                  <a:srgbClr val="FFFFFF"/>
+                </a:solidFill>
+              </a14:hiddenFill>
+            </a:ext>
+            <a:ext uri="{91240B29-F687-4F45-9708-019B960494DF}">
+              <a14:hiddenLine xmlns:a14="http://schemas.microsoft.com/office/drawing/2010/main" w="9525">
+                <a:solidFill>
+                  <a:srgbClr val="000000"/>
+                </a:solidFill>
+                <a:miter lim="800000"/>
+                <a:headEnd/>
+                <a:tailEnd/>
+              </a14:hiddenLine>
+            </a:ext>
+          </a:extLst>
+        </p:spPr>
+      </p:pic>
+      <p:sp>
+        <p:nvSpPr>
+          <p:cNvPr id="97" name="Oval 96">
+            <a:extLst>
+              <a:ext uri="{FF2B5EF4-FFF2-40B4-BE49-F238E27FC236}">
+                <a16:creationId xmlns:a16="http://schemas.microsoft.com/office/drawing/2014/main" id="{331102D3-2EA4-5649-A463-DB0BADC865B5}"/>
+              </a:ext>
+            </a:extLst>
+          </p:cNvPr>
+          <p:cNvSpPr/>
+          <p:nvPr/>
+        </p:nvSpPr>
+        <p:spPr>
+          <a:xfrm>
+            <a:off x="1859914" y="2426590"/>
+            <a:ext cx="253435" cy="212902"/>
+          </a:xfrm>
+          <a:prstGeom prst="ellipse">
+            <a:avLst/>
+          </a:prstGeom>
+          <a:solidFill>
+            <a:schemeClr val="tx1"/>
+          </a:solidFill>
+          <a:ln>
+            <a:solidFill>
+              <a:schemeClr val="tx1"/>
+            </a:solidFill>
+          </a:ln>
+        </p:spPr>
+        <p:style>
+          <a:lnRef idx="2">
+            <a:schemeClr val="accent1">
+              <a:shade val="50000"/>
+            </a:schemeClr>
+          </a:lnRef>
+          <a:fillRef idx="1">
+            <a:schemeClr val="accent1"/>
+          </a:fillRef>
+          <a:effectRef idx="0">
+            <a:schemeClr val="accent1"/>
+          </a:effectRef>
+          <a:fontRef idx="minor">
+            <a:schemeClr val="lt1"/>
+          </a:fontRef>
+        </p:style>
+        <p:txBody>
+          <a:bodyPr lIns="0" tIns="0" rIns="0" bIns="0" rtlCol="0" anchor="ctr"/>
+          <a:lstStyle/>
+          <a:p>
+            <a:pPr algn="ctr"/>
+            <a:r>
+              <a:rPr lang="en-US" sz="800" dirty="0">
+                <a:latin typeface="Arial" panose="020B0604020202020204" pitchFamily="34" charset="0"/>
+                <a:cs typeface="Arial" panose="020B0604020202020204" pitchFamily="34" charset="0"/>
+              </a:rPr>
+              <a:t>1.3</a:t>
+            </a:r>
+          </a:p>
+        </p:txBody>
+      </p:sp>
+      <p:sp>
+        <p:nvSpPr>
+          <p:cNvPr id="98" name="Oval 97">
+            <a:extLst>
+              <a:ext uri="{FF2B5EF4-FFF2-40B4-BE49-F238E27FC236}">
+                <a16:creationId xmlns:a16="http://schemas.microsoft.com/office/drawing/2014/main" id="{CFAAA7F6-EC54-564F-AE46-9A7CBBEF8D2D}"/>
+              </a:ext>
+            </a:extLst>
+          </p:cNvPr>
+          <p:cNvSpPr/>
+          <p:nvPr/>
+        </p:nvSpPr>
+        <p:spPr>
+          <a:xfrm>
+            <a:off x="1771213" y="3561564"/>
+            <a:ext cx="253435" cy="212902"/>
+          </a:xfrm>
+          <a:prstGeom prst="ellipse">
+            <a:avLst/>
+          </a:prstGeom>
+          <a:solidFill>
+            <a:schemeClr val="tx1"/>
+          </a:solidFill>
+          <a:ln>
+            <a:solidFill>
+              <a:schemeClr val="tx1"/>
+            </a:solidFill>
+          </a:ln>
+        </p:spPr>
+        <p:style>
+          <a:lnRef idx="2">
+            <a:schemeClr val="accent1">
+              <a:shade val="50000"/>
+            </a:schemeClr>
+          </a:lnRef>
+          <a:fillRef idx="1">
+            <a:schemeClr val="accent1"/>
+          </a:fillRef>
+          <a:effectRef idx="0">
+            <a:schemeClr val="accent1"/>
+          </a:effectRef>
+          <a:fontRef idx="minor">
+            <a:schemeClr val="lt1"/>
+          </a:fontRef>
+        </p:style>
+        <p:txBody>
+          <a:bodyPr lIns="0" tIns="0" rIns="0" bIns="0" rtlCol="0" anchor="ctr"/>
+          <a:lstStyle/>
+          <a:p>
+            <a:pPr algn="ctr"/>
+            <a:r>
+              <a:rPr lang="en-US" sz="800" dirty="0">
+                <a:latin typeface="Arial" panose="020B0604020202020204" pitchFamily="34" charset="0"/>
+                <a:cs typeface="Arial" panose="020B0604020202020204" pitchFamily="34" charset="0"/>
+              </a:rPr>
+              <a:t>1.4</a:t>
+            </a:r>
+          </a:p>
+        </p:txBody>
+      </p:sp>
+      <p:sp>
+        <p:nvSpPr>
+          <p:cNvPr id="99" name="Oval 98">
+            <a:extLst>
+              <a:ext uri="{FF2B5EF4-FFF2-40B4-BE49-F238E27FC236}">
+                <a16:creationId xmlns:a16="http://schemas.microsoft.com/office/drawing/2014/main" id="{E60D2483-F6F1-CC4D-9CAE-21E1F6C0C912}"/>
+              </a:ext>
+            </a:extLst>
+          </p:cNvPr>
+          <p:cNvSpPr/>
+          <p:nvPr/>
+        </p:nvSpPr>
+        <p:spPr>
+          <a:xfrm>
+            <a:off x="4052027" y="1052232"/>
+            <a:ext cx="253435" cy="212902"/>
+          </a:xfrm>
+          <a:prstGeom prst="ellipse">
+            <a:avLst/>
+          </a:prstGeom>
+          <a:solidFill>
+            <a:schemeClr val="tx1"/>
+          </a:solidFill>
+          <a:ln>
+            <a:solidFill>
+              <a:schemeClr val="tx1"/>
+            </a:solidFill>
+          </a:ln>
+        </p:spPr>
+        <p:style>
+          <a:lnRef idx="2">
+            <a:schemeClr val="accent1">
+              <a:shade val="50000"/>
+            </a:schemeClr>
+          </a:lnRef>
+          <a:fillRef idx="1">
+            <a:schemeClr val="accent1"/>
+          </a:fillRef>
+          <a:effectRef idx="0">
+            <a:schemeClr val="accent1"/>
+          </a:effectRef>
+          <a:fontRef idx="minor">
+            <a:schemeClr val="lt1"/>
+          </a:fontRef>
+        </p:style>
+        <p:txBody>
+          <a:bodyPr lIns="0" tIns="0" rIns="0" bIns="0" rtlCol="0" anchor="ctr"/>
+          <a:lstStyle/>
+          <a:p>
+            <a:pPr algn="ctr"/>
+            <a:r>
+              <a:rPr lang="en-US" sz="800" dirty="0">
+                <a:latin typeface="Arial" panose="020B0604020202020204" pitchFamily="34" charset="0"/>
+                <a:cs typeface="Arial" panose="020B0604020202020204" pitchFamily="34" charset="0"/>
+              </a:rPr>
+              <a:t>1.2</a:t>
+            </a:r>
+          </a:p>
+        </p:txBody>
+      </p:sp>
+      <p:sp>
+        <p:nvSpPr>
+          <p:cNvPr id="102" name="TextBox 101">
+            <a:extLst>
+              <a:ext uri="{FF2B5EF4-FFF2-40B4-BE49-F238E27FC236}">
+                <a16:creationId xmlns:a16="http://schemas.microsoft.com/office/drawing/2014/main" id="{A0C0E56E-E47B-4E40-969C-476D78441460}"/>
+              </a:ext>
+            </a:extLst>
+          </p:cNvPr>
+          <p:cNvSpPr txBox="1"/>
+          <p:nvPr/>
+        </p:nvSpPr>
+        <p:spPr>
+          <a:xfrm>
+            <a:off x="8687485" y="2303790"/>
+            <a:ext cx="1178319" cy="430887"/>
+          </a:xfrm>
+          <a:prstGeom prst="rect">
+            <a:avLst/>
+          </a:prstGeom>
+          <a:noFill/>
+        </p:spPr>
+        <p:txBody>
+          <a:bodyPr wrap="square" rtlCol="0">
+            <a:spAutoFit/>
+          </a:bodyPr>
+          <a:lstStyle/>
+          <a:p>
+            <a:pPr algn="ctr"/>
+            <a:r>
+              <a:rPr lang="en-US" sz="1100" dirty="0">
+                <a:latin typeface="Arial" panose="020B0604020202020204" pitchFamily="34" charset="0"/>
+                <a:cs typeface="Arial" panose="020B0604020202020204" pitchFamily="34" charset="0"/>
+              </a:rPr>
+              <a:t>AWS CloudFormation</a:t>
+            </a:r>
+          </a:p>
+        </p:txBody>
+      </p:sp>
+      <p:pic>
+        <p:nvPicPr>
+          <p:cNvPr id="103" name="Graphic 102">
+            <a:extLst>
+              <a:ext uri="{FF2B5EF4-FFF2-40B4-BE49-F238E27FC236}">
+                <a16:creationId xmlns:a16="http://schemas.microsoft.com/office/drawing/2014/main" id="{5729D7DF-2B24-4745-ABEF-6096FB3712B7}"/>
+              </a:ext>
+            </a:extLst>
+          </p:cNvPr>
+          <p:cNvPicPr>
+            <a:picLocks noChangeAspect="1"/>
+          </p:cNvPicPr>
+          <p:nvPr/>
+        </p:nvPicPr>
+        <p:blipFill>
+          <a:blip r:embed="rId8">
+            <a:extLst>
+              <a:ext uri="{96DAC541-7B7A-43D3-8B79-37D633B846F1}">
+                <asvg:svgBlip xmlns:asvg="http://schemas.microsoft.com/office/drawing/2016/SVG/main" r:embed="rId9"/>
+              </a:ext>
+            </a:extLst>
+          </a:blip>
+          <a:stretch>
+            <a:fillRect/>
+          </a:stretch>
+        </p:blipFill>
+        <p:spPr>
+          <a:xfrm>
+            <a:off x="9051339" y="1839308"/>
+            <a:ext cx="457200" cy="457200"/>
+          </a:xfrm>
+          <a:prstGeom prst="rect">
+            <a:avLst/>
+          </a:prstGeom>
+        </p:spPr>
+      </p:pic>
+      <p:sp>
+        <p:nvSpPr>
+          <p:cNvPr id="104" name="Oval 103">
+            <a:extLst>
+              <a:ext uri="{FF2B5EF4-FFF2-40B4-BE49-F238E27FC236}">
+                <a16:creationId xmlns:a16="http://schemas.microsoft.com/office/drawing/2014/main" id="{FFCA2FCA-04E4-EC48-A62B-D3DC1BB8D3BB}"/>
+              </a:ext>
+            </a:extLst>
+          </p:cNvPr>
+          <p:cNvSpPr/>
+          <p:nvPr/>
+        </p:nvSpPr>
+        <p:spPr>
+          <a:xfrm>
+            <a:off x="8946564" y="1758523"/>
+            <a:ext cx="253435" cy="212902"/>
+          </a:xfrm>
+          <a:prstGeom prst="ellipse">
+            <a:avLst/>
+          </a:prstGeom>
+          <a:solidFill>
+            <a:schemeClr val="tx1"/>
+          </a:solidFill>
+          <a:ln>
+            <a:solidFill>
+              <a:schemeClr val="tx1"/>
+            </a:solidFill>
+          </a:ln>
+        </p:spPr>
+        <p:style>
+          <a:lnRef idx="2">
+            <a:schemeClr val="accent1">
+              <a:shade val="50000"/>
+            </a:schemeClr>
+          </a:lnRef>
+          <a:fillRef idx="1">
+            <a:schemeClr val="accent1"/>
+          </a:fillRef>
+          <a:effectRef idx="0">
+            <a:schemeClr val="accent1"/>
+          </a:effectRef>
+          <a:fontRef idx="minor">
+            <a:schemeClr val="lt1"/>
+          </a:fontRef>
+        </p:style>
+        <p:txBody>
+          <a:bodyPr lIns="0" tIns="0" rIns="0" bIns="0" rtlCol="0" anchor="ctr"/>
+          <a:lstStyle/>
+          <a:p>
+            <a:pPr algn="ctr"/>
+            <a:r>
+              <a:rPr lang="en-US" sz="800" dirty="0">
+                <a:latin typeface="Arial" panose="020B0604020202020204" pitchFamily="34" charset="0"/>
+                <a:cs typeface="Arial" panose="020B0604020202020204" pitchFamily="34" charset="0"/>
+              </a:rPr>
+              <a:t>2.1</a:t>
+            </a:r>
+          </a:p>
+        </p:txBody>
+      </p:sp>
+      <p:sp>
+        <p:nvSpPr>
+          <p:cNvPr id="78" name="TextBox 77">
+            <a:extLst>
+              <a:ext uri="{FF2B5EF4-FFF2-40B4-BE49-F238E27FC236}">
+                <a16:creationId xmlns:a16="http://schemas.microsoft.com/office/drawing/2014/main" id="{775B4886-B948-1E4B-A343-0BC6DB01BEBC}"/>
+              </a:ext>
+            </a:extLst>
+          </p:cNvPr>
+          <p:cNvSpPr txBox="1"/>
+          <p:nvPr/>
+        </p:nvSpPr>
+        <p:spPr>
+          <a:xfrm>
+            <a:off x="5438748" y="5907211"/>
+            <a:ext cx="1211154" cy="430887"/>
+          </a:xfrm>
+          <a:prstGeom prst="rect">
+            <a:avLst/>
+          </a:prstGeom>
+          <a:noFill/>
+        </p:spPr>
+        <p:txBody>
+          <a:bodyPr wrap="square" rtlCol="0">
+            <a:spAutoFit/>
+          </a:bodyPr>
+          <a:lstStyle/>
+          <a:p>
+            <a:pPr algn="ctr"/>
+            <a:r>
+              <a:rPr lang="en-US" sz="1100" dirty="0">
+                <a:latin typeface="Arial" panose="020B0604020202020204" pitchFamily="34" charset="0"/>
+                <a:cs typeface="Arial" panose="020B0604020202020204" pitchFamily="34" charset="0"/>
+              </a:rPr>
+              <a:t>AWS CloudFormation</a:t>
+            </a:r>
+          </a:p>
+        </p:txBody>
+      </p:sp>
+      <p:pic>
+        <p:nvPicPr>
+          <p:cNvPr id="82" name="Graphic 81">
+            <a:extLst>
+              <a:ext uri="{FF2B5EF4-FFF2-40B4-BE49-F238E27FC236}">
+                <a16:creationId xmlns:a16="http://schemas.microsoft.com/office/drawing/2014/main" id="{B9337609-3170-2D46-ABF4-CB14D5695D4C}"/>
+              </a:ext>
+            </a:extLst>
+          </p:cNvPr>
+          <p:cNvPicPr>
+            <a:picLocks noChangeAspect="1"/>
+          </p:cNvPicPr>
+          <p:nvPr/>
+        </p:nvPicPr>
+        <p:blipFill>
+          <a:blip r:embed="rId8">
+            <a:extLst>
+              <a:ext uri="{96DAC541-7B7A-43D3-8B79-37D633B846F1}">
+                <asvg:svgBlip xmlns:asvg="http://schemas.microsoft.com/office/drawing/2016/SVG/main" r:embed="rId9"/>
+              </a:ext>
+            </a:extLst>
+          </a:blip>
+          <a:stretch>
+            <a:fillRect/>
+          </a:stretch>
+        </p:blipFill>
+        <p:spPr>
+          <a:xfrm>
+            <a:off x="5814790" y="5456170"/>
+            <a:ext cx="457200" cy="457200"/>
+          </a:xfrm>
+          <a:prstGeom prst="rect">
+            <a:avLst/>
+          </a:prstGeom>
+        </p:spPr>
+      </p:pic>
+      <p:sp>
+        <p:nvSpPr>
+          <p:cNvPr id="107" name="Oval 106">
+            <a:extLst>
+              <a:ext uri="{FF2B5EF4-FFF2-40B4-BE49-F238E27FC236}">
+                <a16:creationId xmlns:a16="http://schemas.microsoft.com/office/drawing/2014/main" id="{1C4DBBA7-1DC2-FB41-B804-9345C3CE823F}"/>
+              </a:ext>
+            </a:extLst>
+          </p:cNvPr>
+          <p:cNvSpPr/>
+          <p:nvPr/>
+        </p:nvSpPr>
+        <p:spPr>
+          <a:xfrm>
+            <a:off x="5688071" y="5389528"/>
+            <a:ext cx="253435" cy="212902"/>
+          </a:xfrm>
+          <a:prstGeom prst="ellipse">
+            <a:avLst/>
+          </a:prstGeom>
+          <a:solidFill>
+            <a:schemeClr val="tx1"/>
+          </a:solidFill>
+          <a:ln>
+            <a:solidFill>
+              <a:schemeClr val="tx1"/>
+            </a:solidFill>
+          </a:ln>
+        </p:spPr>
+        <p:style>
+          <a:lnRef idx="2">
+            <a:schemeClr val="accent1">
+              <a:shade val="50000"/>
+            </a:schemeClr>
+          </a:lnRef>
+          <a:fillRef idx="1">
+            <a:schemeClr val="accent1"/>
+          </a:fillRef>
+          <a:effectRef idx="0">
+            <a:schemeClr val="accent1"/>
+          </a:effectRef>
+          <a:fontRef idx="minor">
+            <a:schemeClr val="lt1"/>
+          </a:fontRef>
+        </p:style>
+        <p:txBody>
+          <a:bodyPr lIns="0" tIns="0" rIns="0" bIns="0" rtlCol="0" anchor="ctr"/>
+          <a:lstStyle/>
+          <a:p>
+            <a:pPr algn="ctr"/>
+            <a:r>
+              <a:rPr lang="en-US" sz="800" dirty="0">
+                <a:latin typeface="Arial" panose="020B0604020202020204" pitchFamily="34" charset="0"/>
+                <a:cs typeface="Arial" panose="020B0604020202020204" pitchFamily="34" charset="0"/>
+              </a:rPr>
+              <a:t>3.1</a:t>
+            </a:r>
+          </a:p>
+        </p:txBody>
+      </p:sp>
+      <p:pic>
+        <p:nvPicPr>
+          <p:cNvPr id="127" name="Graphic 7">
+            <a:extLst>
+              <a:ext uri="{FF2B5EF4-FFF2-40B4-BE49-F238E27FC236}">
+                <a16:creationId xmlns:a16="http://schemas.microsoft.com/office/drawing/2014/main" id="{79374A76-43DA-674F-926C-11016F7D70A7}"/>
+              </a:ext>
+            </a:extLst>
+          </p:cNvPr>
+          <p:cNvPicPr>
+            <a:picLocks noChangeAspect="1" noChangeArrowheads="1"/>
+          </p:cNvPicPr>
+          <p:nvPr/>
+        </p:nvPicPr>
+        <p:blipFill>
+          <a:blip r:embed="rId10">
+            <a:extLst>
+              <a:ext uri="{28A0092B-C50C-407E-A947-70E740481C1C}">
+                <a14:useLocalDpi xmlns:a14="http://schemas.microsoft.com/office/drawing/2010/main"/>
+              </a:ext>
+            </a:extLst>
+          </a:blip>
+          <a:srcRect/>
+          <a:stretch>
+            <a:fillRect/>
+          </a:stretch>
+        </p:blipFill>
+        <p:spPr bwMode="auto">
+          <a:xfrm>
+            <a:off x="6820405" y="5462875"/>
+            <a:ext cx="457200" cy="457200"/>
+          </a:xfrm>
+          <a:prstGeom prst="rect">
+            <a:avLst/>
+          </a:prstGeom>
+          <a:noFill/>
+          <a:ln>
+            <a:noFill/>
+          </a:ln>
+          <a:extLst>
+            <a:ext uri="{909E8E84-426E-40DD-AFC4-6F175D3DCCD1}">
+              <a14:hiddenFill xmlns:a14="http://schemas.microsoft.com/office/drawing/2010/main">
+                <a:solidFill>
+                  <a:srgbClr val="FFFFFF"/>
+                </a:solidFill>
+              </a14:hiddenFill>
+            </a:ext>
+            <a:ext uri="{91240B29-F687-4F45-9708-019B960494DF}">
+              <a14:hiddenLine xmlns:a14="http://schemas.microsoft.com/office/drawing/2010/main" w="9525">
+                <a:solidFill>
+                  <a:srgbClr val="000000"/>
+                </a:solidFill>
+                <a:miter lim="800000"/>
+                <a:headEnd/>
+                <a:tailEnd/>
+              </a14:hiddenLine>
+            </a:ext>
+          </a:extLst>
+        </p:spPr>
+      </p:pic>
+      <p:sp>
+        <p:nvSpPr>
+          <p:cNvPr id="128" name="TextBox 127">
+            <a:extLst>
+              <a:ext uri="{FF2B5EF4-FFF2-40B4-BE49-F238E27FC236}">
+                <a16:creationId xmlns:a16="http://schemas.microsoft.com/office/drawing/2014/main" id="{27A962B3-D245-5C49-8E3C-C201B05778F9}"/>
+              </a:ext>
+            </a:extLst>
+          </p:cNvPr>
+          <p:cNvSpPr txBox="1"/>
+          <p:nvPr/>
+        </p:nvSpPr>
+        <p:spPr>
+          <a:xfrm>
+            <a:off x="6515859" y="5916861"/>
+            <a:ext cx="1115962" cy="430887"/>
+          </a:xfrm>
+          <a:prstGeom prst="rect">
+            <a:avLst/>
+          </a:prstGeom>
+          <a:noFill/>
+        </p:spPr>
+        <p:txBody>
+          <a:bodyPr wrap="square" rtlCol="0">
+            <a:spAutoFit/>
+          </a:bodyPr>
+          <a:lstStyle/>
+          <a:p>
+            <a:pPr algn="ctr"/>
+            <a:r>
+              <a:rPr lang="en-US" sz="1100" dirty="0">
+                <a:latin typeface="Arial" panose="020B0604020202020204" pitchFamily="34" charset="0"/>
+                <a:cs typeface="Arial" panose="020B0604020202020204" pitchFamily="34" charset="0"/>
+              </a:rPr>
+              <a:t>SRA Secrets KMS Key</a:t>
+            </a:r>
+          </a:p>
+        </p:txBody>
+      </p:sp>
+      <p:sp>
+        <p:nvSpPr>
+          <p:cNvPr id="130" name="Oval 129">
+            <a:extLst>
+              <a:ext uri="{FF2B5EF4-FFF2-40B4-BE49-F238E27FC236}">
+                <a16:creationId xmlns:a16="http://schemas.microsoft.com/office/drawing/2014/main" id="{6C8C1508-DD27-BF4B-88E0-C11CDE76CA5E}"/>
+              </a:ext>
+            </a:extLst>
+          </p:cNvPr>
+          <p:cNvSpPr/>
+          <p:nvPr/>
+        </p:nvSpPr>
+        <p:spPr>
+          <a:xfrm>
+            <a:off x="6720476" y="5389528"/>
+            <a:ext cx="253435" cy="212902"/>
+          </a:xfrm>
+          <a:prstGeom prst="ellipse">
+            <a:avLst/>
+          </a:prstGeom>
+          <a:solidFill>
+            <a:schemeClr val="tx1"/>
+          </a:solidFill>
+          <a:ln>
+            <a:solidFill>
+              <a:schemeClr val="tx1"/>
+            </a:solidFill>
+          </a:ln>
+        </p:spPr>
+        <p:style>
+          <a:lnRef idx="2">
+            <a:schemeClr val="accent1">
+              <a:shade val="50000"/>
+            </a:schemeClr>
+          </a:lnRef>
+          <a:fillRef idx="1">
+            <a:schemeClr val="accent1"/>
+          </a:fillRef>
+          <a:effectRef idx="0">
+            <a:schemeClr val="accent1"/>
+          </a:effectRef>
+          <a:fontRef idx="minor">
+            <a:schemeClr val="lt1"/>
+          </a:fontRef>
+        </p:style>
+        <p:txBody>
+          <a:bodyPr lIns="0" tIns="0" rIns="0" bIns="0" rtlCol="0" anchor="ctr"/>
+          <a:lstStyle/>
+          <a:p>
+            <a:pPr algn="ctr"/>
+            <a:r>
+              <a:rPr lang="en-US" sz="800" dirty="0">
+                <a:latin typeface="Arial" panose="020B0604020202020204" pitchFamily="34" charset="0"/>
+                <a:cs typeface="Arial" panose="020B0604020202020204" pitchFamily="34" charset="0"/>
+              </a:rPr>
+              <a:t>3.2</a:t>
+            </a:r>
+          </a:p>
+        </p:txBody>
+      </p:sp>
+      <p:sp>
+        <p:nvSpPr>
+          <p:cNvPr id="85" name="Oval 84">
+            <a:extLst>
+              <a:ext uri="{FF2B5EF4-FFF2-40B4-BE49-F238E27FC236}">
+                <a16:creationId xmlns:a16="http://schemas.microsoft.com/office/drawing/2014/main" id="{5F966B37-BA9A-2044-BCB0-B925BCD94408}"/>
+              </a:ext>
+            </a:extLst>
+          </p:cNvPr>
+          <p:cNvSpPr/>
+          <p:nvPr/>
+        </p:nvSpPr>
+        <p:spPr>
+          <a:xfrm>
+            <a:off x="3160494" y="3536081"/>
+            <a:ext cx="253435" cy="212902"/>
+          </a:xfrm>
+          <a:prstGeom prst="ellipse">
+            <a:avLst/>
+          </a:prstGeom>
+          <a:solidFill>
+            <a:schemeClr val="tx1"/>
+          </a:solidFill>
+          <a:ln>
+            <a:solidFill>
+              <a:schemeClr val="tx1"/>
+            </a:solidFill>
+          </a:ln>
+        </p:spPr>
+        <p:style>
+          <a:lnRef idx="2">
+            <a:schemeClr val="accent1">
+              <a:shade val="50000"/>
+            </a:schemeClr>
+          </a:lnRef>
+          <a:fillRef idx="1">
+            <a:schemeClr val="accent1"/>
+          </a:fillRef>
+          <a:effectRef idx="0">
+            <a:schemeClr val="accent1"/>
+          </a:effectRef>
+          <a:fontRef idx="minor">
+            <a:schemeClr val="lt1"/>
+          </a:fontRef>
+        </p:style>
+        <p:txBody>
+          <a:bodyPr lIns="0" tIns="0" rIns="0" bIns="0" rtlCol="0" anchor="ctr"/>
+          <a:lstStyle/>
+          <a:p>
+            <a:pPr algn="ctr"/>
+            <a:r>
+              <a:rPr lang="en-US" sz="800" dirty="0">
+                <a:latin typeface="Arial" panose="020B0604020202020204" pitchFamily="34" charset="0"/>
+                <a:cs typeface="Arial" panose="020B0604020202020204" pitchFamily="34" charset="0"/>
+              </a:rPr>
+              <a:t>1.6</a:t>
+            </a:r>
+          </a:p>
+        </p:txBody>
+      </p:sp>
+      <p:sp>
+        <p:nvSpPr>
+          <p:cNvPr id="74" name="Rectangle 73">
+            <a:extLst>
+              <a:ext uri="{FF2B5EF4-FFF2-40B4-BE49-F238E27FC236}">
+                <a16:creationId xmlns:a16="http://schemas.microsoft.com/office/drawing/2014/main" id="{F681D6AC-4935-47B3-AE2A-303E5CBD6EB1}"/>
+              </a:ext>
+            </a:extLst>
+          </p:cNvPr>
+          <p:cNvSpPr/>
+          <p:nvPr/>
+        </p:nvSpPr>
+        <p:spPr>
+          <a:xfrm>
+            <a:off x="1155032" y="161058"/>
+            <a:ext cx="10908187" cy="6535883"/>
+          </a:xfrm>
+          <a:prstGeom prst="rect">
+            <a:avLst/>
+          </a:prstGeom>
+          <a:noFill/>
+          <a:ln w="12700">
+            <a:solidFill>
+              <a:schemeClr val="tx1"/>
+            </a:solidFill>
+          </a:ln>
+        </p:spPr>
+        <p:style>
+          <a:lnRef idx="2">
+            <a:schemeClr val="accent1">
+              <a:shade val="50000"/>
+            </a:schemeClr>
+          </a:lnRef>
+          <a:fillRef idx="1">
+            <a:schemeClr val="accent1"/>
+          </a:fillRef>
+          <a:effectRef idx="0">
+            <a:schemeClr val="accent1"/>
+          </a:effectRef>
+          <a:fontRef idx="minor">
+            <a:schemeClr val="lt1"/>
+          </a:fontRef>
+        </p:style>
+        <p:txBody>
+          <a:bodyPr lIns="502920" tIns="91440"/>
+          <a:lstStyle/>
+          <a:p>
+            <a:pPr eaLnBrk="1" fontAlgn="auto" hangingPunct="1">
+              <a:spcBef>
+                <a:spcPts val="0"/>
+              </a:spcBef>
+              <a:spcAft>
+                <a:spcPts val="0"/>
+              </a:spcAft>
+              <a:defRPr/>
+            </a:pPr>
+            <a:r>
+              <a:rPr lang="en-US" sz="1200" dirty="0">
+                <a:solidFill>
+                  <a:sysClr val="windowText" lastClr="000000"/>
+                </a:solidFill>
+                <a:latin typeface="Arial" panose="020B0604020202020204" pitchFamily="34" charset="0"/>
+                <a:cs typeface="Arial" panose="020B0604020202020204" pitchFamily="34" charset="0"/>
+              </a:rPr>
+              <a:t>AWS Cloud</a:t>
+            </a:r>
+          </a:p>
+        </p:txBody>
+      </p:sp>
+      <p:sp>
+        <p:nvSpPr>
+          <p:cNvPr id="108" name="Rectangle 107">
+            <a:extLst>
+              <a:ext uri="{FF2B5EF4-FFF2-40B4-BE49-F238E27FC236}">
+                <a16:creationId xmlns:a16="http://schemas.microsoft.com/office/drawing/2014/main" id="{2CEC27DD-3797-473F-AE23-3F11D403F494}"/>
+              </a:ext>
+            </a:extLst>
+          </p:cNvPr>
+          <p:cNvSpPr/>
+          <p:nvPr/>
+        </p:nvSpPr>
+        <p:spPr>
+          <a:xfrm>
+            <a:off x="1269352" y="672047"/>
+            <a:ext cx="7157158" cy="4013586"/>
+          </a:xfrm>
+          <a:prstGeom prst="rect">
+            <a:avLst/>
+          </a:prstGeom>
+          <a:noFill/>
+          <a:ln w="12700">
+            <a:solidFill>
+              <a:srgbClr val="CD2264"/>
+            </a:solidFill>
+          </a:ln>
+        </p:spPr>
+        <p:style>
+          <a:lnRef idx="2">
+            <a:schemeClr val="accent1">
+              <a:shade val="50000"/>
+            </a:schemeClr>
+          </a:lnRef>
+          <a:fillRef idx="1">
+            <a:schemeClr val="accent1"/>
+          </a:fillRef>
+          <a:effectRef idx="0">
+            <a:schemeClr val="accent1"/>
+          </a:effectRef>
+          <a:fontRef idx="minor">
+            <a:schemeClr val="lt1"/>
+          </a:fontRef>
+        </p:style>
+        <p:txBody>
+          <a:bodyPr lIns="502920" tIns="91440"/>
+          <a:lstStyle/>
+          <a:p>
+            <a:pPr eaLnBrk="1" fontAlgn="auto" hangingPunct="1">
+              <a:spcBef>
+                <a:spcPts val="0"/>
+              </a:spcBef>
+              <a:spcAft>
+                <a:spcPts val="0"/>
+              </a:spcAft>
+              <a:defRPr/>
+            </a:pPr>
+            <a:r>
+              <a:rPr lang="en-US" sz="1200" dirty="0">
+                <a:solidFill>
+                  <a:srgbClr val="CD2264"/>
+                </a:solidFill>
+                <a:latin typeface="Arial" panose="020B0604020202020204" pitchFamily="34" charset="0"/>
+                <a:cs typeface="Arial" panose="020B0604020202020204" pitchFamily="34" charset="0"/>
+              </a:rPr>
+              <a:t>Organization Management Account</a:t>
+            </a:r>
+          </a:p>
+        </p:txBody>
+      </p:sp>
+      <p:pic>
+        <p:nvPicPr>
+          <p:cNvPr id="109" name="Graphic 108">
+            <a:extLst>
+              <a:ext uri="{FF2B5EF4-FFF2-40B4-BE49-F238E27FC236}">
+                <a16:creationId xmlns:a16="http://schemas.microsoft.com/office/drawing/2014/main" id="{915C0239-B609-41FA-883C-77919FF002C4}"/>
+              </a:ext>
+            </a:extLst>
+          </p:cNvPr>
+          <p:cNvPicPr>
+            <a:picLocks noChangeAspect="1"/>
+          </p:cNvPicPr>
+          <p:nvPr/>
+        </p:nvPicPr>
+        <p:blipFill>
+          <a:blip r:embed="rId11">
+            <a:extLst>
+              <a:ext uri="{96DAC541-7B7A-43D3-8B79-37D633B846F1}">
+                <asvg:svgBlip xmlns:asvg="http://schemas.microsoft.com/office/drawing/2016/SVG/main" r:embed="rId12"/>
+              </a:ext>
+            </a:extLst>
+          </a:blip>
+          <a:stretch>
+            <a:fillRect/>
+          </a:stretch>
+        </p:blipFill>
+        <p:spPr>
+          <a:xfrm>
+            <a:off x="1269708" y="672045"/>
+            <a:ext cx="424469" cy="424469"/>
+          </a:xfrm>
+          <a:prstGeom prst="rect">
+            <a:avLst/>
+          </a:prstGeom>
+        </p:spPr>
+      </p:pic>
+      <p:sp>
+        <p:nvSpPr>
+          <p:cNvPr id="226" name="Oval 225">
+            <a:extLst>
+              <a:ext uri="{FF2B5EF4-FFF2-40B4-BE49-F238E27FC236}">
+                <a16:creationId xmlns:a16="http://schemas.microsoft.com/office/drawing/2014/main" id="{B075B0CF-8F6A-3947-BD02-50EB6DA85CEE}"/>
+              </a:ext>
+            </a:extLst>
+          </p:cNvPr>
+          <p:cNvSpPr/>
+          <p:nvPr/>
+        </p:nvSpPr>
+        <p:spPr>
+          <a:xfrm>
+            <a:off x="1350592" y="1033123"/>
+            <a:ext cx="253435" cy="212902"/>
+          </a:xfrm>
+          <a:prstGeom prst="ellipse">
+            <a:avLst/>
+          </a:prstGeom>
+          <a:solidFill>
+            <a:schemeClr val="tx1"/>
+          </a:solidFill>
+          <a:ln>
+            <a:solidFill>
+              <a:schemeClr val="tx1"/>
+            </a:solidFill>
+          </a:ln>
+        </p:spPr>
+        <p:style>
+          <a:lnRef idx="2">
+            <a:schemeClr val="accent1">
+              <a:shade val="50000"/>
+            </a:schemeClr>
+          </a:lnRef>
+          <a:fillRef idx="1">
+            <a:schemeClr val="accent1"/>
+          </a:fillRef>
+          <a:effectRef idx="0">
+            <a:schemeClr val="accent1"/>
+          </a:effectRef>
+          <a:fontRef idx="minor">
+            <a:schemeClr val="lt1"/>
+          </a:fontRef>
+        </p:style>
+        <p:txBody>
+          <a:bodyPr lIns="0" tIns="0" rIns="0" bIns="0" rtlCol="0" anchor="ctr"/>
+          <a:lstStyle/>
+          <a:p>
+            <a:pPr algn="ctr"/>
+            <a:r>
+              <a:rPr lang="en-US" sz="800" dirty="0">
+                <a:latin typeface="Arial" panose="020B0604020202020204" pitchFamily="34" charset="0"/>
+                <a:cs typeface="Arial" panose="020B0604020202020204" pitchFamily="34" charset="0"/>
+              </a:rPr>
+              <a:t>1.0</a:t>
+            </a:r>
+          </a:p>
+        </p:txBody>
+      </p:sp>
+      <p:sp>
+        <p:nvSpPr>
+          <p:cNvPr id="111" name="Rectangle 110">
+            <a:extLst>
+              <a:ext uri="{FF2B5EF4-FFF2-40B4-BE49-F238E27FC236}">
+                <a16:creationId xmlns:a16="http://schemas.microsoft.com/office/drawing/2014/main" id="{BC57CA1D-D8BD-4FFE-A77E-E8CBBF76CBB0}"/>
+              </a:ext>
+            </a:extLst>
+          </p:cNvPr>
+          <p:cNvSpPr/>
+          <p:nvPr/>
+        </p:nvSpPr>
+        <p:spPr>
+          <a:xfrm>
+            <a:off x="1435202" y="1988954"/>
+            <a:ext cx="5068684" cy="2555892"/>
+          </a:xfrm>
+          <a:prstGeom prst="rect">
+            <a:avLst/>
+          </a:prstGeom>
+          <a:noFill/>
+          <a:ln w="12700">
+            <a:solidFill>
+              <a:srgbClr val="5B9CD5"/>
+            </a:solidFill>
+            <a:prstDash val="sysDash"/>
+          </a:ln>
+        </p:spPr>
+        <p:style>
+          <a:lnRef idx="2">
+            <a:schemeClr val="accent1">
+              <a:shade val="50000"/>
+            </a:schemeClr>
+          </a:lnRef>
+          <a:fillRef idx="1">
+            <a:schemeClr val="accent1"/>
+          </a:fillRef>
+          <a:effectRef idx="0">
+            <a:schemeClr val="accent1"/>
+          </a:effectRef>
+          <a:fontRef idx="minor">
+            <a:schemeClr val="lt1"/>
+          </a:fontRef>
+        </p:style>
+        <p:txBody>
+          <a:bodyPr lIns="502920" tIns="91440"/>
+          <a:lstStyle/>
+          <a:p>
+            <a:pPr eaLnBrk="1" fontAlgn="auto" hangingPunct="1">
+              <a:spcBef>
+                <a:spcPts val="0"/>
+              </a:spcBef>
+              <a:spcAft>
+                <a:spcPts val="0"/>
+              </a:spcAft>
+              <a:defRPr/>
+            </a:pPr>
+            <a:r>
+              <a:rPr lang="en-US" sz="1200" dirty="0">
+                <a:solidFill>
+                  <a:srgbClr val="5B9CD5"/>
+                </a:solidFill>
+                <a:latin typeface="Arial" panose="020B0604020202020204" pitchFamily="34" charset="0"/>
+                <a:cs typeface="Arial" panose="020B0604020202020204" pitchFamily="34" charset="0"/>
+              </a:rPr>
+              <a:t>Home Region</a:t>
+            </a:r>
+          </a:p>
+        </p:txBody>
+      </p:sp>
+      <p:pic>
+        <p:nvPicPr>
+          <p:cNvPr id="120" name="Graphic 119">
+            <a:extLst>
+              <a:ext uri="{FF2B5EF4-FFF2-40B4-BE49-F238E27FC236}">
+                <a16:creationId xmlns:a16="http://schemas.microsoft.com/office/drawing/2014/main" id="{C8BEE3B7-A224-46A7-81B8-1EE7F085B8A3}"/>
+              </a:ext>
+            </a:extLst>
+          </p:cNvPr>
+          <p:cNvPicPr>
+            <a:picLocks noChangeAspect="1"/>
+          </p:cNvPicPr>
+          <p:nvPr/>
+        </p:nvPicPr>
+        <p:blipFill>
+          <a:blip r:embed="rId13">
+            <a:extLst>
+              <a:ext uri="{96DAC541-7B7A-43D3-8B79-37D633B846F1}">
+                <asvg:svgBlip xmlns:asvg="http://schemas.microsoft.com/office/drawing/2016/SVG/main" r:embed="rId14"/>
+              </a:ext>
+            </a:extLst>
+          </a:blip>
+          <a:stretch>
+            <a:fillRect/>
+          </a:stretch>
+        </p:blipFill>
+        <p:spPr>
+          <a:xfrm>
+            <a:off x="1434394" y="1982461"/>
+            <a:ext cx="338804" cy="338804"/>
+          </a:xfrm>
+          <a:prstGeom prst="rect">
+            <a:avLst/>
+          </a:prstGeom>
+        </p:spPr>
+      </p:pic>
+      <p:sp>
+        <p:nvSpPr>
+          <p:cNvPr id="121" name="Rectangle 120">
+            <a:extLst>
+              <a:ext uri="{FF2B5EF4-FFF2-40B4-BE49-F238E27FC236}">
+                <a16:creationId xmlns:a16="http://schemas.microsoft.com/office/drawing/2014/main" id="{65B20F5B-E009-4CD3-8FDE-D44E75E7361E}"/>
+              </a:ext>
+            </a:extLst>
+          </p:cNvPr>
+          <p:cNvSpPr/>
+          <p:nvPr/>
+        </p:nvSpPr>
+        <p:spPr>
+          <a:xfrm>
+            <a:off x="6579394" y="1987991"/>
+            <a:ext cx="1598247" cy="2360907"/>
+          </a:xfrm>
+          <a:prstGeom prst="rect">
+            <a:avLst/>
+          </a:prstGeom>
+          <a:solidFill>
+            <a:schemeClr val="bg1"/>
+          </a:solidFill>
+          <a:ln w="12700">
+            <a:solidFill>
+              <a:srgbClr val="5B9CD5"/>
+            </a:solidFill>
+            <a:prstDash val="sysDash"/>
+          </a:ln>
+          <a:effectLst>
+            <a:outerShdw blurRad="50800" dist="38100" dir="13500000" algn="br" rotWithShape="0">
+              <a:prstClr val="black">
+                <a:alpha val="40000"/>
+              </a:prstClr>
+            </a:outerShdw>
+          </a:effectLst>
+        </p:spPr>
+        <p:style>
+          <a:lnRef idx="2">
+            <a:schemeClr val="accent1">
+              <a:shade val="50000"/>
+            </a:schemeClr>
+          </a:lnRef>
+          <a:fillRef idx="1">
+            <a:schemeClr val="accent1"/>
+          </a:fillRef>
+          <a:effectRef idx="0">
+            <a:schemeClr val="accent1"/>
+          </a:effectRef>
+          <a:fontRef idx="minor">
+            <a:schemeClr val="lt1"/>
+          </a:fontRef>
+        </p:style>
+        <p:txBody>
+          <a:bodyPr lIns="502920" tIns="91440"/>
+          <a:lstStyle/>
+          <a:p>
+            <a:pPr eaLnBrk="1" fontAlgn="auto" hangingPunct="1">
+              <a:spcBef>
+                <a:spcPts val="0"/>
+              </a:spcBef>
+              <a:spcAft>
+                <a:spcPts val="0"/>
+              </a:spcAft>
+              <a:defRPr/>
+            </a:pPr>
+            <a:r>
+              <a:rPr lang="en-US" sz="1200" dirty="0">
+                <a:solidFill>
+                  <a:srgbClr val="5B9CD5"/>
+                </a:solidFill>
+                <a:latin typeface="Arial" panose="020B0604020202020204" pitchFamily="34" charset="0"/>
+                <a:cs typeface="Arial" panose="020B0604020202020204" pitchFamily="34" charset="0"/>
+              </a:rPr>
+              <a:t>Region n</a:t>
+            </a:r>
+          </a:p>
+        </p:txBody>
+      </p:sp>
+      <p:pic>
+        <p:nvPicPr>
+          <p:cNvPr id="122" name="Graphic 121">
+            <a:extLst>
+              <a:ext uri="{FF2B5EF4-FFF2-40B4-BE49-F238E27FC236}">
+                <a16:creationId xmlns:a16="http://schemas.microsoft.com/office/drawing/2014/main" id="{7DB7FF9B-FFCF-4448-912C-17C67B7A3897}"/>
+              </a:ext>
+            </a:extLst>
+          </p:cNvPr>
+          <p:cNvPicPr>
+            <a:picLocks noChangeAspect="1"/>
+          </p:cNvPicPr>
+          <p:nvPr/>
+        </p:nvPicPr>
+        <p:blipFill>
+          <a:blip r:embed="rId13">
+            <a:extLst>
+              <a:ext uri="{96DAC541-7B7A-43D3-8B79-37D633B846F1}">
+                <asvg:svgBlip xmlns:asvg="http://schemas.microsoft.com/office/drawing/2016/SVG/main" r:embed="rId14"/>
+              </a:ext>
+            </a:extLst>
+          </a:blip>
+          <a:stretch>
+            <a:fillRect/>
+          </a:stretch>
+        </p:blipFill>
+        <p:spPr>
+          <a:xfrm>
+            <a:off x="6580200" y="1984565"/>
+            <a:ext cx="442506" cy="391567"/>
+          </a:xfrm>
+          <a:prstGeom prst="rect">
+            <a:avLst/>
+          </a:prstGeom>
+          <a:effectLst>
+            <a:outerShdw blurRad="50800" dist="38100" dir="13500000" algn="br" rotWithShape="0">
+              <a:prstClr val="black">
+                <a:alpha val="40000"/>
+              </a:prstClr>
+            </a:outerShdw>
+          </a:effectLst>
+        </p:spPr>
+      </p:pic>
+      <p:sp>
+        <p:nvSpPr>
+          <p:cNvPr id="133" name="Rectangle 132">
+            <a:extLst>
+              <a:ext uri="{FF2B5EF4-FFF2-40B4-BE49-F238E27FC236}">
+                <a16:creationId xmlns:a16="http://schemas.microsoft.com/office/drawing/2014/main" id="{8E7A1852-E306-49DE-BB2D-DD47ED0DE859}"/>
+              </a:ext>
+            </a:extLst>
+          </p:cNvPr>
+          <p:cNvSpPr/>
+          <p:nvPr/>
+        </p:nvSpPr>
+        <p:spPr>
+          <a:xfrm>
+            <a:off x="6657806" y="2284329"/>
+            <a:ext cx="1601122" cy="2169068"/>
+          </a:xfrm>
+          <a:prstGeom prst="rect">
+            <a:avLst/>
+          </a:prstGeom>
+          <a:solidFill>
+            <a:schemeClr val="bg1"/>
+          </a:solidFill>
+          <a:ln w="12700">
+            <a:solidFill>
+              <a:srgbClr val="5B9CD5"/>
+            </a:solidFill>
+            <a:prstDash val="sysDash"/>
+          </a:ln>
+          <a:effectLst>
+            <a:outerShdw blurRad="50800" dist="38100" dir="13500000" algn="br" rotWithShape="0">
+              <a:prstClr val="black">
+                <a:alpha val="40000"/>
+              </a:prstClr>
+            </a:outerShdw>
+          </a:effectLst>
+        </p:spPr>
+        <p:style>
+          <a:lnRef idx="2">
+            <a:schemeClr val="accent1">
+              <a:shade val="50000"/>
+            </a:schemeClr>
+          </a:lnRef>
+          <a:fillRef idx="1">
+            <a:schemeClr val="accent1"/>
+          </a:fillRef>
+          <a:effectRef idx="0">
+            <a:schemeClr val="accent1"/>
+          </a:effectRef>
+          <a:fontRef idx="minor">
+            <a:schemeClr val="lt1"/>
+          </a:fontRef>
+        </p:style>
+        <p:txBody>
+          <a:bodyPr lIns="502920" tIns="91440"/>
+          <a:lstStyle/>
+          <a:p>
+            <a:pPr eaLnBrk="1" fontAlgn="auto" hangingPunct="1">
+              <a:spcBef>
+                <a:spcPts val="0"/>
+              </a:spcBef>
+              <a:spcAft>
+                <a:spcPts val="0"/>
+              </a:spcAft>
+              <a:defRPr/>
+            </a:pPr>
+            <a:r>
+              <a:rPr lang="en-US" sz="1200" dirty="0">
+                <a:solidFill>
+                  <a:srgbClr val="5B9CD5"/>
+                </a:solidFill>
+                <a:latin typeface="Arial" panose="020B0604020202020204" pitchFamily="34" charset="0"/>
+                <a:cs typeface="Arial" panose="020B0604020202020204" pitchFamily="34" charset="0"/>
+              </a:rPr>
+              <a:t>Region 2</a:t>
+            </a:r>
+          </a:p>
+        </p:txBody>
+      </p:sp>
+      <p:pic>
+        <p:nvPicPr>
+          <p:cNvPr id="134" name="Graphic 133">
+            <a:extLst>
+              <a:ext uri="{FF2B5EF4-FFF2-40B4-BE49-F238E27FC236}">
+                <a16:creationId xmlns:a16="http://schemas.microsoft.com/office/drawing/2014/main" id="{C7D6BB78-61F4-485B-B66B-15A43188879B}"/>
+              </a:ext>
+            </a:extLst>
+          </p:cNvPr>
+          <p:cNvPicPr>
+            <a:picLocks noChangeAspect="1"/>
+          </p:cNvPicPr>
+          <p:nvPr/>
+        </p:nvPicPr>
+        <p:blipFill>
+          <a:blip r:embed="rId13">
+            <a:extLst>
+              <a:ext uri="{96DAC541-7B7A-43D3-8B79-37D633B846F1}">
+                <asvg:svgBlip xmlns:asvg="http://schemas.microsoft.com/office/drawing/2016/SVG/main" r:embed="rId14"/>
+              </a:ext>
+            </a:extLst>
+          </a:blip>
+          <a:stretch>
+            <a:fillRect/>
+          </a:stretch>
+        </p:blipFill>
+        <p:spPr>
+          <a:xfrm>
+            <a:off x="6656953" y="2278216"/>
+            <a:ext cx="442506" cy="391567"/>
+          </a:xfrm>
+          <a:prstGeom prst="rect">
+            <a:avLst/>
+          </a:prstGeom>
+          <a:effectLst>
+            <a:outerShdw blurRad="50800" dist="38100" dir="13500000" algn="br" rotWithShape="0">
+              <a:prstClr val="black">
+                <a:alpha val="40000"/>
+              </a:prstClr>
+            </a:outerShdw>
+          </a:effectLst>
+        </p:spPr>
+      </p:pic>
+      <p:sp>
+        <p:nvSpPr>
+          <p:cNvPr id="135" name="Rectangle 134">
+            <a:extLst>
+              <a:ext uri="{FF2B5EF4-FFF2-40B4-BE49-F238E27FC236}">
+                <a16:creationId xmlns:a16="http://schemas.microsoft.com/office/drawing/2014/main" id="{514105FA-37BA-4D63-B789-3631D7DC06AB}"/>
+              </a:ext>
+            </a:extLst>
+          </p:cNvPr>
+          <p:cNvSpPr/>
+          <p:nvPr/>
+        </p:nvSpPr>
+        <p:spPr>
+          <a:xfrm>
+            <a:off x="6746061" y="2590654"/>
+            <a:ext cx="1605116" cy="1954191"/>
+          </a:xfrm>
+          <a:prstGeom prst="rect">
+            <a:avLst/>
+          </a:prstGeom>
+          <a:solidFill>
+            <a:schemeClr val="bg1"/>
+          </a:solidFill>
+          <a:ln w="12700">
+            <a:solidFill>
+              <a:srgbClr val="5B9CD5"/>
+            </a:solidFill>
+            <a:prstDash val="sysDash"/>
+          </a:ln>
+          <a:effectLst>
+            <a:outerShdw blurRad="50800" dist="38100" dir="13500000" algn="br" rotWithShape="0">
+              <a:prstClr val="black">
+                <a:alpha val="40000"/>
+              </a:prstClr>
+            </a:outerShdw>
+          </a:effectLst>
+        </p:spPr>
+        <p:style>
+          <a:lnRef idx="2">
+            <a:schemeClr val="accent1">
+              <a:shade val="50000"/>
+            </a:schemeClr>
+          </a:lnRef>
+          <a:fillRef idx="1">
+            <a:schemeClr val="accent1"/>
+          </a:fillRef>
+          <a:effectRef idx="0">
+            <a:schemeClr val="accent1"/>
+          </a:effectRef>
+          <a:fontRef idx="minor">
+            <a:schemeClr val="lt1"/>
+          </a:fontRef>
+        </p:style>
+        <p:txBody>
+          <a:bodyPr lIns="502920" tIns="91440"/>
+          <a:lstStyle/>
+          <a:p>
+            <a:pPr eaLnBrk="1" fontAlgn="auto" hangingPunct="1">
+              <a:spcBef>
+                <a:spcPts val="0"/>
+              </a:spcBef>
+              <a:spcAft>
+                <a:spcPts val="0"/>
+              </a:spcAft>
+              <a:defRPr/>
+            </a:pPr>
+            <a:r>
+              <a:rPr lang="en-US" sz="1200" dirty="0">
+                <a:solidFill>
+                  <a:srgbClr val="5B9CD5"/>
+                </a:solidFill>
+                <a:latin typeface="Arial" panose="020B0604020202020204" pitchFamily="34" charset="0"/>
+                <a:cs typeface="Arial" panose="020B0604020202020204" pitchFamily="34" charset="0"/>
+              </a:rPr>
+              <a:t>Region 1</a:t>
+            </a:r>
+          </a:p>
+        </p:txBody>
+      </p:sp>
+      <p:pic>
+        <p:nvPicPr>
+          <p:cNvPr id="136" name="Graphic 135">
+            <a:extLst>
+              <a:ext uri="{FF2B5EF4-FFF2-40B4-BE49-F238E27FC236}">
+                <a16:creationId xmlns:a16="http://schemas.microsoft.com/office/drawing/2014/main" id="{484CC5FA-A30F-45EB-A477-374C97CB6D72}"/>
+              </a:ext>
+            </a:extLst>
+          </p:cNvPr>
+          <p:cNvPicPr>
+            <a:picLocks noChangeAspect="1"/>
+          </p:cNvPicPr>
+          <p:nvPr/>
+        </p:nvPicPr>
+        <p:blipFill>
+          <a:blip r:embed="rId13">
+            <a:extLst>
+              <a:ext uri="{96DAC541-7B7A-43D3-8B79-37D633B846F1}">
+                <asvg:svgBlip xmlns:asvg="http://schemas.microsoft.com/office/drawing/2016/SVG/main" r:embed="rId14"/>
+              </a:ext>
+            </a:extLst>
+          </a:blip>
+          <a:stretch>
+            <a:fillRect/>
+          </a:stretch>
+        </p:blipFill>
+        <p:spPr>
+          <a:xfrm>
+            <a:off x="6742749" y="2584493"/>
+            <a:ext cx="442506" cy="391567"/>
+          </a:xfrm>
+          <a:prstGeom prst="rect">
+            <a:avLst/>
+          </a:prstGeom>
+          <a:effectLst>
+            <a:outerShdw blurRad="50800" dist="38100" dir="13500000" algn="br" rotWithShape="0">
+              <a:prstClr val="black">
+                <a:alpha val="40000"/>
+              </a:prstClr>
+            </a:outerShdw>
+          </a:effectLst>
+        </p:spPr>
+      </p:pic>
+      <p:sp>
+        <p:nvSpPr>
+          <p:cNvPr id="75" name="TextBox 23">
+            <a:extLst>
+              <a:ext uri="{FF2B5EF4-FFF2-40B4-BE49-F238E27FC236}">
+                <a16:creationId xmlns:a16="http://schemas.microsoft.com/office/drawing/2014/main" id="{7F958851-8145-014D-BFA0-3124A10BD4F4}"/>
+              </a:ext>
+            </a:extLst>
+          </p:cNvPr>
+          <p:cNvSpPr txBox="1">
+            <a:spLocks noChangeArrowheads="1"/>
+          </p:cNvSpPr>
+          <p:nvPr/>
+        </p:nvSpPr>
+        <p:spPr bwMode="auto">
+          <a:xfrm>
+            <a:off x="6594123" y="3452110"/>
+            <a:ext cx="1455047" cy="430887"/>
+          </a:xfrm>
+          <a:prstGeom prst="rect">
+            <a:avLst/>
+          </a:prstGeom>
+          <a:noFill/>
+          <a:ln>
+            <a:noFill/>
+          </a:ln>
+          <a:extLst>
+            <a:ext uri="{909E8E84-426E-40DD-AFC4-6F175D3DCCD1}">
+              <a14:hiddenFill xmlns:a14="http://schemas.microsoft.com/office/drawing/2010/main">
+                <a:solidFill>
+                  <a:srgbClr val="FFFFFF"/>
+                </a:solidFill>
+              </a14:hiddenFill>
+            </a:ext>
+            <a:ext uri="{91240B29-F687-4F45-9708-019B960494DF}">
+              <a14:hiddenLine xmlns:a14="http://schemas.microsoft.com/office/drawing/2010/main" w="9525">
+                <a:solidFill>
+                  <a:srgbClr val="000000"/>
+                </a:solidFill>
+                <a:miter lim="800000"/>
+                <a:headEnd/>
+                <a:tailEnd/>
+              </a14:hiddenLine>
+            </a:ext>
+          </a:extLst>
+        </p:spPr>
+        <p:txBody>
+          <a:bodyPr wrap="square">
+            <a:spAutoFit/>
+          </a:bodyPr>
+          <a:lstStyle>
+            <a:lvl1pPr>
+              <a:defRPr>
+                <a:solidFill>
+                  <a:schemeClr val="tx1"/>
+                </a:solidFill>
+                <a:latin typeface="Calibri" panose="020F0502020204030204" pitchFamily="34" charset="0"/>
+              </a:defRPr>
+            </a:lvl1pPr>
+            <a:lvl2pPr marL="742950" indent="-285750">
+              <a:defRPr>
+                <a:solidFill>
+                  <a:schemeClr val="tx1"/>
+                </a:solidFill>
+                <a:latin typeface="Calibri" panose="020F0502020204030204" pitchFamily="34" charset="0"/>
+              </a:defRPr>
+            </a:lvl2pPr>
+            <a:lvl3pPr marL="1143000" indent="-228600">
+              <a:defRPr>
+                <a:solidFill>
+                  <a:schemeClr val="tx1"/>
+                </a:solidFill>
+                <a:latin typeface="Calibri" panose="020F0502020204030204" pitchFamily="34" charset="0"/>
+              </a:defRPr>
+            </a:lvl3pPr>
+            <a:lvl4pPr marL="1600200" indent="-228600">
+              <a:defRPr>
+                <a:solidFill>
+                  <a:schemeClr val="tx1"/>
+                </a:solidFill>
+                <a:latin typeface="Calibri" panose="020F0502020204030204" pitchFamily="34" charset="0"/>
+              </a:defRPr>
+            </a:lvl4pPr>
+            <a:lvl5pPr marL="2057400" indent="-228600">
+              <a:defRPr>
+                <a:solidFill>
+                  <a:schemeClr val="tx1"/>
+                </a:solidFill>
+                <a:latin typeface="Calibri" panose="020F0502020204030204" pitchFamily="34" charset="0"/>
+              </a:defRPr>
+            </a:lvl5pPr>
+            <a:lvl6pPr marL="2514600" indent="-228600" eaLnBrk="0" fontAlgn="base" hangingPunct="0">
+              <a:spcBef>
+                <a:spcPct val="0"/>
+              </a:spcBef>
+              <a:spcAft>
+                <a:spcPct val="0"/>
+              </a:spcAft>
+              <a:defRPr>
+                <a:solidFill>
+                  <a:schemeClr val="tx1"/>
+                </a:solidFill>
+                <a:latin typeface="Calibri" panose="020F0502020204030204" pitchFamily="34" charset="0"/>
+              </a:defRPr>
+            </a:lvl6pPr>
+            <a:lvl7pPr marL="2971800" indent="-228600" eaLnBrk="0" fontAlgn="base" hangingPunct="0">
+              <a:spcBef>
+                <a:spcPct val="0"/>
+              </a:spcBef>
+              <a:spcAft>
+                <a:spcPct val="0"/>
+              </a:spcAft>
+              <a:defRPr>
+                <a:solidFill>
+                  <a:schemeClr val="tx1"/>
+                </a:solidFill>
+                <a:latin typeface="Calibri" panose="020F0502020204030204" pitchFamily="34" charset="0"/>
+              </a:defRPr>
+            </a:lvl7pPr>
+            <a:lvl8pPr marL="3429000" indent="-228600" eaLnBrk="0" fontAlgn="base" hangingPunct="0">
+              <a:spcBef>
+                <a:spcPct val="0"/>
+              </a:spcBef>
+              <a:spcAft>
+                <a:spcPct val="0"/>
+              </a:spcAft>
+              <a:defRPr>
+                <a:solidFill>
+                  <a:schemeClr val="tx1"/>
+                </a:solidFill>
+                <a:latin typeface="Calibri" panose="020F0502020204030204" pitchFamily="34" charset="0"/>
+              </a:defRPr>
+            </a:lvl8pPr>
+            <a:lvl9pPr marL="3886200" indent="-228600" eaLnBrk="0" fontAlgn="base" hangingPunct="0">
+              <a:spcBef>
+                <a:spcPct val="0"/>
+              </a:spcBef>
+              <a:spcAft>
+                <a:spcPct val="0"/>
+              </a:spcAft>
+              <a:defRPr>
+                <a:solidFill>
+                  <a:schemeClr val="tx1"/>
+                </a:solidFill>
+                <a:latin typeface="Calibri" panose="020F0502020204030204" pitchFamily="34" charset="0"/>
+              </a:defRPr>
+            </a:lvl9pPr>
+          </a:lstStyle>
+          <a:p>
+            <a:pPr algn="ctr" eaLnBrk="1" hangingPunct="1"/>
+            <a:r>
+              <a:rPr lang="en-US" altLang="en-US" sz="1100" dirty="0">
+                <a:latin typeface="Arial" panose="020B0604020202020204" pitchFamily="34" charset="0"/>
+                <a:ea typeface="Amazon Ember" panose="020B0603020204020204" pitchFamily="34" charset="0"/>
+                <a:cs typeface="Arial" panose="020B0604020202020204" pitchFamily="34" charset="0"/>
+              </a:rPr>
+              <a:t>SSM Parameter Store</a:t>
+            </a:r>
+          </a:p>
+        </p:txBody>
+      </p:sp>
+      <p:pic>
+        <p:nvPicPr>
+          <p:cNvPr id="76" name="Graphic 26">
+            <a:extLst>
+              <a:ext uri="{FF2B5EF4-FFF2-40B4-BE49-F238E27FC236}">
+                <a16:creationId xmlns:a16="http://schemas.microsoft.com/office/drawing/2014/main" id="{1B5A0656-8C2A-A940-9929-6FD88DF62445}"/>
+              </a:ext>
+            </a:extLst>
+          </p:cNvPr>
+          <p:cNvPicPr>
+            <a:picLocks noChangeAspect="1" noChangeArrowheads="1"/>
+          </p:cNvPicPr>
+          <p:nvPr/>
+        </p:nvPicPr>
+        <p:blipFill>
+          <a:blip r:embed="rId6">
+            <a:extLst>
+              <a:ext uri="{28A0092B-C50C-407E-A947-70E740481C1C}">
+                <a14:useLocalDpi xmlns:a14="http://schemas.microsoft.com/office/drawing/2010/main"/>
+              </a:ext>
+            </a:extLst>
+          </a:blip>
+          <a:srcRect/>
+          <a:stretch>
+            <a:fillRect/>
+          </a:stretch>
+        </p:blipFill>
+        <p:spPr bwMode="auto">
+          <a:xfrm>
+            <a:off x="7147439" y="3011964"/>
+            <a:ext cx="457200" cy="457200"/>
+          </a:xfrm>
+          <a:prstGeom prst="rect">
+            <a:avLst/>
+          </a:prstGeom>
+          <a:noFill/>
+          <a:ln>
+            <a:noFill/>
+          </a:ln>
+          <a:extLst>
+            <a:ext uri="{909E8E84-426E-40DD-AFC4-6F175D3DCCD1}">
+              <a14:hiddenFill xmlns:a14="http://schemas.microsoft.com/office/drawing/2010/main">
+                <a:solidFill>
+                  <a:srgbClr val="FFFFFF"/>
+                </a:solidFill>
+              </a14:hiddenFill>
+            </a:ext>
+            <a:ext uri="{91240B29-F687-4F45-9708-019B960494DF}">
+              <a14:hiddenLine xmlns:a14="http://schemas.microsoft.com/office/drawing/2010/main" w="9525">
+                <a:solidFill>
+                  <a:srgbClr val="000000"/>
+                </a:solidFill>
+                <a:miter lim="800000"/>
+                <a:headEnd/>
+                <a:tailEnd/>
+              </a14:hiddenLine>
+            </a:ext>
+          </a:extLst>
+        </p:spPr>
+      </p:pic>
+      <p:sp>
+        <p:nvSpPr>
+          <p:cNvPr id="90" name="Oval 89">
+            <a:extLst>
+              <a:ext uri="{FF2B5EF4-FFF2-40B4-BE49-F238E27FC236}">
+                <a16:creationId xmlns:a16="http://schemas.microsoft.com/office/drawing/2014/main" id="{E594DFE4-F1B6-7149-8747-A950780B4D35}"/>
+              </a:ext>
+            </a:extLst>
+          </p:cNvPr>
+          <p:cNvSpPr/>
+          <p:nvPr/>
+        </p:nvSpPr>
+        <p:spPr>
+          <a:xfrm>
+            <a:off x="6967832" y="3015692"/>
+            <a:ext cx="283464" cy="237744"/>
+          </a:xfrm>
+          <a:prstGeom prst="ellipse">
+            <a:avLst/>
+          </a:prstGeom>
+          <a:solidFill>
+            <a:schemeClr val="tx1"/>
+          </a:solidFill>
+          <a:ln>
+            <a:solidFill>
+              <a:schemeClr val="tx1"/>
+            </a:solidFill>
+          </a:ln>
+        </p:spPr>
+        <p:style>
+          <a:lnRef idx="2">
+            <a:schemeClr val="accent1">
+              <a:shade val="50000"/>
+            </a:schemeClr>
+          </a:lnRef>
+          <a:fillRef idx="1">
+            <a:schemeClr val="accent1"/>
+          </a:fillRef>
+          <a:effectRef idx="0">
+            <a:schemeClr val="accent1"/>
+          </a:effectRef>
+          <a:fontRef idx="minor">
+            <a:schemeClr val="lt1"/>
+          </a:fontRef>
+        </p:style>
+        <p:txBody>
+          <a:bodyPr lIns="0" tIns="0" rIns="0" bIns="0" rtlCol="0" anchor="ctr"/>
+          <a:lstStyle/>
+          <a:p>
+            <a:pPr algn="ctr"/>
+            <a:r>
+              <a:rPr lang="en-US" sz="800" dirty="0">
+                <a:latin typeface="Arial" panose="020B0604020202020204" pitchFamily="34" charset="0"/>
+                <a:cs typeface="Arial" panose="020B0604020202020204" pitchFamily="34" charset="0"/>
+              </a:rPr>
+              <a:t>1.12</a:t>
+            </a:r>
+          </a:p>
+        </p:txBody>
+      </p:sp>
+      <p:sp>
+        <p:nvSpPr>
+          <p:cNvPr id="137" name="Rectangle 136">
+            <a:extLst>
+              <a:ext uri="{FF2B5EF4-FFF2-40B4-BE49-F238E27FC236}">
+                <a16:creationId xmlns:a16="http://schemas.microsoft.com/office/drawing/2014/main" id="{2DCB62D5-2145-4965-ADF2-961C614FAC62}"/>
+              </a:ext>
+            </a:extLst>
+          </p:cNvPr>
+          <p:cNvSpPr/>
+          <p:nvPr/>
+        </p:nvSpPr>
+        <p:spPr>
+          <a:xfrm>
+            <a:off x="9956740" y="1898483"/>
+            <a:ext cx="1622686" cy="2360907"/>
+          </a:xfrm>
+          <a:prstGeom prst="rect">
+            <a:avLst/>
+          </a:prstGeom>
+          <a:solidFill>
+            <a:schemeClr val="bg1"/>
+          </a:solidFill>
+          <a:ln w="12700">
+            <a:solidFill>
+              <a:srgbClr val="5B9CD5"/>
+            </a:solidFill>
+            <a:prstDash val="sysDash"/>
+          </a:ln>
+          <a:effectLst>
+            <a:outerShdw blurRad="50800" dist="38100" dir="13500000" algn="br" rotWithShape="0">
+              <a:prstClr val="black">
+                <a:alpha val="40000"/>
+              </a:prstClr>
+            </a:outerShdw>
+          </a:effectLst>
+        </p:spPr>
+        <p:style>
+          <a:lnRef idx="2">
+            <a:schemeClr val="accent1">
+              <a:shade val="50000"/>
+            </a:schemeClr>
+          </a:lnRef>
+          <a:fillRef idx="1">
+            <a:schemeClr val="accent1"/>
+          </a:fillRef>
+          <a:effectRef idx="0">
+            <a:schemeClr val="accent1"/>
+          </a:effectRef>
+          <a:fontRef idx="minor">
+            <a:schemeClr val="lt1"/>
+          </a:fontRef>
+        </p:style>
+        <p:txBody>
+          <a:bodyPr lIns="502920" tIns="91440"/>
+          <a:lstStyle/>
+          <a:p>
+            <a:pPr eaLnBrk="1" fontAlgn="auto" hangingPunct="1">
+              <a:spcBef>
+                <a:spcPts val="0"/>
+              </a:spcBef>
+              <a:spcAft>
+                <a:spcPts val="0"/>
+              </a:spcAft>
+              <a:defRPr/>
+            </a:pPr>
+            <a:r>
+              <a:rPr lang="en-US" sz="1200" dirty="0">
+                <a:solidFill>
+                  <a:srgbClr val="5B9CD5"/>
+                </a:solidFill>
+                <a:latin typeface="Arial" panose="020B0604020202020204" pitchFamily="34" charset="0"/>
+                <a:cs typeface="Arial" panose="020B0604020202020204" pitchFamily="34" charset="0"/>
+              </a:rPr>
+              <a:t>Region n</a:t>
+            </a:r>
+          </a:p>
+        </p:txBody>
+      </p:sp>
+      <p:pic>
+        <p:nvPicPr>
+          <p:cNvPr id="138" name="Graphic 137">
+            <a:extLst>
+              <a:ext uri="{FF2B5EF4-FFF2-40B4-BE49-F238E27FC236}">
+                <a16:creationId xmlns:a16="http://schemas.microsoft.com/office/drawing/2014/main" id="{367B1668-F023-47CC-8453-96DA3A43F21E}"/>
+              </a:ext>
+            </a:extLst>
+          </p:cNvPr>
+          <p:cNvPicPr>
+            <a:picLocks noChangeAspect="1"/>
+          </p:cNvPicPr>
+          <p:nvPr/>
+        </p:nvPicPr>
+        <p:blipFill>
+          <a:blip r:embed="rId13">
+            <a:extLst>
+              <a:ext uri="{96DAC541-7B7A-43D3-8B79-37D633B846F1}">
+                <asvg:svgBlip xmlns:asvg="http://schemas.microsoft.com/office/drawing/2016/SVG/main" r:embed="rId14"/>
+              </a:ext>
+            </a:extLst>
+          </a:blip>
+          <a:stretch>
+            <a:fillRect/>
+          </a:stretch>
+        </p:blipFill>
+        <p:spPr>
+          <a:xfrm>
+            <a:off x="9957546" y="1895057"/>
+            <a:ext cx="442506" cy="391567"/>
+          </a:xfrm>
+          <a:prstGeom prst="rect">
+            <a:avLst/>
+          </a:prstGeom>
+          <a:effectLst>
+            <a:outerShdw blurRad="50800" dist="38100" dir="13500000" algn="br" rotWithShape="0">
+              <a:prstClr val="black">
+                <a:alpha val="40000"/>
+              </a:prstClr>
+            </a:outerShdw>
+          </a:effectLst>
+        </p:spPr>
+      </p:pic>
+      <p:sp>
+        <p:nvSpPr>
+          <p:cNvPr id="139" name="Rectangle 138">
+            <a:extLst>
+              <a:ext uri="{FF2B5EF4-FFF2-40B4-BE49-F238E27FC236}">
+                <a16:creationId xmlns:a16="http://schemas.microsoft.com/office/drawing/2014/main" id="{1707D933-0473-423A-909B-B2A71AE09913}"/>
+              </a:ext>
+            </a:extLst>
+          </p:cNvPr>
+          <p:cNvSpPr/>
+          <p:nvPr/>
+        </p:nvSpPr>
+        <p:spPr>
+          <a:xfrm>
+            <a:off x="10035152" y="2194821"/>
+            <a:ext cx="1623174" cy="2169068"/>
+          </a:xfrm>
+          <a:prstGeom prst="rect">
+            <a:avLst/>
+          </a:prstGeom>
+          <a:solidFill>
+            <a:schemeClr val="bg1"/>
+          </a:solidFill>
+          <a:ln w="12700">
+            <a:solidFill>
+              <a:srgbClr val="5B9CD5"/>
+            </a:solidFill>
+            <a:prstDash val="sysDash"/>
+          </a:ln>
+          <a:effectLst>
+            <a:outerShdw blurRad="50800" dist="38100" dir="13500000" algn="br" rotWithShape="0">
+              <a:prstClr val="black">
+                <a:alpha val="40000"/>
+              </a:prstClr>
+            </a:outerShdw>
+          </a:effectLst>
+        </p:spPr>
+        <p:style>
+          <a:lnRef idx="2">
+            <a:schemeClr val="accent1">
+              <a:shade val="50000"/>
+            </a:schemeClr>
+          </a:lnRef>
+          <a:fillRef idx="1">
+            <a:schemeClr val="accent1"/>
+          </a:fillRef>
+          <a:effectRef idx="0">
+            <a:schemeClr val="accent1"/>
+          </a:effectRef>
+          <a:fontRef idx="minor">
+            <a:schemeClr val="lt1"/>
+          </a:fontRef>
+        </p:style>
+        <p:txBody>
+          <a:bodyPr lIns="502920" tIns="91440"/>
+          <a:lstStyle/>
+          <a:p>
+            <a:pPr eaLnBrk="1" fontAlgn="auto" hangingPunct="1">
+              <a:spcBef>
+                <a:spcPts val="0"/>
+              </a:spcBef>
+              <a:spcAft>
+                <a:spcPts val="0"/>
+              </a:spcAft>
+              <a:defRPr/>
+            </a:pPr>
+            <a:r>
+              <a:rPr lang="en-US" sz="1200" dirty="0">
+                <a:solidFill>
+                  <a:srgbClr val="5B9CD5"/>
+                </a:solidFill>
+                <a:latin typeface="Arial" panose="020B0604020202020204" pitchFamily="34" charset="0"/>
+                <a:cs typeface="Arial" panose="020B0604020202020204" pitchFamily="34" charset="0"/>
+              </a:rPr>
+              <a:t>Region 2</a:t>
+            </a:r>
+          </a:p>
+        </p:txBody>
+      </p:sp>
+      <p:pic>
+        <p:nvPicPr>
+          <p:cNvPr id="140" name="Graphic 139">
+            <a:extLst>
+              <a:ext uri="{FF2B5EF4-FFF2-40B4-BE49-F238E27FC236}">
+                <a16:creationId xmlns:a16="http://schemas.microsoft.com/office/drawing/2014/main" id="{B801BA2B-036F-4F98-9EBA-393CEF38587D}"/>
+              </a:ext>
+            </a:extLst>
+          </p:cNvPr>
+          <p:cNvPicPr>
+            <a:picLocks noChangeAspect="1"/>
+          </p:cNvPicPr>
+          <p:nvPr/>
+        </p:nvPicPr>
+        <p:blipFill>
+          <a:blip r:embed="rId13">
+            <a:extLst>
+              <a:ext uri="{96DAC541-7B7A-43D3-8B79-37D633B846F1}">
+                <asvg:svgBlip xmlns:asvg="http://schemas.microsoft.com/office/drawing/2016/SVG/main" r:embed="rId14"/>
+              </a:ext>
+            </a:extLst>
+          </a:blip>
+          <a:stretch>
+            <a:fillRect/>
+          </a:stretch>
+        </p:blipFill>
+        <p:spPr>
+          <a:xfrm>
+            <a:off x="10034299" y="2188708"/>
+            <a:ext cx="442506" cy="391567"/>
+          </a:xfrm>
+          <a:prstGeom prst="rect">
+            <a:avLst/>
+          </a:prstGeom>
+          <a:effectLst>
+            <a:outerShdw blurRad="50800" dist="38100" dir="13500000" algn="br" rotWithShape="0">
+              <a:prstClr val="black">
+                <a:alpha val="40000"/>
+              </a:prstClr>
+            </a:outerShdw>
+          </a:effectLst>
+        </p:spPr>
+      </p:pic>
+      <p:sp>
+        <p:nvSpPr>
+          <p:cNvPr id="141" name="Rectangle 140">
+            <a:extLst>
+              <a:ext uri="{FF2B5EF4-FFF2-40B4-BE49-F238E27FC236}">
+                <a16:creationId xmlns:a16="http://schemas.microsoft.com/office/drawing/2014/main" id="{AE837343-18BF-4958-B932-31549A105DE7}"/>
+              </a:ext>
+            </a:extLst>
+          </p:cNvPr>
+          <p:cNvSpPr/>
+          <p:nvPr/>
+        </p:nvSpPr>
+        <p:spPr>
+          <a:xfrm>
+            <a:off x="10123407" y="2501146"/>
+            <a:ext cx="1605116" cy="1954191"/>
+          </a:xfrm>
+          <a:prstGeom prst="rect">
+            <a:avLst/>
+          </a:prstGeom>
+          <a:solidFill>
+            <a:schemeClr val="bg1"/>
+          </a:solidFill>
+          <a:ln w="12700">
+            <a:solidFill>
+              <a:srgbClr val="5B9CD5"/>
+            </a:solidFill>
+            <a:prstDash val="sysDash"/>
+          </a:ln>
+          <a:effectLst>
+            <a:outerShdw blurRad="50800" dist="38100" dir="13500000" algn="br" rotWithShape="0">
+              <a:prstClr val="black">
+                <a:alpha val="40000"/>
+              </a:prstClr>
+            </a:outerShdw>
+          </a:effectLst>
+        </p:spPr>
+        <p:style>
+          <a:lnRef idx="2">
+            <a:schemeClr val="accent1">
+              <a:shade val="50000"/>
+            </a:schemeClr>
+          </a:lnRef>
+          <a:fillRef idx="1">
+            <a:schemeClr val="accent1"/>
+          </a:fillRef>
+          <a:effectRef idx="0">
+            <a:schemeClr val="accent1"/>
+          </a:effectRef>
+          <a:fontRef idx="minor">
+            <a:schemeClr val="lt1"/>
+          </a:fontRef>
+        </p:style>
+        <p:txBody>
+          <a:bodyPr lIns="502920" tIns="91440"/>
+          <a:lstStyle/>
+          <a:p>
+            <a:pPr eaLnBrk="1" fontAlgn="auto" hangingPunct="1">
+              <a:spcBef>
+                <a:spcPts val="0"/>
+              </a:spcBef>
+              <a:spcAft>
+                <a:spcPts val="0"/>
+              </a:spcAft>
+              <a:defRPr/>
+            </a:pPr>
+            <a:r>
+              <a:rPr lang="en-US" sz="1200" dirty="0">
+                <a:solidFill>
+                  <a:srgbClr val="5B9CD5"/>
+                </a:solidFill>
+                <a:latin typeface="Arial" panose="020B0604020202020204" pitchFamily="34" charset="0"/>
+                <a:cs typeface="Arial" panose="020B0604020202020204" pitchFamily="34" charset="0"/>
+              </a:rPr>
+              <a:t>Region 1</a:t>
+            </a:r>
+          </a:p>
+        </p:txBody>
+      </p:sp>
+      <p:pic>
+        <p:nvPicPr>
+          <p:cNvPr id="142" name="Graphic 141">
+            <a:extLst>
+              <a:ext uri="{FF2B5EF4-FFF2-40B4-BE49-F238E27FC236}">
+                <a16:creationId xmlns:a16="http://schemas.microsoft.com/office/drawing/2014/main" id="{328D96FE-2D2A-432E-A993-A843B7B63541}"/>
+              </a:ext>
+            </a:extLst>
+          </p:cNvPr>
+          <p:cNvPicPr>
+            <a:picLocks noChangeAspect="1"/>
+          </p:cNvPicPr>
+          <p:nvPr/>
+        </p:nvPicPr>
+        <p:blipFill>
+          <a:blip r:embed="rId13">
+            <a:extLst>
+              <a:ext uri="{96DAC541-7B7A-43D3-8B79-37D633B846F1}">
+                <asvg:svgBlip xmlns:asvg="http://schemas.microsoft.com/office/drawing/2016/SVG/main" r:embed="rId14"/>
+              </a:ext>
+            </a:extLst>
+          </a:blip>
+          <a:stretch>
+            <a:fillRect/>
+          </a:stretch>
+        </p:blipFill>
+        <p:spPr>
+          <a:xfrm>
+            <a:off x="10120095" y="2494985"/>
+            <a:ext cx="442506" cy="391567"/>
+          </a:xfrm>
+          <a:prstGeom prst="rect">
+            <a:avLst/>
+          </a:prstGeom>
+          <a:effectLst>
+            <a:outerShdw blurRad="50800" dist="38100" dir="13500000" algn="br" rotWithShape="0">
+              <a:prstClr val="black">
+                <a:alpha val="40000"/>
+              </a:prstClr>
+            </a:outerShdw>
+          </a:effectLst>
+        </p:spPr>
+      </p:pic>
+      <p:sp>
+        <p:nvSpPr>
+          <p:cNvPr id="106" name="TextBox 23">
+            <a:extLst>
+              <a:ext uri="{FF2B5EF4-FFF2-40B4-BE49-F238E27FC236}">
+                <a16:creationId xmlns:a16="http://schemas.microsoft.com/office/drawing/2014/main" id="{65E1E3C5-2A50-104F-AE11-1A0C765A8992}"/>
+              </a:ext>
+            </a:extLst>
+          </p:cNvPr>
+          <p:cNvSpPr txBox="1">
+            <a:spLocks noChangeArrowheads="1"/>
+          </p:cNvSpPr>
+          <p:nvPr/>
+        </p:nvSpPr>
+        <p:spPr bwMode="auto">
+          <a:xfrm>
+            <a:off x="9959402" y="3427089"/>
+            <a:ext cx="1455047" cy="430887"/>
+          </a:xfrm>
+          <a:prstGeom prst="rect">
+            <a:avLst/>
+          </a:prstGeom>
+          <a:noFill/>
+          <a:ln>
+            <a:noFill/>
+          </a:ln>
+          <a:extLst>
+            <a:ext uri="{909E8E84-426E-40DD-AFC4-6F175D3DCCD1}">
+              <a14:hiddenFill xmlns:a14="http://schemas.microsoft.com/office/drawing/2010/main">
+                <a:solidFill>
+                  <a:srgbClr val="FFFFFF"/>
+                </a:solidFill>
+              </a14:hiddenFill>
+            </a:ext>
+            <a:ext uri="{91240B29-F687-4F45-9708-019B960494DF}">
+              <a14:hiddenLine xmlns:a14="http://schemas.microsoft.com/office/drawing/2010/main" w="9525">
+                <a:solidFill>
+                  <a:srgbClr val="000000"/>
+                </a:solidFill>
+                <a:miter lim="800000"/>
+                <a:headEnd/>
+                <a:tailEnd/>
+              </a14:hiddenLine>
+            </a:ext>
+          </a:extLst>
+        </p:spPr>
+        <p:txBody>
+          <a:bodyPr wrap="square">
+            <a:spAutoFit/>
+          </a:bodyPr>
+          <a:lstStyle>
+            <a:lvl1pPr>
+              <a:defRPr>
+                <a:solidFill>
+                  <a:schemeClr val="tx1"/>
+                </a:solidFill>
+                <a:latin typeface="Calibri" panose="020F0502020204030204" pitchFamily="34" charset="0"/>
+              </a:defRPr>
+            </a:lvl1pPr>
+            <a:lvl2pPr marL="742950" indent="-285750">
+              <a:defRPr>
+                <a:solidFill>
+                  <a:schemeClr val="tx1"/>
+                </a:solidFill>
+                <a:latin typeface="Calibri" panose="020F0502020204030204" pitchFamily="34" charset="0"/>
+              </a:defRPr>
+            </a:lvl2pPr>
+            <a:lvl3pPr marL="1143000" indent="-228600">
+              <a:defRPr>
+                <a:solidFill>
+                  <a:schemeClr val="tx1"/>
+                </a:solidFill>
+                <a:latin typeface="Calibri" panose="020F0502020204030204" pitchFamily="34" charset="0"/>
+              </a:defRPr>
+            </a:lvl3pPr>
+            <a:lvl4pPr marL="1600200" indent="-228600">
+              <a:defRPr>
+                <a:solidFill>
+                  <a:schemeClr val="tx1"/>
+                </a:solidFill>
+                <a:latin typeface="Calibri" panose="020F0502020204030204" pitchFamily="34" charset="0"/>
+              </a:defRPr>
+            </a:lvl4pPr>
+            <a:lvl5pPr marL="2057400" indent="-228600">
+              <a:defRPr>
+                <a:solidFill>
+                  <a:schemeClr val="tx1"/>
+                </a:solidFill>
+                <a:latin typeface="Calibri" panose="020F0502020204030204" pitchFamily="34" charset="0"/>
+              </a:defRPr>
+            </a:lvl5pPr>
+            <a:lvl6pPr marL="2514600" indent="-228600" eaLnBrk="0" fontAlgn="base" hangingPunct="0">
+              <a:spcBef>
+                <a:spcPct val="0"/>
+              </a:spcBef>
+              <a:spcAft>
+                <a:spcPct val="0"/>
+              </a:spcAft>
+              <a:defRPr>
+                <a:solidFill>
+                  <a:schemeClr val="tx1"/>
+                </a:solidFill>
+                <a:latin typeface="Calibri" panose="020F0502020204030204" pitchFamily="34" charset="0"/>
+              </a:defRPr>
+            </a:lvl6pPr>
+            <a:lvl7pPr marL="2971800" indent="-228600" eaLnBrk="0" fontAlgn="base" hangingPunct="0">
+              <a:spcBef>
+                <a:spcPct val="0"/>
+              </a:spcBef>
+              <a:spcAft>
+                <a:spcPct val="0"/>
+              </a:spcAft>
+              <a:defRPr>
+                <a:solidFill>
+                  <a:schemeClr val="tx1"/>
+                </a:solidFill>
+                <a:latin typeface="Calibri" panose="020F0502020204030204" pitchFamily="34" charset="0"/>
+              </a:defRPr>
+            </a:lvl7pPr>
+            <a:lvl8pPr marL="3429000" indent="-228600" eaLnBrk="0" fontAlgn="base" hangingPunct="0">
+              <a:spcBef>
+                <a:spcPct val="0"/>
+              </a:spcBef>
+              <a:spcAft>
+                <a:spcPct val="0"/>
+              </a:spcAft>
+              <a:defRPr>
+                <a:solidFill>
+                  <a:schemeClr val="tx1"/>
+                </a:solidFill>
+                <a:latin typeface="Calibri" panose="020F0502020204030204" pitchFamily="34" charset="0"/>
+              </a:defRPr>
+            </a:lvl8pPr>
+            <a:lvl9pPr marL="3886200" indent="-228600" eaLnBrk="0" fontAlgn="base" hangingPunct="0">
+              <a:spcBef>
+                <a:spcPct val="0"/>
+              </a:spcBef>
+              <a:spcAft>
+                <a:spcPct val="0"/>
+              </a:spcAft>
+              <a:defRPr>
+                <a:solidFill>
+                  <a:schemeClr val="tx1"/>
+                </a:solidFill>
+                <a:latin typeface="Calibri" panose="020F0502020204030204" pitchFamily="34" charset="0"/>
+              </a:defRPr>
+            </a:lvl9pPr>
+          </a:lstStyle>
+          <a:p>
+            <a:pPr algn="ctr" eaLnBrk="1" hangingPunct="1"/>
+            <a:r>
+              <a:rPr lang="en-US" altLang="en-US" sz="1100" dirty="0">
+                <a:latin typeface="Arial" panose="020B0604020202020204" pitchFamily="34" charset="0"/>
+                <a:ea typeface="Amazon Ember" panose="020B0603020204020204" pitchFamily="34" charset="0"/>
+                <a:cs typeface="Arial" panose="020B0604020202020204" pitchFamily="34" charset="0"/>
+              </a:rPr>
+              <a:t>SSM Parameter Store</a:t>
+            </a:r>
+          </a:p>
+        </p:txBody>
+      </p:sp>
+      <p:pic>
+        <p:nvPicPr>
+          <p:cNvPr id="110" name="Graphic 26">
+            <a:extLst>
+              <a:ext uri="{FF2B5EF4-FFF2-40B4-BE49-F238E27FC236}">
+                <a16:creationId xmlns:a16="http://schemas.microsoft.com/office/drawing/2014/main" id="{901EF168-6591-EC48-9752-09DA48C38A4D}"/>
+              </a:ext>
+            </a:extLst>
+          </p:cNvPr>
+          <p:cNvPicPr>
+            <a:picLocks noChangeAspect="1" noChangeArrowheads="1"/>
+          </p:cNvPicPr>
+          <p:nvPr/>
+        </p:nvPicPr>
+        <p:blipFill>
+          <a:blip r:embed="rId6">
+            <a:extLst>
+              <a:ext uri="{28A0092B-C50C-407E-A947-70E740481C1C}">
+                <a14:useLocalDpi xmlns:a14="http://schemas.microsoft.com/office/drawing/2010/main"/>
+              </a:ext>
+            </a:extLst>
+          </a:blip>
+          <a:srcRect/>
+          <a:stretch>
+            <a:fillRect/>
+          </a:stretch>
+        </p:blipFill>
+        <p:spPr bwMode="auto">
+          <a:xfrm>
+            <a:off x="10512718" y="2986943"/>
+            <a:ext cx="457200" cy="457200"/>
+          </a:xfrm>
+          <a:prstGeom prst="rect">
+            <a:avLst/>
+          </a:prstGeom>
+          <a:noFill/>
+          <a:ln>
+            <a:noFill/>
+          </a:ln>
+          <a:extLst>
+            <a:ext uri="{909E8E84-426E-40DD-AFC4-6F175D3DCCD1}">
+              <a14:hiddenFill xmlns:a14="http://schemas.microsoft.com/office/drawing/2010/main">
+                <a:solidFill>
+                  <a:srgbClr val="FFFFFF"/>
+                </a:solidFill>
+              </a14:hiddenFill>
+            </a:ext>
+            <a:ext uri="{91240B29-F687-4F45-9708-019B960494DF}">
+              <a14:hiddenLine xmlns:a14="http://schemas.microsoft.com/office/drawing/2010/main" w="9525">
+                <a:solidFill>
+                  <a:srgbClr val="000000"/>
+                </a:solidFill>
+                <a:miter lim="800000"/>
+                <a:headEnd/>
+                <a:tailEnd/>
+              </a14:hiddenLine>
+            </a:ext>
+          </a:extLst>
+        </p:spPr>
+      </p:pic>
+      <p:sp>
+        <p:nvSpPr>
+          <p:cNvPr id="118" name="Oval 117">
+            <a:extLst>
+              <a:ext uri="{FF2B5EF4-FFF2-40B4-BE49-F238E27FC236}">
+                <a16:creationId xmlns:a16="http://schemas.microsoft.com/office/drawing/2014/main" id="{9735F1A9-2F87-E042-8C1C-2E1E5F26D3A9}"/>
+              </a:ext>
+            </a:extLst>
+          </p:cNvPr>
+          <p:cNvSpPr/>
+          <p:nvPr/>
+        </p:nvSpPr>
+        <p:spPr>
+          <a:xfrm>
+            <a:off x="10384701" y="2936751"/>
+            <a:ext cx="256032" cy="210312"/>
+          </a:xfrm>
+          <a:prstGeom prst="ellipse">
+            <a:avLst/>
+          </a:prstGeom>
+          <a:solidFill>
+            <a:schemeClr val="tx1"/>
+          </a:solidFill>
+          <a:ln>
+            <a:solidFill>
+              <a:schemeClr val="tx1"/>
+            </a:solidFill>
+          </a:ln>
+        </p:spPr>
+        <p:style>
+          <a:lnRef idx="2">
+            <a:schemeClr val="accent1">
+              <a:shade val="50000"/>
+            </a:schemeClr>
+          </a:lnRef>
+          <a:fillRef idx="1">
+            <a:schemeClr val="accent1"/>
+          </a:fillRef>
+          <a:effectRef idx="0">
+            <a:schemeClr val="accent1"/>
+          </a:effectRef>
+          <a:fontRef idx="minor">
+            <a:schemeClr val="lt1"/>
+          </a:fontRef>
+        </p:style>
+        <p:txBody>
+          <a:bodyPr lIns="0" tIns="0" rIns="0" bIns="0" rtlCol="0" anchor="ctr"/>
+          <a:lstStyle/>
+          <a:p>
+            <a:pPr algn="ctr"/>
+            <a:r>
+              <a:rPr lang="en-US" sz="800" dirty="0">
+                <a:latin typeface="Arial" panose="020B0604020202020204" pitchFamily="34" charset="0"/>
+                <a:cs typeface="Arial" panose="020B0604020202020204" pitchFamily="34" charset="0"/>
+              </a:rPr>
+              <a:t>2.2</a:t>
+            </a:r>
+          </a:p>
+        </p:txBody>
+      </p:sp>
+      <p:sp>
+        <p:nvSpPr>
+          <p:cNvPr id="147" name="Rectangle 146">
+            <a:extLst>
+              <a:ext uri="{FF2B5EF4-FFF2-40B4-BE49-F238E27FC236}">
+                <a16:creationId xmlns:a16="http://schemas.microsoft.com/office/drawing/2014/main" id="{CF118499-465A-4100-8096-0468BEF22098}"/>
+              </a:ext>
+            </a:extLst>
+          </p:cNvPr>
+          <p:cNvSpPr/>
+          <p:nvPr/>
+        </p:nvSpPr>
+        <p:spPr>
+          <a:xfrm>
+            <a:off x="8534337" y="677686"/>
+            <a:ext cx="3424107" cy="4007947"/>
+          </a:xfrm>
+          <a:prstGeom prst="rect">
+            <a:avLst/>
+          </a:prstGeom>
+          <a:noFill/>
+          <a:ln w="12700">
+            <a:solidFill>
+              <a:srgbClr val="CD2264"/>
+            </a:solidFill>
+          </a:ln>
+        </p:spPr>
+        <p:style>
+          <a:lnRef idx="2">
+            <a:schemeClr val="accent1">
+              <a:shade val="50000"/>
+            </a:schemeClr>
+          </a:lnRef>
+          <a:fillRef idx="1">
+            <a:schemeClr val="accent1"/>
+          </a:fillRef>
+          <a:effectRef idx="0">
+            <a:schemeClr val="accent1"/>
+          </a:effectRef>
+          <a:fontRef idx="minor">
+            <a:schemeClr val="lt1"/>
+          </a:fontRef>
+        </p:style>
+        <p:txBody>
+          <a:bodyPr lIns="502920" tIns="91440"/>
+          <a:lstStyle/>
+          <a:p>
+            <a:pPr>
+              <a:defRPr/>
+            </a:pPr>
+            <a:r>
+              <a:rPr lang="en-US" sz="1200" dirty="0">
+                <a:solidFill>
+                  <a:srgbClr val="CD2264"/>
+                </a:solidFill>
+                <a:latin typeface="Arial" panose="020B0604020202020204" pitchFamily="34" charset="0"/>
+                <a:cs typeface="Arial" panose="020B0604020202020204" pitchFamily="34" charset="0"/>
+              </a:rPr>
+              <a:t>All Existing and Future Organization Member Accounts</a:t>
+            </a:r>
+          </a:p>
+        </p:txBody>
+      </p:sp>
+      <p:pic>
+        <p:nvPicPr>
+          <p:cNvPr id="148" name="Graphic 147">
+            <a:extLst>
+              <a:ext uri="{FF2B5EF4-FFF2-40B4-BE49-F238E27FC236}">
+                <a16:creationId xmlns:a16="http://schemas.microsoft.com/office/drawing/2014/main" id="{247DF6BB-54F4-4DAB-AB81-900B743AFCF6}"/>
+              </a:ext>
+            </a:extLst>
+          </p:cNvPr>
+          <p:cNvPicPr>
+            <a:picLocks noChangeAspect="1"/>
+          </p:cNvPicPr>
+          <p:nvPr/>
+        </p:nvPicPr>
+        <p:blipFill>
+          <a:blip r:embed="rId11">
+            <a:extLst>
+              <a:ext uri="{96DAC541-7B7A-43D3-8B79-37D633B846F1}">
+                <asvg:svgBlip xmlns:asvg="http://schemas.microsoft.com/office/drawing/2016/SVG/main" r:embed="rId12"/>
+              </a:ext>
+            </a:extLst>
+          </a:blip>
+          <a:stretch>
+            <a:fillRect/>
+          </a:stretch>
+        </p:blipFill>
+        <p:spPr>
+          <a:xfrm>
+            <a:off x="8534338" y="674829"/>
+            <a:ext cx="352488" cy="381000"/>
+          </a:xfrm>
+          <a:prstGeom prst="rect">
+            <a:avLst/>
+          </a:prstGeom>
+        </p:spPr>
+      </p:pic>
+      <p:sp>
+        <p:nvSpPr>
+          <p:cNvPr id="149" name="Oval 148">
+            <a:extLst>
+              <a:ext uri="{FF2B5EF4-FFF2-40B4-BE49-F238E27FC236}">
+                <a16:creationId xmlns:a16="http://schemas.microsoft.com/office/drawing/2014/main" id="{77AD798A-3C91-44EA-8CEE-D4B1766AB4BF}"/>
+              </a:ext>
+            </a:extLst>
+          </p:cNvPr>
+          <p:cNvSpPr/>
+          <p:nvPr/>
+        </p:nvSpPr>
+        <p:spPr>
+          <a:xfrm>
+            <a:off x="8609086" y="1015218"/>
+            <a:ext cx="234469" cy="212902"/>
+          </a:xfrm>
+          <a:prstGeom prst="ellipse">
+            <a:avLst/>
+          </a:prstGeom>
+          <a:solidFill>
+            <a:schemeClr val="tx1"/>
+          </a:solidFill>
+          <a:ln>
+            <a:solidFill>
+              <a:schemeClr val="tx1"/>
+            </a:solidFill>
+          </a:ln>
+        </p:spPr>
+        <p:style>
+          <a:lnRef idx="2">
+            <a:schemeClr val="accent1">
+              <a:shade val="50000"/>
+            </a:schemeClr>
+          </a:lnRef>
+          <a:fillRef idx="1">
+            <a:schemeClr val="accent1"/>
+          </a:fillRef>
+          <a:effectRef idx="0">
+            <a:schemeClr val="accent1"/>
+          </a:effectRef>
+          <a:fontRef idx="minor">
+            <a:schemeClr val="lt1"/>
+          </a:fontRef>
+        </p:style>
+        <p:txBody>
+          <a:bodyPr lIns="0" tIns="0" rIns="0" bIns="0" rtlCol="0" anchor="ctr"/>
+          <a:lstStyle/>
+          <a:p>
+            <a:pPr algn="ctr"/>
+            <a:r>
+              <a:rPr lang="en-US" sz="800" dirty="0">
+                <a:latin typeface="Arial" panose="020B0604020202020204" pitchFamily="34" charset="0"/>
+                <a:cs typeface="Arial" panose="020B0604020202020204" pitchFamily="34" charset="0"/>
+              </a:rPr>
+              <a:t>2.0</a:t>
+            </a:r>
+          </a:p>
+        </p:txBody>
+      </p:sp>
+      <p:sp>
+        <p:nvSpPr>
+          <p:cNvPr id="150" name="Rectangle 149">
+            <a:extLst>
+              <a:ext uri="{FF2B5EF4-FFF2-40B4-BE49-F238E27FC236}">
+                <a16:creationId xmlns:a16="http://schemas.microsoft.com/office/drawing/2014/main" id="{411CA95C-8791-4F44-B6FD-66BD972A7248}"/>
+              </a:ext>
+            </a:extLst>
+          </p:cNvPr>
+          <p:cNvSpPr/>
+          <p:nvPr/>
+        </p:nvSpPr>
+        <p:spPr>
+          <a:xfrm>
+            <a:off x="8633240" y="1317213"/>
+            <a:ext cx="3197344" cy="3227631"/>
+          </a:xfrm>
+          <a:prstGeom prst="rect">
+            <a:avLst/>
+          </a:prstGeom>
+          <a:noFill/>
+          <a:ln w="12700">
+            <a:solidFill>
+              <a:srgbClr val="5B9CD5"/>
+            </a:solidFill>
+            <a:prstDash val="sysDash"/>
+          </a:ln>
+        </p:spPr>
+        <p:style>
+          <a:lnRef idx="2">
+            <a:schemeClr val="accent1">
+              <a:shade val="50000"/>
+            </a:schemeClr>
+          </a:lnRef>
+          <a:fillRef idx="1">
+            <a:schemeClr val="accent1"/>
+          </a:fillRef>
+          <a:effectRef idx="0">
+            <a:schemeClr val="accent1"/>
+          </a:effectRef>
+          <a:fontRef idx="minor">
+            <a:schemeClr val="lt1"/>
+          </a:fontRef>
+        </p:style>
+        <p:txBody>
+          <a:bodyPr lIns="502920" tIns="91440"/>
+          <a:lstStyle/>
+          <a:p>
+            <a:pPr eaLnBrk="1" fontAlgn="auto" hangingPunct="1">
+              <a:spcBef>
+                <a:spcPts val="0"/>
+              </a:spcBef>
+              <a:spcAft>
+                <a:spcPts val="0"/>
+              </a:spcAft>
+              <a:defRPr/>
+            </a:pPr>
+            <a:r>
+              <a:rPr lang="en-US" sz="1200" dirty="0">
+                <a:solidFill>
+                  <a:srgbClr val="5B9CD5"/>
+                </a:solidFill>
+                <a:latin typeface="Arial" panose="020B0604020202020204" pitchFamily="34" charset="0"/>
+                <a:cs typeface="Arial" panose="020B0604020202020204" pitchFamily="34" charset="0"/>
+              </a:rPr>
+              <a:t>Home Region</a:t>
+            </a:r>
+          </a:p>
+        </p:txBody>
+      </p:sp>
+      <p:pic>
+        <p:nvPicPr>
+          <p:cNvPr id="153" name="Graphic 152">
+            <a:extLst>
+              <a:ext uri="{FF2B5EF4-FFF2-40B4-BE49-F238E27FC236}">
+                <a16:creationId xmlns:a16="http://schemas.microsoft.com/office/drawing/2014/main" id="{95F5DF59-9DE2-4802-B2B9-6FB34F0F693B}"/>
+              </a:ext>
+            </a:extLst>
+          </p:cNvPr>
+          <p:cNvPicPr>
+            <a:picLocks noChangeAspect="1"/>
+          </p:cNvPicPr>
+          <p:nvPr/>
+        </p:nvPicPr>
+        <p:blipFill>
+          <a:blip r:embed="rId13">
+            <a:extLst>
+              <a:ext uri="{96DAC541-7B7A-43D3-8B79-37D633B846F1}">
+                <asvg:svgBlip xmlns:asvg="http://schemas.microsoft.com/office/drawing/2016/SVG/main" r:embed="rId14"/>
+              </a:ext>
+            </a:extLst>
+          </a:blip>
+          <a:stretch>
+            <a:fillRect/>
+          </a:stretch>
+        </p:blipFill>
+        <p:spPr>
+          <a:xfrm>
+            <a:off x="8624296" y="1310721"/>
+            <a:ext cx="338804" cy="338804"/>
+          </a:xfrm>
+          <a:prstGeom prst="rect">
+            <a:avLst/>
+          </a:prstGeom>
+        </p:spPr>
+      </p:pic>
+      <p:sp>
+        <p:nvSpPr>
+          <p:cNvPr id="154" name="Rectangle 153">
+            <a:extLst>
+              <a:ext uri="{FF2B5EF4-FFF2-40B4-BE49-F238E27FC236}">
+                <a16:creationId xmlns:a16="http://schemas.microsoft.com/office/drawing/2014/main" id="{2155C3E4-5E98-4D3F-A13D-183090DCCCCC}"/>
+              </a:ext>
+            </a:extLst>
+          </p:cNvPr>
+          <p:cNvSpPr/>
+          <p:nvPr/>
+        </p:nvSpPr>
+        <p:spPr>
+          <a:xfrm>
+            <a:off x="4828939" y="4779300"/>
+            <a:ext cx="4541040" cy="1754046"/>
+          </a:xfrm>
+          <a:prstGeom prst="rect">
+            <a:avLst/>
+          </a:prstGeom>
+          <a:noFill/>
+          <a:ln w="12700">
+            <a:solidFill>
+              <a:srgbClr val="CD2264"/>
+            </a:solidFill>
+          </a:ln>
+        </p:spPr>
+        <p:style>
+          <a:lnRef idx="2">
+            <a:schemeClr val="accent1">
+              <a:shade val="50000"/>
+            </a:schemeClr>
+          </a:lnRef>
+          <a:fillRef idx="1">
+            <a:schemeClr val="accent1"/>
+          </a:fillRef>
+          <a:effectRef idx="0">
+            <a:schemeClr val="accent1"/>
+          </a:effectRef>
+          <a:fontRef idx="minor">
+            <a:schemeClr val="lt1"/>
+          </a:fontRef>
+        </p:style>
+        <p:txBody>
+          <a:bodyPr lIns="502920" tIns="91440"/>
+          <a:lstStyle/>
+          <a:p>
+            <a:pPr eaLnBrk="1" fontAlgn="auto" hangingPunct="1">
+              <a:spcBef>
+                <a:spcPts val="0"/>
+              </a:spcBef>
+              <a:spcAft>
+                <a:spcPts val="0"/>
+              </a:spcAft>
+              <a:defRPr/>
+            </a:pPr>
+            <a:r>
+              <a:rPr lang="en-US" sz="1200" dirty="0">
+                <a:solidFill>
+                  <a:srgbClr val="CD2264"/>
+                </a:solidFill>
+                <a:latin typeface="Arial" panose="020B0604020202020204" pitchFamily="34" charset="0"/>
+                <a:cs typeface="Arial" panose="020B0604020202020204" pitchFamily="34" charset="0"/>
+              </a:rPr>
+              <a:t>Audit Account</a:t>
+            </a:r>
+          </a:p>
+        </p:txBody>
+      </p:sp>
+      <p:pic>
+        <p:nvPicPr>
+          <p:cNvPr id="155" name="Graphic 154">
+            <a:extLst>
+              <a:ext uri="{FF2B5EF4-FFF2-40B4-BE49-F238E27FC236}">
+                <a16:creationId xmlns:a16="http://schemas.microsoft.com/office/drawing/2014/main" id="{15F5DB09-6520-4CDB-9DE3-C40EF1551957}"/>
+              </a:ext>
+            </a:extLst>
+          </p:cNvPr>
+          <p:cNvPicPr>
+            <a:picLocks noChangeAspect="1"/>
+          </p:cNvPicPr>
+          <p:nvPr/>
+        </p:nvPicPr>
+        <p:blipFill>
+          <a:blip r:embed="rId11">
+            <a:extLst>
+              <a:ext uri="{96DAC541-7B7A-43D3-8B79-37D633B846F1}">
+                <asvg:svgBlip xmlns:asvg="http://schemas.microsoft.com/office/drawing/2016/SVG/main" r:embed="rId12"/>
+              </a:ext>
+            </a:extLst>
+          </a:blip>
+          <a:stretch>
+            <a:fillRect/>
+          </a:stretch>
+        </p:blipFill>
+        <p:spPr>
+          <a:xfrm>
+            <a:off x="4828940" y="4776441"/>
+            <a:ext cx="381000" cy="381000"/>
+          </a:xfrm>
+          <a:prstGeom prst="rect">
+            <a:avLst/>
+          </a:prstGeom>
+        </p:spPr>
+      </p:pic>
+      <p:sp>
+        <p:nvSpPr>
+          <p:cNvPr id="156" name="Oval 155">
+            <a:extLst>
+              <a:ext uri="{FF2B5EF4-FFF2-40B4-BE49-F238E27FC236}">
+                <a16:creationId xmlns:a16="http://schemas.microsoft.com/office/drawing/2014/main" id="{E04A02EA-B9E6-4BB2-813C-92D55716A551}"/>
+              </a:ext>
+            </a:extLst>
+          </p:cNvPr>
+          <p:cNvSpPr/>
+          <p:nvPr/>
+        </p:nvSpPr>
+        <p:spPr>
+          <a:xfrm>
+            <a:off x="4903688" y="5116830"/>
+            <a:ext cx="253435" cy="212902"/>
+          </a:xfrm>
+          <a:prstGeom prst="ellipse">
+            <a:avLst/>
+          </a:prstGeom>
+          <a:solidFill>
+            <a:schemeClr val="tx1"/>
+          </a:solidFill>
+          <a:ln>
+            <a:solidFill>
+              <a:schemeClr val="tx1"/>
+            </a:solidFill>
+          </a:ln>
+        </p:spPr>
+        <p:style>
+          <a:lnRef idx="2">
+            <a:schemeClr val="accent1">
+              <a:shade val="50000"/>
+            </a:schemeClr>
+          </a:lnRef>
+          <a:fillRef idx="1">
+            <a:schemeClr val="accent1"/>
+          </a:fillRef>
+          <a:effectRef idx="0">
+            <a:schemeClr val="accent1"/>
+          </a:effectRef>
+          <a:fontRef idx="minor">
+            <a:schemeClr val="lt1"/>
+          </a:fontRef>
+        </p:style>
+        <p:txBody>
+          <a:bodyPr lIns="0" tIns="0" rIns="0" bIns="0" rtlCol="0" anchor="ctr"/>
+          <a:lstStyle/>
+          <a:p>
+            <a:pPr algn="ctr"/>
+            <a:r>
+              <a:rPr lang="en-US" sz="800" dirty="0">
+                <a:latin typeface="Arial" panose="020B0604020202020204" pitchFamily="34" charset="0"/>
+                <a:cs typeface="Arial" panose="020B0604020202020204" pitchFamily="34" charset="0"/>
+              </a:rPr>
+              <a:t>3.0</a:t>
+            </a:r>
+          </a:p>
+        </p:txBody>
+      </p:sp>
+      <p:sp>
+        <p:nvSpPr>
+          <p:cNvPr id="157" name="Rectangle 156">
+            <a:extLst>
+              <a:ext uri="{FF2B5EF4-FFF2-40B4-BE49-F238E27FC236}">
+                <a16:creationId xmlns:a16="http://schemas.microsoft.com/office/drawing/2014/main" id="{B3088061-689F-4B24-81BE-689625DB6753}"/>
+              </a:ext>
+            </a:extLst>
+          </p:cNvPr>
+          <p:cNvSpPr/>
+          <p:nvPr/>
+        </p:nvSpPr>
+        <p:spPr>
+          <a:xfrm>
+            <a:off x="5284689" y="5111409"/>
+            <a:ext cx="2290775" cy="1352042"/>
+          </a:xfrm>
+          <a:prstGeom prst="rect">
+            <a:avLst/>
+          </a:prstGeom>
+          <a:noFill/>
+          <a:ln w="12700">
+            <a:solidFill>
+              <a:srgbClr val="5B9CD5"/>
+            </a:solidFill>
+            <a:prstDash val="sysDash"/>
+          </a:ln>
+        </p:spPr>
+        <p:style>
+          <a:lnRef idx="2">
+            <a:schemeClr val="accent1">
+              <a:shade val="50000"/>
+            </a:schemeClr>
+          </a:lnRef>
+          <a:fillRef idx="1">
+            <a:schemeClr val="accent1"/>
+          </a:fillRef>
+          <a:effectRef idx="0">
+            <a:schemeClr val="accent1"/>
+          </a:effectRef>
+          <a:fontRef idx="minor">
+            <a:schemeClr val="lt1"/>
+          </a:fontRef>
+        </p:style>
+        <p:txBody>
+          <a:bodyPr lIns="502920" tIns="91440"/>
+          <a:lstStyle/>
+          <a:p>
+            <a:pPr eaLnBrk="1" fontAlgn="auto" hangingPunct="1">
+              <a:spcBef>
+                <a:spcPts val="0"/>
+              </a:spcBef>
+              <a:spcAft>
+                <a:spcPts val="0"/>
+              </a:spcAft>
+              <a:defRPr/>
+            </a:pPr>
+            <a:r>
+              <a:rPr lang="en-US" sz="1200" dirty="0">
+                <a:solidFill>
+                  <a:srgbClr val="5B9CD5"/>
+                </a:solidFill>
+                <a:latin typeface="Arial" panose="020B0604020202020204" pitchFamily="34" charset="0"/>
+                <a:cs typeface="Arial" panose="020B0604020202020204" pitchFamily="34" charset="0"/>
+              </a:rPr>
+              <a:t>Home Region</a:t>
+            </a:r>
+          </a:p>
+        </p:txBody>
+      </p:sp>
+      <p:pic>
+        <p:nvPicPr>
+          <p:cNvPr id="158" name="Graphic 157">
+            <a:extLst>
+              <a:ext uri="{FF2B5EF4-FFF2-40B4-BE49-F238E27FC236}">
+                <a16:creationId xmlns:a16="http://schemas.microsoft.com/office/drawing/2014/main" id="{7D6D6091-B7A1-4E33-839E-2B6975BD6BD1}"/>
+              </a:ext>
+            </a:extLst>
+          </p:cNvPr>
+          <p:cNvPicPr>
+            <a:picLocks noChangeAspect="1"/>
+          </p:cNvPicPr>
+          <p:nvPr/>
+        </p:nvPicPr>
+        <p:blipFill>
+          <a:blip r:embed="rId13">
+            <a:extLst>
+              <a:ext uri="{96DAC541-7B7A-43D3-8B79-37D633B846F1}">
+                <asvg:svgBlip xmlns:asvg="http://schemas.microsoft.com/office/drawing/2016/SVG/main" r:embed="rId14"/>
+              </a:ext>
+            </a:extLst>
+          </a:blip>
+          <a:stretch>
+            <a:fillRect/>
+          </a:stretch>
+        </p:blipFill>
+        <p:spPr>
+          <a:xfrm>
+            <a:off x="5275745" y="5104916"/>
+            <a:ext cx="338804" cy="338804"/>
+          </a:xfrm>
+          <a:prstGeom prst="rect">
+            <a:avLst/>
+          </a:prstGeom>
+        </p:spPr>
+      </p:pic>
+      <p:cxnSp>
+        <p:nvCxnSpPr>
+          <p:cNvPr id="15" name="Straight Arrow Connector 14">
+            <a:extLst>
+              <a:ext uri="{FF2B5EF4-FFF2-40B4-BE49-F238E27FC236}">
+                <a16:creationId xmlns:a16="http://schemas.microsoft.com/office/drawing/2014/main" id="{26BDF752-DAC2-0E46-B37C-35755C45AA64}"/>
+              </a:ext>
+            </a:extLst>
+          </p:cNvPr>
+          <p:cNvCxnSpPr>
+            <a:cxnSpLocks/>
+            <a:stCxn id="63" idx="3"/>
+          </p:cNvCxnSpPr>
+          <p:nvPr/>
+        </p:nvCxnSpPr>
+        <p:spPr>
+          <a:xfrm>
+            <a:off x="4853185" y="2729746"/>
+            <a:ext cx="2012586" cy="639117"/>
+          </a:xfrm>
+          <a:prstGeom prst="straightConnector1">
+            <a:avLst/>
+          </a:prstGeom>
+          <a:ln>
+            <a:headEnd type="triangle"/>
+            <a:tailEnd type="triangle"/>
+          </a:ln>
+        </p:spPr>
+        <p:style>
+          <a:lnRef idx="1">
+            <a:schemeClr val="dk1"/>
+          </a:lnRef>
+          <a:fillRef idx="0">
+            <a:schemeClr val="dk1"/>
+          </a:fillRef>
+          <a:effectRef idx="0">
+            <a:schemeClr val="dk1"/>
+          </a:effectRef>
+          <a:fontRef idx="minor">
+            <a:schemeClr val="tx1"/>
+          </a:fontRef>
+        </p:style>
+      </p:cxnSp>
+      <p:pic>
+        <p:nvPicPr>
+          <p:cNvPr id="159" name="Graphic 158">
+            <a:extLst>
+              <a:ext uri="{FF2B5EF4-FFF2-40B4-BE49-F238E27FC236}">
+                <a16:creationId xmlns:a16="http://schemas.microsoft.com/office/drawing/2014/main" id="{AA88DD62-C161-4B9F-95DF-48D0F596D6CD}"/>
+              </a:ext>
+            </a:extLst>
+          </p:cNvPr>
+          <p:cNvPicPr>
+            <a:picLocks noChangeAspect="1"/>
+          </p:cNvPicPr>
+          <p:nvPr/>
+        </p:nvPicPr>
+        <p:blipFill>
+          <a:blip r:embed="rId15">
+            <a:extLst>
+              <a:ext uri="{96DAC541-7B7A-43D3-8B79-37D633B846F1}">
+                <asvg:svgBlip xmlns:asvg="http://schemas.microsoft.com/office/drawing/2016/SVG/main" r:embed="rId16"/>
+              </a:ext>
+            </a:extLst>
+          </a:blip>
+          <a:srcRect/>
+          <a:stretch/>
+        </p:blipFill>
+        <p:spPr>
+          <a:xfrm>
+            <a:off x="1153182" y="161056"/>
+            <a:ext cx="381000" cy="381000"/>
+          </a:xfrm>
+          <a:prstGeom prst="rect">
+            <a:avLst/>
+          </a:prstGeom>
+        </p:spPr>
+      </p:pic>
+      <p:sp>
+        <p:nvSpPr>
+          <p:cNvPr id="100" name="Rectangle 99">
+            <a:extLst>
+              <a:ext uri="{FF2B5EF4-FFF2-40B4-BE49-F238E27FC236}">
+                <a16:creationId xmlns:a16="http://schemas.microsoft.com/office/drawing/2014/main" id="{A94C3923-30CF-427B-A8F7-5BD65C0BCCE3}"/>
+              </a:ext>
+            </a:extLst>
+          </p:cNvPr>
+          <p:cNvSpPr/>
+          <p:nvPr/>
+        </p:nvSpPr>
+        <p:spPr>
+          <a:xfrm>
+            <a:off x="2415763" y="1015218"/>
+            <a:ext cx="5068684" cy="873379"/>
+          </a:xfrm>
+          <a:prstGeom prst="rect">
+            <a:avLst/>
+          </a:prstGeom>
+          <a:noFill/>
+          <a:ln w="12700">
+            <a:solidFill>
+              <a:srgbClr val="5B9CD5"/>
+            </a:solidFill>
+            <a:prstDash val="sysDash"/>
+          </a:ln>
+        </p:spPr>
+        <p:style>
+          <a:lnRef idx="2">
+            <a:schemeClr val="accent1">
+              <a:shade val="50000"/>
+            </a:schemeClr>
+          </a:lnRef>
+          <a:fillRef idx="1">
+            <a:schemeClr val="accent1"/>
+          </a:fillRef>
+          <a:effectRef idx="0">
+            <a:schemeClr val="accent1"/>
+          </a:effectRef>
+          <a:fontRef idx="minor">
+            <a:schemeClr val="lt1"/>
+          </a:fontRef>
+        </p:style>
+        <p:txBody>
+          <a:bodyPr lIns="502920" tIns="91440"/>
+          <a:lstStyle/>
+          <a:p>
+            <a:pPr eaLnBrk="1" fontAlgn="auto" hangingPunct="1">
+              <a:spcBef>
+                <a:spcPts val="0"/>
+              </a:spcBef>
+              <a:spcAft>
+                <a:spcPts val="0"/>
+              </a:spcAft>
+              <a:defRPr/>
+            </a:pPr>
+            <a:r>
+              <a:rPr lang="en-US" sz="1200" dirty="0">
+                <a:solidFill>
+                  <a:srgbClr val="5B9CD5"/>
+                </a:solidFill>
+                <a:latin typeface="Arial" panose="020B0604020202020204" pitchFamily="34" charset="0"/>
+                <a:cs typeface="Arial" panose="020B0604020202020204" pitchFamily="34" charset="0"/>
+              </a:rPr>
+              <a:t>Global Region</a:t>
+            </a:r>
+          </a:p>
+        </p:txBody>
+      </p:sp>
+      <p:pic>
+        <p:nvPicPr>
+          <p:cNvPr id="101" name="Graphic 100">
+            <a:extLst>
+              <a:ext uri="{FF2B5EF4-FFF2-40B4-BE49-F238E27FC236}">
+                <a16:creationId xmlns:a16="http://schemas.microsoft.com/office/drawing/2014/main" id="{2B3B010A-D496-46B5-9637-C4F7C3F25F1B}"/>
+              </a:ext>
+            </a:extLst>
+          </p:cNvPr>
+          <p:cNvPicPr>
+            <a:picLocks noChangeAspect="1"/>
+          </p:cNvPicPr>
+          <p:nvPr/>
+        </p:nvPicPr>
+        <p:blipFill>
+          <a:blip r:embed="rId13">
+            <a:extLst>
+              <a:ext uri="{96DAC541-7B7A-43D3-8B79-37D633B846F1}">
+                <asvg:svgBlip xmlns:asvg="http://schemas.microsoft.com/office/drawing/2016/SVG/main" r:embed="rId14"/>
+              </a:ext>
+            </a:extLst>
+          </a:blip>
+          <a:stretch>
+            <a:fillRect/>
+          </a:stretch>
+        </p:blipFill>
+        <p:spPr>
+          <a:xfrm>
+            <a:off x="2407721" y="1010648"/>
+            <a:ext cx="391567" cy="391567"/>
+          </a:xfrm>
+          <a:prstGeom prst="rect">
+            <a:avLst/>
+          </a:prstGeom>
+        </p:spPr>
+      </p:pic>
+      <p:sp>
+        <p:nvSpPr>
+          <p:cNvPr id="105" name="TextBox 29">
+            <a:extLst>
+              <a:ext uri="{FF2B5EF4-FFF2-40B4-BE49-F238E27FC236}">
+                <a16:creationId xmlns:a16="http://schemas.microsoft.com/office/drawing/2014/main" id="{89E69CEF-09E4-401F-BED0-0033D5E8BA3C}"/>
+              </a:ext>
+            </a:extLst>
+          </p:cNvPr>
+          <p:cNvSpPr txBox="1">
+            <a:spLocks noChangeArrowheads="1"/>
+          </p:cNvSpPr>
+          <p:nvPr/>
+        </p:nvSpPr>
+        <p:spPr bwMode="auto">
+          <a:xfrm>
+            <a:off x="6028289" y="1458025"/>
+            <a:ext cx="1519646" cy="261610"/>
+          </a:xfrm>
+          <a:prstGeom prst="rect">
+            <a:avLst/>
+          </a:prstGeom>
+          <a:noFill/>
+          <a:ln>
+            <a:noFill/>
+          </a:ln>
+          <a:extLst>
+            <a:ext uri="{909E8E84-426E-40DD-AFC4-6F175D3DCCD1}">
+              <a14:hiddenFill xmlns:a14="http://schemas.microsoft.com/office/drawing/2010/main">
+                <a:solidFill>
+                  <a:srgbClr val="FFFFFF"/>
+                </a:solidFill>
+              </a14:hiddenFill>
+            </a:ext>
+            <a:ext uri="{91240B29-F687-4F45-9708-019B960494DF}">
+              <a14:hiddenLine xmlns:a14="http://schemas.microsoft.com/office/drawing/2010/main" w="9525">
+                <a:solidFill>
+                  <a:srgbClr val="000000"/>
+                </a:solidFill>
+                <a:miter lim="800000"/>
+                <a:headEnd/>
+                <a:tailEnd/>
+              </a14:hiddenLine>
+            </a:ext>
+          </a:extLst>
+        </p:spPr>
+        <p:txBody>
+          <a:bodyPr wrap="square">
+            <a:spAutoFit/>
+          </a:bodyPr>
+          <a:lstStyle>
+            <a:lvl1pPr>
+              <a:defRPr>
+                <a:solidFill>
+                  <a:schemeClr val="tx1"/>
+                </a:solidFill>
+                <a:latin typeface="Calibri" panose="020F0502020204030204" pitchFamily="34" charset="0"/>
+              </a:defRPr>
+            </a:lvl1pPr>
+            <a:lvl2pPr marL="742950" indent="-285750">
+              <a:defRPr>
+                <a:solidFill>
+                  <a:schemeClr val="tx1"/>
+                </a:solidFill>
+                <a:latin typeface="Calibri" panose="020F0502020204030204" pitchFamily="34" charset="0"/>
+              </a:defRPr>
+            </a:lvl2pPr>
+            <a:lvl3pPr marL="1143000" indent="-228600">
+              <a:defRPr>
+                <a:solidFill>
+                  <a:schemeClr val="tx1"/>
+                </a:solidFill>
+                <a:latin typeface="Calibri" panose="020F0502020204030204" pitchFamily="34" charset="0"/>
+              </a:defRPr>
+            </a:lvl3pPr>
+            <a:lvl4pPr marL="1600200" indent="-228600">
+              <a:defRPr>
+                <a:solidFill>
+                  <a:schemeClr val="tx1"/>
+                </a:solidFill>
+                <a:latin typeface="Calibri" panose="020F0502020204030204" pitchFamily="34" charset="0"/>
+              </a:defRPr>
+            </a:lvl4pPr>
+            <a:lvl5pPr marL="2057400" indent="-228600">
+              <a:defRPr>
+                <a:solidFill>
+                  <a:schemeClr val="tx1"/>
+                </a:solidFill>
+                <a:latin typeface="Calibri" panose="020F0502020204030204" pitchFamily="34" charset="0"/>
+              </a:defRPr>
+            </a:lvl5pPr>
+            <a:lvl6pPr marL="2514600" indent="-228600" eaLnBrk="0" fontAlgn="base" hangingPunct="0">
+              <a:spcBef>
+                <a:spcPct val="0"/>
+              </a:spcBef>
+              <a:spcAft>
+                <a:spcPct val="0"/>
+              </a:spcAft>
+              <a:defRPr>
+                <a:solidFill>
+                  <a:schemeClr val="tx1"/>
+                </a:solidFill>
+                <a:latin typeface="Calibri" panose="020F0502020204030204" pitchFamily="34" charset="0"/>
+              </a:defRPr>
+            </a:lvl6pPr>
+            <a:lvl7pPr marL="2971800" indent="-228600" eaLnBrk="0" fontAlgn="base" hangingPunct="0">
+              <a:spcBef>
+                <a:spcPct val="0"/>
+              </a:spcBef>
+              <a:spcAft>
+                <a:spcPct val="0"/>
+              </a:spcAft>
+              <a:defRPr>
+                <a:solidFill>
+                  <a:schemeClr val="tx1"/>
+                </a:solidFill>
+                <a:latin typeface="Calibri" panose="020F0502020204030204" pitchFamily="34" charset="0"/>
+              </a:defRPr>
+            </a:lvl7pPr>
+            <a:lvl8pPr marL="3429000" indent="-228600" eaLnBrk="0" fontAlgn="base" hangingPunct="0">
+              <a:spcBef>
+                <a:spcPct val="0"/>
+              </a:spcBef>
+              <a:spcAft>
+                <a:spcPct val="0"/>
+              </a:spcAft>
+              <a:defRPr>
+                <a:solidFill>
+                  <a:schemeClr val="tx1"/>
+                </a:solidFill>
+                <a:latin typeface="Calibri" panose="020F0502020204030204" pitchFamily="34" charset="0"/>
+              </a:defRPr>
+            </a:lvl8pPr>
+            <a:lvl9pPr marL="3886200" indent="-228600" eaLnBrk="0" fontAlgn="base" hangingPunct="0">
+              <a:spcBef>
+                <a:spcPct val="0"/>
+              </a:spcBef>
+              <a:spcAft>
+                <a:spcPct val="0"/>
+              </a:spcAft>
+              <a:defRPr>
+                <a:solidFill>
+                  <a:schemeClr val="tx1"/>
+                </a:solidFill>
+                <a:latin typeface="Calibri" panose="020F0502020204030204" pitchFamily="34" charset="0"/>
+              </a:defRPr>
+            </a:lvl9pPr>
+          </a:lstStyle>
+          <a:p>
+            <a:pPr algn="ctr" eaLnBrk="1" hangingPunct="1"/>
+            <a:r>
+              <a:rPr lang="en-US" altLang="en-US" sz="1100" dirty="0">
+                <a:latin typeface="Arial" panose="020B0604020202020204" pitchFamily="34" charset="0"/>
+                <a:ea typeface="Amazon Ember" panose="020B0603020204020204" pitchFamily="34" charset="0"/>
+                <a:cs typeface="Arial" panose="020B0604020202020204" pitchFamily="34" charset="0"/>
+              </a:rPr>
+              <a:t>Execution Role</a:t>
+            </a:r>
+          </a:p>
+        </p:txBody>
+      </p:sp>
+      <p:pic>
+        <p:nvPicPr>
+          <p:cNvPr id="112" name="Graphic 49">
+            <a:extLst>
+              <a:ext uri="{FF2B5EF4-FFF2-40B4-BE49-F238E27FC236}">
+                <a16:creationId xmlns:a16="http://schemas.microsoft.com/office/drawing/2014/main" id="{12D4B0BB-2D96-4D57-AAFC-35DD86769ED5}"/>
+              </a:ext>
+            </a:extLst>
+          </p:cNvPr>
+          <p:cNvPicPr>
+            <a:picLocks noChangeAspect="1" noChangeArrowheads="1"/>
+          </p:cNvPicPr>
+          <p:nvPr/>
+        </p:nvPicPr>
+        <p:blipFill>
+          <a:blip r:embed="rId5">
+            <a:extLst>
+              <a:ext uri="{28A0092B-C50C-407E-A947-70E740481C1C}">
+                <a14:useLocalDpi xmlns:a14="http://schemas.microsoft.com/office/drawing/2010/main"/>
+              </a:ext>
+            </a:extLst>
+          </a:blip>
+          <a:srcRect/>
+          <a:stretch>
+            <a:fillRect/>
+          </a:stretch>
+        </p:blipFill>
+        <p:spPr bwMode="auto">
+          <a:xfrm>
+            <a:off x="6504092" y="1106474"/>
+            <a:ext cx="457200" cy="457200"/>
+          </a:xfrm>
+          <a:prstGeom prst="rect">
+            <a:avLst/>
+          </a:prstGeom>
+          <a:noFill/>
+          <a:ln>
+            <a:noFill/>
+          </a:ln>
+          <a:extLst>
+            <a:ext uri="{909E8E84-426E-40DD-AFC4-6F175D3DCCD1}">
+              <a14:hiddenFill xmlns:a14="http://schemas.microsoft.com/office/drawing/2010/main">
+                <a:solidFill>
+                  <a:srgbClr val="FFFFFF"/>
+                </a:solidFill>
+              </a14:hiddenFill>
+            </a:ext>
+            <a:ext uri="{91240B29-F687-4F45-9708-019B960494DF}">
+              <a14:hiddenLine xmlns:a14="http://schemas.microsoft.com/office/drawing/2010/main" w="9525">
+                <a:solidFill>
+                  <a:srgbClr val="000000"/>
+                </a:solidFill>
+                <a:miter lim="800000"/>
+                <a:headEnd/>
+                <a:tailEnd/>
+              </a14:hiddenLine>
+            </a:ext>
+          </a:extLst>
+        </p:spPr>
+      </p:pic>
+      <p:sp>
+        <p:nvSpPr>
+          <p:cNvPr id="113" name="Oval 112">
+            <a:extLst>
+              <a:ext uri="{FF2B5EF4-FFF2-40B4-BE49-F238E27FC236}">
+                <a16:creationId xmlns:a16="http://schemas.microsoft.com/office/drawing/2014/main" id="{363274C4-87D2-4FFC-A58F-93ECD648D862}"/>
+              </a:ext>
+            </a:extLst>
+          </p:cNvPr>
+          <p:cNvSpPr/>
+          <p:nvPr/>
+        </p:nvSpPr>
+        <p:spPr>
+          <a:xfrm>
+            <a:off x="6460821" y="1075031"/>
+            <a:ext cx="283464" cy="237744"/>
+          </a:xfrm>
+          <a:prstGeom prst="ellipse">
+            <a:avLst/>
+          </a:prstGeom>
+          <a:solidFill>
+            <a:schemeClr val="tx1"/>
+          </a:solidFill>
+          <a:ln>
+            <a:solidFill>
+              <a:schemeClr val="tx1"/>
+            </a:solidFill>
+          </a:ln>
+        </p:spPr>
+        <p:style>
+          <a:lnRef idx="2">
+            <a:schemeClr val="accent1">
+              <a:shade val="50000"/>
+            </a:schemeClr>
+          </a:lnRef>
+          <a:fillRef idx="1">
+            <a:schemeClr val="accent1"/>
+          </a:fillRef>
+          <a:effectRef idx="0">
+            <a:schemeClr val="accent1"/>
+          </a:effectRef>
+          <a:fontRef idx="minor">
+            <a:schemeClr val="lt1"/>
+          </a:fontRef>
+        </p:style>
+        <p:txBody>
+          <a:bodyPr lIns="0" tIns="0" rIns="0" bIns="0" rtlCol="0" anchor="ctr"/>
+          <a:lstStyle/>
+          <a:p>
+            <a:pPr algn="ctr"/>
+            <a:r>
+              <a:rPr lang="en-US" sz="800" dirty="0">
+                <a:latin typeface="Arial" panose="020B0604020202020204" pitchFamily="34" charset="0"/>
+                <a:cs typeface="Arial" panose="020B0604020202020204" pitchFamily="34" charset="0"/>
+              </a:rPr>
+              <a:t>1.11</a:t>
+            </a:r>
+          </a:p>
+        </p:txBody>
+      </p:sp>
+      <p:sp>
+        <p:nvSpPr>
+          <p:cNvPr id="114" name="Rectangle 113">
+            <a:extLst>
+              <a:ext uri="{FF2B5EF4-FFF2-40B4-BE49-F238E27FC236}">
+                <a16:creationId xmlns:a16="http://schemas.microsoft.com/office/drawing/2014/main" id="{A77609BD-6FDA-4D19-944D-1E07562B40F8}"/>
+              </a:ext>
+            </a:extLst>
+          </p:cNvPr>
+          <p:cNvSpPr/>
+          <p:nvPr/>
+        </p:nvSpPr>
+        <p:spPr>
+          <a:xfrm>
+            <a:off x="7668627" y="5112876"/>
+            <a:ext cx="1592479" cy="1352042"/>
+          </a:xfrm>
+          <a:prstGeom prst="rect">
+            <a:avLst/>
+          </a:prstGeom>
+          <a:noFill/>
+          <a:ln w="12700">
+            <a:solidFill>
+              <a:srgbClr val="5B9CD5"/>
+            </a:solidFill>
+            <a:prstDash val="sysDash"/>
+          </a:ln>
+        </p:spPr>
+        <p:style>
+          <a:lnRef idx="2">
+            <a:schemeClr val="accent1">
+              <a:shade val="50000"/>
+            </a:schemeClr>
+          </a:lnRef>
+          <a:fillRef idx="1">
+            <a:schemeClr val="accent1"/>
+          </a:fillRef>
+          <a:effectRef idx="0">
+            <a:schemeClr val="accent1"/>
+          </a:effectRef>
+          <a:fontRef idx="minor">
+            <a:schemeClr val="lt1"/>
+          </a:fontRef>
+        </p:style>
+        <p:txBody>
+          <a:bodyPr lIns="502920" tIns="91440"/>
+          <a:lstStyle/>
+          <a:p>
+            <a:pPr eaLnBrk="1" fontAlgn="auto" hangingPunct="1">
+              <a:spcBef>
+                <a:spcPts val="0"/>
+              </a:spcBef>
+              <a:spcAft>
+                <a:spcPts val="0"/>
+              </a:spcAft>
+              <a:defRPr/>
+            </a:pPr>
+            <a:r>
+              <a:rPr lang="en-US" sz="1200" dirty="0">
+                <a:solidFill>
+                  <a:srgbClr val="5B9CD5"/>
+                </a:solidFill>
+                <a:latin typeface="Arial" panose="020B0604020202020204" pitchFamily="34" charset="0"/>
+                <a:cs typeface="Arial" panose="020B0604020202020204" pitchFamily="34" charset="0"/>
+              </a:rPr>
+              <a:t>Global Region</a:t>
+            </a:r>
+          </a:p>
+        </p:txBody>
+      </p:sp>
+      <p:pic>
+        <p:nvPicPr>
+          <p:cNvPr id="119" name="Graphic 118">
+            <a:extLst>
+              <a:ext uri="{FF2B5EF4-FFF2-40B4-BE49-F238E27FC236}">
+                <a16:creationId xmlns:a16="http://schemas.microsoft.com/office/drawing/2014/main" id="{C2C930AE-27FF-430B-B6A7-BC891D8E0DA9}"/>
+              </a:ext>
+            </a:extLst>
+          </p:cNvPr>
+          <p:cNvPicPr>
+            <a:picLocks noChangeAspect="1"/>
+          </p:cNvPicPr>
+          <p:nvPr/>
+        </p:nvPicPr>
+        <p:blipFill>
+          <a:blip r:embed="rId13">
+            <a:extLst>
+              <a:ext uri="{96DAC541-7B7A-43D3-8B79-37D633B846F1}">
+                <asvg:svgBlip xmlns:asvg="http://schemas.microsoft.com/office/drawing/2016/SVG/main" r:embed="rId14"/>
+              </a:ext>
+            </a:extLst>
+          </a:blip>
+          <a:stretch>
+            <a:fillRect/>
+          </a:stretch>
+        </p:blipFill>
+        <p:spPr>
+          <a:xfrm>
+            <a:off x="7659683" y="5106383"/>
+            <a:ext cx="338804" cy="338804"/>
+          </a:xfrm>
+          <a:prstGeom prst="rect">
+            <a:avLst/>
+          </a:prstGeom>
+        </p:spPr>
+      </p:pic>
+      <p:sp>
+        <p:nvSpPr>
+          <p:cNvPr id="123" name="TextBox 29">
+            <a:extLst>
+              <a:ext uri="{FF2B5EF4-FFF2-40B4-BE49-F238E27FC236}">
+                <a16:creationId xmlns:a16="http://schemas.microsoft.com/office/drawing/2014/main" id="{B01FC532-8FF9-49DD-AA96-379DF0D82CD5}"/>
+              </a:ext>
+            </a:extLst>
+          </p:cNvPr>
+          <p:cNvSpPr txBox="1">
+            <a:spLocks noChangeArrowheads="1"/>
+          </p:cNvSpPr>
+          <p:nvPr/>
+        </p:nvSpPr>
+        <p:spPr bwMode="auto">
+          <a:xfrm>
+            <a:off x="7784517" y="5807721"/>
+            <a:ext cx="1519646" cy="261610"/>
+          </a:xfrm>
+          <a:prstGeom prst="rect">
+            <a:avLst/>
+          </a:prstGeom>
+          <a:noFill/>
+          <a:ln>
+            <a:noFill/>
+          </a:ln>
+          <a:extLst>
+            <a:ext uri="{909E8E84-426E-40DD-AFC4-6F175D3DCCD1}">
+              <a14:hiddenFill xmlns:a14="http://schemas.microsoft.com/office/drawing/2010/main">
+                <a:solidFill>
+                  <a:srgbClr val="FFFFFF"/>
+                </a:solidFill>
+              </a14:hiddenFill>
+            </a:ext>
+            <a:ext uri="{91240B29-F687-4F45-9708-019B960494DF}">
+              <a14:hiddenLine xmlns:a14="http://schemas.microsoft.com/office/drawing/2010/main" w="9525">
+                <a:solidFill>
+                  <a:srgbClr val="000000"/>
+                </a:solidFill>
+                <a:miter lim="800000"/>
+                <a:headEnd/>
+                <a:tailEnd/>
+              </a14:hiddenLine>
+            </a:ext>
+          </a:extLst>
+        </p:spPr>
+        <p:txBody>
+          <a:bodyPr wrap="square">
+            <a:spAutoFit/>
+          </a:bodyPr>
+          <a:lstStyle>
+            <a:lvl1pPr>
+              <a:defRPr>
+                <a:solidFill>
+                  <a:schemeClr val="tx1"/>
+                </a:solidFill>
+                <a:latin typeface="Calibri" panose="020F0502020204030204" pitchFamily="34" charset="0"/>
+              </a:defRPr>
+            </a:lvl1pPr>
+            <a:lvl2pPr marL="742950" indent="-285750">
+              <a:defRPr>
+                <a:solidFill>
+                  <a:schemeClr val="tx1"/>
+                </a:solidFill>
+                <a:latin typeface="Calibri" panose="020F0502020204030204" pitchFamily="34" charset="0"/>
+              </a:defRPr>
+            </a:lvl2pPr>
+            <a:lvl3pPr marL="1143000" indent="-228600">
+              <a:defRPr>
+                <a:solidFill>
+                  <a:schemeClr val="tx1"/>
+                </a:solidFill>
+                <a:latin typeface="Calibri" panose="020F0502020204030204" pitchFamily="34" charset="0"/>
+              </a:defRPr>
+            </a:lvl3pPr>
+            <a:lvl4pPr marL="1600200" indent="-228600">
+              <a:defRPr>
+                <a:solidFill>
+                  <a:schemeClr val="tx1"/>
+                </a:solidFill>
+                <a:latin typeface="Calibri" panose="020F0502020204030204" pitchFamily="34" charset="0"/>
+              </a:defRPr>
+            </a:lvl4pPr>
+            <a:lvl5pPr marL="2057400" indent="-228600">
+              <a:defRPr>
+                <a:solidFill>
+                  <a:schemeClr val="tx1"/>
+                </a:solidFill>
+                <a:latin typeface="Calibri" panose="020F0502020204030204" pitchFamily="34" charset="0"/>
+              </a:defRPr>
+            </a:lvl5pPr>
+            <a:lvl6pPr marL="2514600" indent="-228600" eaLnBrk="0" fontAlgn="base" hangingPunct="0">
+              <a:spcBef>
+                <a:spcPct val="0"/>
+              </a:spcBef>
+              <a:spcAft>
+                <a:spcPct val="0"/>
+              </a:spcAft>
+              <a:defRPr>
+                <a:solidFill>
+                  <a:schemeClr val="tx1"/>
+                </a:solidFill>
+                <a:latin typeface="Calibri" panose="020F0502020204030204" pitchFamily="34" charset="0"/>
+              </a:defRPr>
+            </a:lvl6pPr>
+            <a:lvl7pPr marL="2971800" indent="-228600" eaLnBrk="0" fontAlgn="base" hangingPunct="0">
+              <a:spcBef>
+                <a:spcPct val="0"/>
+              </a:spcBef>
+              <a:spcAft>
+                <a:spcPct val="0"/>
+              </a:spcAft>
+              <a:defRPr>
+                <a:solidFill>
+                  <a:schemeClr val="tx1"/>
+                </a:solidFill>
+                <a:latin typeface="Calibri" panose="020F0502020204030204" pitchFamily="34" charset="0"/>
+              </a:defRPr>
+            </a:lvl7pPr>
+            <a:lvl8pPr marL="3429000" indent="-228600" eaLnBrk="0" fontAlgn="base" hangingPunct="0">
+              <a:spcBef>
+                <a:spcPct val="0"/>
+              </a:spcBef>
+              <a:spcAft>
+                <a:spcPct val="0"/>
+              </a:spcAft>
+              <a:defRPr>
+                <a:solidFill>
+                  <a:schemeClr val="tx1"/>
+                </a:solidFill>
+                <a:latin typeface="Calibri" panose="020F0502020204030204" pitchFamily="34" charset="0"/>
+              </a:defRPr>
+            </a:lvl8pPr>
+            <a:lvl9pPr marL="3886200" indent="-228600" eaLnBrk="0" fontAlgn="base" hangingPunct="0">
+              <a:spcBef>
+                <a:spcPct val="0"/>
+              </a:spcBef>
+              <a:spcAft>
+                <a:spcPct val="0"/>
+              </a:spcAft>
+              <a:defRPr>
+                <a:solidFill>
+                  <a:schemeClr val="tx1"/>
+                </a:solidFill>
+                <a:latin typeface="Calibri" panose="020F0502020204030204" pitchFamily="34" charset="0"/>
+              </a:defRPr>
+            </a:lvl9pPr>
+          </a:lstStyle>
+          <a:p>
+            <a:pPr algn="ctr" eaLnBrk="1" hangingPunct="1"/>
+            <a:r>
+              <a:rPr lang="en-US" altLang="en-US" sz="1100" dirty="0">
+                <a:latin typeface="Arial" panose="020B0604020202020204" pitchFamily="34" charset="0"/>
+                <a:ea typeface="Amazon Ember" panose="020B0603020204020204" pitchFamily="34" charset="0"/>
+                <a:cs typeface="Arial" panose="020B0604020202020204" pitchFamily="34" charset="0"/>
+              </a:rPr>
+              <a:t>Execution Role</a:t>
+            </a:r>
+          </a:p>
+        </p:txBody>
+      </p:sp>
+      <p:pic>
+        <p:nvPicPr>
+          <p:cNvPr id="125" name="Graphic 49">
+            <a:extLst>
+              <a:ext uri="{FF2B5EF4-FFF2-40B4-BE49-F238E27FC236}">
+                <a16:creationId xmlns:a16="http://schemas.microsoft.com/office/drawing/2014/main" id="{D43D0307-B1DD-4808-8DC1-B15CD9CA7355}"/>
+              </a:ext>
+            </a:extLst>
+          </p:cNvPr>
+          <p:cNvPicPr>
+            <a:picLocks noChangeAspect="1" noChangeArrowheads="1"/>
+          </p:cNvPicPr>
+          <p:nvPr/>
+        </p:nvPicPr>
+        <p:blipFill>
+          <a:blip r:embed="rId5">
+            <a:extLst>
+              <a:ext uri="{28A0092B-C50C-407E-A947-70E740481C1C}">
+                <a14:useLocalDpi xmlns:a14="http://schemas.microsoft.com/office/drawing/2010/main"/>
+              </a:ext>
+            </a:extLst>
+          </a:blip>
+          <a:srcRect/>
+          <a:stretch>
+            <a:fillRect/>
+          </a:stretch>
+        </p:blipFill>
+        <p:spPr bwMode="auto">
+          <a:xfrm>
+            <a:off x="8258928" y="5456170"/>
+            <a:ext cx="457200" cy="457200"/>
+          </a:xfrm>
+          <a:prstGeom prst="rect">
+            <a:avLst/>
+          </a:prstGeom>
+          <a:noFill/>
+          <a:ln>
+            <a:noFill/>
+          </a:ln>
+          <a:extLst>
+            <a:ext uri="{909E8E84-426E-40DD-AFC4-6F175D3DCCD1}">
+              <a14:hiddenFill xmlns:a14="http://schemas.microsoft.com/office/drawing/2010/main">
+                <a:solidFill>
+                  <a:srgbClr val="FFFFFF"/>
+                </a:solidFill>
+              </a14:hiddenFill>
+            </a:ext>
+            <a:ext uri="{91240B29-F687-4F45-9708-019B960494DF}">
+              <a14:hiddenLine xmlns:a14="http://schemas.microsoft.com/office/drawing/2010/main" w="9525">
+                <a:solidFill>
+                  <a:srgbClr val="000000"/>
+                </a:solidFill>
+                <a:miter lim="800000"/>
+                <a:headEnd/>
+                <a:tailEnd/>
+              </a14:hiddenLine>
+            </a:ext>
+          </a:extLst>
+        </p:spPr>
+      </p:pic>
+      <p:sp>
+        <p:nvSpPr>
+          <p:cNvPr id="126" name="Oval 125">
+            <a:extLst>
+              <a:ext uri="{FF2B5EF4-FFF2-40B4-BE49-F238E27FC236}">
+                <a16:creationId xmlns:a16="http://schemas.microsoft.com/office/drawing/2014/main" id="{1B777ACC-AE1D-4AD9-A393-C14A4EDD02C1}"/>
+              </a:ext>
+            </a:extLst>
+          </p:cNvPr>
+          <p:cNvSpPr/>
+          <p:nvPr/>
+        </p:nvSpPr>
+        <p:spPr>
+          <a:xfrm>
+            <a:off x="8215657" y="5412615"/>
+            <a:ext cx="283464" cy="237744"/>
+          </a:xfrm>
+          <a:prstGeom prst="ellipse">
+            <a:avLst/>
+          </a:prstGeom>
+          <a:solidFill>
+            <a:schemeClr val="tx1"/>
+          </a:solidFill>
+          <a:ln>
+            <a:solidFill>
+              <a:schemeClr val="tx1"/>
+            </a:solidFill>
+          </a:ln>
+        </p:spPr>
+        <p:style>
+          <a:lnRef idx="2">
+            <a:schemeClr val="accent1">
+              <a:shade val="50000"/>
+            </a:schemeClr>
+          </a:lnRef>
+          <a:fillRef idx="1">
+            <a:schemeClr val="accent1"/>
+          </a:fillRef>
+          <a:effectRef idx="0">
+            <a:schemeClr val="accent1"/>
+          </a:effectRef>
+          <a:fontRef idx="minor">
+            <a:schemeClr val="lt1"/>
+          </a:fontRef>
+        </p:style>
+        <p:txBody>
+          <a:bodyPr lIns="0" tIns="0" rIns="0" bIns="0" rtlCol="0" anchor="ctr"/>
+          <a:lstStyle/>
+          <a:p>
+            <a:pPr algn="ctr"/>
+            <a:r>
+              <a:rPr lang="en-US" sz="800" dirty="0">
+                <a:latin typeface="Arial" panose="020B0604020202020204" pitchFamily="34" charset="0"/>
+                <a:cs typeface="Arial" panose="020B0604020202020204" pitchFamily="34" charset="0"/>
+              </a:rPr>
+              <a:t>3.3</a:t>
+            </a:r>
+          </a:p>
+        </p:txBody>
+      </p:sp>
+      <p:sp>
+        <p:nvSpPr>
+          <p:cNvPr id="129" name="Rectangle 128">
+            <a:extLst>
+              <a:ext uri="{FF2B5EF4-FFF2-40B4-BE49-F238E27FC236}">
+                <a16:creationId xmlns:a16="http://schemas.microsoft.com/office/drawing/2014/main" id="{FD6D6BC5-FA77-404A-9CC5-C89C054B0655}"/>
+              </a:ext>
+            </a:extLst>
+          </p:cNvPr>
+          <p:cNvSpPr/>
+          <p:nvPr/>
+        </p:nvSpPr>
+        <p:spPr>
+          <a:xfrm>
+            <a:off x="8730861" y="3097983"/>
+            <a:ext cx="1121050" cy="1352042"/>
+          </a:xfrm>
+          <a:prstGeom prst="rect">
+            <a:avLst/>
+          </a:prstGeom>
+          <a:noFill/>
+          <a:ln w="12700">
+            <a:solidFill>
+              <a:srgbClr val="5B9CD5"/>
+            </a:solidFill>
+            <a:prstDash val="sysDash"/>
+          </a:ln>
+        </p:spPr>
+        <p:style>
+          <a:lnRef idx="2">
+            <a:schemeClr val="accent1">
+              <a:shade val="50000"/>
+            </a:schemeClr>
+          </a:lnRef>
+          <a:fillRef idx="1">
+            <a:schemeClr val="accent1"/>
+          </a:fillRef>
+          <a:effectRef idx="0">
+            <a:schemeClr val="accent1"/>
+          </a:effectRef>
+          <a:fontRef idx="minor">
+            <a:schemeClr val="lt1"/>
+          </a:fontRef>
+        </p:style>
+        <p:txBody>
+          <a:bodyPr lIns="502920" tIns="91440"/>
+          <a:lstStyle/>
+          <a:p>
+            <a:pPr eaLnBrk="1" fontAlgn="auto" hangingPunct="1">
+              <a:spcBef>
+                <a:spcPts val="0"/>
+              </a:spcBef>
+              <a:spcAft>
+                <a:spcPts val="0"/>
+              </a:spcAft>
+              <a:defRPr/>
+            </a:pPr>
+            <a:r>
+              <a:rPr lang="en-US" sz="1200" dirty="0">
+                <a:solidFill>
+                  <a:srgbClr val="5B9CD5"/>
+                </a:solidFill>
+                <a:latin typeface="Arial" panose="020B0604020202020204" pitchFamily="34" charset="0"/>
+                <a:cs typeface="Arial" panose="020B0604020202020204" pitchFamily="34" charset="0"/>
+              </a:rPr>
+              <a:t>Global Region</a:t>
+            </a:r>
+          </a:p>
+        </p:txBody>
+      </p:sp>
+      <p:pic>
+        <p:nvPicPr>
+          <p:cNvPr id="143" name="Graphic 142">
+            <a:extLst>
+              <a:ext uri="{FF2B5EF4-FFF2-40B4-BE49-F238E27FC236}">
+                <a16:creationId xmlns:a16="http://schemas.microsoft.com/office/drawing/2014/main" id="{24F223B2-04E3-448E-8019-153E7C7476BB}"/>
+              </a:ext>
+            </a:extLst>
+          </p:cNvPr>
+          <p:cNvPicPr>
+            <a:picLocks noChangeAspect="1"/>
+          </p:cNvPicPr>
+          <p:nvPr/>
+        </p:nvPicPr>
+        <p:blipFill>
+          <a:blip r:embed="rId13">
+            <a:extLst>
+              <a:ext uri="{96DAC541-7B7A-43D3-8B79-37D633B846F1}">
+                <asvg:svgBlip xmlns:asvg="http://schemas.microsoft.com/office/drawing/2016/SVG/main" r:embed="rId14"/>
+              </a:ext>
+            </a:extLst>
+          </a:blip>
+          <a:stretch>
+            <a:fillRect/>
+          </a:stretch>
+        </p:blipFill>
+        <p:spPr>
+          <a:xfrm>
+            <a:off x="8721916" y="3091490"/>
+            <a:ext cx="338804" cy="338804"/>
+          </a:xfrm>
+          <a:prstGeom prst="rect">
+            <a:avLst/>
+          </a:prstGeom>
+        </p:spPr>
+      </p:pic>
+      <p:sp>
+        <p:nvSpPr>
+          <p:cNvPr id="144" name="TextBox 29">
+            <a:extLst>
+              <a:ext uri="{FF2B5EF4-FFF2-40B4-BE49-F238E27FC236}">
+                <a16:creationId xmlns:a16="http://schemas.microsoft.com/office/drawing/2014/main" id="{AA818F44-0FAB-4C33-B2D2-B4E79BBF0CDE}"/>
+              </a:ext>
+            </a:extLst>
+          </p:cNvPr>
+          <p:cNvSpPr txBox="1">
+            <a:spLocks noChangeArrowheads="1"/>
+          </p:cNvSpPr>
+          <p:nvPr/>
+        </p:nvSpPr>
+        <p:spPr bwMode="auto">
+          <a:xfrm>
+            <a:off x="8544186" y="3980927"/>
+            <a:ext cx="1519646" cy="261610"/>
+          </a:xfrm>
+          <a:prstGeom prst="rect">
+            <a:avLst/>
+          </a:prstGeom>
+          <a:noFill/>
+          <a:ln>
+            <a:noFill/>
+          </a:ln>
+          <a:extLst>
+            <a:ext uri="{909E8E84-426E-40DD-AFC4-6F175D3DCCD1}">
+              <a14:hiddenFill xmlns:a14="http://schemas.microsoft.com/office/drawing/2010/main">
+                <a:solidFill>
+                  <a:srgbClr val="FFFFFF"/>
+                </a:solidFill>
+              </a14:hiddenFill>
+            </a:ext>
+            <a:ext uri="{91240B29-F687-4F45-9708-019B960494DF}">
+              <a14:hiddenLine xmlns:a14="http://schemas.microsoft.com/office/drawing/2010/main" w="9525">
+                <a:solidFill>
+                  <a:srgbClr val="000000"/>
+                </a:solidFill>
+                <a:miter lim="800000"/>
+                <a:headEnd/>
+                <a:tailEnd/>
+              </a14:hiddenLine>
+            </a:ext>
+          </a:extLst>
+        </p:spPr>
+        <p:txBody>
+          <a:bodyPr wrap="square">
+            <a:spAutoFit/>
+          </a:bodyPr>
+          <a:lstStyle>
+            <a:lvl1pPr>
+              <a:defRPr>
+                <a:solidFill>
+                  <a:schemeClr val="tx1"/>
+                </a:solidFill>
+                <a:latin typeface="Calibri" panose="020F0502020204030204" pitchFamily="34" charset="0"/>
+              </a:defRPr>
+            </a:lvl1pPr>
+            <a:lvl2pPr marL="742950" indent="-285750">
+              <a:defRPr>
+                <a:solidFill>
+                  <a:schemeClr val="tx1"/>
+                </a:solidFill>
+                <a:latin typeface="Calibri" panose="020F0502020204030204" pitchFamily="34" charset="0"/>
+              </a:defRPr>
+            </a:lvl2pPr>
+            <a:lvl3pPr marL="1143000" indent="-228600">
+              <a:defRPr>
+                <a:solidFill>
+                  <a:schemeClr val="tx1"/>
+                </a:solidFill>
+                <a:latin typeface="Calibri" panose="020F0502020204030204" pitchFamily="34" charset="0"/>
+              </a:defRPr>
+            </a:lvl3pPr>
+            <a:lvl4pPr marL="1600200" indent="-228600">
+              <a:defRPr>
+                <a:solidFill>
+                  <a:schemeClr val="tx1"/>
+                </a:solidFill>
+                <a:latin typeface="Calibri" panose="020F0502020204030204" pitchFamily="34" charset="0"/>
+              </a:defRPr>
+            </a:lvl4pPr>
+            <a:lvl5pPr marL="2057400" indent="-228600">
+              <a:defRPr>
+                <a:solidFill>
+                  <a:schemeClr val="tx1"/>
+                </a:solidFill>
+                <a:latin typeface="Calibri" panose="020F0502020204030204" pitchFamily="34" charset="0"/>
+              </a:defRPr>
+            </a:lvl5pPr>
+            <a:lvl6pPr marL="2514600" indent="-228600" eaLnBrk="0" fontAlgn="base" hangingPunct="0">
+              <a:spcBef>
+                <a:spcPct val="0"/>
+              </a:spcBef>
+              <a:spcAft>
+                <a:spcPct val="0"/>
+              </a:spcAft>
+              <a:defRPr>
+                <a:solidFill>
+                  <a:schemeClr val="tx1"/>
+                </a:solidFill>
+                <a:latin typeface="Calibri" panose="020F0502020204030204" pitchFamily="34" charset="0"/>
+              </a:defRPr>
+            </a:lvl6pPr>
+            <a:lvl7pPr marL="2971800" indent="-228600" eaLnBrk="0" fontAlgn="base" hangingPunct="0">
+              <a:spcBef>
+                <a:spcPct val="0"/>
+              </a:spcBef>
+              <a:spcAft>
+                <a:spcPct val="0"/>
+              </a:spcAft>
+              <a:defRPr>
+                <a:solidFill>
+                  <a:schemeClr val="tx1"/>
+                </a:solidFill>
+                <a:latin typeface="Calibri" panose="020F0502020204030204" pitchFamily="34" charset="0"/>
+              </a:defRPr>
+            </a:lvl7pPr>
+            <a:lvl8pPr marL="3429000" indent="-228600" eaLnBrk="0" fontAlgn="base" hangingPunct="0">
+              <a:spcBef>
+                <a:spcPct val="0"/>
+              </a:spcBef>
+              <a:spcAft>
+                <a:spcPct val="0"/>
+              </a:spcAft>
+              <a:defRPr>
+                <a:solidFill>
+                  <a:schemeClr val="tx1"/>
+                </a:solidFill>
+                <a:latin typeface="Calibri" panose="020F0502020204030204" pitchFamily="34" charset="0"/>
+              </a:defRPr>
+            </a:lvl8pPr>
+            <a:lvl9pPr marL="3886200" indent="-228600" eaLnBrk="0" fontAlgn="base" hangingPunct="0">
+              <a:spcBef>
+                <a:spcPct val="0"/>
+              </a:spcBef>
+              <a:spcAft>
+                <a:spcPct val="0"/>
+              </a:spcAft>
+              <a:defRPr>
+                <a:solidFill>
+                  <a:schemeClr val="tx1"/>
+                </a:solidFill>
+                <a:latin typeface="Calibri" panose="020F0502020204030204" pitchFamily="34" charset="0"/>
+              </a:defRPr>
+            </a:lvl9pPr>
+          </a:lstStyle>
+          <a:p>
+            <a:pPr algn="ctr" eaLnBrk="1" hangingPunct="1"/>
+            <a:r>
+              <a:rPr lang="en-US" altLang="en-US" sz="1100" dirty="0">
+                <a:latin typeface="Arial" panose="020B0604020202020204" pitchFamily="34" charset="0"/>
+                <a:ea typeface="Amazon Ember" panose="020B0603020204020204" pitchFamily="34" charset="0"/>
+                <a:cs typeface="Arial" panose="020B0604020202020204" pitchFamily="34" charset="0"/>
+              </a:rPr>
+              <a:t>Execution Role</a:t>
+            </a:r>
+          </a:p>
+        </p:txBody>
+      </p:sp>
+      <p:pic>
+        <p:nvPicPr>
+          <p:cNvPr id="145" name="Graphic 49">
+            <a:extLst>
+              <a:ext uri="{FF2B5EF4-FFF2-40B4-BE49-F238E27FC236}">
+                <a16:creationId xmlns:a16="http://schemas.microsoft.com/office/drawing/2014/main" id="{BD0C9883-7640-4532-BA5B-C1BAC1908987}"/>
+              </a:ext>
+            </a:extLst>
+          </p:cNvPr>
+          <p:cNvPicPr>
+            <a:picLocks noChangeAspect="1" noChangeArrowheads="1"/>
+          </p:cNvPicPr>
+          <p:nvPr/>
+        </p:nvPicPr>
+        <p:blipFill>
+          <a:blip r:embed="rId5">
+            <a:extLst>
+              <a:ext uri="{28A0092B-C50C-407E-A947-70E740481C1C}">
+                <a14:useLocalDpi xmlns:a14="http://schemas.microsoft.com/office/drawing/2010/main"/>
+              </a:ext>
+            </a:extLst>
+          </a:blip>
+          <a:srcRect/>
+          <a:stretch>
+            <a:fillRect/>
+          </a:stretch>
+        </p:blipFill>
+        <p:spPr bwMode="auto">
+          <a:xfrm>
+            <a:off x="9018597" y="3629376"/>
+            <a:ext cx="457200" cy="457200"/>
+          </a:xfrm>
+          <a:prstGeom prst="rect">
+            <a:avLst/>
+          </a:prstGeom>
+          <a:noFill/>
+          <a:ln>
+            <a:noFill/>
+          </a:ln>
+          <a:extLst>
+            <a:ext uri="{909E8E84-426E-40DD-AFC4-6F175D3DCCD1}">
+              <a14:hiddenFill xmlns:a14="http://schemas.microsoft.com/office/drawing/2010/main">
+                <a:solidFill>
+                  <a:srgbClr val="FFFFFF"/>
+                </a:solidFill>
+              </a14:hiddenFill>
+            </a:ext>
+            <a:ext uri="{91240B29-F687-4F45-9708-019B960494DF}">
+              <a14:hiddenLine xmlns:a14="http://schemas.microsoft.com/office/drawing/2010/main" w="9525">
+                <a:solidFill>
+                  <a:srgbClr val="000000"/>
+                </a:solidFill>
+                <a:miter lim="800000"/>
+                <a:headEnd/>
+                <a:tailEnd/>
+              </a14:hiddenLine>
+            </a:ext>
+          </a:extLst>
+        </p:spPr>
+      </p:pic>
+      <p:sp>
+        <p:nvSpPr>
+          <p:cNvPr id="146" name="Oval 145">
+            <a:extLst>
+              <a:ext uri="{FF2B5EF4-FFF2-40B4-BE49-F238E27FC236}">
+                <a16:creationId xmlns:a16="http://schemas.microsoft.com/office/drawing/2014/main" id="{F45DDE0B-8CD1-40F1-9F49-F9754A1345C4}"/>
+              </a:ext>
+            </a:extLst>
+          </p:cNvPr>
+          <p:cNvSpPr/>
+          <p:nvPr/>
+        </p:nvSpPr>
+        <p:spPr>
+          <a:xfrm>
+            <a:off x="8975326" y="3585821"/>
+            <a:ext cx="283464" cy="237744"/>
+          </a:xfrm>
+          <a:prstGeom prst="ellipse">
+            <a:avLst/>
+          </a:prstGeom>
+          <a:solidFill>
+            <a:schemeClr val="tx1"/>
+          </a:solidFill>
+          <a:ln>
+            <a:solidFill>
+              <a:schemeClr val="tx1"/>
+            </a:solidFill>
+          </a:ln>
+        </p:spPr>
+        <p:style>
+          <a:lnRef idx="2">
+            <a:schemeClr val="accent1">
+              <a:shade val="50000"/>
+            </a:schemeClr>
+          </a:lnRef>
+          <a:fillRef idx="1">
+            <a:schemeClr val="accent1"/>
+          </a:fillRef>
+          <a:effectRef idx="0">
+            <a:schemeClr val="accent1"/>
+          </a:effectRef>
+          <a:fontRef idx="minor">
+            <a:schemeClr val="lt1"/>
+          </a:fontRef>
+        </p:style>
+        <p:txBody>
+          <a:bodyPr lIns="0" tIns="0" rIns="0" bIns="0" rtlCol="0" anchor="ctr"/>
+          <a:lstStyle/>
+          <a:p>
+            <a:pPr algn="ctr"/>
+            <a:r>
+              <a:rPr lang="en-US" sz="800" dirty="0">
+                <a:latin typeface="Arial" panose="020B0604020202020204" pitchFamily="34" charset="0"/>
+                <a:cs typeface="Arial" panose="020B0604020202020204" pitchFamily="34" charset="0"/>
+              </a:rPr>
+              <a:t>2.4</a:t>
+            </a:r>
+          </a:p>
+        </p:txBody>
+      </p:sp>
+      <p:cxnSp>
+        <p:nvCxnSpPr>
+          <p:cNvPr id="160" name="Straight Arrow Connector 159">
+            <a:extLst>
+              <a:ext uri="{FF2B5EF4-FFF2-40B4-BE49-F238E27FC236}">
+                <a16:creationId xmlns:a16="http://schemas.microsoft.com/office/drawing/2014/main" id="{6D90E3FB-3476-415D-BED8-76468699D43B}"/>
+              </a:ext>
+            </a:extLst>
+          </p:cNvPr>
+          <p:cNvCxnSpPr/>
+          <p:nvPr/>
+        </p:nvCxnSpPr>
+        <p:spPr>
+          <a:xfrm flipH="1">
+            <a:off x="2127274" y="3374071"/>
+            <a:ext cx="3624" cy="205671"/>
+          </a:xfrm>
+          <a:prstGeom prst="straightConnector1">
+            <a:avLst/>
+          </a:prstGeom>
+          <a:ln>
+            <a:tailEnd type="triangle"/>
+          </a:ln>
+        </p:spPr>
+        <p:style>
+          <a:lnRef idx="1">
+            <a:schemeClr val="dk1"/>
+          </a:lnRef>
+          <a:fillRef idx="0">
+            <a:schemeClr val="dk1"/>
+          </a:fillRef>
+          <a:effectRef idx="0">
+            <a:schemeClr val="dk1"/>
+          </a:effectRef>
+          <a:fontRef idx="minor">
+            <a:schemeClr val="tx1"/>
+          </a:fontRef>
+        </p:style>
+      </p:cxnSp>
+      <p:sp>
+        <p:nvSpPr>
+          <p:cNvPr id="161" name="TextBox 9">
+            <a:extLst>
+              <a:ext uri="{FF2B5EF4-FFF2-40B4-BE49-F238E27FC236}">
+                <a16:creationId xmlns:a16="http://schemas.microsoft.com/office/drawing/2014/main" id="{185CD567-3499-4CE6-958E-85DB82731C95}"/>
+              </a:ext>
+            </a:extLst>
+          </p:cNvPr>
+          <p:cNvSpPr txBox="1">
+            <a:spLocks noChangeArrowheads="1"/>
+          </p:cNvSpPr>
+          <p:nvPr/>
+        </p:nvSpPr>
+        <p:spPr bwMode="auto">
+          <a:xfrm>
+            <a:off x="-171567" y="2661118"/>
+            <a:ext cx="1297877" cy="461665"/>
+          </a:xfrm>
+          <a:prstGeom prst="rect">
+            <a:avLst/>
+          </a:prstGeom>
+          <a:noFill/>
+          <a:ln>
+            <a:noFill/>
+          </a:ln>
+          <a:extLst>
+            <a:ext uri="{909E8E84-426E-40DD-AFC4-6F175D3DCCD1}">
+              <a14:hiddenFill xmlns:a14="http://schemas.microsoft.com/office/drawing/2010/main">
+                <a:solidFill>
+                  <a:srgbClr val="FFFFFF"/>
+                </a:solidFill>
+              </a14:hiddenFill>
+            </a:ext>
+            <a:ext uri="{91240B29-F687-4F45-9708-019B960494DF}">
+              <a14:hiddenLine xmlns:a14="http://schemas.microsoft.com/office/drawing/2010/main" w="9525">
+                <a:solidFill>
+                  <a:srgbClr val="000000"/>
+                </a:solidFill>
+                <a:miter lim="800000"/>
+                <a:headEnd/>
+                <a:tailEnd/>
+              </a14:hiddenLine>
+            </a:ext>
+          </a:extLst>
+        </p:spPr>
+        <p:txBody>
+          <a:bodyPr wrap="square">
+            <a:spAutoFit/>
+          </a:bodyPr>
+          <a:lstStyle>
+            <a:lvl1pPr>
+              <a:defRPr>
+                <a:solidFill>
+                  <a:schemeClr val="tx1"/>
+                </a:solidFill>
+                <a:latin typeface="Calibri" panose="020F0502020204030204" pitchFamily="34" charset="0"/>
+              </a:defRPr>
+            </a:lvl1pPr>
+            <a:lvl2pPr marL="742950" indent="-285750">
+              <a:defRPr>
+                <a:solidFill>
+                  <a:schemeClr val="tx1"/>
+                </a:solidFill>
+                <a:latin typeface="Calibri" panose="020F0502020204030204" pitchFamily="34" charset="0"/>
+              </a:defRPr>
+            </a:lvl2pPr>
+            <a:lvl3pPr marL="1143000" indent="-228600">
+              <a:defRPr>
+                <a:solidFill>
+                  <a:schemeClr val="tx1"/>
+                </a:solidFill>
+                <a:latin typeface="Calibri" panose="020F0502020204030204" pitchFamily="34" charset="0"/>
+              </a:defRPr>
+            </a:lvl3pPr>
+            <a:lvl4pPr marL="1600200" indent="-228600">
+              <a:defRPr>
+                <a:solidFill>
+                  <a:schemeClr val="tx1"/>
+                </a:solidFill>
+                <a:latin typeface="Calibri" panose="020F0502020204030204" pitchFamily="34" charset="0"/>
+              </a:defRPr>
+            </a:lvl4pPr>
+            <a:lvl5pPr marL="2057400" indent="-228600">
+              <a:defRPr>
+                <a:solidFill>
+                  <a:schemeClr val="tx1"/>
+                </a:solidFill>
+                <a:latin typeface="Calibri" panose="020F0502020204030204" pitchFamily="34" charset="0"/>
+              </a:defRPr>
+            </a:lvl5pPr>
+            <a:lvl6pPr marL="2514600" indent="-228600" eaLnBrk="0" fontAlgn="base" hangingPunct="0">
+              <a:spcBef>
+                <a:spcPct val="0"/>
+              </a:spcBef>
+              <a:spcAft>
+                <a:spcPct val="0"/>
+              </a:spcAft>
+              <a:defRPr>
+                <a:solidFill>
+                  <a:schemeClr val="tx1"/>
+                </a:solidFill>
+                <a:latin typeface="Calibri" panose="020F0502020204030204" pitchFamily="34" charset="0"/>
+              </a:defRPr>
+            </a:lvl6pPr>
+            <a:lvl7pPr marL="2971800" indent="-228600" eaLnBrk="0" fontAlgn="base" hangingPunct="0">
+              <a:spcBef>
+                <a:spcPct val="0"/>
+              </a:spcBef>
+              <a:spcAft>
+                <a:spcPct val="0"/>
+              </a:spcAft>
+              <a:defRPr>
+                <a:solidFill>
+                  <a:schemeClr val="tx1"/>
+                </a:solidFill>
+                <a:latin typeface="Calibri" panose="020F0502020204030204" pitchFamily="34" charset="0"/>
+              </a:defRPr>
+            </a:lvl7pPr>
+            <a:lvl8pPr marL="3429000" indent="-228600" eaLnBrk="0" fontAlgn="base" hangingPunct="0">
+              <a:spcBef>
+                <a:spcPct val="0"/>
+              </a:spcBef>
+              <a:spcAft>
+                <a:spcPct val="0"/>
+              </a:spcAft>
+              <a:defRPr>
+                <a:solidFill>
+                  <a:schemeClr val="tx1"/>
+                </a:solidFill>
+                <a:latin typeface="Calibri" panose="020F0502020204030204" pitchFamily="34" charset="0"/>
+              </a:defRPr>
+            </a:lvl8pPr>
+            <a:lvl9pPr marL="3886200" indent="-228600" eaLnBrk="0" fontAlgn="base" hangingPunct="0">
+              <a:spcBef>
+                <a:spcPct val="0"/>
+              </a:spcBef>
+              <a:spcAft>
+                <a:spcPct val="0"/>
+              </a:spcAft>
+              <a:defRPr>
+                <a:solidFill>
+                  <a:schemeClr val="tx1"/>
+                </a:solidFill>
+                <a:latin typeface="Calibri" panose="020F0502020204030204" pitchFamily="34" charset="0"/>
+              </a:defRPr>
+            </a:lvl9pPr>
+          </a:lstStyle>
+          <a:p>
+            <a:pPr algn="ctr" eaLnBrk="1" hangingPunct="1"/>
+            <a:r>
+              <a:rPr lang="en-US" altLang="en-US" sz="1200" dirty="0" err="1">
+                <a:latin typeface="Arial" panose="020B0604020202020204" pitchFamily="34" charset="0"/>
+                <a:ea typeface="Amazon Ember" panose="020B0603020204020204" pitchFamily="34" charset="0"/>
+                <a:cs typeface="Arial" panose="020B0604020202020204" pitchFamily="34" charset="0"/>
+              </a:rPr>
+              <a:t>Hashicorp</a:t>
+            </a:r>
+            <a:endParaRPr lang="en-US" altLang="en-US" sz="1200" dirty="0">
+              <a:latin typeface="Arial" panose="020B0604020202020204" pitchFamily="34" charset="0"/>
+              <a:ea typeface="Amazon Ember" panose="020B0603020204020204" pitchFamily="34" charset="0"/>
+              <a:cs typeface="Arial" panose="020B0604020202020204" pitchFamily="34" charset="0"/>
+            </a:endParaRPr>
+          </a:p>
+          <a:p>
+            <a:pPr algn="ctr" eaLnBrk="1" hangingPunct="1"/>
+            <a:r>
+              <a:rPr lang="en-US" altLang="en-US" sz="1200" dirty="0">
+                <a:latin typeface="Arial" panose="020B0604020202020204" pitchFamily="34" charset="0"/>
+                <a:ea typeface="Amazon Ember" panose="020B0603020204020204" pitchFamily="34" charset="0"/>
+                <a:cs typeface="Arial" panose="020B0604020202020204" pitchFamily="34" charset="0"/>
+              </a:rPr>
+              <a:t>Terraform</a:t>
+            </a:r>
+          </a:p>
+        </p:txBody>
+      </p:sp>
+      <p:cxnSp>
+        <p:nvCxnSpPr>
+          <p:cNvPr id="165" name="Straight Arrow Connector 164">
+            <a:extLst>
+              <a:ext uri="{FF2B5EF4-FFF2-40B4-BE49-F238E27FC236}">
+                <a16:creationId xmlns:a16="http://schemas.microsoft.com/office/drawing/2014/main" id="{E8B8BE39-EA00-47DE-8F6E-30F500D7ED45}"/>
+              </a:ext>
+            </a:extLst>
+          </p:cNvPr>
+          <p:cNvCxnSpPr>
+            <a:cxnSpLocks/>
+            <a:endCxn id="100" idx="1"/>
+          </p:cNvCxnSpPr>
+          <p:nvPr/>
+        </p:nvCxnSpPr>
+        <p:spPr>
+          <a:xfrm flipV="1">
+            <a:off x="704537" y="1451908"/>
+            <a:ext cx="1711226" cy="785090"/>
+          </a:xfrm>
+          <a:prstGeom prst="straightConnector1">
+            <a:avLst/>
+          </a:prstGeom>
+          <a:ln w="19050">
+            <a:solidFill>
+              <a:schemeClr val="tx1"/>
+            </a:solidFill>
+            <a:tailEnd type="triangle"/>
+          </a:ln>
+        </p:spPr>
+        <p:style>
+          <a:lnRef idx="1">
+            <a:schemeClr val="accent1"/>
+          </a:lnRef>
+          <a:fillRef idx="0">
+            <a:schemeClr val="accent1"/>
+          </a:fillRef>
+          <a:effectRef idx="0">
+            <a:schemeClr val="accent1"/>
+          </a:effectRef>
+          <a:fontRef idx="minor">
+            <a:schemeClr val="tx1"/>
+          </a:fontRef>
+        </p:style>
+      </p:cxnSp>
+      <p:cxnSp>
+        <p:nvCxnSpPr>
+          <p:cNvPr id="166" name="Straight Arrow Connector 165">
+            <a:extLst>
+              <a:ext uri="{FF2B5EF4-FFF2-40B4-BE49-F238E27FC236}">
+                <a16:creationId xmlns:a16="http://schemas.microsoft.com/office/drawing/2014/main" id="{58FD179F-67B7-439F-B722-D417D4727977}"/>
+              </a:ext>
+            </a:extLst>
+          </p:cNvPr>
+          <p:cNvCxnSpPr>
+            <a:cxnSpLocks/>
+          </p:cNvCxnSpPr>
+          <p:nvPr/>
+        </p:nvCxnSpPr>
+        <p:spPr>
+          <a:xfrm>
+            <a:off x="742451" y="2533041"/>
+            <a:ext cx="683858" cy="533299"/>
+          </a:xfrm>
+          <a:prstGeom prst="straightConnector1">
+            <a:avLst/>
+          </a:prstGeom>
+          <a:ln w="19050">
+            <a:solidFill>
+              <a:schemeClr val="tx1"/>
+            </a:solidFill>
+            <a:tailEnd type="triangle"/>
+          </a:ln>
+        </p:spPr>
+        <p:style>
+          <a:lnRef idx="1">
+            <a:schemeClr val="accent1"/>
+          </a:lnRef>
+          <a:fillRef idx="0">
+            <a:schemeClr val="accent1"/>
+          </a:fillRef>
+          <a:effectRef idx="0">
+            <a:schemeClr val="accent1"/>
+          </a:effectRef>
+          <a:fontRef idx="minor">
+            <a:schemeClr val="tx1"/>
+          </a:fontRef>
+        </p:style>
+      </p:cxnSp>
+      <p:sp>
+        <p:nvSpPr>
+          <p:cNvPr id="168" name="TextBox 167">
+            <a:extLst>
+              <a:ext uri="{FF2B5EF4-FFF2-40B4-BE49-F238E27FC236}">
+                <a16:creationId xmlns:a16="http://schemas.microsoft.com/office/drawing/2014/main" id="{90BE66FA-7C1D-48AF-A69E-67E313A83599}"/>
+              </a:ext>
+            </a:extLst>
+          </p:cNvPr>
+          <p:cNvSpPr txBox="1"/>
+          <p:nvPr/>
+        </p:nvSpPr>
+        <p:spPr>
+          <a:xfrm>
+            <a:off x="5140839" y="4032639"/>
+            <a:ext cx="1307240" cy="430887"/>
+          </a:xfrm>
+          <a:prstGeom prst="rect">
+            <a:avLst/>
+          </a:prstGeom>
+          <a:noFill/>
+        </p:spPr>
+        <p:txBody>
+          <a:bodyPr wrap="square" rtlCol="0">
+            <a:spAutoFit/>
+          </a:bodyPr>
+          <a:lstStyle/>
+          <a:p>
+            <a:pPr algn="ctr"/>
+            <a:r>
+              <a:rPr lang="en-US" sz="1100" dirty="0">
+                <a:latin typeface="Arial" panose="020B0604020202020204" pitchFamily="34" charset="0"/>
+                <a:cs typeface="Arial" panose="020B0604020202020204" pitchFamily="34" charset="0"/>
+              </a:rPr>
+              <a:t>AWS CloudFormation</a:t>
+            </a:r>
+          </a:p>
+        </p:txBody>
+      </p:sp>
+      <p:grpSp>
+        <p:nvGrpSpPr>
+          <p:cNvPr id="162" name="Group 161">
+            <a:extLst>
+              <a:ext uri="{FF2B5EF4-FFF2-40B4-BE49-F238E27FC236}">
+                <a16:creationId xmlns:a16="http://schemas.microsoft.com/office/drawing/2014/main" id="{B5CBF010-0479-4EBC-9FFB-F424B2DD11E9}"/>
+              </a:ext>
+            </a:extLst>
+          </p:cNvPr>
+          <p:cNvGrpSpPr/>
+          <p:nvPr/>
+        </p:nvGrpSpPr>
+        <p:grpSpPr>
+          <a:xfrm>
+            <a:off x="218759" y="2119069"/>
+            <a:ext cx="544787" cy="543388"/>
+            <a:chOff x="6498278" y="2108247"/>
+            <a:chExt cx="544787" cy="543388"/>
+          </a:xfrm>
+        </p:grpSpPr>
+        <p:sp>
+          <p:nvSpPr>
+            <p:cNvPr id="163" name="Rectangle 162">
+              <a:extLst>
+                <a:ext uri="{FF2B5EF4-FFF2-40B4-BE49-F238E27FC236}">
+                  <a16:creationId xmlns:a16="http://schemas.microsoft.com/office/drawing/2014/main" id="{D6CC317D-84FA-404D-A30A-DBB756AB7425}"/>
+                </a:ext>
+              </a:extLst>
+            </p:cNvPr>
+            <p:cNvSpPr/>
+            <p:nvPr/>
+          </p:nvSpPr>
+          <p:spPr>
+            <a:xfrm>
+              <a:off x="6498278" y="2108247"/>
+              <a:ext cx="544787" cy="543388"/>
+            </a:xfrm>
+            <a:prstGeom prst="rect">
+              <a:avLst/>
+            </a:prstGeom>
+            <a:gradFill flip="none" rotWithShape="1">
+              <a:gsLst>
+                <a:gs pos="0">
+                  <a:schemeClr val="tx1">
+                    <a:lumMod val="50000"/>
+                    <a:lumOff val="50000"/>
+                    <a:shade val="30000"/>
+                    <a:satMod val="115000"/>
+                  </a:schemeClr>
+                </a:gs>
+                <a:gs pos="50000">
+                  <a:schemeClr val="tx1">
+                    <a:lumMod val="50000"/>
+                    <a:lumOff val="50000"/>
+                    <a:shade val="67500"/>
+                    <a:satMod val="115000"/>
+                  </a:schemeClr>
+                </a:gs>
+                <a:gs pos="100000">
+                  <a:schemeClr val="tx1">
+                    <a:lumMod val="50000"/>
+                    <a:lumOff val="50000"/>
+                    <a:shade val="100000"/>
+                    <a:satMod val="115000"/>
+                  </a:schemeClr>
+                </a:gs>
+              </a:gsLst>
+              <a:lin ang="13500000" scaled="1"/>
+              <a:tileRect/>
+            </a:gradFill>
+            <a:ln>
+              <a:noFill/>
+            </a:ln>
+          </p:spPr>
+          <p:style>
+            <a:lnRef idx="2">
+              <a:schemeClr val="accent1">
+                <a:shade val="50000"/>
+              </a:schemeClr>
+            </a:lnRef>
+            <a:fillRef idx="1">
+              <a:schemeClr val="accent1"/>
+            </a:fillRef>
+            <a:effectRef idx="0">
+              <a:schemeClr val="accent1"/>
+            </a:effectRef>
+            <a:fontRef idx="minor">
+              <a:schemeClr val="lt1"/>
+            </a:fontRef>
+          </p:style>
+          <p:txBody>
+            <a:bodyPr rtlCol="0" anchor="ctr"/>
+            <a:lstStyle/>
+            <a:p>
+              <a:pPr algn="ctr"/>
+              <a:endParaRPr lang="en-US"/>
+            </a:p>
+          </p:txBody>
+        </p:sp>
+        <p:pic>
+          <p:nvPicPr>
+            <p:cNvPr id="164" name="Picture 163">
+              <a:extLst>
+                <a:ext uri="{FF2B5EF4-FFF2-40B4-BE49-F238E27FC236}">
+                  <a16:creationId xmlns:a16="http://schemas.microsoft.com/office/drawing/2014/main" id="{FBDF1E0E-5AF5-4C8F-A4CF-D53F64A170F8}"/>
+                </a:ext>
+              </a:extLst>
+            </p:cNvPr>
+            <p:cNvPicPr>
+              <a:picLocks noChangeAspect="1"/>
+            </p:cNvPicPr>
+            <p:nvPr/>
+          </p:nvPicPr>
+          <p:blipFill>
+            <a:blip r:embed="rId17"/>
+            <a:stretch>
+              <a:fillRect/>
+            </a:stretch>
+          </p:blipFill>
+          <p:spPr>
+            <a:xfrm>
+              <a:off x="6633962" y="2215822"/>
+              <a:ext cx="319993" cy="358826"/>
+            </a:xfrm>
+            <a:prstGeom prst="rect">
+              <a:avLst/>
+            </a:prstGeom>
+          </p:spPr>
+        </p:pic>
+      </p:grpSp>
+      <p:sp>
+        <p:nvSpPr>
+          <p:cNvPr id="167" name="Oval 166">
+            <a:extLst>
+              <a:ext uri="{FF2B5EF4-FFF2-40B4-BE49-F238E27FC236}">
+                <a16:creationId xmlns:a16="http://schemas.microsoft.com/office/drawing/2014/main" id="{D06DC895-0C0A-4593-AA7D-073FF0E409A1}"/>
+              </a:ext>
+            </a:extLst>
+          </p:cNvPr>
+          <p:cNvSpPr/>
+          <p:nvPr/>
+        </p:nvSpPr>
+        <p:spPr>
+          <a:xfrm>
+            <a:off x="119896" y="2013742"/>
+            <a:ext cx="253435" cy="212902"/>
+          </a:xfrm>
+          <a:prstGeom prst="ellipse">
+            <a:avLst/>
+          </a:prstGeom>
+          <a:solidFill>
+            <a:schemeClr val="tx1"/>
+          </a:solidFill>
+          <a:ln>
+            <a:solidFill>
+              <a:schemeClr val="tx1"/>
+            </a:solidFill>
+          </a:ln>
+        </p:spPr>
+        <p:style>
+          <a:lnRef idx="2">
+            <a:schemeClr val="accent1">
+              <a:shade val="50000"/>
+            </a:schemeClr>
+          </a:lnRef>
+          <a:fillRef idx="1">
+            <a:schemeClr val="accent1"/>
+          </a:fillRef>
+          <a:effectRef idx="0">
+            <a:schemeClr val="accent1"/>
+          </a:effectRef>
+          <a:fontRef idx="minor">
+            <a:schemeClr val="lt1"/>
+          </a:fontRef>
+        </p:style>
+        <p:txBody>
+          <a:bodyPr lIns="0" tIns="0" rIns="0" bIns="0" rtlCol="0" anchor="ctr"/>
+          <a:lstStyle/>
+          <a:p>
+            <a:pPr algn="ctr"/>
+            <a:r>
+              <a:rPr lang="en-US" sz="800" dirty="0">
+                <a:latin typeface="Arial" panose="020B0604020202020204" pitchFamily="34" charset="0"/>
+                <a:cs typeface="Arial" panose="020B0604020202020204" pitchFamily="34" charset="0"/>
+              </a:rPr>
+              <a:t>1.1</a:t>
+            </a:r>
+          </a:p>
+        </p:txBody>
+      </p:sp>
+      <p:cxnSp>
+        <p:nvCxnSpPr>
+          <p:cNvPr id="172" name="Elbow Connector 87">
+            <a:extLst>
+              <a:ext uri="{FF2B5EF4-FFF2-40B4-BE49-F238E27FC236}">
+                <a16:creationId xmlns:a16="http://schemas.microsoft.com/office/drawing/2014/main" id="{E1F46B3B-577C-477B-A1AB-7D4366C8CDD4}"/>
+              </a:ext>
+            </a:extLst>
+          </p:cNvPr>
+          <p:cNvCxnSpPr>
+            <a:cxnSpLocks/>
+          </p:cNvCxnSpPr>
+          <p:nvPr/>
+        </p:nvCxnSpPr>
+        <p:spPr>
+          <a:xfrm flipH="1">
+            <a:off x="5934320" y="1687189"/>
+            <a:ext cx="717493" cy="1928826"/>
+          </a:xfrm>
+          <a:prstGeom prst="straightConnector1">
+            <a:avLst/>
+          </a:prstGeom>
+          <a:ln>
+            <a:headEnd type="triangle" w="med" len="med"/>
+            <a:tailEnd type="none" w="med" len="med"/>
+          </a:ln>
+        </p:spPr>
+        <p:style>
+          <a:lnRef idx="1">
+            <a:schemeClr val="dk1"/>
+          </a:lnRef>
+          <a:fillRef idx="0">
+            <a:schemeClr val="dk1"/>
+          </a:fillRef>
+          <a:effectRef idx="0">
+            <a:schemeClr val="dk1"/>
+          </a:effectRef>
+          <a:fontRef idx="minor">
+            <a:schemeClr val="tx1"/>
+          </a:fontRef>
+        </p:style>
+      </p:cxnSp>
+      <p:cxnSp>
+        <p:nvCxnSpPr>
+          <p:cNvPr id="173" name="Elbow Connector 87">
+            <a:extLst>
+              <a:ext uri="{FF2B5EF4-FFF2-40B4-BE49-F238E27FC236}">
+                <a16:creationId xmlns:a16="http://schemas.microsoft.com/office/drawing/2014/main" id="{3B39B46E-0D2C-46CA-94EC-5ABC97DA039E}"/>
+              </a:ext>
+            </a:extLst>
+          </p:cNvPr>
+          <p:cNvCxnSpPr>
+            <a:cxnSpLocks/>
+          </p:cNvCxnSpPr>
+          <p:nvPr/>
+        </p:nvCxnSpPr>
+        <p:spPr>
+          <a:xfrm flipH="1" flipV="1">
+            <a:off x="5956236" y="4004482"/>
+            <a:ext cx="2112147" cy="1838300"/>
+          </a:xfrm>
+          <a:prstGeom prst="straightConnector1">
+            <a:avLst/>
+          </a:prstGeom>
+          <a:ln>
+            <a:headEnd type="triangle" w="med" len="med"/>
+            <a:tailEnd type="none" w="med" len="med"/>
+          </a:ln>
+        </p:spPr>
+        <p:style>
+          <a:lnRef idx="1">
+            <a:schemeClr val="dk1"/>
+          </a:lnRef>
+          <a:fillRef idx="0">
+            <a:schemeClr val="dk1"/>
+          </a:fillRef>
+          <a:effectRef idx="0">
+            <a:schemeClr val="dk1"/>
+          </a:effectRef>
+          <a:fontRef idx="minor">
+            <a:schemeClr val="tx1"/>
+          </a:fontRef>
+        </p:style>
+      </p:cxnSp>
+      <p:cxnSp>
+        <p:nvCxnSpPr>
+          <p:cNvPr id="174" name="Elbow Connector 87">
+            <a:extLst>
+              <a:ext uri="{FF2B5EF4-FFF2-40B4-BE49-F238E27FC236}">
+                <a16:creationId xmlns:a16="http://schemas.microsoft.com/office/drawing/2014/main" id="{E397D916-54E3-47FD-8095-DC633655269F}"/>
+              </a:ext>
+            </a:extLst>
+          </p:cNvPr>
+          <p:cNvCxnSpPr>
+            <a:cxnSpLocks/>
+          </p:cNvCxnSpPr>
+          <p:nvPr/>
+        </p:nvCxnSpPr>
+        <p:spPr>
+          <a:xfrm flipH="1" flipV="1">
+            <a:off x="5934320" y="3912294"/>
+            <a:ext cx="2973630" cy="20361"/>
+          </a:xfrm>
+          <a:prstGeom prst="straightConnector1">
+            <a:avLst/>
+          </a:prstGeom>
+          <a:ln>
+            <a:headEnd type="triangle" w="med" len="med"/>
+            <a:tailEnd type="none" w="med" len="med"/>
+          </a:ln>
+        </p:spPr>
+        <p:style>
+          <a:lnRef idx="1">
+            <a:schemeClr val="dk1"/>
+          </a:lnRef>
+          <a:fillRef idx="0">
+            <a:schemeClr val="dk1"/>
+          </a:fillRef>
+          <a:effectRef idx="0">
+            <a:schemeClr val="dk1"/>
+          </a:effectRef>
+          <a:fontRef idx="minor">
+            <a:schemeClr val="tx1"/>
+          </a:fontRef>
+        </p:style>
+      </p:cxnSp>
+      <p:pic>
+        <p:nvPicPr>
+          <p:cNvPr id="169" name="Graphic 168">
+            <a:extLst>
+              <a:ext uri="{FF2B5EF4-FFF2-40B4-BE49-F238E27FC236}">
+                <a16:creationId xmlns:a16="http://schemas.microsoft.com/office/drawing/2014/main" id="{F810929B-D5BC-4650-A09F-2C404E4EC1E0}"/>
+              </a:ext>
+            </a:extLst>
+          </p:cNvPr>
+          <p:cNvPicPr>
+            <a:picLocks noChangeAspect="1"/>
+          </p:cNvPicPr>
+          <p:nvPr/>
+        </p:nvPicPr>
+        <p:blipFill>
+          <a:blip r:embed="rId8">
+            <a:extLst>
+              <a:ext uri="{96DAC541-7B7A-43D3-8B79-37D633B846F1}">
+                <asvg:svgBlip xmlns:asvg="http://schemas.microsoft.com/office/drawing/2016/SVG/main" r:embed="rId9"/>
+              </a:ext>
+            </a:extLst>
+          </a:blip>
+          <a:stretch>
+            <a:fillRect/>
+          </a:stretch>
+        </p:blipFill>
+        <p:spPr>
+          <a:xfrm>
+            <a:off x="5568035" y="3577744"/>
+            <a:ext cx="457200" cy="457200"/>
+          </a:xfrm>
+          <a:prstGeom prst="rect">
+            <a:avLst/>
+          </a:prstGeom>
+        </p:spPr>
+      </p:pic>
+      <p:sp>
+        <p:nvSpPr>
+          <p:cNvPr id="170" name="Oval 169">
+            <a:extLst>
+              <a:ext uri="{FF2B5EF4-FFF2-40B4-BE49-F238E27FC236}">
+                <a16:creationId xmlns:a16="http://schemas.microsoft.com/office/drawing/2014/main" id="{1E2D5023-261C-4FAE-A5CB-50EDC81CE031}"/>
+              </a:ext>
+            </a:extLst>
+          </p:cNvPr>
+          <p:cNvSpPr/>
+          <p:nvPr/>
+        </p:nvSpPr>
+        <p:spPr>
+          <a:xfrm>
+            <a:off x="5488059" y="3496110"/>
+            <a:ext cx="253435" cy="212902"/>
+          </a:xfrm>
+          <a:prstGeom prst="ellipse">
+            <a:avLst/>
+          </a:prstGeom>
+          <a:solidFill>
+            <a:schemeClr val="tx1"/>
+          </a:solidFill>
+          <a:ln>
+            <a:solidFill>
+              <a:schemeClr val="tx1"/>
+            </a:solidFill>
+          </a:ln>
+        </p:spPr>
+        <p:style>
+          <a:lnRef idx="2">
+            <a:schemeClr val="accent1">
+              <a:shade val="50000"/>
+            </a:schemeClr>
+          </a:lnRef>
+          <a:fillRef idx="1">
+            <a:schemeClr val="accent1"/>
+          </a:fillRef>
+          <a:effectRef idx="0">
+            <a:schemeClr val="accent1"/>
+          </a:effectRef>
+          <a:fontRef idx="minor">
+            <a:schemeClr val="lt1"/>
+          </a:fontRef>
+        </p:style>
+        <p:txBody>
+          <a:bodyPr lIns="0" tIns="0" rIns="0" bIns="0" rtlCol="0" anchor="ctr"/>
+          <a:lstStyle/>
+          <a:p>
+            <a:pPr algn="ctr"/>
+            <a:r>
+              <a:rPr lang="en-US" sz="700" dirty="0">
+                <a:latin typeface="Arial" panose="020B0604020202020204" pitchFamily="34" charset="0"/>
+                <a:cs typeface="Arial" panose="020B0604020202020204" pitchFamily="34" charset="0"/>
+              </a:rPr>
+              <a:t>1.10</a:t>
+            </a:r>
+            <a:endParaRPr lang="en-US" sz="800" dirty="0">
+              <a:latin typeface="Arial" panose="020B0604020202020204" pitchFamily="34" charset="0"/>
+              <a:cs typeface="Arial" panose="020B0604020202020204" pitchFamily="34" charset="0"/>
+            </a:endParaRPr>
+          </a:p>
+        </p:txBody>
+      </p:sp>
+    </p:spTree>
+    <p:extLst>
+      <p:ext uri="{BB962C8B-B14F-4D97-AF65-F5344CB8AC3E}">
+        <p14:creationId xmlns:p14="http://schemas.microsoft.com/office/powerpoint/2010/main" val="1709514966"/>
       </p:ext>
     </p:extLst>
   </p:cSld>
